--- a/presentataions/Presentation.pptx
+++ b/presentataions/Presentation.pptx
@@ -6,14 +6,17 @@
     <p:sldMasterId id="2147483661" r:id="rId2"/>
   </p:sldMasterIdLst>
   <p:notesMasterIdLst>
-    <p:notesMasterId r:id="rId8"/>
+    <p:notesMasterId r:id="rId11"/>
   </p:notesMasterIdLst>
   <p:sldIdLst>
     <p:sldId id="257" r:id="rId3"/>
     <p:sldId id="259" r:id="rId4"/>
     <p:sldId id="258" r:id="rId5"/>
     <p:sldId id="261" r:id="rId6"/>
-    <p:sldId id="260" r:id="rId7"/>
+    <p:sldId id="262" r:id="rId7"/>
+    <p:sldId id="260" r:id="rId8"/>
+    <p:sldId id="265" r:id="rId9"/>
+    <p:sldId id="287" r:id="rId10"/>
   </p:sldIdLst>
   <p:sldSz cx="12192000" cy="6858000"/>
   <p:notesSz cx="6858000" cy="9144000"/>
@@ -112,6 +115,11 @@
       </a:defRPr>
     </a:lvl9pPr>
   </p:defaultTextStyle>
+  <p:extLst>
+    <p:ext uri="{EFAFB233-063F-42B5-8137-9DF3F51BA10A}">
+      <p15:sldGuideLst xmlns:p15="http://schemas.microsoft.com/office/powerpoint/2012/main"/>
+    </p:ext>
+  </p:extLst>
 </p:presentation>
 </file>
 
@@ -197,7 +205,7 @@
           <a:p>
             <a:fld id="{AD276A9C-E8FB-4187-B9E8-54A34F7E3A46}" type="datetimeFigureOut">
               <a:rPr lang="en-US" smtClean="0"/>
-              <a:t>2/16/2023</a:t>
+              <a:t>2/23/2023</a:t>
             </a:fld>
             <a:endParaRPr lang="en-US"/>
           </a:p>
@@ -885,6 +893,260 @@
 </p:notes>
 </file>
 
+<file path=ppt/notesSlides/notesSlide5.xml><?xml version="1.0" encoding="utf-8"?>
+<p:notes xmlns:a="http://schemas.openxmlformats.org/drawingml/2006/main" xmlns:r="http://schemas.openxmlformats.org/officeDocument/2006/relationships" xmlns:p="http://schemas.openxmlformats.org/presentationml/2006/main" showMasterSp="0" showMasterPhAnim="0">
+  <p:cSld>
+    <p:spTree>
+      <p:nvGrpSpPr>
+        <p:cNvPr id="1" name="Shape 150"/>
+        <p:cNvGrpSpPr/>
+        <p:nvPr/>
+      </p:nvGrpSpPr>
+      <p:grpSpPr>
+        <a:xfrm>
+          <a:off x="0" y="0"/>
+          <a:ext cx="0" cy="0"/>
+          <a:chOff x="0" y="0"/>
+          <a:chExt cx="0" cy="0"/>
+        </a:xfrm>
+      </p:grpSpPr>
+      <p:sp>
+        <p:nvSpPr>
+          <p:cNvPr id="151" name="Google Shape;151;g1ad9dd80d09_0_439:notes"/>
+          <p:cNvSpPr>
+            <a:spLocks noGrp="1" noRot="1" noChangeAspect="1"/>
+          </p:cNvSpPr>
+          <p:nvPr>
+            <p:ph type="sldImg" idx="2"/>
+          </p:nvPr>
+        </p:nvSpPr>
+        <p:spPr>
+          <a:xfrm>
+            <a:off x="685800" y="1143000"/>
+            <a:ext cx="5486400" cy="3086100"/>
+          </a:xfrm>
+          <a:custGeom>
+            <a:avLst/>
+            <a:gdLst/>
+            <a:ahLst/>
+            <a:cxnLst/>
+            <a:rect l="l" t="t" r="r" b="b"/>
+            <a:pathLst>
+              <a:path w="120000" h="120000" extrusionOk="0">
+                <a:moveTo>
+                  <a:pt x="0" y="0"/>
+                </a:moveTo>
+                <a:lnTo>
+                  <a:pt x="120000" y="0"/>
+                </a:lnTo>
+                <a:lnTo>
+                  <a:pt x="120000" y="120000"/>
+                </a:lnTo>
+                <a:lnTo>
+                  <a:pt x="0" y="120000"/>
+                </a:lnTo>
+                <a:close/>
+              </a:path>
+            </a:pathLst>
+          </a:custGeom>
+        </p:spPr>
+      </p:sp>
+      <p:sp>
+        <p:nvSpPr>
+          <p:cNvPr id="152" name="Google Shape;152;g1ad9dd80d09_0_439:notes"/>
+          <p:cNvSpPr txBox="1">
+            <a:spLocks noGrp="1"/>
+          </p:cNvSpPr>
+          <p:nvPr>
+            <p:ph type="body" idx="1"/>
+          </p:nvPr>
+        </p:nvSpPr>
+        <p:spPr>
+          <a:xfrm>
+            <a:off x="685800" y="4400550"/>
+            <a:ext cx="5486400" cy="3600600"/>
+          </a:xfrm>
+          <a:prstGeom prst="rect">
+            <a:avLst/>
+          </a:prstGeom>
+        </p:spPr>
+        <p:txBody>
+          <a:bodyPr spcFirstLastPara="1" wrap="square" lIns="91425" tIns="45700" rIns="91425" bIns="45700" anchor="t" anchorCtr="0">
+            <a:noAutofit/>
+          </a:bodyPr>
+          <a:lstStyle/>
+          <a:p>
+            <a:pPr marL="0" lvl="0" indent="0" algn="l" rtl="0">
+              <a:spcBef>
+                <a:spcPts val="0"/>
+              </a:spcBef>
+              <a:spcAft>
+                <a:spcPts val="0"/>
+              </a:spcAft>
+              <a:buNone/>
+            </a:pPr>
+            <a:endParaRPr/>
+          </a:p>
+        </p:txBody>
+      </p:sp>
+      <p:sp>
+        <p:nvSpPr>
+          <p:cNvPr id="153" name="Google Shape;153;g1ad9dd80d09_0_439:notes"/>
+          <p:cNvSpPr txBox="1">
+            <a:spLocks noGrp="1"/>
+          </p:cNvSpPr>
+          <p:nvPr>
+            <p:ph type="sldNum" idx="12"/>
+          </p:nvPr>
+        </p:nvSpPr>
+        <p:spPr>
+          <a:xfrm>
+            <a:off x="3884613" y="8685213"/>
+            <a:ext cx="2971800" cy="458700"/>
+          </a:xfrm>
+          <a:prstGeom prst="rect">
+            <a:avLst/>
+          </a:prstGeom>
+        </p:spPr>
+        <p:txBody>
+          <a:bodyPr spcFirstLastPara="1" wrap="square" lIns="91425" tIns="45700" rIns="91425" bIns="45700" anchor="b" anchorCtr="0">
+            <a:noAutofit/>
+          </a:bodyPr>
+          <a:lstStyle/>
+          <a:p>
+            <a:pPr marL="0" lvl="0" indent="0" algn="r" rtl="0">
+              <a:spcBef>
+                <a:spcPts val="0"/>
+              </a:spcBef>
+              <a:spcAft>
+                <a:spcPts val="0"/>
+              </a:spcAft>
+              <a:buClr>
+                <a:srgbClr val="000000"/>
+              </a:buClr>
+              <a:buFont typeface="Arial"/>
+              <a:buNone/>
+            </a:pPr>
+            <a:fld id="{00000000-1234-1234-1234-123412341234}" type="slidenum">
+              <a:rPr lang="en-US"/>
+              <a:t>5</a:t>
+            </a:fld>
+            <a:endParaRPr/>
+          </a:p>
+        </p:txBody>
+      </p:sp>
+    </p:spTree>
+  </p:cSld>
+  <p:clrMapOvr>
+    <a:masterClrMapping/>
+  </p:clrMapOvr>
+</p:notes>
+</file>
+
+<file path=ppt/notesSlides/notesSlide6.xml><?xml version="1.0" encoding="utf-8"?>
+<p:notes xmlns:a="http://schemas.openxmlformats.org/drawingml/2006/main" xmlns:r="http://schemas.openxmlformats.org/officeDocument/2006/relationships" xmlns:p="http://schemas.openxmlformats.org/presentationml/2006/main" showMasterSp="0" showMasterPhAnim="0">
+  <p:cSld>
+    <p:spTree>
+      <p:nvGrpSpPr>
+        <p:cNvPr id="1" name="Shape 347"/>
+        <p:cNvGrpSpPr/>
+        <p:nvPr/>
+      </p:nvGrpSpPr>
+      <p:grpSpPr>
+        <a:xfrm>
+          <a:off x="0" y="0"/>
+          <a:ext cx="0" cy="0"/>
+          <a:chOff x="0" y="0"/>
+          <a:chExt cx="0" cy="0"/>
+        </a:xfrm>
+      </p:grpSpPr>
+      <p:sp>
+        <p:nvSpPr>
+          <p:cNvPr id="348" name="Google Shape;348;g1aefe40ca71_2_2:notes"/>
+          <p:cNvSpPr txBox="1">
+            <a:spLocks noGrp="1"/>
+          </p:cNvSpPr>
+          <p:nvPr>
+            <p:ph type="body" idx="1"/>
+          </p:nvPr>
+        </p:nvSpPr>
+        <p:spPr>
+          <a:xfrm>
+            <a:off x="685800" y="4400550"/>
+            <a:ext cx="5486400" cy="3600600"/>
+          </a:xfrm>
+          <a:prstGeom prst="rect">
+            <a:avLst/>
+          </a:prstGeom>
+        </p:spPr>
+        <p:txBody>
+          <a:bodyPr spcFirstLastPara="1" wrap="square" lIns="91425" tIns="45700" rIns="91425" bIns="45700" anchor="t" anchorCtr="0">
+            <a:noAutofit/>
+          </a:bodyPr>
+          <a:lstStyle/>
+          <a:p>
+            <a:pPr marL="0" lvl="0" indent="0" algn="l" rtl="0">
+              <a:spcBef>
+                <a:spcPts val="0"/>
+              </a:spcBef>
+              <a:spcAft>
+                <a:spcPts val="0"/>
+              </a:spcAft>
+              <a:buNone/>
+            </a:pPr>
+            <a:endParaRPr/>
+          </a:p>
+        </p:txBody>
+      </p:sp>
+      <p:sp>
+        <p:nvSpPr>
+          <p:cNvPr id="349" name="Google Shape;349;g1aefe40ca71_2_2:notes"/>
+          <p:cNvSpPr>
+            <a:spLocks noGrp="1" noRot="1" noChangeAspect="1"/>
+          </p:cNvSpPr>
+          <p:nvPr>
+            <p:ph type="sldImg" idx="2"/>
+          </p:nvPr>
+        </p:nvSpPr>
+        <p:spPr>
+          <a:xfrm>
+            <a:off x="685800" y="1143000"/>
+            <a:ext cx="5486400" cy="3086100"/>
+          </a:xfrm>
+          <a:custGeom>
+            <a:avLst/>
+            <a:gdLst/>
+            <a:ahLst/>
+            <a:cxnLst/>
+            <a:rect l="l" t="t" r="r" b="b"/>
+            <a:pathLst>
+              <a:path w="120000" h="120000" extrusionOk="0">
+                <a:moveTo>
+                  <a:pt x="0" y="0"/>
+                </a:moveTo>
+                <a:lnTo>
+                  <a:pt x="120000" y="0"/>
+                </a:lnTo>
+                <a:lnTo>
+                  <a:pt x="120000" y="120000"/>
+                </a:lnTo>
+                <a:lnTo>
+                  <a:pt x="0" y="120000"/>
+                </a:lnTo>
+                <a:close/>
+              </a:path>
+            </a:pathLst>
+          </a:custGeom>
+        </p:spPr>
+      </p:sp>
+    </p:spTree>
+  </p:cSld>
+  <p:clrMapOvr>
+    <a:masterClrMapping/>
+  </p:clrMapOvr>
+</p:notes>
+</file>
+
 <file path=ppt/slideLayouts/slideLayout1.xml><?xml version="1.0" encoding="utf-8"?>
 <p:sldLayout xmlns:a="http://schemas.openxmlformats.org/drawingml/2006/main" xmlns:r="http://schemas.openxmlformats.org/officeDocument/2006/relationships" xmlns:p="http://schemas.openxmlformats.org/presentationml/2006/main" type="title" preserve="1">
   <p:cSld name="Title Slide">
@@ -1032,7 +1294,7 @@
           <a:p>
             <a:fld id="{6BAB3201-8CBA-4DCE-BDB9-4692BAE81E1A}" type="datetimeFigureOut">
               <a:rPr lang="en-US" smtClean="0"/>
-              <a:t>2/16/2023</a:t>
+              <a:t>2/23/2023</a:t>
             </a:fld>
             <a:endParaRPr lang="en-US"/>
           </a:p>
@@ -1230,7 +1492,7 @@
           <a:p>
             <a:fld id="{6BAB3201-8CBA-4DCE-BDB9-4692BAE81E1A}" type="datetimeFigureOut">
               <a:rPr lang="en-US" smtClean="0"/>
-              <a:t>2/16/2023</a:t>
+              <a:t>2/23/2023</a:t>
             </a:fld>
             <a:endParaRPr lang="en-US"/>
           </a:p>
@@ -1438,7 +1700,7 @@
           <a:p>
             <a:fld id="{6BAB3201-8CBA-4DCE-BDB9-4692BAE81E1A}" type="datetimeFigureOut">
               <a:rPr lang="en-US" smtClean="0"/>
-              <a:t>2/16/2023</a:t>
+              <a:t>2/23/2023</a:t>
             </a:fld>
             <a:endParaRPr lang="en-US"/>
           </a:p>
@@ -5595,7 +5857,7 @@
           <a:p>
             <a:fld id="{6BAB3201-8CBA-4DCE-BDB9-4692BAE81E1A}" type="datetimeFigureOut">
               <a:rPr lang="en-US" smtClean="0"/>
-              <a:t>2/16/2023</a:t>
+              <a:t>2/23/2023</a:t>
             </a:fld>
             <a:endParaRPr lang="en-US"/>
           </a:p>
@@ -5870,7 +6132,7 @@
           <a:p>
             <a:fld id="{6BAB3201-8CBA-4DCE-BDB9-4692BAE81E1A}" type="datetimeFigureOut">
               <a:rPr lang="en-US" smtClean="0"/>
-              <a:t>2/16/2023</a:t>
+              <a:t>2/23/2023</a:t>
             </a:fld>
             <a:endParaRPr lang="en-US"/>
           </a:p>
@@ -6135,7 +6397,7 @@
           <a:p>
             <a:fld id="{6BAB3201-8CBA-4DCE-BDB9-4692BAE81E1A}" type="datetimeFigureOut">
               <a:rPr lang="en-US" smtClean="0"/>
-              <a:t>2/16/2023</a:t>
+              <a:t>2/23/2023</a:t>
             </a:fld>
             <a:endParaRPr lang="en-US"/>
           </a:p>
@@ -6547,7 +6809,7 @@
           <a:p>
             <a:fld id="{6BAB3201-8CBA-4DCE-BDB9-4692BAE81E1A}" type="datetimeFigureOut">
               <a:rPr lang="en-US" smtClean="0"/>
-              <a:t>2/16/2023</a:t>
+              <a:t>2/23/2023</a:t>
             </a:fld>
             <a:endParaRPr lang="en-US"/>
           </a:p>
@@ -6688,7 +6950,7 @@
           <a:p>
             <a:fld id="{6BAB3201-8CBA-4DCE-BDB9-4692BAE81E1A}" type="datetimeFigureOut">
               <a:rPr lang="en-US" smtClean="0"/>
-              <a:t>2/16/2023</a:t>
+              <a:t>2/23/2023</a:t>
             </a:fld>
             <a:endParaRPr lang="en-US"/>
           </a:p>
@@ -6801,7 +7063,7 @@
           <a:p>
             <a:fld id="{6BAB3201-8CBA-4DCE-BDB9-4692BAE81E1A}" type="datetimeFigureOut">
               <a:rPr lang="en-US" smtClean="0"/>
-              <a:t>2/16/2023</a:t>
+              <a:t>2/23/2023</a:t>
             </a:fld>
             <a:endParaRPr lang="en-US"/>
           </a:p>
@@ -7112,7 +7374,7 @@
           <a:p>
             <a:fld id="{6BAB3201-8CBA-4DCE-BDB9-4692BAE81E1A}" type="datetimeFigureOut">
               <a:rPr lang="en-US" smtClean="0"/>
-              <a:t>2/16/2023</a:t>
+              <a:t>2/23/2023</a:t>
             </a:fld>
             <a:endParaRPr lang="en-US"/>
           </a:p>
@@ -7400,7 +7662,7 @@
           <a:p>
             <a:fld id="{6BAB3201-8CBA-4DCE-BDB9-4692BAE81E1A}" type="datetimeFigureOut">
               <a:rPr lang="en-US" smtClean="0"/>
-              <a:t>2/16/2023</a:t>
+              <a:t>2/23/2023</a:t>
             </a:fld>
             <a:endParaRPr lang="en-US"/>
           </a:p>
@@ -7641,7 +7903,7 @@
           <a:p>
             <a:fld id="{6BAB3201-8CBA-4DCE-BDB9-4692BAE81E1A}" type="datetimeFigureOut">
               <a:rPr lang="en-US" smtClean="0"/>
-              <a:t>2/16/2023</a:t>
+              <a:t>2/23/2023</a:t>
             </a:fld>
             <a:endParaRPr lang="en-US"/>
           </a:p>
@@ -10950,6 +11212,44 @@
           </a:p>
         </p:txBody>
       </p:sp>
+      <p:sp>
+        <p:nvSpPr>
+          <p:cNvPr id="4" name="TextBox 3">
+            <a:extLst>
+              <a:ext uri="{FF2B5EF4-FFF2-40B4-BE49-F238E27FC236}">
+                <a16:creationId xmlns:a16="http://schemas.microsoft.com/office/drawing/2014/main" id="{497D8E5D-C2B3-6E69-3D4B-ED1B08F6EC37}"/>
+              </a:ext>
+            </a:extLst>
+          </p:cNvPr>
+          <p:cNvSpPr txBox="1"/>
+          <p:nvPr/>
+        </p:nvSpPr>
+        <p:spPr>
+          <a:xfrm>
+            <a:off x="3048000" y="3246792"/>
+            <a:ext cx="6096000" cy="369332"/>
+          </a:xfrm>
+          <a:prstGeom prst="rect">
+            <a:avLst/>
+          </a:prstGeom>
+          <a:noFill/>
+        </p:spPr>
+        <p:txBody>
+          <a:bodyPr wrap="square">
+            <a:spAutoFit/>
+          </a:bodyPr>
+          <a:lstStyle/>
+          <a:p>
+            <a:r>
+              <a:rPr lang="en-US" b="0" dirty="0">
+                <a:effectLst/>
+              </a:rPr>
+              <a:t> </a:t>
+            </a:r>
+            <a:endParaRPr lang="en-US" dirty="0"/>
+          </a:p>
+        </p:txBody>
+      </p:sp>
     </p:spTree>
     <p:extLst>
       <p:ext uri="{BB962C8B-B14F-4D97-AF65-F5344CB8AC3E}">
@@ -10968,6 +11268,282 @@
   <p:cSld>
     <p:spTree>
       <p:nvGrpSpPr>
+        <p:cNvPr id="1" name="Shape 154"/>
+        <p:cNvGrpSpPr/>
+        <p:nvPr/>
+      </p:nvGrpSpPr>
+      <p:grpSpPr>
+        <a:xfrm>
+          <a:off x="0" y="0"/>
+          <a:ext cx="0" cy="0"/>
+          <a:chOff x="0" y="0"/>
+          <a:chExt cx="0" cy="0"/>
+        </a:xfrm>
+      </p:grpSpPr>
+      <p:sp>
+        <p:nvSpPr>
+          <p:cNvPr id="155" name="Google Shape;155;p22"/>
+          <p:cNvSpPr txBox="1">
+            <a:spLocks noGrp="1"/>
+          </p:cNvSpPr>
+          <p:nvPr>
+            <p:ph type="title"/>
+          </p:nvPr>
+        </p:nvSpPr>
+        <p:spPr>
+          <a:xfrm>
+            <a:off x="838200" y="396350"/>
+            <a:ext cx="10515600" cy="1325700"/>
+          </a:xfrm>
+          <a:prstGeom prst="rect">
+            <a:avLst/>
+          </a:prstGeom>
+        </p:spPr>
+        <p:txBody>
+          <a:bodyPr spcFirstLastPara="1" wrap="square" lIns="91425" tIns="45700" rIns="91425" bIns="45700" anchor="ctr" anchorCtr="0">
+            <a:noAutofit/>
+          </a:bodyPr>
+          <a:lstStyle/>
+          <a:p>
+            <a:pPr marL="0" lvl="0" indent="0" algn="l" rtl="0">
+              <a:lnSpc>
+                <a:spcPct val="115000"/>
+              </a:lnSpc>
+              <a:spcBef>
+                <a:spcPts val="0"/>
+              </a:spcBef>
+              <a:spcAft>
+                <a:spcPts val="0"/>
+              </a:spcAft>
+              <a:buNone/>
+            </a:pPr>
+            <a:r>
+              <a:rPr lang="en-US" sz="4400" b="0">
+                <a:solidFill>
+                  <a:schemeClr val="dk1"/>
+                </a:solidFill>
+                <a:latin typeface="EB Garamond ExtraBold"/>
+                <a:ea typeface="EB Garamond ExtraBold"/>
+                <a:cs typeface="EB Garamond ExtraBold"/>
+                <a:sym typeface="EB Garamond ExtraBold"/>
+              </a:rPr>
+              <a:t>Potential Customers</a:t>
+            </a:r>
+            <a:endParaRPr sz="4400" b="0">
+              <a:latin typeface="EB Garamond ExtraBold"/>
+              <a:ea typeface="EB Garamond ExtraBold"/>
+              <a:cs typeface="EB Garamond ExtraBold"/>
+              <a:sym typeface="EB Garamond ExtraBold"/>
+            </a:endParaRPr>
+          </a:p>
+        </p:txBody>
+      </p:sp>
+      <p:sp>
+        <p:nvSpPr>
+          <p:cNvPr id="156" name="Google Shape;156;p22"/>
+          <p:cNvSpPr txBox="1">
+            <a:spLocks noGrp="1"/>
+          </p:cNvSpPr>
+          <p:nvPr>
+            <p:ph type="body" idx="1"/>
+          </p:nvPr>
+        </p:nvSpPr>
+        <p:spPr>
+          <a:xfrm>
+            <a:off x="838200" y="1622550"/>
+            <a:ext cx="10515600" cy="1486200"/>
+          </a:xfrm>
+          <a:prstGeom prst="rect">
+            <a:avLst/>
+          </a:prstGeom>
+        </p:spPr>
+        <p:txBody>
+          <a:bodyPr spcFirstLastPara="1" wrap="square" lIns="91425" tIns="45700" rIns="91425" bIns="45700" anchor="t" anchorCtr="0">
+            <a:noAutofit/>
+          </a:bodyPr>
+          <a:lstStyle/>
+          <a:p>
+            <a:pPr marL="0" lvl="0" indent="0" algn="l" rtl="0">
+              <a:lnSpc>
+                <a:spcPct val="115000"/>
+              </a:lnSpc>
+              <a:spcBef>
+                <a:spcPts val="0"/>
+              </a:spcBef>
+              <a:spcAft>
+                <a:spcPts val="0"/>
+              </a:spcAft>
+              <a:buNone/>
+            </a:pPr>
+            <a:r>
+              <a:rPr lang="en-US" sz="2800" b="0" kern="1200" dirty="0">
+                <a:solidFill>
+                  <a:schemeClr val="tx1"/>
+                </a:solidFill>
+                <a:latin typeface="Calibri" panose="020F0502020204030204" pitchFamily="34" charset="0"/>
+                <a:ea typeface="Calibri" panose="020F0502020204030204" pitchFamily="34" charset="0"/>
+                <a:cs typeface="Times New Roman" panose="02020603050405020304" pitchFamily="18" charset="0"/>
+              </a:rPr>
+              <a:t>Policymakers, economists, business leaders, and researchers who are interested in understanding the economic effects of the pandemic</a:t>
+            </a:r>
+            <a:r>
+              <a:rPr lang="en-US" sz="2000" b="0" i="0" dirty="0">
+                <a:solidFill>
+                  <a:srgbClr val="374151"/>
+                </a:solidFill>
+                <a:effectLst/>
+                <a:latin typeface="Söhne"/>
+              </a:rPr>
+              <a:t>.</a:t>
+            </a:r>
+            <a:endParaRPr sz="2500" b="0" dirty="0">
+              <a:latin typeface="EB Garamond"/>
+              <a:ea typeface="EB Garamond"/>
+              <a:cs typeface="EB Garamond"/>
+              <a:sym typeface="EB Garamond"/>
+            </a:endParaRPr>
+          </a:p>
+        </p:txBody>
+      </p:sp>
+      <p:sp>
+        <p:nvSpPr>
+          <p:cNvPr id="157" name="Google Shape;157;p22"/>
+          <p:cNvSpPr txBox="1"/>
+          <p:nvPr/>
+        </p:nvSpPr>
+        <p:spPr>
+          <a:xfrm>
+            <a:off x="730186" y="3135789"/>
+            <a:ext cx="10494600" cy="861900"/>
+          </a:xfrm>
+          <a:prstGeom prst="rect">
+            <a:avLst/>
+          </a:prstGeom>
+          <a:noFill/>
+          <a:ln>
+            <a:noFill/>
+          </a:ln>
+        </p:spPr>
+        <p:txBody>
+          <a:bodyPr spcFirstLastPara="1" wrap="square" lIns="91425" tIns="91425" rIns="91425" bIns="91425" anchor="t" anchorCtr="0">
+            <a:spAutoFit/>
+          </a:bodyPr>
+          <a:lstStyle/>
+          <a:p>
+            <a:pPr marL="0" lvl="0" indent="0" algn="l" rtl="0">
+              <a:lnSpc>
+                <a:spcPct val="115000"/>
+              </a:lnSpc>
+              <a:spcBef>
+                <a:spcPts val="0"/>
+              </a:spcBef>
+              <a:spcAft>
+                <a:spcPts val="0"/>
+              </a:spcAft>
+              <a:buClr>
+                <a:schemeClr val="dk1"/>
+              </a:buClr>
+              <a:buSzPts val="1100"/>
+              <a:buFont typeface="Arial"/>
+              <a:buNone/>
+            </a:pPr>
+            <a:r>
+              <a:rPr lang="en-US" sz="4400" dirty="0">
+                <a:solidFill>
+                  <a:schemeClr val="dk1"/>
+                </a:solidFill>
+                <a:latin typeface="EB Garamond ExtraBold"/>
+                <a:ea typeface="EB Garamond ExtraBold"/>
+                <a:cs typeface="EB Garamond ExtraBold"/>
+                <a:sym typeface="EB Garamond ExtraBold"/>
+              </a:rPr>
+              <a:t>End Users</a:t>
+            </a:r>
+            <a:endParaRPr sz="4400" dirty="0">
+              <a:solidFill>
+                <a:srgbClr val="07305D"/>
+              </a:solidFill>
+              <a:latin typeface="EB Garamond ExtraBold"/>
+              <a:ea typeface="EB Garamond ExtraBold"/>
+              <a:cs typeface="EB Garamond ExtraBold"/>
+              <a:sym typeface="EB Garamond ExtraBold"/>
+            </a:endParaRPr>
+          </a:p>
+        </p:txBody>
+      </p:sp>
+      <p:sp>
+        <p:nvSpPr>
+          <p:cNvPr id="158" name="Google Shape;158;p22"/>
+          <p:cNvSpPr txBox="1"/>
+          <p:nvPr/>
+        </p:nvSpPr>
+        <p:spPr>
+          <a:xfrm>
+            <a:off x="848700" y="4264775"/>
+            <a:ext cx="9716700" cy="1671196"/>
+          </a:xfrm>
+          <a:prstGeom prst="rect">
+            <a:avLst/>
+          </a:prstGeom>
+          <a:noFill/>
+          <a:ln>
+            <a:noFill/>
+          </a:ln>
+        </p:spPr>
+        <p:txBody>
+          <a:bodyPr spcFirstLastPara="1" wrap="square" lIns="91425" tIns="91425" rIns="91425" bIns="91425" anchor="t" anchorCtr="0">
+            <a:spAutoFit/>
+          </a:bodyPr>
+          <a:lstStyle/>
+          <a:p>
+            <a:pPr marL="0" lvl="0" indent="0" algn="l" rtl="0">
+              <a:lnSpc>
+                <a:spcPct val="115000"/>
+              </a:lnSpc>
+              <a:spcBef>
+                <a:spcPts val="0"/>
+              </a:spcBef>
+              <a:spcAft>
+                <a:spcPts val="0"/>
+              </a:spcAft>
+              <a:buClr>
+                <a:schemeClr val="dk1"/>
+              </a:buClr>
+              <a:buSzPts val="1100"/>
+              <a:buFont typeface="Arial"/>
+              <a:buNone/>
+            </a:pPr>
+            <a:r>
+              <a:rPr lang="en-US" sz="2800" dirty="0">
+                <a:latin typeface="Calibri" panose="020F0502020204030204" pitchFamily="34" charset="0"/>
+                <a:ea typeface="Calibri" panose="020F0502020204030204" pitchFamily="34" charset="0"/>
+                <a:cs typeface="Times New Roman" panose="02020603050405020304" pitchFamily="18" charset="0"/>
+                <a:sym typeface="Arial"/>
+              </a:rPr>
+              <a:t>Researchers may use these predictions to study the impact of COVID-19 on the economy and to develop new economic models and theories.</a:t>
+            </a:r>
+            <a:endParaRPr sz="2800" dirty="0">
+              <a:latin typeface="Calibri" panose="020F0502020204030204" pitchFamily="34" charset="0"/>
+              <a:ea typeface="Calibri" panose="020F0502020204030204" pitchFamily="34" charset="0"/>
+              <a:cs typeface="Times New Roman" panose="02020603050405020304" pitchFamily="18" charset="0"/>
+              <a:sym typeface="Arial"/>
+            </a:endParaRPr>
+          </a:p>
+        </p:txBody>
+      </p:sp>
+    </p:spTree>
+  </p:cSld>
+  <p:clrMapOvr>
+    <a:masterClrMapping/>
+  </p:clrMapOvr>
+</p:sld>
+</file>
+
+<file path=ppt/slides/slide6.xml><?xml version="1.0" encoding="utf-8"?>
+<p:sld xmlns:a="http://schemas.openxmlformats.org/drawingml/2006/main" xmlns:r="http://schemas.openxmlformats.org/officeDocument/2006/relationships" xmlns:p="http://schemas.openxmlformats.org/presentationml/2006/main">
+  <p:cSld>
+    <p:spTree>
+      <p:nvGrpSpPr>
         <p:cNvPr id="1" name=""/>
         <p:cNvGrpSpPr/>
         <p:nvPr/>
@@ -11001,7 +11577,10 @@
           <a:bodyPr/>
           <a:lstStyle/>
           <a:p>
-            <a:endParaRPr lang="en-US"/>
+            <a:r>
+              <a:rPr lang="en-US" dirty="0"/>
+              <a:t>Dataset:</a:t>
+            </a:r>
           </a:p>
         </p:txBody>
       </p:sp>
@@ -11026,16 +11605,530 @@
           <a:bodyPr/>
           <a:lstStyle/>
           <a:p>
-            <a:endParaRPr lang="en-US"/>
-          </a:p>
-        </p:txBody>
-      </p:sp>
+            <a:pPr algn="l"/>
+            <a:r>
+              <a:rPr lang="en-US" sz="2000" b="0" i="0" u="none" strike="noStrike" baseline="0" dirty="0">
+                <a:latin typeface="NimbusRomNo9L-Regu"/>
+              </a:rPr>
+              <a:t>We have collected our dataset from the Kaggle </a:t>
+            </a:r>
+            <a:r>
+              <a:rPr lang="en-US" sz="2000" b="0" i="0" u="none" strike="noStrike" baseline="0" dirty="0" err="1">
+                <a:latin typeface="NimbusRomNo9L-Regu"/>
+              </a:rPr>
+              <a:t>source“Impact</a:t>
+            </a:r>
+            <a:r>
+              <a:rPr lang="en-US" sz="2000" b="0" i="0" u="none" strike="noStrike" baseline="0" dirty="0">
+                <a:latin typeface="NimbusRomNo9L-Regu"/>
+              </a:rPr>
+              <a:t> of Covid-19 Pandemic on the global economy”.</a:t>
+            </a:r>
+          </a:p>
+          <a:p>
+            <a:pPr algn="l"/>
+            <a:r>
+              <a:rPr lang="en-US" sz="1500" dirty="0">
+                <a:hlinkClick r:id="rId2"/>
+              </a:rPr>
+              <a:t>https://www.kaggle.com/code/sathianpong/covid19-economic-effect-on-unemployment</a:t>
+            </a:r>
+            <a:endParaRPr lang="en-US" sz="1500" dirty="0"/>
+          </a:p>
+          <a:p>
+            <a:pPr algn="l"/>
+            <a:endParaRPr lang="en-US" sz="1200" dirty="0"/>
+          </a:p>
+          <a:p>
+            <a:pPr algn="l"/>
+            <a:endParaRPr lang="en-US" sz="1200" dirty="0"/>
+          </a:p>
+          <a:p>
+            <a:pPr algn="l"/>
+            <a:endParaRPr lang="en-US" sz="1200" dirty="0"/>
+          </a:p>
+        </p:txBody>
+      </p:sp>
+      <p:sp>
+        <p:nvSpPr>
+          <p:cNvPr id="5" name="TextBox 4">
+            <a:extLst>
+              <a:ext uri="{FF2B5EF4-FFF2-40B4-BE49-F238E27FC236}">
+                <a16:creationId xmlns:a16="http://schemas.microsoft.com/office/drawing/2014/main" id="{1D5A2CE7-898E-F0AD-36D7-6BCE9920827F}"/>
+              </a:ext>
+            </a:extLst>
+          </p:cNvPr>
+          <p:cNvSpPr txBox="1"/>
+          <p:nvPr/>
+        </p:nvSpPr>
+        <p:spPr>
+          <a:xfrm>
+            <a:off x="3048000" y="3246792"/>
+            <a:ext cx="6096000" cy="369332"/>
+          </a:xfrm>
+          <a:prstGeom prst="rect">
+            <a:avLst/>
+          </a:prstGeom>
+          <a:noFill/>
+        </p:spPr>
+        <p:txBody>
+          <a:bodyPr wrap="square">
+            <a:spAutoFit/>
+          </a:bodyPr>
+          <a:lstStyle/>
+          <a:p>
+            <a:r>
+              <a:rPr lang="en-US" b="0" dirty="0">
+                <a:effectLst/>
+              </a:rPr>
+              <a:t> </a:t>
+            </a:r>
+            <a:endParaRPr lang="en-US" dirty="0"/>
+          </a:p>
+        </p:txBody>
+      </p:sp>
+      <p:sp>
+        <p:nvSpPr>
+          <p:cNvPr id="7" name="TextBox 6">
+            <a:extLst>
+              <a:ext uri="{FF2B5EF4-FFF2-40B4-BE49-F238E27FC236}">
+                <a16:creationId xmlns:a16="http://schemas.microsoft.com/office/drawing/2014/main" id="{4A3BF841-40B0-33C1-F0D7-2FB9837657DE}"/>
+              </a:ext>
+            </a:extLst>
+          </p:cNvPr>
+          <p:cNvSpPr txBox="1"/>
+          <p:nvPr/>
+        </p:nvSpPr>
+        <p:spPr>
+          <a:xfrm>
+            <a:off x="3048000" y="3246792"/>
+            <a:ext cx="6096000" cy="369332"/>
+          </a:xfrm>
+          <a:prstGeom prst="rect">
+            <a:avLst/>
+          </a:prstGeom>
+          <a:noFill/>
+        </p:spPr>
+        <p:txBody>
+          <a:bodyPr wrap="square">
+            <a:spAutoFit/>
+          </a:bodyPr>
+          <a:lstStyle/>
+          <a:p>
+            <a:r>
+              <a:rPr lang="en-US" b="0" dirty="0">
+                <a:effectLst/>
+              </a:rPr>
+              <a:t> </a:t>
+            </a:r>
+            <a:endParaRPr lang="en-US" dirty="0"/>
+          </a:p>
+        </p:txBody>
+      </p:sp>
+      <p:pic>
+        <p:nvPicPr>
+          <p:cNvPr id="11" name="Picture 10">
+            <a:extLst>
+              <a:ext uri="{FF2B5EF4-FFF2-40B4-BE49-F238E27FC236}">
+                <a16:creationId xmlns:a16="http://schemas.microsoft.com/office/drawing/2014/main" id="{AF8C0CF2-B3C6-B754-FF81-4CB819240065}"/>
+              </a:ext>
+            </a:extLst>
+          </p:cNvPr>
+          <p:cNvPicPr>
+            <a:picLocks noChangeAspect="1"/>
+          </p:cNvPicPr>
+          <p:nvPr/>
+        </p:nvPicPr>
+        <p:blipFill>
+          <a:blip r:embed="rId3"/>
+          <a:stretch>
+            <a:fillRect/>
+          </a:stretch>
+        </p:blipFill>
+        <p:spPr>
+          <a:xfrm>
+            <a:off x="1248697" y="3329940"/>
+            <a:ext cx="9409471" cy="421121"/>
+          </a:xfrm>
+          <a:prstGeom prst="rect">
+            <a:avLst/>
+          </a:prstGeom>
+        </p:spPr>
+      </p:pic>
     </p:spTree>
     <p:extLst>
       <p:ext uri="{BB962C8B-B14F-4D97-AF65-F5344CB8AC3E}">
         <p14:creationId xmlns:p14="http://schemas.microsoft.com/office/powerpoint/2010/main" val="2535787541"/>
       </p:ext>
     </p:extLst>
+  </p:cSld>
+  <p:clrMapOvr>
+    <a:masterClrMapping/>
+  </p:clrMapOvr>
+</p:sld>
+</file>
+
+<file path=ppt/slides/slide7.xml><?xml version="1.0" encoding="utf-8"?>
+<p:sld xmlns:a="http://schemas.openxmlformats.org/drawingml/2006/main" xmlns:r="http://schemas.openxmlformats.org/officeDocument/2006/relationships" xmlns:p="http://schemas.openxmlformats.org/presentationml/2006/main">
+  <p:cSld>
+    <p:spTree>
+      <p:nvGrpSpPr>
+        <p:cNvPr id="1" name=""/>
+        <p:cNvGrpSpPr/>
+        <p:nvPr/>
+      </p:nvGrpSpPr>
+      <p:grpSpPr>
+        <a:xfrm>
+          <a:off x="0" y="0"/>
+          <a:ext cx="0" cy="0"/>
+          <a:chOff x="0" y="0"/>
+          <a:chExt cx="0" cy="0"/>
+        </a:xfrm>
+      </p:grpSpPr>
+      <p:sp>
+        <p:nvSpPr>
+          <p:cNvPr id="2" name="Title 1">
+            <a:extLst>
+              <a:ext uri="{FF2B5EF4-FFF2-40B4-BE49-F238E27FC236}">
+                <a16:creationId xmlns:a16="http://schemas.microsoft.com/office/drawing/2014/main" id="{BC2F65E4-FEE7-4715-B429-478CFFCC7C0C}"/>
+              </a:ext>
+            </a:extLst>
+          </p:cNvPr>
+          <p:cNvSpPr>
+            <a:spLocks noGrp="1"/>
+          </p:cNvSpPr>
+          <p:nvPr>
+            <p:ph type="title"/>
+          </p:nvPr>
+        </p:nvSpPr>
+        <p:spPr/>
+        <p:txBody>
+          <a:bodyPr/>
+          <a:lstStyle/>
+          <a:p>
+            <a:r>
+              <a:rPr lang="en-US" dirty="0"/>
+              <a:t>Literature Review</a:t>
+            </a:r>
+          </a:p>
+        </p:txBody>
+      </p:sp>
+      <p:sp>
+        <p:nvSpPr>
+          <p:cNvPr id="3" name="Text Placeholder 2">
+            <a:extLst>
+              <a:ext uri="{FF2B5EF4-FFF2-40B4-BE49-F238E27FC236}">
+                <a16:creationId xmlns:a16="http://schemas.microsoft.com/office/drawing/2014/main" id="{32B88E10-78C1-CD6A-1490-18A8F97665E8}"/>
+              </a:ext>
+            </a:extLst>
+          </p:cNvPr>
+          <p:cNvSpPr>
+            <a:spLocks noGrp="1"/>
+          </p:cNvSpPr>
+          <p:nvPr>
+            <p:ph type="body" idx="1"/>
+          </p:nvPr>
+        </p:nvSpPr>
+        <p:spPr/>
+        <p:txBody>
+          <a:bodyPr/>
+          <a:lstStyle/>
+          <a:p>
+            <a:pPr algn="l"/>
+            <a:r>
+              <a:rPr lang="en-US" sz="2000" b="0" i="0" dirty="0">
+                <a:solidFill>
+                  <a:srgbClr val="222222"/>
+                </a:solidFill>
+                <a:effectLst/>
+                <a:latin typeface="Arial" panose="020B0604020202020204" pitchFamily="34" charset="0"/>
+              </a:rPr>
+              <a:t>Kumari, Rajani, Sandeep Kumar, Ramesh Chandra </a:t>
+            </a:r>
+            <a:r>
+              <a:rPr lang="en-US" sz="2000" b="0" i="0" dirty="0" err="1">
+                <a:solidFill>
+                  <a:srgbClr val="222222"/>
+                </a:solidFill>
+                <a:effectLst/>
+                <a:latin typeface="Arial" panose="020B0604020202020204" pitchFamily="34" charset="0"/>
+              </a:rPr>
+              <a:t>Poonia</a:t>
+            </a:r>
+            <a:r>
+              <a:rPr lang="en-US" sz="2000" b="0" i="0" dirty="0">
+                <a:solidFill>
+                  <a:srgbClr val="222222"/>
+                </a:solidFill>
+                <a:effectLst/>
+                <a:latin typeface="Arial" panose="020B0604020202020204" pitchFamily="34" charset="0"/>
+              </a:rPr>
+              <a:t>, </a:t>
+            </a:r>
+            <a:r>
+              <a:rPr lang="en-US" sz="2000" b="0" i="0" dirty="0" err="1">
+                <a:solidFill>
+                  <a:srgbClr val="222222"/>
+                </a:solidFill>
+                <a:effectLst/>
+                <a:latin typeface="Arial" panose="020B0604020202020204" pitchFamily="34" charset="0"/>
+              </a:rPr>
+              <a:t>Vijander</a:t>
+            </a:r>
+            <a:r>
+              <a:rPr lang="en-US" sz="2000" b="0" i="0" dirty="0">
+                <a:solidFill>
+                  <a:srgbClr val="222222"/>
+                </a:solidFill>
+                <a:effectLst/>
+                <a:latin typeface="Arial" panose="020B0604020202020204" pitchFamily="34" charset="0"/>
+              </a:rPr>
+              <a:t> Singh, </a:t>
+            </a:r>
+            <a:r>
+              <a:rPr lang="en-US" sz="2000" b="0" i="0" dirty="0" err="1">
+                <a:solidFill>
+                  <a:srgbClr val="222222"/>
+                </a:solidFill>
+                <a:effectLst/>
+                <a:latin typeface="Arial" panose="020B0604020202020204" pitchFamily="34" charset="0"/>
+              </a:rPr>
+              <a:t>Linesh</a:t>
+            </a:r>
+            <a:r>
+              <a:rPr lang="en-US" sz="2000" b="0" i="0" dirty="0">
+                <a:solidFill>
+                  <a:srgbClr val="222222"/>
+                </a:solidFill>
+                <a:effectLst/>
+                <a:latin typeface="Arial" panose="020B0604020202020204" pitchFamily="34" charset="0"/>
+              </a:rPr>
+              <a:t> Raja, Vaibhav Bhatnagar, and Pankaj Agarwal. "Analysis and predictions of spread, recovery, and death caused by COVID-19 in India." </a:t>
+            </a:r>
+            <a:r>
+              <a:rPr lang="en-US" sz="2000" b="0" i="1" dirty="0">
+                <a:solidFill>
+                  <a:srgbClr val="222222"/>
+                </a:solidFill>
+                <a:effectLst/>
+                <a:latin typeface="Arial" panose="020B0604020202020204" pitchFamily="34" charset="0"/>
+              </a:rPr>
+              <a:t>Big Data Mining and Analytics</a:t>
+            </a:r>
+            <a:r>
+              <a:rPr lang="en-US" sz="2000" b="0" i="0" dirty="0">
+                <a:solidFill>
+                  <a:srgbClr val="222222"/>
+                </a:solidFill>
+                <a:effectLst/>
+                <a:latin typeface="Arial" panose="020B0604020202020204" pitchFamily="34" charset="0"/>
+              </a:rPr>
+              <a:t> 4, no. 2 (2021): 65-75.</a:t>
+            </a:r>
+          </a:p>
+          <a:p>
+            <a:pPr algn="l"/>
+            <a:endParaRPr lang="en-US" sz="2000" b="0" i="0" dirty="0">
+              <a:solidFill>
+                <a:srgbClr val="222222"/>
+              </a:solidFill>
+              <a:effectLst/>
+              <a:latin typeface="Arial" panose="020B0604020202020204" pitchFamily="34" charset="0"/>
+            </a:endParaRPr>
+          </a:p>
+          <a:p>
+            <a:pPr algn="l"/>
+            <a:r>
+              <a:rPr lang="en-US" sz="2000" b="0" i="0" dirty="0">
+                <a:solidFill>
+                  <a:srgbClr val="222222"/>
+                </a:solidFill>
+                <a:effectLst/>
+                <a:latin typeface="Arial" panose="020B0604020202020204" pitchFamily="34" charset="0"/>
+              </a:rPr>
+              <a:t>Mohan, S., </a:t>
+            </a:r>
+            <a:r>
+              <a:rPr lang="en-US" sz="2000" b="0" i="0" dirty="0" err="1">
+                <a:solidFill>
+                  <a:srgbClr val="222222"/>
+                </a:solidFill>
+                <a:effectLst/>
+                <a:latin typeface="Arial" panose="020B0604020202020204" pitchFamily="34" charset="0"/>
+              </a:rPr>
+              <a:t>Abugabah</a:t>
+            </a:r>
+            <a:r>
+              <a:rPr lang="en-US" sz="2000" b="0" i="0" dirty="0">
+                <a:solidFill>
+                  <a:srgbClr val="222222"/>
+                </a:solidFill>
+                <a:effectLst/>
+                <a:latin typeface="Arial" panose="020B0604020202020204" pitchFamily="34" charset="0"/>
+              </a:rPr>
+              <a:t>, A., Kumar Singh, S., Kashif Bashir, A. and </a:t>
+            </a:r>
+            <a:r>
+              <a:rPr lang="en-US" sz="2000" b="0" i="0" dirty="0" err="1">
+                <a:solidFill>
+                  <a:srgbClr val="222222"/>
+                </a:solidFill>
+                <a:effectLst/>
+                <a:latin typeface="Arial" panose="020B0604020202020204" pitchFamily="34" charset="0"/>
+              </a:rPr>
+              <a:t>Sanzogni</a:t>
+            </a:r>
+            <a:r>
+              <a:rPr lang="en-US" sz="2000" b="0" i="0" dirty="0">
+                <a:solidFill>
+                  <a:srgbClr val="222222"/>
+                </a:solidFill>
+                <a:effectLst/>
+                <a:latin typeface="Arial" panose="020B0604020202020204" pitchFamily="34" charset="0"/>
+              </a:rPr>
+              <a:t>, L., 2022. An approach to forecast impact of Covid‐19 using supervised machine learning model. </a:t>
+            </a:r>
+            <a:r>
+              <a:rPr lang="en-US" sz="2000" b="0" i="1" dirty="0">
+                <a:solidFill>
+                  <a:srgbClr val="222222"/>
+                </a:solidFill>
+                <a:effectLst/>
+                <a:latin typeface="Arial" panose="020B0604020202020204" pitchFamily="34" charset="0"/>
+              </a:rPr>
+              <a:t>Software: Practice and Experience</a:t>
+            </a:r>
+            <a:r>
+              <a:rPr lang="en-US" sz="2000" b="0" i="0" dirty="0">
+                <a:solidFill>
+                  <a:srgbClr val="222222"/>
+                </a:solidFill>
+                <a:effectLst/>
+                <a:latin typeface="Arial" panose="020B0604020202020204" pitchFamily="34" charset="0"/>
+              </a:rPr>
+              <a:t>, </a:t>
+            </a:r>
+            <a:r>
+              <a:rPr lang="en-US" sz="2000" b="0" i="1" dirty="0">
+                <a:solidFill>
+                  <a:srgbClr val="222222"/>
+                </a:solidFill>
+                <a:effectLst/>
+                <a:latin typeface="Arial" panose="020B0604020202020204" pitchFamily="34" charset="0"/>
+              </a:rPr>
+              <a:t>52</a:t>
+            </a:r>
+            <a:r>
+              <a:rPr lang="en-US" sz="2000" b="0" i="0" dirty="0">
+                <a:solidFill>
+                  <a:srgbClr val="222222"/>
+                </a:solidFill>
+                <a:effectLst/>
+                <a:latin typeface="Arial" panose="020B0604020202020204" pitchFamily="34" charset="0"/>
+              </a:rPr>
+              <a:t>(4), pp.824-840.</a:t>
+            </a:r>
+            <a:endParaRPr lang="en-US" sz="2000" b="0" i="0" u="none" strike="noStrike" baseline="0" dirty="0">
+              <a:latin typeface="NimbusRomNo9L-Regu"/>
+            </a:endParaRPr>
+          </a:p>
+        </p:txBody>
+      </p:sp>
+    </p:spTree>
+    <p:extLst>
+      <p:ext uri="{BB962C8B-B14F-4D97-AF65-F5344CB8AC3E}">
+        <p14:creationId xmlns:p14="http://schemas.microsoft.com/office/powerpoint/2010/main" val="781585694"/>
+      </p:ext>
+    </p:extLst>
+  </p:cSld>
+  <p:clrMapOvr>
+    <a:masterClrMapping/>
+  </p:clrMapOvr>
+</p:sld>
+</file>
+
+<file path=ppt/slides/slide8.xml><?xml version="1.0" encoding="utf-8"?>
+<p:sld xmlns:a="http://schemas.openxmlformats.org/drawingml/2006/main" xmlns:r="http://schemas.openxmlformats.org/officeDocument/2006/relationships" xmlns:p="http://schemas.openxmlformats.org/presentationml/2006/main">
+  <p:cSld>
+    <p:spTree>
+      <p:nvGrpSpPr>
+        <p:cNvPr id="1" name="Shape 350"/>
+        <p:cNvGrpSpPr/>
+        <p:nvPr/>
+      </p:nvGrpSpPr>
+      <p:grpSpPr>
+        <a:xfrm>
+          <a:off x="0" y="0"/>
+          <a:ext cx="0" cy="0"/>
+          <a:chOff x="0" y="0"/>
+          <a:chExt cx="0" cy="0"/>
+        </a:xfrm>
+      </p:grpSpPr>
+      <p:sp>
+        <p:nvSpPr>
+          <p:cNvPr id="351" name="Google Shape;351;p48"/>
+          <p:cNvSpPr txBox="1">
+            <a:spLocks noGrp="1"/>
+          </p:cNvSpPr>
+          <p:nvPr>
+            <p:ph type="ctrTitle"/>
+          </p:nvPr>
+        </p:nvSpPr>
+        <p:spPr>
+          <a:xfrm>
+            <a:off x="1562200" y="2374525"/>
+            <a:ext cx="8454900" cy="1187700"/>
+          </a:xfrm>
+          <a:prstGeom prst="rect">
+            <a:avLst/>
+          </a:prstGeom>
+          <a:noFill/>
+          <a:ln>
+            <a:noFill/>
+          </a:ln>
+        </p:spPr>
+        <p:txBody>
+          <a:bodyPr spcFirstLastPara="1" wrap="square" lIns="91425" tIns="45700" rIns="91425" bIns="45700" anchor="b" anchorCtr="0">
+            <a:noAutofit/>
+          </a:bodyPr>
+          <a:lstStyle/>
+          <a:p>
+            <a:pPr marL="0" lvl="0" indent="0" algn="ctr" rtl="0">
+              <a:lnSpc>
+                <a:spcPct val="90000"/>
+              </a:lnSpc>
+              <a:spcBef>
+                <a:spcPts val="0"/>
+              </a:spcBef>
+              <a:spcAft>
+                <a:spcPts val="0"/>
+              </a:spcAft>
+              <a:buClr>
+                <a:schemeClr val="lt1"/>
+              </a:buClr>
+              <a:buSzPts val="4400"/>
+              <a:buFont typeface="Arial"/>
+              <a:buNone/>
+            </a:pPr>
+            <a:r>
+              <a:rPr lang="en-US" sz="6500" b="0">
+                <a:latin typeface="EB Garamond ExtraBold"/>
+                <a:ea typeface="EB Garamond ExtraBold"/>
+                <a:cs typeface="EB Garamond ExtraBold"/>
+                <a:sym typeface="EB Garamond ExtraBold"/>
+              </a:rPr>
+              <a:t>THANK YOU</a:t>
+            </a:r>
+            <a:endParaRPr sz="6500" b="0">
+              <a:latin typeface="EB Garamond ExtraBold"/>
+              <a:ea typeface="EB Garamond ExtraBold"/>
+              <a:cs typeface="EB Garamond ExtraBold"/>
+              <a:sym typeface="EB Garamond ExtraBold"/>
+            </a:endParaRPr>
+          </a:p>
+        </p:txBody>
+      </p:sp>
+    </p:spTree>
   </p:cSld>
   <p:clrMapOvr>
     <a:masterClrMapping/>

--- a/presentataions/Presentation.pptx
+++ b/presentataions/Presentation.pptx
@@ -6,7 +6,7 @@
     <p:sldMasterId id="2147483661" r:id="rId2"/>
   </p:sldMasterIdLst>
   <p:notesMasterIdLst>
-    <p:notesMasterId r:id="rId11"/>
+    <p:notesMasterId r:id="rId14"/>
   </p:notesMasterIdLst>
   <p:sldIdLst>
     <p:sldId id="257" r:id="rId3"/>
@@ -16,7 +16,10 @@
     <p:sldId id="262" r:id="rId7"/>
     <p:sldId id="260" r:id="rId8"/>
     <p:sldId id="265" r:id="rId9"/>
-    <p:sldId id="287" r:id="rId10"/>
+    <p:sldId id="288" r:id="rId10"/>
+    <p:sldId id="289" r:id="rId11"/>
+    <p:sldId id="290" r:id="rId12"/>
+    <p:sldId id="287" r:id="rId13"/>
   </p:sldIdLst>
   <p:sldSz cx="12192000" cy="6858000"/>
   <p:notesSz cx="6858000" cy="9144000"/>
@@ -205,7 +208,7 @@
           <a:p>
             <a:fld id="{AD276A9C-E8FB-4187-B9E8-54A34F7E3A46}" type="datetimeFigureOut">
               <a:rPr lang="en-US" smtClean="0"/>
-              <a:t>2/23/2023</a:t>
+              <a:t>3/2/2023</a:t>
             </a:fld>
             <a:endParaRPr lang="en-US"/>
           </a:p>
@@ -1294,7 +1297,7 @@
           <a:p>
             <a:fld id="{6BAB3201-8CBA-4DCE-BDB9-4692BAE81E1A}" type="datetimeFigureOut">
               <a:rPr lang="en-US" smtClean="0"/>
-              <a:t>2/23/2023</a:t>
+              <a:t>3/2/2023</a:t>
             </a:fld>
             <a:endParaRPr lang="en-US"/>
           </a:p>
@@ -1492,7 +1495,7 @@
           <a:p>
             <a:fld id="{6BAB3201-8CBA-4DCE-BDB9-4692BAE81E1A}" type="datetimeFigureOut">
               <a:rPr lang="en-US" smtClean="0"/>
-              <a:t>2/23/2023</a:t>
+              <a:t>3/2/2023</a:t>
             </a:fld>
             <a:endParaRPr lang="en-US"/>
           </a:p>
@@ -1700,7 +1703,7 @@
           <a:p>
             <a:fld id="{6BAB3201-8CBA-4DCE-BDB9-4692BAE81E1A}" type="datetimeFigureOut">
               <a:rPr lang="en-US" smtClean="0"/>
-              <a:t>2/23/2023</a:t>
+              <a:t>3/2/2023</a:t>
             </a:fld>
             <a:endParaRPr lang="en-US"/>
           </a:p>
@@ -5857,7 +5860,7 @@
           <a:p>
             <a:fld id="{6BAB3201-8CBA-4DCE-BDB9-4692BAE81E1A}" type="datetimeFigureOut">
               <a:rPr lang="en-US" smtClean="0"/>
-              <a:t>2/23/2023</a:t>
+              <a:t>3/2/2023</a:t>
             </a:fld>
             <a:endParaRPr lang="en-US"/>
           </a:p>
@@ -6132,7 +6135,7 @@
           <a:p>
             <a:fld id="{6BAB3201-8CBA-4DCE-BDB9-4692BAE81E1A}" type="datetimeFigureOut">
               <a:rPr lang="en-US" smtClean="0"/>
-              <a:t>2/23/2023</a:t>
+              <a:t>3/2/2023</a:t>
             </a:fld>
             <a:endParaRPr lang="en-US"/>
           </a:p>
@@ -6397,7 +6400,7 @@
           <a:p>
             <a:fld id="{6BAB3201-8CBA-4DCE-BDB9-4692BAE81E1A}" type="datetimeFigureOut">
               <a:rPr lang="en-US" smtClean="0"/>
-              <a:t>2/23/2023</a:t>
+              <a:t>3/2/2023</a:t>
             </a:fld>
             <a:endParaRPr lang="en-US"/>
           </a:p>
@@ -6809,7 +6812,7 @@
           <a:p>
             <a:fld id="{6BAB3201-8CBA-4DCE-BDB9-4692BAE81E1A}" type="datetimeFigureOut">
               <a:rPr lang="en-US" smtClean="0"/>
-              <a:t>2/23/2023</a:t>
+              <a:t>3/2/2023</a:t>
             </a:fld>
             <a:endParaRPr lang="en-US"/>
           </a:p>
@@ -6950,7 +6953,7 @@
           <a:p>
             <a:fld id="{6BAB3201-8CBA-4DCE-BDB9-4692BAE81E1A}" type="datetimeFigureOut">
               <a:rPr lang="en-US" smtClean="0"/>
-              <a:t>2/23/2023</a:t>
+              <a:t>3/2/2023</a:t>
             </a:fld>
             <a:endParaRPr lang="en-US"/>
           </a:p>
@@ -7063,7 +7066,7 @@
           <a:p>
             <a:fld id="{6BAB3201-8CBA-4DCE-BDB9-4692BAE81E1A}" type="datetimeFigureOut">
               <a:rPr lang="en-US" smtClean="0"/>
-              <a:t>2/23/2023</a:t>
+              <a:t>3/2/2023</a:t>
             </a:fld>
             <a:endParaRPr lang="en-US"/>
           </a:p>
@@ -7374,7 +7377,7 @@
           <a:p>
             <a:fld id="{6BAB3201-8CBA-4DCE-BDB9-4692BAE81E1A}" type="datetimeFigureOut">
               <a:rPr lang="en-US" smtClean="0"/>
-              <a:t>2/23/2023</a:t>
+              <a:t>3/2/2023</a:t>
             </a:fld>
             <a:endParaRPr lang="en-US"/>
           </a:p>
@@ -7662,7 +7665,7 @@
           <a:p>
             <a:fld id="{6BAB3201-8CBA-4DCE-BDB9-4692BAE81E1A}" type="datetimeFigureOut">
               <a:rPr lang="en-US" smtClean="0"/>
-              <a:t>2/23/2023</a:t>
+              <a:t>3/2/2023</a:t>
             </a:fld>
             <a:endParaRPr lang="en-US"/>
           </a:p>
@@ -7903,7 +7906,7 @@
           <a:p>
             <a:fld id="{6BAB3201-8CBA-4DCE-BDB9-4692BAE81E1A}" type="datetimeFigureOut">
               <a:rPr lang="en-US" smtClean="0"/>
-              <a:t>2/23/2023</a:t>
+              <a:t>3/2/2023</a:t>
             </a:fld>
             <a:endParaRPr lang="en-US"/>
           </a:p>
@@ -10194,6 +10197,189 @@
 </p:sld>
 </file>
 
+<file path=ppt/slides/slide10.xml><?xml version="1.0" encoding="utf-8"?>
+<p:sld xmlns:a="http://schemas.openxmlformats.org/drawingml/2006/main" xmlns:r="http://schemas.openxmlformats.org/officeDocument/2006/relationships" xmlns:p="http://schemas.openxmlformats.org/presentationml/2006/main">
+  <p:cSld>
+    <p:spTree>
+      <p:nvGrpSpPr>
+        <p:cNvPr id="1" name=""/>
+        <p:cNvGrpSpPr/>
+        <p:nvPr/>
+      </p:nvGrpSpPr>
+      <p:grpSpPr>
+        <a:xfrm>
+          <a:off x="0" y="0"/>
+          <a:ext cx="0" cy="0"/>
+          <a:chOff x="0" y="0"/>
+          <a:chExt cx="0" cy="0"/>
+        </a:xfrm>
+      </p:grpSpPr>
+      <p:sp>
+        <p:nvSpPr>
+          <p:cNvPr id="2" name="Title 1">
+            <a:extLst>
+              <a:ext uri="{FF2B5EF4-FFF2-40B4-BE49-F238E27FC236}">
+                <a16:creationId xmlns:a16="http://schemas.microsoft.com/office/drawing/2014/main" id="{39480249-A00C-E457-848F-D47D59D1C16A}"/>
+              </a:ext>
+            </a:extLst>
+          </p:cNvPr>
+          <p:cNvSpPr>
+            <a:spLocks noGrp="1"/>
+          </p:cNvSpPr>
+          <p:nvPr>
+            <p:ph type="title"/>
+          </p:nvPr>
+        </p:nvSpPr>
+        <p:spPr/>
+        <p:txBody>
+          <a:bodyPr/>
+          <a:lstStyle/>
+          <a:p>
+            <a:r>
+              <a:rPr lang="en-US" dirty="0"/>
+              <a:t>Cloud Deployment</a:t>
+            </a:r>
+          </a:p>
+        </p:txBody>
+      </p:sp>
+      <p:pic>
+        <p:nvPicPr>
+          <p:cNvPr id="5" name="Picture 4" descr="A picture containing table">
+            <a:extLst>
+              <a:ext uri="{FF2B5EF4-FFF2-40B4-BE49-F238E27FC236}">
+                <a16:creationId xmlns:a16="http://schemas.microsoft.com/office/drawing/2014/main" id="{AFA821DB-AFD0-3D75-0CEB-7CD0A34BDE47}"/>
+              </a:ext>
+            </a:extLst>
+          </p:cNvPr>
+          <p:cNvPicPr>
+            <a:picLocks noChangeAspect="1"/>
+          </p:cNvPicPr>
+          <p:nvPr/>
+        </p:nvPicPr>
+        <p:blipFill>
+          <a:blip r:embed="rId2">
+            <a:extLst>
+              <a:ext uri="{28A0092B-C50C-407E-A947-70E740481C1C}">
+                <a14:useLocalDpi xmlns:a14="http://schemas.microsoft.com/office/drawing/2010/main" val="0"/>
+              </a:ext>
+            </a:extLst>
+          </a:blip>
+          <a:stretch>
+            <a:fillRect/>
+          </a:stretch>
+        </p:blipFill>
+        <p:spPr>
+          <a:xfrm>
+            <a:off x="862696" y="1419001"/>
+            <a:ext cx="11329303" cy="4351339"/>
+          </a:xfrm>
+          <a:prstGeom prst="rect">
+            <a:avLst/>
+          </a:prstGeom>
+        </p:spPr>
+      </p:pic>
+    </p:spTree>
+    <p:extLst>
+      <p:ext uri="{BB962C8B-B14F-4D97-AF65-F5344CB8AC3E}">
+        <p14:creationId xmlns:p14="http://schemas.microsoft.com/office/powerpoint/2010/main" val="1851466874"/>
+      </p:ext>
+    </p:extLst>
+  </p:cSld>
+  <p:clrMapOvr>
+    <a:masterClrMapping/>
+  </p:clrMapOvr>
+</p:sld>
+</file>
+
+<file path=ppt/slides/slide11.xml><?xml version="1.0" encoding="utf-8"?>
+<p:sld xmlns:a="http://schemas.openxmlformats.org/drawingml/2006/main" xmlns:r="http://schemas.openxmlformats.org/officeDocument/2006/relationships" xmlns:p="http://schemas.openxmlformats.org/presentationml/2006/main">
+  <p:cSld>
+    <p:spTree>
+      <p:nvGrpSpPr>
+        <p:cNvPr id="1" name="Shape 350"/>
+        <p:cNvGrpSpPr/>
+        <p:nvPr/>
+      </p:nvGrpSpPr>
+      <p:grpSpPr>
+        <a:xfrm>
+          <a:off x="0" y="0"/>
+          <a:ext cx="0" cy="0"/>
+          <a:chOff x="0" y="0"/>
+          <a:chExt cx="0" cy="0"/>
+        </a:xfrm>
+      </p:grpSpPr>
+      <p:sp>
+        <p:nvSpPr>
+          <p:cNvPr id="351" name="Google Shape;351;p48"/>
+          <p:cNvSpPr txBox="1">
+            <a:spLocks noGrp="1"/>
+          </p:cNvSpPr>
+          <p:nvPr>
+            <p:ph type="ctrTitle"/>
+          </p:nvPr>
+        </p:nvSpPr>
+        <p:spPr>
+          <a:xfrm>
+            <a:off x="1562200" y="2374525"/>
+            <a:ext cx="8454900" cy="1187700"/>
+          </a:xfrm>
+          <a:prstGeom prst="rect">
+            <a:avLst/>
+          </a:prstGeom>
+          <a:noFill/>
+          <a:ln>
+            <a:noFill/>
+          </a:ln>
+        </p:spPr>
+        <p:txBody>
+          <a:bodyPr spcFirstLastPara="1" wrap="square" lIns="91425" tIns="45700" rIns="91425" bIns="45700" anchor="b" anchorCtr="0">
+            <a:noAutofit/>
+          </a:bodyPr>
+          <a:lstStyle/>
+          <a:p>
+            <a:pPr marL="0" lvl="0" indent="0" algn="ctr" rtl="0">
+              <a:lnSpc>
+                <a:spcPct val="90000"/>
+              </a:lnSpc>
+              <a:spcBef>
+                <a:spcPts val="0"/>
+              </a:spcBef>
+              <a:spcAft>
+                <a:spcPts val="0"/>
+              </a:spcAft>
+              <a:buClr>
+                <a:schemeClr val="lt1"/>
+              </a:buClr>
+              <a:buSzPts val="4400"/>
+              <a:buFont typeface="Arial"/>
+              <a:buNone/>
+            </a:pPr>
+            <a:r>
+              <a:rPr lang="en-US" sz="6500" b="0">
+                <a:latin typeface="EB Garamond ExtraBold"/>
+                <a:ea typeface="EB Garamond ExtraBold"/>
+                <a:cs typeface="EB Garamond ExtraBold"/>
+                <a:sym typeface="EB Garamond ExtraBold"/>
+              </a:rPr>
+              <a:t>THANK YOU</a:t>
+            </a:r>
+            <a:endParaRPr sz="6500" b="0">
+              <a:latin typeface="EB Garamond ExtraBold"/>
+              <a:ea typeface="EB Garamond ExtraBold"/>
+              <a:cs typeface="EB Garamond ExtraBold"/>
+              <a:sym typeface="EB Garamond ExtraBold"/>
+            </a:endParaRPr>
+          </a:p>
+        </p:txBody>
+      </p:sp>
+    </p:spTree>
+  </p:cSld>
+  <p:clrMapOvr>
+    <a:masterClrMapping/>
+  </p:clrMapOvr>
+</p:sld>
+</file>
+
 <file path=ppt/slides/slide2.xml><?xml version="1.0" encoding="utf-8"?>
 <p:sld xmlns:a="http://schemas.openxmlformats.org/drawingml/2006/main" xmlns:r="http://schemas.openxmlformats.org/officeDocument/2006/relationships" xmlns:p="http://schemas.openxmlformats.org/presentationml/2006/main">
   <p:cSld>
@@ -12052,7 +12238,7 @@
   <p:cSld>
     <p:spTree>
       <p:nvGrpSpPr>
-        <p:cNvPr id="1" name="Shape 350"/>
+        <p:cNvPr id="1" name=""/>
         <p:cNvGrpSpPr/>
         <p:nvPr/>
       </p:nvGrpSpPr>
@@ -12066,69 +12252,217 @@
       </p:grpSpPr>
       <p:sp>
         <p:nvSpPr>
-          <p:cNvPr id="351" name="Google Shape;351;p48"/>
-          <p:cNvSpPr txBox="1">
+          <p:cNvPr id="2" name="Title 1">
+            <a:extLst>
+              <a:ext uri="{FF2B5EF4-FFF2-40B4-BE49-F238E27FC236}">
+                <a16:creationId xmlns:a16="http://schemas.microsoft.com/office/drawing/2014/main" id="{A75A5506-3DE9-8BBF-56F2-740E4E8087E1}"/>
+              </a:ext>
+            </a:extLst>
+          </p:cNvPr>
+          <p:cNvSpPr>
             <a:spLocks noGrp="1"/>
           </p:cNvSpPr>
           <p:nvPr>
-            <p:ph type="ctrTitle"/>
+            <p:ph type="title"/>
           </p:nvPr>
         </p:nvSpPr>
+        <p:spPr/>
+        <p:txBody>
+          <a:bodyPr/>
+          <a:lstStyle/>
+          <a:p>
+            <a:r>
+              <a:rPr lang="en-US" dirty="0"/>
+              <a:t>Project Background</a:t>
+            </a:r>
+          </a:p>
+        </p:txBody>
+      </p:sp>
+      <p:sp>
+        <p:nvSpPr>
+          <p:cNvPr id="3" name="Text Placeholder 2">
+            <a:extLst>
+              <a:ext uri="{FF2B5EF4-FFF2-40B4-BE49-F238E27FC236}">
+                <a16:creationId xmlns:a16="http://schemas.microsoft.com/office/drawing/2014/main" id="{13920A81-4368-57DE-88AD-7DD306AFD69F}"/>
+              </a:ext>
+            </a:extLst>
+          </p:cNvPr>
+          <p:cNvSpPr>
+            <a:spLocks noGrp="1"/>
+          </p:cNvSpPr>
+          <p:nvPr>
+            <p:ph type="body" idx="1"/>
+          </p:nvPr>
+        </p:nvSpPr>
+        <p:spPr/>
+        <p:txBody>
+          <a:bodyPr/>
+          <a:lstStyle/>
+          <a:p>
+            <a:r>
+              <a:rPr lang="en-US" dirty="0"/>
+              <a:t>Tools</a:t>
+            </a:r>
+          </a:p>
+          <a:p>
+            <a:pPr lvl="1"/>
+            <a:r>
+              <a:rPr lang="en-US" dirty="0"/>
+              <a:t>Python</a:t>
+            </a:r>
+          </a:p>
+          <a:p>
+            <a:pPr lvl="1"/>
+            <a:r>
+              <a:rPr lang="en-US" dirty="0" err="1"/>
+              <a:t>Jupyter</a:t>
+            </a:r>
+            <a:r>
+              <a:rPr lang="en-US" dirty="0"/>
+              <a:t> Notebook</a:t>
+            </a:r>
+          </a:p>
+          <a:p>
+            <a:pPr lvl="1"/>
+            <a:r>
+              <a:rPr lang="en-US" dirty="0"/>
+              <a:t>Seaborn</a:t>
+            </a:r>
+          </a:p>
+          <a:p>
+            <a:pPr lvl="1"/>
+            <a:r>
+              <a:rPr lang="en-US" dirty="0" err="1"/>
+              <a:t>Numpy</a:t>
+            </a:r>
+            <a:endParaRPr lang="en-US" dirty="0"/>
+          </a:p>
+          <a:p>
+            <a:pPr lvl="1"/>
+            <a:r>
+              <a:rPr lang="en-US" dirty="0"/>
+              <a:t>Matplotlib</a:t>
+            </a:r>
+          </a:p>
+          <a:p>
+            <a:pPr lvl="1"/>
+            <a:r>
+              <a:rPr lang="en-US" dirty="0"/>
+              <a:t>Aws </a:t>
+            </a:r>
+            <a:r>
+              <a:rPr lang="en-US" dirty="0" err="1"/>
+              <a:t>SageMaker</a:t>
+            </a:r>
+            <a:endParaRPr lang="en-US" dirty="0"/>
+          </a:p>
+          <a:p>
+            <a:pPr lvl="1"/>
+            <a:r>
+              <a:rPr lang="en-US" dirty="0"/>
+              <a:t>Excel</a:t>
+            </a:r>
+          </a:p>
+          <a:p>
+            <a:pPr lvl="1"/>
+            <a:endParaRPr lang="en-US" dirty="0"/>
+          </a:p>
+        </p:txBody>
+      </p:sp>
+    </p:spTree>
+    <p:extLst>
+      <p:ext uri="{BB962C8B-B14F-4D97-AF65-F5344CB8AC3E}">
+        <p14:creationId xmlns:p14="http://schemas.microsoft.com/office/powerpoint/2010/main" val="882994751"/>
+      </p:ext>
+    </p:extLst>
+  </p:cSld>
+  <p:clrMapOvr>
+    <a:masterClrMapping/>
+  </p:clrMapOvr>
+</p:sld>
+</file>
+
+<file path=ppt/slides/slide9.xml><?xml version="1.0" encoding="utf-8"?>
+<p:sld xmlns:a="http://schemas.openxmlformats.org/drawingml/2006/main" xmlns:r="http://schemas.openxmlformats.org/officeDocument/2006/relationships" xmlns:p="http://schemas.openxmlformats.org/presentationml/2006/main">
+  <p:cSld>
+    <p:spTree>
+      <p:nvGrpSpPr>
+        <p:cNvPr id="1" name=""/>
+        <p:cNvGrpSpPr/>
+        <p:nvPr/>
+      </p:nvGrpSpPr>
+      <p:grpSpPr>
+        <a:xfrm>
+          <a:off x="0" y="0"/>
+          <a:ext cx="0" cy="0"/>
+          <a:chOff x="0" y="0"/>
+          <a:chExt cx="0" cy="0"/>
+        </a:xfrm>
+      </p:grpSpPr>
+      <p:sp>
+        <p:nvSpPr>
+          <p:cNvPr id="2" name="Title 1">
+            <a:extLst>
+              <a:ext uri="{FF2B5EF4-FFF2-40B4-BE49-F238E27FC236}">
+                <a16:creationId xmlns:a16="http://schemas.microsoft.com/office/drawing/2014/main" id="{49BA2386-366F-6FCE-68F8-EA9726EBBEDD}"/>
+              </a:ext>
+            </a:extLst>
+          </p:cNvPr>
+          <p:cNvSpPr>
+            <a:spLocks noGrp="1"/>
+          </p:cNvSpPr>
+          <p:nvPr>
+            <p:ph type="title"/>
+          </p:nvPr>
+        </p:nvSpPr>
+        <p:spPr/>
+        <p:txBody>
+          <a:bodyPr/>
+          <a:lstStyle/>
+          <a:p>
+            <a:r>
+              <a:rPr lang="en-US" dirty="0"/>
+              <a:t>Flow</a:t>
+            </a:r>
+          </a:p>
+        </p:txBody>
+      </p:sp>
+      <p:pic>
+        <p:nvPicPr>
+          <p:cNvPr id="5" name="Picture 4">
+            <a:extLst>
+              <a:ext uri="{FF2B5EF4-FFF2-40B4-BE49-F238E27FC236}">
+                <a16:creationId xmlns:a16="http://schemas.microsoft.com/office/drawing/2014/main" id="{5EEF60FD-8C04-B104-1EEE-92A0AB9C7494}"/>
+              </a:ext>
+            </a:extLst>
+          </p:cNvPr>
+          <p:cNvPicPr>
+            <a:picLocks noChangeAspect="1"/>
+          </p:cNvPicPr>
+          <p:nvPr/>
+        </p:nvPicPr>
+        <p:blipFill>
+          <a:blip r:embed="rId2"/>
+          <a:stretch>
+            <a:fillRect/>
+          </a:stretch>
+        </p:blipFill>
         <p:spPr>
           <a:xfrm>
-            <a:off x="1562200" y="2374525"/>
-            <a:ext cx="8454900" cy="1187700"/>
+            <a:off x="3592613" y="963716"/>
+            <a:ext cx="5006774" cy="4930567"/>
           </a:xfrm>
           <a:prstGeom prst="rect">
             <a:avLst/>
           </a:prstGeom>
-          <a:noFill/>
-          <a:ln>
-            <a:noFill/>
-          </a:ln>
         </p:spPr>
-        <p:txBody>
-          <a:bodyPr spcFirstLastPara="1" wrap="square" lIns="91425" tIns="45700" rIns="91425" bIns="45700" anchor="b" anchorCtr="0">
-            <a:noAutofit/>
-          </a:bodyPr>
-          <a:lstStyle/>
-          <a:p>
-            <a:pPr marL="0" lvl="0" indent="0" algn="ctr" rtl="0">
-              <a:lnSpc>
-                <a:spcPct val="90000"/>
-              </a:lnSpc>
-              <a:spcBef>
-                <a:spcPts val="0"/>
-              </a:spcBef>
-              <a:spcAft>
-                <a:spcPts val="0"/>
-              </a:spcAft>
-              <a:buClr>
-                <a:schemeClr val="lt1"/>
-              </a:buClr>
-              <a:buSzPts val="4400"/>
-              <a:buFont typeface="Arial"/>
-              <a:buNone/>
-            </a:pPr>
-            <a:r>
-              <a:rPr lang="en-US" sz="6500" b="0">
-                <a:latin typeface="EB Garamond ExtraBold"/>
-                <a:ea typeface="EB Garamond ExtraBold"/>
-                <a:cs typeface="EB Garamond ExtraBold"/>
-                <a:sym typeface="EB Garamond ExtraBold"/>
-              </a:rPr>
-              <a:t>THANK YOU</a:t>
-            </a:r>
-            <a:endParaRPr sz="6500" b="0">
-              <a:latin typeface="EB Garamond ExtraBold"/>
-              <a:ea typeface="EB Garamond ExtraBold"/>
-              <a:cs typeface="EB Garamond ExtraBold"/>
-              <a:sym typeface="EB Garamond ExtraBold"/>
-            </a:endParaRPr>
-          </a:p>
-        </p:txBody>
-      </p:sp>
+      </p:pic>
     </p:spTree>
+    <p:extLst>
+      <p:ext uri="{BB962C8B-B14F-4D97-AF65-F5344CB8AC3E}">
+        <p14:creationId xmlns:p14="http://schemas.microsoft.com/office/powerpoint/2010/main" val="2525848926"/>
+      </p:ext>
+    </p:extLst>
   </p:cSld>
   <p:clrMapOvr>
     <a:masterClrMapping/>

--- a/presentataions/Presentation.pptx
+++ b/presentataions/Presentation.pptx
@@ -6,7 +6,7 @@
     <p:sldMasterId id="2147483661" r:id="rId2"/>
   </p:sldMasterIdLst>
   <p:notesMasterIdLst>
-    <p:notesMasterId r:id="rId14"/>
+    <p:notesMasterId r:id="rId17"/>
   </p:notesMasterIdLst>
   <p:sldIdLst>
     <p:sldId id="257" r:id="rId3"/>
@@ -16,10 +16,13 @@
     <p:sldId id="262" r:id="rId7"/>
     <p:sldId id="260" r:id="rId8"/>
     <p:sldId id="265" r:id="rId9"/>
-    <p:sldId id="288" r:id="rId10"/>
-    <p:sldId id="289" r:id="rId11"/>
-    <p:sldId id="290" r:id="rId12"/>
-    <p:sldId id="287" r:id="rId13"/>
+    <p:sldId id="293" r:id="rId10"/>
+    <p:sldId id="288" r:id="rId11"/>
+    <p:sldId id="289" r:id="rId12"/>
+    <p:sldId id="291" r:id="rId13"/>
+    <p:sldId id="292" r:id="rId14"/>
+    <p:sldId id="290" r:id="rId15"/>
+    <p:sldId id="287" r:id="rId16"/>
   </p:sldIdLst>
   <p:sldSz cx="12192000" cy="6858000"/>
   <p:notesSz cx="6858000" cy="9144000"/>
@@ -208,7 +211,7 @@
           <a:p>
             <a:fld id="{AD276A9C-E8FB-4187-B9E8-54A34F7E3A46}" type="datetimeFigureOut">
               <a:rPr lang="en-US" smtClean="0"/>
-              <a:t>3/2/2023</a:t>
+              <a:t>3/3/2023</a:t>
             </a:fld>
             <a:endParaRPr lang="en-US"/>
           </a:p>
@@ -1143,6 +1146,115 @@
         </p:spPr>
       </p:sp>
     </p:spTree>
+    <p:extLst>
+      <p:ext uri="{BB962C8B-B14F-4D97-AF65-F5344CB8AC3E}">
+        <p14:creationId xmlns:p14="http://schemas.microsoft.com/office/powerpoint/2010/main" val="2876899782"/>
+      </p:ext>
+    </p:extLst>
+  </p:cSld>
+  <p:clrMapOvr>
+    <a:masterClrMapping/>
+  </p:clrMapOvr>
+</p:notes>
+</file>
+
+<file path=ppt/notesSlides/notesSlide7.xml><?xml version="1.0" encoding="utf-8"?>
+<p:notes xmlns:a="http://schemas.openxmlformats.org/drawingml/2006/main" xmlns:r="http://schemas.openxmlformats.org/officeDocument/2006/relationships" xmlns:p="http://schemas.openxmlformats.org/presentationml/2006/main" showMasterSp="0" showMasterPhAnim="0">
+  <p:cSld>
+    <p:spTree>
+      <p:nvGrpSpPr>
+        <p:cNvPr id="1" name="Shape 347"/>
+        <p:cNvGrpSpPr/>
+        <p:nvPr/>
+      </p:nvGrpSpPr>
+      <p:grpSpPr>
+        <a:xfrm>
+          <a:off x="0" y="0"/>
+          <a:ext cx="0" cy="0"/>
+          <a:chOff x="0" y="0"/>
+          <a:chExt cx="0" cy="0"/>
+        </a:xfrm>
+      </p:grpSpPr>
+      <p:sp>
+        <p:nvSpPr>
+          <p:cNvPr id="348" name="Google Shape;348;g1aefe40ca71_2_2:notes"/>
+          <p:cNvSpPr txBox="1">
+            <a:spLocks noGrp="1"/>
+          </p:cNvSpPr>
+          <p:nvPr>
+            <p:ph type="body" idx="1"/>
+          </p:nvPr>
+        </p:nvSpPr>
+        <p:spPr>
+          <a:xfrm>
+            <a:off x="685800" y="4400550"/>
+            <a:ext cx="5486400" cy="3600600"/>
+          </a:xfrm>
+          <a:prstGeom prst="rect">
+            <a:avLst/>
+          </a:prstGeom>
+        </p:spPr>
+        <p:txBody>
+          <a:bodyPr spcFirstLastPara="1" wrap="square" lIns="91425" tIns="45700" rIns="91425" bIns="45700" anchor="t" anchorCtr="0">
+            <a:noAutofit/>
+          </a:bodyPr>
+          <a:lstStyle/>
+          <a:p>
+            <a:pPr marL="0" lvl="0" indent="0" algn="l" rtl="0">
+              <a:spcBef>
+                <a:spcPts val="0"/>
+              </a:spcBef>
+              <a:spcAft>
+                <a:spcPts val="0"/>
+              </a:spcAft>
+              <a:buNone/>
+            </a:pPr>
+            <a:endParaRPr/>
+          </a:p>
+        </p:txBody>
+      </p:sp>
+      <p:sp>
+        <p:nvSpPr>
+          <p:cNvPr id="349" name="Google Shape;349;g1aefe40ca71_2_2:notes"/>
+          <p:cNvSpPr>
+            <a:spLocks noGrp="1" noRot="1" noChangeAspect="1"/>
+          </p:cNvSpPr>
+          <p:nvPr>
+            <p:ph type="sldImg" idx="2"/>
+          </p:nvPr>
+        </p:nvSpPr>
+        <p:spPr>
+          <a:xfrm>
+            <a:off x="685800" y="1143000"/>
+            <a:ext cx="5486400" cy="3086100"/>
+          </a:xfrm>
+          <a:custGeom>
+            <a:avLst/>
+            <a:gdLst/>
+            <a:ahLst/>
+            <a:cxnLst/>
+            <a:rect l="l" t="t" r="r" b="b"/>
+            <a:pathLst>
+              <a:path w="120000" h="120000" extrusionOk="0">
+                <a:moveTo>
+                  <a:pt x="0" y="0"/>
+                </a:moveTo>
+                <a:lnTo>
+                  <a:pt x="120000" y="0"/>
+                </a:lnTo>
+                <a:lnTo>
+                  <a:pt x="120000" y="120000"/>
+                </a:lnTo>
+                <a:lnTo>
+                  <a:pt x="0" y="120000"/>
+                </a:lnTo>
+                <a:close/>
+              </a:path>
+            </a:pathLst>
+          </a:custGeom>
+        </p:spPr>
+      </p:sp>
+    </p:spTree>
   </p:cSld>
   <p:clrMapOvr>
     <a:masterClrMapping/>
@@ -1297,7 +1409,7 @@
           <a:p>
             <a:fld id="{6BAB3201-8CBA-4DCE-BDB9-4692BAE81E1A}" type="datetimeFigureOut">
               <a:rPr lang="en-US" smtClean="0"/>
-              <a:t>3/2/2023</a:t>
+              <a:t>3/3/2023</a:t>
             </a:fld>
             <a:endParaRPr lang="en-US"/>
           </a:p>
@@ -1495,7 +1607,7 @@
           <a:p>
             <a:fld id="{6BAB3201-8CBA-4DCE-BDB9-4692BAE81E1A}" type="datetimeFigureOut">
               <a:rPr lang="en-US" smtClean="0"/>
-              <a:t>3/2/2023</a:t>
+              <a:t>3/3/2023</a:t>
             </a:fld>
             <a:endParaRPr lang="en-US"/>
           </a:p>
@@ -1703,7 +1815,7 @@
           <a:p>
             <a:fld id="{6BAB3201-8CBA-4DCE-BDB9-4692BAE81E1A}" type="datetimeFigureOut">
               <a:rPr lang="en-US" smtClean="0"/>
-              <a:t>3/2/2023</a:t>
+              <a:t>3/3/2023</a:t>
             </a:fld>
             <a:endParaRPr lang="en-US"/>
           </a:p>
@@ -5860,7 +5972,7 @@
           <a:p>
             <a:fld id="{6BAB3201-8CBA-4DCE-BDB9-4692BAE81E1A}" type="datetimeFigureOut">
               <a:rPr lang="en-US" smtClean="0"/>
-              <a:t>3/2/2023</a:t>
+              <a:t>3/3/2023</a:t>
             </a:fld>
             <a:endParaRPr lang="en-US"/>
           </a:p>
@@ -6135,7 +6247,7 @@
           <a:p>
             <a:fld id="{6BAB3201-8CBA-4DCE-BDB9-4692BAE81E1A}" type="datetimeFigureOut">
               <a:rPr lang="en-US" smtClean="0"/>
-              <a:t>3/2/2023</a:t>
+              <a:t>3/3/2023</a:t>
             </a:fld>
             <a:endParaRPr lang="en-US"/>
           </a:p>
@@ -6400,7 +6512,7 @@
           <a:p>
             <a:fld id="{6BAB3201-8CBA-4DCE-BDB9-4692BAE81E1A}" type="datetimeFigureOut">
               <a:rPr lang="en-US" smtClean="0"/>
-              <a:t>3/2/2023</a:t>
+              <a:t>3/3/2023</a:t>
             </a:fld>
             <a:endParaRPr lang="en-US"/>
           </a:p>
@@ -6812,7 +6924,7 @@
           <a:p>
             <a:fld id="{6BAB3201-8CBA-4DCE-BDB9-4692BAE81E1A}" type="datetimeFigureOut">
               <a:rPr lang="en-US" smtClean="0"/>
-              <a:t>3/2/2023</a:t>
+              <a:t>3/3/2023</a:t>
             </a:fld>
             <a:endParaRPr lang="en-US"/>
           </a:p>
@@ -6953,7 +7065,7 @@
           <a:p>
             <a:fld id="{6BAB3201-8CBA-4DCE-BDB9-4692BAE81E1A}" type="datetimeFigureOut">
               <a:rPr lang="en-US" smtClean="0"/>
-              <a:t>3/2/2023</a:t>
+              <a:t>3/3/2023</a:t>
             </a:fld>
             <a:endParaRPr lang="en-US"/>
           </a:p>
@@ -7066,7 +7178,7 @@
           <a:p>
             <a:fld id="{6BAB3201-8CBA-4DCE-BDB9-4692BAE81E1A}" type="datetimeFigureOut">
               <a:rPr lang="en-US" smtClean="0"/>
-              <a:t>3/2/2023</a:t>
+              <a:t>3/3/2023</a:t>
             </a:fld>
             <a:endParaRPr lang="en-US"/>
           </a:p>
@@ -7377,7 +7489,7 @@
           <a:p>
             <a:fld id="{6BAB3201-8CBA-4DCE-BDB9-4692BAE81E1A}" type="datetimeFigureOut">
               <a:rPr lang="en-US" smtClean="0"/>
-              <a:t>3/2/2023</a:t>
+              <a:t>3/3/2023</a:t>
             </a:fld>
             <a:endParaRPr lang="en-US"/>
           </a:p>
@@ -7665,7 +7777,7 @@
           <a:p>
             <a:fld id="{6BAB3201-8CBA-4DCE-BDB9-4692BAE81E1A}" type="datetimeFigureOut">
               <a:rPr lang="en-US" smtClean="0"/>
-              <a:t>3/2/2023</a:t>
+              <a:t>3/3/2023</a:t>
             </a:fld>
             <a:endParaRPr lang="en-US"/>
           </a:p>
@@ -7906,7 +8018,7 @@
           <a:p>
             <a:fld id="{6BAB3201-8CBA-4DCE-BDB9-4692BAE81E1A}" type="datetimeFigureOut">
               <a:rPr lang="en-US" smtClean="0"/>
-              <a:t>3/2/2023</a:t>
+              <a:t>3/3/2023</a:t>
             </a:fld>
             <a:endParaRPr lang="en-US"/>
           </a:p>
@@ -10219,6 +10331,346 @@
           <p:cNvPr id="2" name="Title 1">
             <a:extLst>
               <a:ext uri="{FF2B5EF4-FFF2-40B4-BE49-F238E27FC236}">
+                <a16:creationId xmlns:a16="http://schemas.microsoft.com/office/drawing/2014/main" id="{49BA2386-366F-6FCE-68F8-EA9726EBBEDD}"/>
+              </a:ext>
+            </a:extLst>
+          </p:cNvPr>
+          <p:cNvSpPr>
+            <a:spLocks noGrp="1"/>
+          </p:cNvSpPr>
+          <p:nvPr>
+            <p:ph type="title"/>
+          </p:nvPr>
+        </p:nvSpPr>
+        <p:spPr/>
+        <p:txBody>
+          <a:bodyPr/>
+          <a:lstStyle/>
+          <a:p>
+            <a:r>
+              <a:rPr lang="en-US" dirty="0"/>
+              <a:t>Flow Chart</a:t>
+            </a:r>
+          </a:p>
+        </p:txBody>
+      </p:sp>
+      <p:pic>
+        <p:nvPicPr>
+          <p:cNvPr id="4" name="Picture 3">
+            <a:extLst>
+              <a:ext uri="{FF2B5EF4-FFF2-40B4-BE49-F238E27FC236}">
+                <a16:creationId xmlns:a16="http://schemas.microsoft.com/office/drawing/2014/main" id="{63FE603D-AD44-1D4F-F406-A5FB7B8CE50E}"/>
+              </a:ext>
+            </a:extLst>
+          </p:cNvPr>
+          <p:cNvPicPr>
+            <a:picLocks noChangeAspect="1"/>
+          </p:cNvPicPr>
+          <p:nvPr/>
+        </p:nvPicPr>
+        <p:blipFill>
+          <a:blip r:embed="rId2"/>
+          <a:stretch>
+            <a:fillRect/>
+          </a:stretch>
+        </p:blipFill>
+        <p:spPr>
+          <a:xfrm>
+            <a:off x="3529781" y="932280"/>
+            <a:ext cx="4650660" cy="5212309"/>
+          </a:xfrm>
+          <a:prstGeom prst="rect">
+            <a:avLst/>
+          </a:prstGeom>
+        </p:spPr>
+      </p:pic>
+    </p:spTree>
+    <p:extLst>
+      <p:ext uri="{BB962C8B-B14F-4D97-AF65-F5344CB8AC3E}">
+        <p14:creationId xmlns:p14="http://schemas.microsoft.com/office/powerpoint/2010/main" val="2525848926"/>
+      </p:ext>
+    </p:extLst>
+  </p:cSld>
+  <p:clrMapOvr>
+    <a:masterClrMapping/>
+  </p:clrMapOvr>
+</p:sld>
+</file>
+
+<file path=ppt/slides/slide11.xml><?xml version="1.0" encoding="utf-8"?>
+<p:sld xmlns:a="http://schemas.openxmlformats.org/drawingml/2006/main" xmlns:r="http://schemas.openxmlformats.org/officeDocument/2006/relationships" xmlns:p="http://schemas.openxmlformats.org/presentationml/2006/main">
+  <p:cSld>
+    <p:spTree>
+      <p:nvGrpSpPr>
+        <p:cNvPr id="1" name=""/>
+        <p:cNvGrpSpPr/>
+        <p:nvPr/>
+      </p:nvGrpSpPr>
+      <p:grpSpPr>
+        <a:xfrm>
+          <a:off x="0" y="0"/>
+          <a:ext cx="0" cy="0"/>
+          <a:chOff x="0" y="0"/>
+          <a:chExt cx="0" cy="0"/>
+        </a:xfrm>
+      </p:grpSpPr>
+      <p:sp>
+        <p:nvSpPr>
+          <p:cNvPr id="2" name="Title 1">
+            <a:extLst>
+              <a:ext uri="{FF2B5EF4-FFF2-40B4-BE49-F238E27FC236}">
+                <a16:creationId xmlns:a16="http://schemas.microsoft.com/office/drawing/2014/main" id="{7CA4AFFB-3857-8BB7-A885-460B1A7A5CFD}"/>
+              </a:ext>
+            </a:extLst>
+          </p:cNvPr>
+          <p:cNvSpPr>
+            <a:spLocks noGrp="1"/>
+          </p:cNvSpPr>
+          <p:nvPr>
+            <p:ph type="title"/>
+          </p:nvPr>
+        </p:nvSpPr>
+        <p:spPr/>
+        <p:txBody>
+          <a:bodyPr/>
+          <a:lstStyle/>
+          <a:p>
+            <a:r>
+              <a:rPr lang="en-US" dirty="0"/>
+              <a:t>Machine Learning Algorithms 	</a:t>
+            </a:r>
+          </a:p>
+        </p:txBody>
+      </p:sp>
+      <p:sp>
+        <p:nvSpPr>
+          <p:cNvPr id="3" name="Text Placeholder 2">
+            <a:extLst>
+              <a:ext uri="{FF2B5EF4-FFF2-40B4-BE49-F238E27FC236}">
+                <a16:creationId xmlns:a16="http://schemas.microsoft.com/office/drawing/2014/main" id="{1A7F1A04-F16A-CD20-FC4F-B7B7BBB7720D}"/>
+              </a:ext>
+            </a:extLst>
+          </p:cNvPr>
+          <p:cNvSpPr>
+            <a:spLocks noGrp="1"/>
+          </p:cNvSpPr>
+          <p:nvPr>
+            <p:ph type="body" idx="1"/>
+          </p:nvPr>
+        </p:nvSpPr>
+        <p:spPr/>
+        <p:txBody>
+          <a:bodyPr/>
+          <a:lstStyle/>
+          <a:p>
+            <a:pPr marL="76200" indent="0">
+              <a:buNone/>
+            </a:pPr>
+            <a:r>
+              <a:rPr lang="en-US" dirty="0"/>
+              <a:t>Linear Regression:</a:t>
+            </a:r>
+          </a:p>
+          <a:p>
+            <a:pPr marL="76200" indent="0">
+              <a:buNone/>
+            </a:pPr>
+            <a:r>
+              <a:rPr lang="en-US" sz="2000" b="0" dirty="0">
+                <a:solidFill>
+                  <a:srgbClr val="222222"/>
+                </a:solidFill>
+                <a:latin typeface="Arial" panose="020B0604020202020204" pitchFamily="34" charset="0"/>
+              </a:rPr>
+              <a:t>The link between two or more variables can be modeled using this straightforward but efficient algorithm. It might be applied to forecast how Covid-19 cases and associated policy actions will affect GDP and unemployment rates.</a:t>
+            </a:r>
+          </a:p>
+          <a:p>
+            <a:pPr marL="76200" indent="0">
+              <a:buNone/>
+            </a:pPr>
+            <a:r>
+              <a:rPr lang="en-US" dirty="0"/>
+              <a:t>Random Forest:</a:t>
+            </a:r>
+          </a:p>
+          <a:p>
+            <a:pPr marL="76200" indent="0">
+              <a:buNone/>
+            </a:pPr>
+            <a:r>
+              <a:rPr lang="en-US" sz="2000" b="0" dirty="0">
+                <a:solidFill>
+                  <a:srgbClr val="222222"/>
+                </a:solidFill>
+                <a:latin typeface="Arial" panose="020B0604020202020204" pitchFamily="34" charset="0"/>
+              </a:rPr>
+              <a:t>An ensemble technique mixes different decision trees to increase the precision of predictions. By considering a number of variables associated to Covid-19 instances and relevant policy actions, it could be utilized to produce projections of GDP and unemployment rates that are more accurate.</a:t>
+            </a:r>
+          </a:p>
+        </p:txBody>
+      </p:sp>
+    </p:spTree>
+    <p:extLst>
+      <p:ext uri="{BB962C8B-B14F-4D97-AF65-F5344CB8AC3E}">
+        <p14:creationId xmlns:p14="http://schemas.microsoft.com/office/powerpoint/2010/main" val="223923989"/>
+      </p:ext>
+    </p:extLst>
+  </p:cSld>
+  <p:clrMapOvr>
+    <a:masterClrMapping/>
+  </p:clrMapOvr>
+</p:sld>
+</file>
+
+<file path=ppt/slides/slide12.xml><?xml version="1.0" encoding="utf-8"?>
+<p:sld xmlns:a="http://schemas.openxmlformats.org/drawingml/2006/main" xmlns:r="http://schemas.openxmlformats.org/officeDocument/2006/relationships" xmlns:p="http://schemas.openxmlformats.org/presentationml/2006/main">
+  <p:cSld>
+    <p:spTree>
+      <p:nvGrpSpPr>
+        <p:cNvPr id="1" name=""/>
+        <p:cNvGrpSpPr/>
+        <p:nvPr/>
+      </p:nvGrpSpPr>
+      <p:grpSpPr>
+        <a:xfrm>
+          <a:off x="0" y="0"/>
+          <a:ext cx="0" cy="0"/>
+          <a:chOff x="0" y="0"/>
+          <a:chExt cx="0" cy="0"/>
+        </a:xfrm>
+      </p:grpSpPr>
+      <p:sp>
+        <p:nvSpPr>
+          <p:cNvPr id="3" name="Text Placeholder 2">
+            <a:extLst>
+              <a:ext uri="{FF2B5EF4-FFF2-40B4-BE49-F238E27FC236}">
+                <a16:creationId xmlns:a16="http://schemas.microsoft.com/office/drawing/2014/main" id="{58A75B71-7FA9-6BC4-3AAD-87BBCF4D8FF4}"/>
+              </a:ext>
+            </a:extLst>
+          </p:cNvPr>
+          <p:cNvSpPr>
+            <a:spLocks noGrp="1"/>
+          </p:cNvSpPr>
+          <p:nvPr>
+            <p:ph type="body" idx="1"/>
+          </p:nvPr>
+        </p:nvSpPr>
+        <p:spPr>
+          <a:xfrm>
+            <a:off x="838200" y="648929"/>
+            <a:ext cx="10515600" cy="5528034"/>
+          </a:xfrm>
+        </p:spPr>
+        <p:txBody>
+          <a:bodyPr/>
+          <a:lstStyle/>
+          <a:p>
+            <a:pPr marL="76200" indent="0">
+              <a:buNone/>
+            </a:pPr>
+            <a:r>
+              <a:rPr lang="en-US" dirty="0"/>
+              <a:t>XGBoost :</a:t>
+            </a:r>
+          </a:p>
+          <a:p>
+            <a:pPr marL="76200" indent="0">
+              <a:buNone/>
+            </a:pPr>
+            <a:r>
+              <a:rPr lang="en-US" sz="2000" b="0" dirty="0">
+                <a:solidFill>
+                  <a:srgbClr val="222222"/>
+                </a:solidFill>
+                <a:latin typeface="Arial" panose="020B0604020202020204" pitchFamily="34" charset="0"/>
+              </a:rPr>
+              <a:t>A class of group machine learning methods known as gradient boosting can be applied to classification or regression predictive modeling issues. Decision tree models are used to build clusters. In order to repair the prediction mistakes caused by earlier models, trees are added one at a time to the ensemble and fitted. Boosting is a term used to describe this kind of batch machine learning model.</a:t>
+            </a:r>
+          </a:p>
+          <a:p>
+            <a:pPr marL="76200" indent="0">
+              <a:buNone/>
+            </a:pPr>
+            <a:r>
+              <a:rPr lang="en-US" dirty="0"/>
+              <a:t>Decision Tree : </a:t>
+            </a:r>
+          </a:p>
+          <a:p>
+            <a:pPr marL="76200" indent="0">
+              <a:buNone/>
+            </a:pPr>
+            <a:r>
+              <a:rPr lang="en-US" sz="2000" b="0" dirty="0">
+                <a:solidFill>
+                  <a:srgbClr val="222222"/>
+                </a:solidFill>
+                <a:latin typeface="Arial" panose="020B0604020202020204" pitchFamily="34" charset="0"/>
+              </a:rPr>
+              <a:t>A decision tree creates tree-like models for classification or regression. It incrementally develops an associated decision tree while segmenting a dataset into smaller and smaller sections. The outcome is a tree containing leaf nodes and decision nodes.</a:t>
+            </a:r>
+          </a:p>
+          <a:p>
+            <a:pPr marL="76200" indent="0">
+              <a:buNone/>
+            </a:pPr>
+            <a:r>
+              <a:rPr lang="en-US" dirty="0"/>
+              <a:t>Support Vector Machines (SVM) : </a:t>
+            </a:r>
+          </a:p>
+          <a:p>
+            <a:pPr marL="76200" indent="0">
+              <a:buNone/>
+            </a:pPr>
+            <a:r>
+              <a:rPr lang="en-US" sz="2000" b="0" dirty="0">
+                <a:solidFill>
+                  <a:srgbClr val="222222"/>
+                </a:solidFill>
+                <a:latin typeface="Arial" panose="020B0604020202020204" pitchFamily="34" charset="0"/>
+              </a:rPr>
+              <a:t>By identifying the ideal decision border between data points, this approach can be applied to both classification and regression issues. It might be used to find the model that fits the data the best and forecasts how Covid-19 would affect GDP and unemployment rates</a:t>
+            </a:r>
+          </a:p>
+        </p:txBody>
+      </p:sp>
+    </p:spTree>
+    <p:extLst>
+      <p:ext uri="{BB962C8B-B14F-4D97-AF65-F5344CB8AC3E}">
+        <p14:creationId xmlns:p14="http://schemas.microsoft.com/office/powerpoint/2010/main" val="3191939578"/>
+      </p:ext>
+    </p:extLst>
+  </p:cSld>
+  <p:clrMapOvr>
+    <a:masterClrMapping/>
+  </p:clrMapOvr>
+</p:sld>
+</file>
+
+<file path=ppt/slides/slide13.xml><?xml version="1.0" encoding="utf-8"?>
+<p:sld xmlns:a="http://schemas.openxmlformats.org/drawingml/2006/main" xmlns:r="http://schemas.openxmlformats.org/officeDocument/2006/relationships" xmlns:p="http://schemas.openxmlformats.org/presentationml/2006/main">
+  <p:cSld>
+    <p:spTree>
+      <p:nvGrpSpPr>
+        <p:cNvPr id="1" name=""/>
+        <p:cNvGrpSpPr/>
+        <p:nvPr/>
+      </p:nvGrpSpPr>
+      <p:grpSpPr>
+        <a:xfrm>
+          <a:off x="0" y="0"/>
+          <a:ext cx="0" cy="0"/>
+          <a:chOff x="0" y="0"/>
+          <a:chExt cx="0" cy="0"/>
+        </a:xfrm>
+      </p:grpSpPr>
+      <p:sp>
+        <p:nvSpPr>
+          <p:cNvPr id="2" name="Title 1">
+            <a:extLst>
+              <a:ext uri="{FF2B5EF4-FFF2-40B4-BE49-F238E27FC236}">
                 <a16:creationId xmlns:a16="http://schemas.microsoft.com/office/drawing/2014/main" id="{39480249-A00C-E457-848F-D47D59D1C16A}"/>
               </a:ext>
             </a:extLst>
@@ -10291,7 +10743,7 @@
 </p:sld>
 </file>
 
-<file path=ppt/slides/slide11.xml><?xml version="1.0" encoding="utf-8"?>
+<file path=ppt/slides/slide14.xml><?xml version="1.0" encoding="utf-8"?>
 <p:sld xmlns:a="http://schemas.openxmlformats.org/drawingml/2006/main" xmlns:r="http://schemas.openxmlformats.org/officeDocument/2006/relationships" xmlns:p="http://schemas.openxmlformats.org/presentationml/2006/main">
   <p:cSld>
     <p:spTree>
@@ -12238,7 +12690,7 @@
   <p:cSld>
     <p:spTree>
       <p:nvGrpSpPr>
-        <p:cNvPr id="1" name=""/>
+        <p:cNvPr id="1" name="Shape 350"/>
         <p:cNvGrpSpPr/>
         <p:nvPr/>
       </p:nvGrpSpPr>
@@ -12252,127 +12704,72 @@
       </p:grpSpPr>
       <p:sp>
         <p:nvSpPr>
-          <p:cNvPr id="2" name="Title 1">
-            <a:extLst>
-              <a:ext uri="{FF2B5EF4-FFF2-40B4-BE49-F238E27FC236}">
-                <a16:creationId xmlns:a16="http://schemas.microsoft.com/office/drawing/2014/main" id="{A75A5506-3DE9-8BBF-56F2-740E4E8087E1}"/>
-              </a:ext>
-            </a:extLst>
-          </p:cNvPr>
-          <p:cNvSpPr>
+          <p:cNvPr id="351" name="Google Shape;351;p48"/>
+          <p:cNvSpPr txBox="1">
             <a:spLocks noGrp="1"/>
           </p:cNvSpPr>
           <p:nvPr>
-            <p:ph type="title"/>
+            <p:ph type="ctrTitle"/>
           </p:nvPr>
         </p:nvSpPr>
-        <p:spPr/>
-        <p:txBody>
-          <a:bodyPr/>
+        <p:spPr>
+          <a:xfrm>
+            <a:off x="1562200" y="2374525"/>
+            <a:ext cx="8454900" cy="1187700"/>
+          </a:xfrm>
+          <a:prstGeom prst="rect">
+            <a:avLst/>
+          </a:prstGeom>
+          <a:noFill/>
+          <a:ln>
+            <a:noFill/>
+          </a:ln>
+        </p:spPr>
+        <p:txBody>
+          <a:bodyPr spcFirstLastPara="1" wrap="square" lIns="91425" tIns="45700" rIns="91425" bIns="45700" anchor="b" anchorCtr="0">
+            <a:noAutofit/>
+          </a:bodyPr>
           <a:lstStyle/>
           <a:p>
-            <a:r>
-              <a:rPr lang="en-US" dirty="0"/>
+            <a:pPr marL="0" lvl="0" indent="0" algn="ctr" rtl="0">
+              <a:lnSpc>
+                <a:spcPct val="90000"/>
+              </a:lnSpc>
+              <a:spcBef>
+                <a:spcPts val="0"/>
+              </a:spcBef>
+              <a:spcAft>
+                <a:spcPts val="0"/>
+              </a:spcAft>
+              <a:buClr>
+                <a:schemeClr val="lt1"/>
+              </a:buClr>
+              <a:buSzPts val="4400"/>
+              <a:buFont typeface="Arial"/>
+              <a:buNone/>
+            </a:pPr>
+            <a:r>
+              <a:rPr lang="en-US" sz="6500" b="0" dirty="0">
+                <a:latin typeface="EB Garamond ExtraBold"/>
+                <a:ea typeface="EB Garamond ExtraBold"/>
+                <a:cs typeface="EB Garamond ExtraBold"/>
+                <a:sym typeface="EB Garamond ExtraBold"/>
+              </a:rPr>
               <a:t>Project Background</a:t>
             </a:r>
-          </a:p>
-        </p:txBody>
-      </p:sp>
-      <p:sp>
-        <p:nvSpPr>
-          <p:cNvPr id="3" name="Text Placeholder 2">
-            <a:extLst>
-              <a:ext uri="{FF2B5EF4-FFF2-40B4-BE49-F238E27FC236}">
-                <a16:creationId xmlns:a16="http://schemas.microsoft.com/office/drawing/2014/main" id="{13920A81-4368-57DE-88AD-7DD306AFD69F}"/>
-              </a:ext>
-            </a:extLst>
-          </p:cNvPr>
-          <p:cNvSpPr>
-            <a:spLocks noGrp="1"/>
-          </p:cNvSpPr>
-          <p:nvPr>
-            <p:ph type="body" idx="1"/>
-          </p:nvPr>
-        </p:nvSpPr>
-        <p:spPr/>
-        <p:txBody>
-          <a:bodyPr/>
-          <a:lstStyle/>
-          <a:p>
-            <a:r>
-              <a:rPr lang="en-US" dirty="0"/>
-              <a:t>Tools</a:t>
-            </a:r>
-          </a:p>
-          <a:p>
-            <a:pPr lvl="1"/>
-            <a:r>
-              <a:rPr lang="en-US" dirty="0"/>
-              <a:t>Python</a:t>
-            </a:r>
-          </a:p>
-          <a:p>
-            <a:pPr lvl="1"/>
-            <a:r>
-              <a:rPr lang="en-US" dirty="0" err="1"/>
-              <a:t>Jupyter</a:t>
-            </a:r>
-            <a:r>
-              <a:rPr lang="en-US" dirty="0"/>
-              <a:t> Notebook</a:t>
-            </a:r>
-          </a:p>
-          <a:p>
-            <a:pPr lvl="1"/>
-            <a:r>
-              <a:rPr lang="en-US" dirty="0"/>
-              <a:t>Seaborn</a:t>
-            </a:r>
-          </a:p>
-          <a:p>
-            <a:pPr lvl="1"/>
-            <a:r>
-              <a:rPr lang="en-US" dirty="0" err="1"/>
-              <a:t>Numpy</a:t>
-            </a:r>
-            <a:endParaRPr lang="en-US" dirty="0"/>
-          </a:p>
-          <a:p>
-            <a:pPr lvl="1"/>
-            <a:r>
-              <a:rPr lang="en-US" dirty="0"/>
-              <a:t>Matplotlib</a:t>
-            </a:r>
-          </a:p>
-          <a:p>
-            <a:pPr lvl="1"/>
-            <a:r>
-              <a:rPr lang="en-US" dirty="0"/>
-              <a:t>Aws </a:t>
-            </a:r>
-            <a:r>
-              <a:rPr lang="en-US" dirty="0" err="1"/>
-              <a:t>SageMaker</a:t>
-            </a:r>
-            <a:endParaRPr lang="en-US" dirty="0"/>
-          </a:p>
-          <a:p>
-            <a:pPr lvl="1"/>
-            <a:r>
-              <a:rPr lang="en-US" dirty="0"/>
-              <a:t>Excel</a:t>
-            </a:r>
-          </a:p>
-          <a:p>
-            <a:pPr lvl="1"/>
-            <a:endParaRPr lang="en-US" dirty="0"/>
+            <a:endParaRPr sz="6500" b="0" dirty="0">
+              <a:latin typeface="EB Garamond ExtraBold"/>
+              <a:ea typeface="EB Garamond ExtraBold"/>
+              <a:cs typeface="EB Garamond ExtraBold"/>
+              <a:sym typeface="EB Garamond ExtraBold"/>
+            </a:endParaRPr>
           </a:p>
         </p:txBody>
       </p:sp>
     </p:spTree>
     <p:extLst>
       <p:ext uri="{BB962C8B-B14F-4D97-AF65-F5344CB8AC3E}">
-        <p14:creationId xmlns:p14="http://schemas.microsoft.com/office/powerpoint/2010/main" val="882994751"/>
+        <p14:creationId xmlns:p14="http://schemas.microsoft.com/office/powerpoint/2010/main" val="1916592904"/>
       </p:ext>
     </p:extLst>
   </p:cSld>
@@ -12404,7 +12801,7 @@
           <p:cNvPr id="2" name="Title 1">
             <a:extLst>
               <a:ext uri="{FF2B5EF4-FFF2-40B4-BE49-F238E27FC236}">
-                <a16:creationId xmlns:a16="http://schemas.microsoft.com/office/drawing/2014/main" id="{49BA2386-366F-6FCE-68F8-EA9726EBBEDD}"/>
+                <a16:creationId xmlns:a16="http://schemas.microsoft.com/office/drawing/2014/main" id="{A75A5506-3DE9-8BBF-56F2-740E4E8087E1}"/>
               </a:ext>
             </a:extLst>
           </p:cNvPr>
@@ -12422,45 +12819,100 @@
           <a:p>
             <a:r>
               <a:rPr lang="en-US" dirty="0"/>
-              <a:t>Flow</a:t>
-            </a:r>
-          </a:p>
-        </p:txBody>
-      </p:sp>
-      <p:pic>
-        <p:nvPicPr>
-          <p:cNvPr id="5" name="Picture 4">
+              <a:t>Tools</a:t>
+            </a:r>
+          </a:p>
+        </p:txBody>
+      </p:sp>
+      <p:sp>
+        <p:nvSpPr>
+          <p:cNvPr id="3" name="Text Placeholder 2">
             <a:extLst>
               <a:ext uri="{FF2B5EF4-FFF2-40B4-BE49-F238E27FC236}">
-                <a16:creationId xmlns:a16="http://schemas.microsoft.com/office/drawing/2014/main" id="{5EEF60FD-8C04-B104-1EEE-92A0AB9C7494}"/>
+                <a16:creationId xmlns:a16="http://schemas.microsoft.com/office/drawing/2014/main" id="{13920A81-4368-57DE-88AD-7DD306AFD69F}"/>
               </a:ext>
             </a:extLst>
           </p:cNvPr>
-          <p:cNvPicPr>
-            <a:picLocks noChangeAspect="1"/>
-          </p:cNvPicPr>
-          <p:nvPr/>
-        </p:nvPicPr>
-        <p:blipFill>
-          <a:blip r:embed="rId2"/>
-          <a:stretch>
-            <a:fillRect/>
-          </a:stretch>
-        </p:blipFill>
-        <p:spPr>
-          <a:xfrm>
-            <a:off x="3592613" y="963716"/>
-            <a:ext cx="5006774" cy="4930567"/>
-          </a:xfrm>
-          <a:prstGeom prst="rect">
-            <a:avLst/>
-          </a:prstGeom>
-        </p:spPr>
-      </p:pic>
+          <p:cNvSpPr>
+            <a:spLocks noGrp="1"/>
+          </p:cNvSpPr>
+          <p:nvPr>
+            <p:ph type="body" idx="1"/>
+          </p:nvPr>
+        </p:nvSpPr>
+        <p:spPr/>
+        <p:txBody>
+          <a:bodyPr/>
+          <a:lstStyle/>
+          <a:p>
+            <a:pPr lvl="1"/>
+            <a:r>
+              <a:rPr lang="en-US" dirty="0"/>
+              <a:t>Python</a:t>
+            </a:r>
+          </a:p>
+          <a:p>
+            <a:pPr lvl="1"/>
+            <a:r>
+              <a:rPr lang="en-US" dirty="0" err="1"/>
+              <a:t>Jupyter</a:t>
+            </a:r>
+            <a:r>
+              <a:rPr lang="en-US" dirty="0"/>
+              <a:t> Notebook</a:t>
+            </a:r>
+          </a:p>
+          <a:p>
+            <a:pPr lvl="1"/>
+            <a:r>
+              <a:rPr lang="en-US" dirty="0"/>
+              <a:t>Seaborn</a:t>
+            </a:r>
+          </a:p>
+          <a:p>
+            <a:pPr lvl="1"/>
+            <a:r>
+              <a:rPr lang="en-US" dirty="0" err="1"/>
+              <a:t>Numpy</a:t>
+            </a:r>
+            <a:endParaRPr lang="en-US" dirty="0"/>
+          </a:p>
+          <a:p>
+            <a:pPr lvl="1"/>
+            <a:r>
+              <a:rPr lang="en-US" dirty="0"/>
+              <a:t>Matplotlib</a:t>
+            </a:r>
+          </a:p>
+          <a:p>
+            <a:pPr lvl="1"/>
+            <a:r>
+              <a:rPr lang="en-US" dirty="0"/>
+              <a:t>Aws </a:t>
+            </a:r>
+            <a:r>
+              <a:rPr lang="en-US" dirty="0" err="1"/>
+              <a:t>SageMaker</a:t>
+            </a:r>
+            <a:endParaRPr lang="en-US" dirty="0"/>
+          </a:p>
+          <a:p>
+            <a:pPr lvl="1"/>
+            <a:r>
+              <a:rPr lang="en-US" dirty="0"/>
+              <a:t>Excel</a:t>
+            </a:r>
+          </a:p>
+          <a:p>
+            <a:pPr lvl="1"/>
+            <a:endParaRPr lang="en-US" dirty="0"/>
+          </a:p>
+        </p:txBody>
+      </p:sp>
     </p:spTree>
     <p:extLst>
       <p:ext uri="{BB962C8B-B14F-4D97-AF65-F5344CB8AC3E}">
-        <p14:creationId xmlns:p14="http://schemas.microsoft.com/office/powerpoint/2010/main" val="2525848926"/>
+        <p14:creationId xmlns:p14="http://schemas.microsoft.com/office/powerpoint/2010/main" val="882994751"/>
       </p:ext>
     </p:extLst>
   </p:cSld>

--- a/presentataions/Presentation.pptx
+++ b/presentataions/Presentation.pptx
@@ -6,23 +6,40 @@
     <p:sldMasterId id="2147483661" r:id="rId2"/>
   </p:sldMasterIdLst>
   <p:notesMasterIdLst>
-    <p:notesMasterId r:id="rId17"/>
+    <p:notesMasterId r:id="rId34"/>
   </p:notesMasterIdLst>
   <p:sldIdLst>
     <p:sldId id="257" r:id="rId3"/>
     <p:sldId id="259" r:id="rId4"/>
-    <p:sldId id="258" r:id="rId5"/>
-    <p:sldId id="261" r:id="rId6"/>
-    <p:sldId id="262" r:id="rId7"/>
-    <p:sldId id="260" r:id="rId8"/>
-    <p:sldId id="265" r:id="rId9"/>
-    <p:sldId id="293" r:id="rId10"/>
-    <p:sldId id="288" r:id="rId11"/>
-    <p:sldId id="289" r:id="rId12"/>
-    <p:sldId id="291" r:id="rId13"/>
-    <p:sldId id="292" r:id="rId14"/>
-    <p:sldId id="290" r:id="rId15"/>
-    <p:sldId id="287" r:id="rId16"/>
+    <p:sldId id="310" r:id="rId5"/>
+    <p:sldId id="266" r:id="rId6"/>
+    <p:sldId id="258" r:id="rId7"/>
+    <p:sldId id="262" r:id="rId8"/>
+    <p:sldId id="288" r:id="rId9"/>
+    <p:sldId id="265" r:id="rId10"/>
+    <p:sldId id="289" r:id="rId11"/>
+    <p:sldId id="297" r:id="rId12"/>
+    <p:sldId id="267" r:id="rId13"/>
+    <p:sldId id="268" r:id="rId14"/>
+    <p:sldId id="269" r:id="rId15"/>
+    <p:sldId id="313" r:id="rId16"/>
+    <p:sldId id="314" r:id="rId17"/>
+    <p:sldId id="315" r:id="rId18"/>
+    <p:sldId id="316" r:id="rId19"/>
+    <p:sldId id="317" r:id="rId20"/>
+    <p:sldId id="318" r:id="rId21"/>
+    <p:sldId id="293" r:id="rId22"/>
+    <p:sldId id="305" r:id="rId23"/>
+    <p:sldId id="306" r:id="rId24"/>
+    <p:sldId id="282" r:id="rId25"/>
+    <p:sldId id="319" r:id="rId26"/>
+    <p:sldId id="320" r:id="rId27"/>
+    <p:sldId id="321" r:id="rId28"/>
+    <p:sldId id="322" r:id="rId29"/>
+    <p:sldId id="323" r:id="rId30"/>
+    <p:sldId id="324" r:id="rId31"/>
+    <p:sldId id="325" r:id="rId32"/>
+    <p:sldId id="287" r:id="rId33"/>
   </p:sldIdLst>
   <p:sldSz cx="12192000" cy="6858000"/>
   <p:notesSz cx="6858000" cy="9144000"/>
@@ -211,7 +228,7 @@
           <a:p>
             <a:fld id="{AD276A9C-E8FB-4187-B9E8-54A34F7E3A46}" type="datetimeFigureOut">
               <a:rPr lang="en-US" smtClean="0"/>
-              <a:t>3/3/2023</a:t>
+              <a:t>4/24/2023</a:t>
             </a:fld>
             <a:endParaRPr lang="en-US"/>
           </a:p>
@@ -582,12 +599,12 @@
 </p:notes>
 </file>
 
-<file path=ppt/notesSlides/notesSlide2.xml><?xml version="1.0" encoding="utf-8"?>
+<file path=ppt/notesSlides/notesSlide10.xml><?xml version="1.0" encoding="utf-8"?>
 <p:notes xmlns:a="http://schemas.openxmlformats.org/drawingml/2006/main" xmlns:r="http://schemas.openxmlformats.org/officeDocument/2006/relationships" xmlns:p="http://schemas.openxmlformats.org/presentationml/2006/main" showMasterSp="0" showMasterPhAnim="0">
   <p:cSld>
     <p:spTree>
       <p:nvGrpSpPr>
-        <p:cNvPr id="1" name="Shape 68"/>
+        <p:cNvPr id="1" name="Shape 190"/>
         <p:cNvGrpSpPr/>
         <p:nvPr/>
       </p:nvGrpSpPr>
@@ -601,7 +618,7 @@
       </p:grpSpPr>
       <p:sp>
         <p:nvSpPr>
-          <p:cNvPr id="69" name="Google Shape;69;p2:notes"/>
+          <p:cNvPr id="191" name="Google Shape;191;g1ad9dd80d09_0_1140:notes"/>
           <p:cNvSpPr txBox="1">
             <a:spLocks noGrp="1"/>
           </p:cNvSpPr>
@@ -612,7 +629,7 @@
         <p:spPr>
           <a:xfrm>
             <a:off x="685800" y="4400550"/>
-            <a:ext cx="5486400" cy="3600450"/>
+            <a:ext cx="5486400" cy="3600600"/>
           </a:xfrm>
           <a:prstGeom prst="rect">
             <a:avLst/>
@@ -639,7 +656,7 @@
       </p:sp>
       <p:sp>
         <p:nvSpPr>
-          <p:cNvPr id="70" name="Google Shape;70;p2:notes"/>
+          <p:cNvPr id="192" name="Google Shape;192;g1ad9dd80d09_0_1140:notes"/>
           <p:cNvSpPr>
             <a:spLocks noGrp="1" noRot="1" noChangeAspect="1"/>
           </p:cNvSpPr>
@@ -679,6 +696,11 @@
         </p:spPr>
       </p:sp>
     </p:spTree>
+    <p:extLst>
+      <p:ext uri="{BB962C8B-B14F-4D97-AF65-F5344CB8AC3E}">
+        <p14:creationId xmlns:p14="http://schemas.microsoft.com/office/powerpoint/2010/main" val="914876077"/>
+      </p:ext>
+    </p:extLst>
   </p:cSld>
   <p:clrMapOvr>
     <a:masterClrMapping/>
@@ -686,12 +708,12 @@
 </p:notes>
 </file>
 
-<file path=ppt/notesSlides/notesSlide3.xml><?xml version="1.0" encoding="utf-8"?>
+<file path=ppt/notesSlides/notesSlide11.xml><?xml version="1.0" encoding="utf-8"?>
 <p:notes xmlns:a="http://schemas.openxmlformats.org/drawingml/2006/main" xmlns:r="http://schemas.openxmlformats.org/officeDocument/2006/relationships" xmlns:p="http://schemas.openxmlformats.org/presentationml/2006/main" showMasterSp="0" showMasterPhAnim="0">
   <p:cSld>
     <p:spTree>
       <p:nvGrpSpPr>
-        <p:cNvPr id="1" name="Shape 74"/>
+        <p:cNvPr id="1" name="Shape 347"/>
         <p:cNvGrpSpPr/>
         <p:nvPr/>
       </p:nvGrpSpPr>
@@ -705,7 +727,7 @@
       </p:grpSpPr>
       <p:sp>
         <p:nvSpPr>
-          <p:cNvPr id="75" name="Google Shape;75;p3:notes"/>
+          <p:cNvPr id="348" name="Google Shape;348;g1aefe40ca71_2_2:notes"/>
           <p:cNvSpPr txBox="1">
             <a:spLocks noGrp="1"/>
           </p:cNvSpPr>
@@ -716,7 +738,7 @@
         <p:spPr>
           <a:xfrm>
             <a:off x="685800" y="4400550"/>
-            <a:ext cx="5486400" cy="3600450"/>
+            <a:ext cx="5486400" cy="3600600"/>
           </a:xfrm>
           <a:prstGeom prst="rect">
             <a:avLst/>
@@ -743,7 +765,7 @@
       </p:sp>
       <p:sp>
         <p:nvSpPr>
-          <p:cNvPr id="76" name="Google Shape;76;p3:notes"/>
+          <p:cNvPr id="349" name="Google Shape;349;g1aefe40ca71_2_2:notes"/>
           <p:cNvSpPr>
             <a:spLocks noGrp="1" noRot="1" noChangeAspect="1"/>
           </p:cNvSpPr>
@@ -783,6 +805,11 @@
         </p:spPr>
       </p:sp>
     </p:spTree>
+    <p:extLst>
+      <p:ext uri="{BB962C8B-B14F-4D97-AF65-F5344CB8AC3E}">
+        <p14:creationId xmlns:p14="http://schemas.microsoft.com/office/powerpoint/2010/main" val="2876899782"/>
+      </p:ext>
+    </p:extLst>
   </p:cSld>
   <p:clrMapOvr>
     <a:masterClrMapping/>
@@ -790,12 +817,12 @@
 </p:notes>
 </file>
 
-<file path=ppt/notesSlides/notesSlide4.xml><?xml version="1.0" encoding="utf-8"?>
+<file path=ppt/notesSlides/notesSlide12.xml><?xml version="1.0" encoding="utf-8"?>
 <p:notes xmlns:a="http://schemas.openxmlformats.org/drawingml/2006/main" xmlns:r="http://schemas.openxmlformats.org/officeDocument/2006/relationships" xmlns:p="http://schemas.openxmlformats.org/presentationml/2006/main" showMasterSp="0" showMasterPhAnim="0">
   <p:cSld>
     <p:spTree>
       <p:nvGrpSpPr>
-        <p:cNvPr id="1" name="Shape 74"/>
+        <p:cNvPr id="1" name="Shape 300"/>
         <p:cNvGrpSpPr/>
         <p:nvPr/>
       </p:nvGrpSpPr>
@@ -809,45 +836,7 @@
       </p:grpSpPr>
       <p:sp>
         <p:nvSpPr>
-          <p:cNvPr id="75" name="Google Shape;75;p3:notes"/>
-          <p:cNvSpPr txBox="1">
-            <a:spLocks noGrp="1"/>
-          </p:cNvSpPr>
-          <p:nvPr>
-            <p:ph type="body" idx="1"/>
-          </p:nvPr>
-        </p:nvSpPr>
-        <p:spPr>
-          <a:xfrm>
-            <a:off x="685800" y="4400550"/>
-            <a:ext cx="5486400" cy="3600450"/>
-          </a:xfrm>
-          <a:prstGeom prst="rect">
-            <a:avLst/>
-          </a:prstGeom>
-        </p:spPr>
-        <p:txBody>
-          <a:bodyPr spcFirstLastPara="1" wrap="square" lIns="91425" tIns="45700" rIns="91425" bIns="45700" anchor="t" anchorCtr="0">
-            <a:noAutofit/>
-          </a:bodyPr>
-          <a:lstStyle/>
-          <a:p>
-            <a:pPr marL="0" lvl="0" indent="0" algn="l" rtl="0">
-              <a:spcBef>
-                <a:spcPts val="0"/>
-              </a:spcBef>
-              <a:spcAft>
-                <a:spcPts val="0"/>
-              </a:spcAft>
-              <a:buNone/>
-            </a:pPr>
-            <a:endParaRPr/>
-          </a:p>
-        </p:txBody>
-      </p:sp>
-      <p:sp>
-        <p:nvSpPr>
-          <p:cNvPr id="76" name="Google Shape;76;p3:notes"/>
+          <p:cNvPr id="301" name="Google Shape;301;g1ad9dd80d09_0_1016:notes"/>
           <p:cNvSpPr>
             <a:spLocks noGrp="1" noRot="1" noChangeAspect="1"/>
           </p:cNvSpPr>
@@ -886,12 +875,87 @@
           </a:custGeom>
         </p:spPr>
       </p:sp>
+      <p:sp>
+        <p:nvSpPr>
+          <p:cNvPr id="302" name="Google Shape;302;g1ad9dd80d09_0_1016:notes"/>
+          <p:cNvSpPr txBox="1">
+            <a:spLocks noGrp="1"/>
+          </p:cNvSpPr>
+          <p:nvPr>
+            <p:ph type="body" idx="1"/>
+          </p:nvPr>
+        </p:nvSpPr>
+        <p:spPr>
+          <a:xfrm>
+            <a:off x="685800" y="4400550"/>
+            <a:ext cx="5486400" cy="3600600"/>
+          </a:xfrm>
+          <a:prstGeom prst="rect">
+            <a:avLst/>
+          </a:prstGeom>
+        </p:spPr>
+        <p:txBody>
+          <a:bodyPr spcFirstLastPara="1" wrap="square" lIns="91425" tIns="45700" rIns="91425" bIns="45700" anchor="t" anchorCtr="0">
+            <a:noAutofit/>
+          </a:bodyPr>
+          <a:lstStyle/>
+          <a:p>
+            <a:pPr marL="0" lvl="0" indent="0" algn="l" rtl="0">
+              <a:spcBef>
+                <a:spcPts val="0"/>
+              </a:spcBef>
+              <a:spcAft>
+                <a:spcPts val="0"/>
+              </a:spcAft>
+              <a:buNone/>
+            </a:pPr>
+            <a:endParaRPr/>
+          </a:p>
+        </p:txBody>
+      </p:sp>
+      <p:sp>
+        <p:nvSpPr>
+          <p:cNvPr id="303" name="Google Shape;303;g1ad9dd80d09_0_1016:notes"/>
+          <p:cNvSpPr txBox="1">
+            <a:spLocks noGrp="1"/>
+          </p:cNvSpPr>
+          <p:nvPr>
+            <p:ph type="sldNum" idx="12"/>
+          </p:nvPr>
+        </p:nvSpPr>
+        <p:spPr>
+          <a:xfrm>
+            <a:off x="3884613" y="8685213"/>
+            <a:ext cx="2971800" cy="458700"/>
+          </a:xfrm>
+          <a:prstGeom prst="rect">
+            <a:avLst/>
+          </a:prstGeom>
+        </p:spPr>
+        <p:txBody>
+          <a:bodyPr spcFirstLastPara="1" wrap="square" lIns="91425" tIns="45700" rIns="91425" bIns="45700" anchor="b" anchorCtr="0">
+            <a:noAutofit/>
+          </a:bodyPr>
+          <a:lstStyle/>
+          <a:p>
+            <a:pPr marL="0" lvl="0" indent="0" algn="r" rtl="0">
+              <a:spcBef>
+                <a:spcPts val="0"/>
+              </a:spcBef>
+              <a:spcAft>
+                <a:spcPts val="0"/>
+              </a:spcAft>
+              <a:buNone/>
+            </a:pPr>
+            <a:fld id="{00000000-1234-1234-1234-123412341234}" type="slidenum">
+              <a:rPr lang="en-US"/>
+              <a:t>23</a:t>
+            </a:fld>
+            <a:endParaRPr/>
+          </a:p>
+        </p:txBody>
+      </p:sp>
     </p:spTree>
-    <p:extLst>
-      <p:ext uri="{BB962C8B-B14F-4D97-AF65-F5344CB8AC3E}">
-        <p14:creationId xmlns:p14="http://schemas.microsoft.com/office/powerpoint/2010/main" val="2377106662"/>
-      </p:ext>
-    </p:extLst>
   </p:cSld>
   <p:clrMapOvr>
     <a:masterClrMapping/>
@@ -899,12 +963,12 @@
 </p:notes>
 </file>
 
-<file path=ppt/notesSlides/notesSlide5.xml><?xml version="1.0" encoding="utf-8"?>
+<file path=ppt/notesSlides/notesSlide13.xml><?xml version="1.0" encoding="utf-8"?>
 <p:notes xmlns:a="http://schemas.openxmlformats.org/drawingml/2006/main" xmlns:r="http://schemas.openxmlformats.org/officeDocument/2006/relationships" xmlns:p="http://schemas.openxmlformats.org/presentationml/2006/main" showMasterSp="0" showMasterPhAnim="0">
   <p:cSld>
     <p:spTree>
       <p:nvGrpSpPr>
-        <p:cNvPr id="1" name="Shape 150"/>
+        <p:cNvPr id="1" name="Shape 300"/>
         <p:cNvGrpSpPr/>
         <p:nvPr/>
       </p:nvGrpSpPr>
@@ -918,7 +982,7 @@
       </p:grpSpPr>
       <p:sp>
         <p:nvSpPr>
-          <p:cNvPr id="151" name="Google Shape;151;g1ad9dd80d09_0_439:notes"/>
+          <p:cNvPr id="301" name="Google Shape;301;g1ad9dd80d09_0_1016:notes"/>
           <p:cNvSpPr>
             <a:spLocks noGrp="1" noRot="1" noChangeAspect="1"/>
           </p:cNvSpPr>
@@ -959,7 +1023,7 @@
       </p:sp>
       <p:sp>
         <p:nvSpPr>
-          <p:cNvPr id="152" name="Google Shape;152;g1ad9dd80d09_0_439:notes"/>
+          <p:cNvPr id="302" name="Google Shape;302;g1ad9dd80d09_0_1016:notes"/>
           <p:cNvSpPr txBox="1">
             <a:spLocks noGrp="1"/>
           </p:cNvSpPr>
@@ -997,7 +1061,7 @@
       </p:sp>
       <p:sp>
         <p:nvSpPr>
-          <p:cNvPr id="153" name="Google Shape;153;g1ad9dd80d09_0_439:notes"/>
+          <p:cNvPr id="303" name="Google Shape;303;g1ad9dd80d09_0_1016:notes"/>
           <p:cNvSpPr txBox="1">
             <a:spLocks noGrp="1"/>
           </p:cNvSpPr>
@@ -1027,21 +1091,22 @@
               <a:spcAft>
                 <a:spcPts val="0"/>
               </a:spcAft>
-              <a:buClr>
-                <a:srgbClr val="000000"/>
-              </a:buClr>
-              <a:buFont typeface="Arial"/>
               <a:buNone/>
             </a:pPr>
             <a:fld id="{00000000-1234-1234-1234-123412341234}" type="slidenum">
               <a:rPr lang="en-US"/>
-              <a:t>5</a:t>
+              <a:t>24</a:t>
             </a:fld>
             <a:endParaRPr/>
           </a:p>
         </p:txBody>
       </p:sp>
     </p:spTree>
+    <p:extLst>
+      <p:ext uri="{BB962C8B-B14F-4D97-AF65-F5344CB8AC3E}">
+        <p14:creationId xmlns:p14="http://schemas.microsoft.com/office/powerpoint/2010/main" val="3594322397"/>
+      </p:ext>
+    </p:extLst>
   </p:cSld>
   <p:clrMapOvr>
     <a:masterClrMapping/>
@@ -1049,12 +1114,12 @@
 </p:notes>
 </file>
 
-<file path=ppt/notesSlides/notesSlide6.xml><?xml version="1.0" encoding="utf-8"?>
+<file path=ppt/notesSlides/notesSlide14.xml><?xml version="1.0" encoding="utf-8"?>
 <p:notes xmlns:a="http://schemas.openxmlformats.org/drawingml/2006/main" xmlns:r="http://schemas.openxmlformats.org/officeDocument/2006/relationships" xmlns:p="http://schemas.openxmlformats.org/presentationml/2006/main" showMasterSp="0" showMasterPhAnim="0">
   <p:cSld>
     <p:spTree>
       <p:nvGrpSpPr>
-        <p:cNvPr id="1" name="Shape 347"/>
+        <p:cNvPr id="1" name="Shape 300"/>
         <p:cNvGrpSpPr/>
         <p:nvPr/>
       </p:nvGrpSpPr>
@@ -1068,45 +1133,7 @@
       </p:grpSpPr>
       <p:sp>
         <p:nvSpPr>
-          <p:cNvPr id="348" name="Google Shape;348;g1aefe40ca71_2_2:notes"/>
-          <p:cNvSpPr txBox="1">
-            <a:spLocks noGrp="1"/>
-          </p:cNvSpPr>
-          <p:nvPr>
-            <p:ph type="body" idx="1"/>
-          </p:nvPr>
-        </p:nvSpPr>
-        <p:spPr>
-          <a:xfrm>
-            <a:off x="685800" y="4400550"/>
-            <a:ext cx="5486400" cy="3600600"/>
-          </a:xfrm>
-          <a:prstGeom prst="rect">
-            <a:avLst/>
-          </a:prstGeom>
-        </p:spPr>
-        <p:txBody>
-          <a:bodyPr spcFirstLastPara="1" wrap="square" lIns="91425" tIns="45700" rIns="91425" bIns="45700" anchor="t" anchorCtr="0">
-            <a:noAutofit/>
-          </a:bodyPr>
-          <a:lstStyle/>
-          <a:p>
-            <a:pPr marL="0" lvl="0" indent="0" algn="l" rtl="0">
-              <a:spcBef>
-                <a:spcPts val="0"/>
-              </a:spcBef>
-              <a:spcAft>
-                <a:spcPts val="0"/>
-              </a:spcAft>
-              <a:buNone/>
-            </a:pPr>
-            <a:endParaRPr/>
-          </a:p>
-        </p:txBody>
-      </p:sp>
-      <p:sp>
-        <p:nvSpPr>
-          <p:cNvPr id="349" name="Google Shape;349;g1aefe40ca71_2_2:notes"/>
+          <p:cNvPr id="301" name="Google Shape;301;g1ad9dd80d09_0_1016:notes"/>
           <p:cNvSpPr>
             <a:spLocks noGrp="1" noRot="1" noChangeAspect="1"/>
           </p:cNvSpPr>
@@ -1145,10 +1172,90 @@
           </a:custGeom>
         </p:spPr>
       </p:sp>
+      <p:sp>
+        <p:nvSpPr>
+          <p:cNvPr id="302" name="Google Shape;302;g1ad9dd80d09_0_1016:notes"/>
+          <p:cNvSpPr txBox="1">
+            <a:spLocks noGrp="1"/>
+          </p:cNvSpPr>
+          <p:nvPr>
+            <p:ph type="body" idx="1"/>
+          </p:nvPr>
+        </p:nvSpPr>
+        <p:spPr>
+          <a:xfrm>
+            <a:off x="685800" y="4400550"/>
+            <a:ext cx="5486400" cy="3600600"/>
+          </a:xfrm>
+          <a:prstGeom prst="rect">
+            <a:avLst/>
+          </a:prstGeom>
+        </p:spPr>
+        <p:txBody>
+          <a:bodyPr spcFirstLastPara="1" wrap="square" lIns="91425" tIns="45700" rIns="91425" bIns="45700" anchor="t" anchorCtr="0">
+            <a:noAutofit/>
+          </a:bodyPr>
+          <a:lstStyle/>
+          <a:p>
+            <a:pPr marL="0" lvl="0" indent="0" algn="l" rtl="0">
+              <a:spcBef>
+                <a:spcPts val="0"/>
+              </a:spcBef>
+              <a:spcAft>
+                <a:spcPts val="0"/>
+              </a:spcAft>
+              <a:buNone/>
+            </a:pPr>
+            <a:endParaRPr/>
+          </a:p>
+        </p:txBody>
+      </p:sp>
+      <p:sp>
+        <p:nvSpPr>
+          <p:cNvPr id="303" name="Google Shape;303;g1ad9dd80d09_0_1016:notes"/>
+          <p:cNvSpPr txBox="1">
+            <a:spLocks noGrp="1"/>
+          </p:cNvSpPr>
+          <p:nvPr>
+            <p:ph type="sldNum" idx="12"/>
+          </p:nvPr>
+        </p:nvSpPr>
+        <p:spPr>
+          <a:xfrm>
+            <a:off x="3884613" y="8685213"/>
+            <a:ext cx="2971800" cy="458700"/>
+          </a:xfrm>
+          <a:prstGeom prst="rect">
+            <a:avLst/>
+          </a:prstGeom>
+        </p:spPr>
+        <p:txBody>
+          <a:bodyPr spcFirstLastPara="1" wrap="square" lIns="91425" tIns="45700" rIns="91425" bIns="45700" anchor="b" anchorCtr="0">
+            <a:noAutofit/>
+          </a:bodyPr>
+          <a:lstStyle/>
+          <a:p>
+            <a:pPr marL="0" lvl="0" indent="0" algn="r" rtl="0">
+              <a:spcBef>
+                <a:spcPts val="0"/>
+              </a:spcBef>
+              <a:spcAft>
+                <a:spcPts val="0"/>
+              </a:spcAft>
+              <a:buNone/>
+            </a:pPr>
+            <a:fld id="{00000000-1234-1234-1234-123412341234}" type="slidenum">
+              <a:rPr lang="en-US"/>
+              <a:t>25</a:t>
+            </a:fld>
+            <a:endParaRPr/>
+          </a:p>
+        </p:txBody>
+      </p:sp>
     </p:spTree>
     <p:extLst>
       <p:ext uri="{BB962C8B-B14F-4D97-AF65-F5344CB8AC3E}">
-        <p14:creationId xmlns:p14="http://schemas.microsoft.com/office/powerpoint/2010/main" val="2876899782"/>
+        <p14:creationId xmlns:p14="http://schemas.microsoft.com/office/powerpoint/2010/main" val="3285830955"/>
       </p:ext>
     </p:extLst>
   </p:cSld>
@@ -1158,12 +1265,12 @@
 </p:notes>
 </file>
 
-<file path=ppt/notesSlides/notesSlide7.xml><?xml version="1.0" encoding="utf-8"?>
+<file path=ppt/notesSlides/notesSlide15.xml><?xml version="1.0" encoding="utf-8"?>
 <p:notes xmlns:a="http://schemas.openxmlformats.org/drawingml/2006/main" xmlns:r="http://schemas.openxmlformats.org/officeDocument/2006/relationships" xmlns:p="http://schemas.openxmlformats.org/presentationml/2006/main" showMasterSp="0" showMasterPhAnim="0">
   <p:cSld>
     <p:spTree>
       <p:nvGrpSpPr>
-        <p:cNvPr id="1" name="Shape 347"/>
+        <p:cNvPr id="1" name="Shape 300"/>
         <p:cNvGrpSpPr/>
         <p:nvPr/>
       </p:nvGrpSpPr>
@@ -1177,45 +1284,7 @@
       </p:grpSpPr>
       <p:sp>
         <p:nvSpPr>
-          <p:cNvPr id="348" name="Google Shape;348;g1aefe40ca71_2_2:notes"/>
-          <p:cNvSpPr txBox="1">
-            <a:spLocks noGrp="1"/>
-          </p:cNvSpPr>
-          <p:nvPr>
-            <p:ph type="body" idx="1"/>
-          </p:nvPr>
-        </p:nvSpPr>
-        <p:spPr>
-          <a:xfrm>
-            <a:off x="685800" y="4400550"/>
-            <a:ext cx="5486400" cy="3600600"/>
-          </a:xfrm>
-          <a:prstGeom prst="rect">
-            <a:avLst/>
-          </a:prstGeom>
-        </p:spPr>
-        <p:txBody>
-          <a:bodyPr spcFirstLastPara="1" wrap="square" lIns="91425" tIns="45700" rIns="91425" bIns="45700" anchor="t" anchorCtr="0">
-            <a:noAutofit/>
-          </a:bodyPr>
-          <a:lstStyle/>
-          <a:p>
-            <a:pPr marL="0" lvl="0" indent="0" algn="l" rtl="0">
-              <a:spcBef>
-                <a:spcPts val="0"/>
-              </a:spcBef>
-              <a:spcAft>
-                <a:spcPts val="0"/>
-              </a:spcAft>
-              <a:buNone/>
-            </a:pPr>
-            <a:endParaRPr/>
-          </a:p>
-        </p:txBody>
-      </p:sp>
-      <p:sp>
-        <p:nvSpPr>
-          <p:cNvPr id="349" name="Google Shape;349;g1aefe40ca71_2_2:notes"/>
+          <p:cNvPr id="301" name="Google Shape;301;g1ad9dd80d09_0_1016:notes"/>
           <p:cNvSpPr>
             <a:spLocks noGrp="1" noRot="1" noChangeAspect="1"/>
           </p:cNvSpPr>
@@ -1253,6 +1322,1815 @@
             </a:pathLst>
           </a:custGeom>
         </p:spPr>
+      </p:sp>
+      <p:sp>
+        <p:nvSpPr>
+          <p:cNvPr id="302" name="Google Shape;302;g1ad9dd80d09_0_1016:notes"/>
+          <p:cNvSpPr txBox="1">
+            <a:spLocks noGrp="1"/>
+          </p:cNvSpPr>
+          <p:nvPr>
+            <p:ph type="body" idx="1"/>
+          </p:nvPr>
+        </p:nvSpPr>
+        <p:spPr>
+          <a:xfrm>
+            <a:off x="685800" y="4400550"/>
+            <a:ext cx="5486400" cy="3600600"/>
+          </a:xfrm>
+          <a:prstGeom prst="rect">
+            <a:avLst/>
+          </a:prstGeom>
+        </p:spPr>
+        <p:txBody>
+          <a:bodyPr spcFirstLastPara="1" wrap="square" lIns="91425" tIns="45700" rIns="91425" bIns="45700" anchor="t" anchorCtr="0">
+            <a:noAutofit/>
+          </a:bodyPr>
+          <a:lstStyle/>
+          <a:p>
+            <a:pPr marL="0" lvl="0" indent="0" algn="l" rtl="0">
+              <a:spcBef>
+                <a:spcPts val="0"/>
+              </a:spcBef>
+              <a:spcAft>
+                <a:spcPts val="0"/>
+              </a:spcAft>
+              <a:buNone/>
+            </a:pPr>
+            <a:endParaRPr/>
+          </a:p>
+        </p:txBody>
+      </p:sp>
+      <p:sp>
+        <p:nvSpPr>
+          <p:cNvPr id="303" name="Google Shape;303;g1ad9dd80d09_0_1016:notes"/>
+          <p:cNvSpPr txBox="1">
+            <a:spLocks noGrp="1"/>
+          </p:cNvSpPr>
+          <p:nvPr>
+            <p:ph type="sldNum" idx="12"/>
+          </p:nvPr>
+        </p:nvSpPr>
+        <p:spPr>
+          <a:xfrm>
+            <a:off x="3884613" y="8685213"/>
+            <a:ext cx="2971800" cy="458700"/>
+          </a:xfrm>
+          <a:prstGeom prst="rect">
+            <a:avLst/>
+          </a:prstGeom>
+        </p:spPr>
+        <p:txBody>
+          <a:bodyPr spcFirstLastPara="1" wrap="square" lIns="91425" tIns="45700" rIns="91425" bIns="45700" anchor="b" anchorCtr="0">
+            <a:noAutofit/>
+          </a:bodyPr>
+          <a:lstStyle/>
+          <a:p>
+            <a:pPr marL="0" lvl="0" indent="0" algn="r" rtl="0">
+              <a:spcBef>
+                <a:spcPts val="0"/>
+              </a:spcBef>
+              <a:spcAft>
+                <a:spcPts val="0"/>
+              </a:spcAft>
+              <a:buNone/>
+            </a:pPr>
+            <a:fld id="{00000000-1234-1234-1234-123412341234}" type="slidenum">
+              <a:rPr lang="en-US"/>
+              <a:t>26</a:t>
+            </a:fld>
+            <a:endParaRPr/>
+          </a:p>
+        </p:txBody>
+      </p:sp>
+    </p:spTree>
+    <p:extLst>
+      <p:ext uri="{BB962C8B-B14F-4D97-AF65-F5344CB8AC3E}">
+        <p14:creationId xmlns:p14="http://schemas.microsoft.com/office/powerpoint/2010/main" val="3915670735"/>
+      </p:ext>
+    </p:extLst>
+  </p:cSld>
+  <p:clrMapOvr>
+    <a:masterClrMapping/>
+  </p:clrMapOvr>
+</p:notes>
+</file>
+
+<file path=ppt/notesSlides/notesSlide16.xml><?xml version="1.0" encoding="utf-8"?>
+<p:notes xmlns:a="http://schemas.openxmlformats.org/drawingml/2006/main" xmlns:r="http://schemas.openxmlformats.org/officeDocument/2006/relationships" xmlns:p="http://schemas.openxmlformats.org/presentationml/2006/main" showMasterSp="0" showMasterPhAnim="0">
+  <p:cSld>
+    <p:spTree>
+      <p:nvGrpSpPr>
+        <p:cNvPr id="1" name="Shape 300"/>
+        <p:cNvGrpSpPr/>
+        <p:nvPr/>
+      </p:nvGrpSpPr>
+      <p:grpSpPr>
+        <a:xfrm>
+          <a:off x="0" y="0"/>
+          <a:ext cx="0" cy="0"/>
+          <a:chOff x="0" y="0"/>
+          <a:chExt cx="0" cy="0"/>
+        </a:xfrm>
+      </p:grpSpPr>
+      <p:sp>
+        <p:nvSpPr>
+          <p:cNvPr id="301" name="Google Shape;301;g1ad9dd80d09_0_1016:notes"/>
+          <p:cNvSpPr>
+            <a:spLocks noGrp="1" noRot="1" noChangeAspect="1"/>
+          </p:cNvSpPr>
+          <p:nvPr>
+            <p:ph type="sldImg" idx="2"/>
+          </p:nvPr>
+        </p:nvSpPr>
+        <p:spPr>
+          <a:xfrm>
+            <a:off x="685800" y="1143000"/>
+            <a:ext cx="5486400" cy="3086100"/>
+          </a:xfrm>
+          <a:custGeom>
+            <a:avLst/>
+            <a:gdLst/>
+            <a:ahLst/>
+            <a:cxnLst/>
+            <a:rect l="l" t="t" r="r" b="b"/>
+            <a:pathLst>
+              <a:path w="120000" h="120000" extrusionOk="0">
+                <a:moveTo>
+                  <a:pt x="0" y="0"/>
+                </a:moveTo>
+                <a:lnTo>
+                  <a:pt x="120000" y="0"/>
+                </a:lnTo>
+                <a:lnTo>
+                  <a:pt x="120000" y="120000"/>
+                </a:lnTo>
+                <a:lnTo>
+                  <a:pt x="0" y="120000"/>
+                </a:lnTo>
+                <a:close/>
+              </a:path>
+            </a:pathLst>
+          </a:custGeom>
+        </p:spPr>
+      </p:sp>
+      <p:sp>
+        <p:nvSpPr>
+          <p:cNvPr id="302" name="Google Shape;302;g1ad9dd80d09_0_1016:notes"/>
+          <p:cNvSpPr txBox="1">
+            <a:spLocks noGrp="1"/>
+          </p:cNvSpPr>
+          <p:nvPr>
+            <p:ph type="body" idx="1"/>
+          </p:nvPr>
+        </p:nvSpPr>
+        <p:spPr>
+          <a:xfrm>
+            <a:off x="685800" y="4400550"/>
+            <a:ext cx="5486400" cy="3600600"/>
+          </a:xfrm>
+          <a:prstGeom prst="rect">
+            <a:avLst/>
+          </a:prstGeom>
+        </p:spPr>
+        <p:txBody>
+          <a:bodyPr spcFirstLastPara="1" wrap="square" lIns="91425" tIns="45700" rIns="91425" bIns="45700" anchor="t" anchorCtr="0">
+            <a:noAutofit/>
+          </a:bodyPr>
+          <a:lstStyle/>
+          <a:p>
+            <a:pPr marL="0" lvl="0" indent="0" algn="l" rtl="0">
+              <a:spcBef>
+                <a:spcPts val="0"/>
+              </a:spcBef>
+              <a:spcAft>
+                <a:spcPts val="0"/>
+              </a:spcAft>
+              <a:buNone/>
+            </a:pPr>
+            <a:endParaRPr/>
+          </a:p>
+        </p:txBody>
+      </p:sp>
+      <p:sp>
+        <p:nvSpPr>
+          <p:cNvPr id="303" name="Google Shape;303;g1ad9dd80d09_0_1016:notes"/>
+          <p:cNvSpPr txBox="1">
+            <a:spLocks noGrp="1"/>
+          </p:cNvSpPr>
+          <p:nvPr>
+            <p:ph type="sldNum" idx="12"/>
+          </p:nvPr>
+        </p:nvSpPr>
+        <p:spPr>
+          <a:xfrm>
+            <a:off x="3884613" y="8685213"/>
+            <a:ext cx="2971800" cy="458700"/>
+          </a:xfrm>
+          <a:prstGeom prst="rect">
+            <a:avLst/>
+          </a:prstGeom>
+        </p:spPr>
+        <p:txBody>
+          <a:bodyPr spcFirstLastPara="1" wrap="square" lIns="91425" tIns="45700" rIns="91425" bIns="45700" anchor="b" anchorCtr="0">
+            <a:noAutofit/>
+          </a:bodyPr>
+          <a:lstStyle/>
+          <a:p>
+            <a:pPr marL="0" lvl="0" indent="0" algn="r" rtl="0">
+              <a:spcBef>
+                <a:spcPts val="0"/>
+              </a:spcBef>
+              <a:spcAft>
+                <a:spcPts val="0"/>
+              </a:spcAft>
+              <a:buNone/>
+            </a:pPr>
+            <a:fld id="{00000000-1234-1234-1234-123412341234}" type="slidenum">
+              <a:rPr lang="en-US"/>
+              <a:t>27</a:t>
+            </a:fld>
+            <a:endParaRPr/>
+          </a:p>
+        </p:txBody>
+      </p:sp>
+    </p:spTree>
+    <p:extLst>
+      <p:ext uri="{BB962C8B-B14F-4D97-AF65-F5344CB8AC3E}">
+        <p14:creationId xmlns:p14="http://schemas.microsoft.com/office/powerpoint/2010/main" val="2593689264"/>
+      </p:ext>
+    </p:extLst>
+  </p:cSld>
+  <p:clrMapOvr>
+    <a:masterClrMapping/>
+  </p:clrMapOvr>
+</p:notes>
+</file>
+
+<file path=ppt/notesSlides/notesSlide17.xml><?xml version="1.0" encoding="utf-8"?>
+<p:notes xmlns:a="http://schemas.openxmlformats.org/drawingml/2006/main" xmlns:r="http://schemas.openxmlformats.org/officeDocument/2006/relationships" xmlns:p="http://schemas.openxmlformats.org/presentationml/2006/main" showMasterSp="0" showMasterPhAnim="0">
+  <p:cSld>
+    <p:spTree>
+      <p:nvGrpSpPr>
+        <p:cNvPr id="1" name="Shape 300"/>
+        <p:cNvGrpSpPr/>
+        <p:nvPr/>
+      </p:nvGrpSpPr>
+      <p:grpSpPr>
+        <a:xfrm>
+          <a:off x="0" y="0"/>
+          <a:ext cx="0" cy="0"/>
+          <a:chOff x="0" y="0"/>
+          <a:chExt cx="0" cy="0"/>
+        </a:xfrm>
+      </p:grpSpPr>
+      <p:sp>
+        <p:nvSpPr>
+          <p:cNvPr id="301" name="Google Shape;301;g1ad9dd80d09_0_1016:notes"/>
+          <p:cNvSpPr>
+            <a:spLocks noGrp="1" noRot="1" noChangeAspect="1"/>
+          </p:cNvSpPr>
+          <p:nvPr>
+            <p:ph type="sldImg" idx="2"/>
+          </p:nvPr>
+        </p:nvSpPr>
+        <p:spPr>
+          <a:xfrm>
+            <a:off x="685800" y="1143000"/>
+            <a:ext cx="5486400" cy="3086100"/>
+          </a:xfrm>
+          <a:custGeom>
+            <a:avLst/>
+            <a:gdLst/>
+            <a:ahLst/>
+            <a:cxnLst/>
+            <a:rect l="l" t="t" r="r" b="b"/>
+            <a:pathLst>
+              <a:path w="120000" h="120000" extrusionOk="0">
+                <a:moveTo>
+                  <a:pt x="0" y="0"/>
+                </a:moveTo>
+                <a:lnTo>
+                  <a:pt x="120000" y="0"/>
+                </a:lnTo>
+                <a:lnTo>
+                  <a:pt x="120000" y="120000"/>
+                </a:lnTo>
+                <a:lnTo>
+                  <a:pt x="0" y="120000"/>
+                </a:lnTo>
+                <a:close/>
+              </a:path>
+            </a:pathLst>
+          </a:custGeom>
+        </p:spPr>
+      </p:sp>
+      <p:sp>
+        <p:nvSpPr>
+          <p:cNvPr id="302" name="Google Shape;302;g1ad9dd80d09_0_1016:notes"/>
+          <p:cNvSpPr txBox="1">
+            <a:spLocks noGrp="1"/>
+          </p:cNvSpPr>
+          <p:nvPr>
+            <p:ph type="body" idx="1"/>
+          </p:nvPr>
+        </p:nvSpPr>
+        <p:spPr>
+          <a:xfrm>
+            <a:off x="685800" y="4400550"/>
+            <a:ext cx="5486400" cy="3600600"/>
+          </a:xfrm>
+          <a:prstGeom prst="rect">
+            <a:avLst/>
+          </a:prstGeom>
+        </p:spPr>
+        <p:txBody>
+          <a:bodyPr spcFirstLastPara="1" wrap="square" lIns="91425" tIns="45700" rIns="91425" bIns="45700" anchor="t" anchorCtr="0">
+            <a:noAutofit/>
+          </a:bodyPr>
+          <a:lstStyle/>
+          <a:p>
+            <a:pPr marL="0" lvl="0" indent="0" algn="l" rtl="0">
+              <a:spcBef>
+                <a:spcPts val="0"/>
+              </a:spcBef>
+              <a:spcAft>
+                <a:spcPts val="0"/>
+              </a:spcAft>
+              <a:buNone/>
+            </a:pPr>
+            <a:endParaRPr/>
+          </a:p>
+        </p:txBody>
+      </p:sp>
+      <p:sp>
+        <p:nvSpPr>
+          <p:cNvPr id="303" name="Google Shape;303;g1ad9dd80d09_0_1016:notes"/>
+          <p:cNvSpPr txBox="1">
+            <a:spLocks noGrp="1"/>
+          </p:cNvSpPr>
+          <p:nvPr>
+            <p:ph type="sldNum" idx="12"/>
+          </p:nvPr>
+        </p:nvSpPr>
+        <p:spPr>
+          <a:xfrm>
+            <a:off x="3884613" y="8685213"/>
+            <a:ext cx="2971800" cy="458700"/>
+          </a:xfrm>
+          <a:prstGeom prst="rect">
+            <a:avLst/>
+          </a:prstGeom>
+        </p:spPr>
+        <p:txBody>
+          <a:bodyPr spcFirstLastPara="1" wrap="square" lIns="91425" tIns="45700" rIns="91425" bIns="45700" anchor="b" anchorCtr="0">
+            <a:noAutofit/>
+          </a:bodyPr>
+          <a:lstStyle/>
+          <a:p>
+            <a:pPr marL="0" lvl="0" indent="0" algn="r" rtl="0">
+              <a:spcBef>
+                <a:spcPts val="0"/>
+              </a:spcBef>
+              <a:spcAft>
+                <a:spcPts val="0"/>
+              </a:spcAft>
+              <a:buNone/>
+            </a:pPr>
+            <a:fld id="{00000000-1234-1234-1234-123412341234}" type="slidenum">
+              <a:rPr lang="en-US"/>
+              <a:t>28</a:t>
+            </a:fld>
+            <a:endParaRPr/>
+          </a:p>
+        </p:txBody>
+      </p:sp>
+    </p:spTree>
+    <p:extLst>
+      <p:ext uri="{BB962C8B-B14F-4D97-AF65-F5344CB8AC3E}">
+        <p14:creationId xmlns:p14="http://schemas.microsoft.com/office/powerpoint/2010/main" val="3727159151"/>
+      </p:ext>
+    </p:extLst>
+  </p:cSld>
+  <p:clrMapOvr>
+    <a:masterClrMapping/>
+  </p:clrMapOvr>
+</p:notes>
+</file>
+
+<file path=ppt/notesSlides/notesSlide18.xml><?xml version="1.0" encoding="utf-8"?>
+<p:notes xmlns:a="http://schemas.openxmlformats.org/drawingml/2006/main" xmlns:r="http://schemas.openxmlformats.org/officeDocument/2006/relationships" xmlns:p="http://schemas.openxmlformats.org/presentationml/2006/main" showMasterSp="0" showMasterPhAnim="0">
+  <p:cSld>
+    <p:spTree>
+      <p:nvGrpSpPr>
+        <p:cNvPr id="1" name="Shape 300"/>
+        <p:cNvGrpSpPr/>
+        <p:nvPr/>
+      </p:nvGrpSpPr>
+      <p:grpSpPr>
+        <a:xfrm>
+          <a:off x="0" y="0"/>
+          <a:ext cx="0" cy="0"/>
+          <a:chOff x="0" y="0"/>
+          <a:chExt cx="0" cy="0"/>
+        </a:xfrm>
+      </p:grpSpPr>
+      <p:sp>
+        <p:nvSpPr>
+          <p:cNvPr id="301" name="Google Shape;301;g1ad9dd80d09_0_1016:notes"/>
+          <p:cNvSpPr>
+            <a:spLocks noGrp="1" noRot="1" noChangeAspect="1"/>
+          </p:cNvSpPr>
+          <p:nvPr>
+            <p:ph type="sldImg" idx="2"/>
+          </p:nvPr>
+        </p:nvSpPr>
+        <p:spPr>
+          <a:xfrm>
+            <a:off x="685800" y="1143000"/>
+            <a:ext cx="5486400" cy="3086100"/>
+          </a:xfrm>
+          <a:custGeom>
+            <a:avLst/>
+            <a:gdLst/>
+            <a:ahLst/>
+            <a:cxnLst/>
+            <a:rect l="l" t="t" r="r" b="b"/>
+            <a:pathLst>
+              <a:path w="120000" h="120000" extrusionOk="0">
+                <a:moveTo>
+                  <a:pt x="0" y="0"/>
+                </a:moveTo>
+                <a:lnTo>
+                  <a:pt x="120000" y="0"/>
+                </a:lnTo>
+                <a:lnTo>
+                  <a:pt x="120000" y="120000"/>
+                </a:lnTo>
+                <a:lnTo>
+                  <a:pt x="0" y="120000"/>
+                </a:lnTo>
+                <a:close/>
+              </a:path>
+            </a:pathLst>
+          </a:custGeom>
+        </p:spPr>
+      </p:sp>
+      <p:sp>
+        <p:nvSpPr>
+          <p:cNvPr id="302" name="Google Shape;302;g1ad9dd80d09_0_1016:notes"/>
+          <p:cNvSpPr txBox="1">
+            <a:spLocks noGrp="1"/>
+          </p:cNvSpPr>
+          <p:nvPr>
+            <p:ph type="body" idx="1"/>
+          </p:nvPr>
+        </p:nvSpPr>
+        <p:spPr>
+          <a:xfrm>
+            <a:off x="685800" y="4400550"/>
+            <a:ext cx="5486400" cy="3600600"/>
+          </a:xfrm>
+          <a:prstGeom prst="rect">
+            <a:avLst/>
+          </a:prstGeom>
+        </p:spPr>
+        <p:txBody>
+          <a:bodyPr spcFirstLastPara="1" wrap="square" lIns="91425" tIns="45700" rIns="91425" bIns="45700" anchor="t" anchorCtr="0">
+            <a:noAutofit/>
+          </a:bodyPr>
+          <a:lstStyle/>
+          <a:p>
+            <a:pPr marL="0" lvl="0" indent="0" algn="l" rtl="0">
+              <a:spcBef>
+                <a:spcPts val="0"/>
+              </a:spcBef>
+              <a:spcAft>
+                <a:spcPts val="0"/>
+              </a:spcAft>
+              <a:buNone/>
+            </a:pPr>
+            <a:endParaRPr/>
+          </a:p>
+        </p:txBody>
+      </p:sp>
+      <p:sp>
+        <p:nvSpPr>
+          <p:cNvPr id="303" name="Google Shape;303;g1ad9dd80d09_0_1016:notes"/>
+          <p:cNvSpPr txBox="1">
+            <a:spLocks noGrp="1"/>
+          </p:cNvSpPr>
+          <p:nvPr>
+            <p:ph type="sldNum" idx="12"/>
+          </p:nvPr>
+        </p:nvSpPr>
+        <p:spPr>
+          <a:xfrm>
+            <a:off x="3884613" y="8685213"/>
+            <a:ext cx="2971800" cy="458700"/>
+          </a:xfrm>
+          <a:prstGeom prst="rect">
+            <a:avLst/>
+          </a:prstGeom>
+        </p:spPr>
+        <p:txBody>
+          <a:bodyPr spcFirstLastPara="1" wrap="square" lIns="91425" tIns="45700" rIns="91425" bIns="45700" anchor="b" anchorCtr="0">
+            <a:noAutofit/>
+          </a:bodyPr>
+          <a:lstStyle/>
+          <a:p>
+            <a:pPr marL="0" lvl="0" indent="0" algn="r" rtl="0">
+              <a:spcBef>
+                <a:spcPts val="0"/>
+              </a:spcBef>
+              <a:spcAft>
+                <a:spcPts val="0"/>
+              </a:spcAft>
+              <a:buNone/>
+            </a:pPr>
+            <a:fld id="{00000000-1234-1234-1234-123412341234}" type="slidenum">
+              <a:rPr lang="en-US"/>
+              <a:t>29</a:t>
+            </a:fld>
+            <a:endParaRPr/>
+          </a:p>
+        </p:txBody>
+      </p:sp>
+    </p:spTree>
+    <p:extLst>
+      <p:ext uri="{BB962C8B-B14F-4D97-AF65-F5344CB8AC3E}">
+        <p14:creationId xmlns:p14="http://schemas.microsoft.com/office/powerpoint/2010/main" val="2411452780"/>
+      </p:ext>
+    </p:extLst>
+  </p:cSld>
+  <p:clrMapOvr>
+    <a:masterClrMapping/>
+  </p:clrMapOvr>
+</p:notes>
+</file>
+
+<file path=ppt/notesSlides/notesSlide19.xml><?xml version="1.0" encoding="utf-8"?>
+<p:notes xmlns:a="http://schemas.openxmlformats.org/drawingml/2006/main" xmlns:r="http://schemas.openxmlformats.org/officeDocument/2006/relationships" xmlns:p="http://schemas.openxmlformats.org/presentationml/2006/main" showMasterSp="0" showMasterPhAnim="0">
+  <p:cSld>
+    <p:spTree>
+      <p:nvGrpSpPr>
+        <p:cNvPr id="1" name="Shape 300"/>
+        <p:cNvGrpSpPr/>
+        <p:nvPr/>
+      </p:nvGrpSpPr>
+      <p:grpSpPr>
+        <a:xfrm>
+          <a:off x="0" y="0"/>
+          <a:ext cx="0" cy="0"/>
+          <a:chOff x="0" y="0"/>
+          <a:chExt cx="0" cy="0"/>
+        </a:xfrm>
+      </p:grpSpPr>
+      <p:sp>
+        <p:nvSpPr>
+          <p:cNvPr id="301" name="Google Shape;301;g1ad9dd80d09_0_1016:notes"/>
+          <p:cNvSpPr>
+            <a:spLocks noGrp="1" noRot="1" noChangeAspect="1"/>
+          </p:cNvSpPr>
+          <p:nvPr>
+            <p:ph type="sldImg" idx="2"/>
+          </p:nvPr>
+        </p:nvSpPr>
+        <p:spPr>
+          <a:xfrm>
+            <a:off x="685800" y="1143000"/>
+            <a:ext cx="5486400" cy="3086100"/>
+          </a:xfrm>
+          <a:custGeom>
+            <a:avLst/>
+            <a:gdLst/>
+            <a:ahLst/>
+            <a:cxnLst/>
+            <a:rect l="l" t="t" r="r" b="b"/>
+            <a:pathLst>
+              <a:path w="120000" h="120000" extrusionOk="0">
+                <a:moveTo>
+                  <a:pt x="0" y="0"/>
+                </a:moveTo>
+                <a:lnTo>
+                  <a:pt x="120000" y="0"/>
+                </a:lnTo>
+                <a:lnTo>
+                  <a:pt x="120000" y="120000"/>
+                </a:lnTo>
+                <a:lnTo>
+                  <a:pt x="0" y="120000"/>
+                </a:lnTo>
+                <a:close/>
+              </a:path>
+            </a:pathLst>
+          </a:custGeom>
+        </p:spPr>
+      </p:sp>
+      <p:sp>
+        <p:nvSpPr>
+          <p:cNvPr id="302" name="Google Shape;302;g1ad9dd80d09_0_1016:notes"/>
+          <p:cNvSpPr txBox="1">
+            <a:spLocks noGrp="1"/>
+          </p:cNvSpPr>
+          <p:nvPr>
+            <p:ph type="body" idx="1"/>
+          </p:nvPr>
+        </p:nvSpPr>
+        <p:spPr>
+          <a:xfrm>
+            <a:off x="685800" y="4400550"/>
+            <a:ext cx="5486400" cy="3600600"/>
+          </a:xfrm>
+          <a:prstGeom prst="rect">
+            <a:avLst/>
+          </a:prstGeom>
+        </p:spPr>
+        <p:txBody>
+          <a:bodyPr spcFirstLastPara="1" wrap="square" lIns="91425" tIns="45700" rIns="91425" bIns="45700" anchor="t" anchorCtr="0">
+            <a:noAutofit/>
+          </a:bodyPr>
+          <a:lstStyle/>
+          <a:p>
+            <a:pPr marL="0" lvl="0" indent="0" algn="l" rtl="0">
+              <a:spcBef>
+                <a:spcPts val="0"/>
+              </a:spcBef>
+              <a:spcAft>
+                <a:spcPts val="0"/>
+              </a:spcAft>
+              <a:buNone/>
+            </a:pPr>
+            <a:endParaRPr/>
+          </a:p>
+        </p:txBody>
+      </p:sp>
+      <p:sp>
+        <p:nvSpPr>
+          <p:cNvPr id="303" name="Google Shape;303;g1ad9dd80d09_0_1016:notes"/>
+          <p:cNvSpPr txBox="1">
+            <a:spLocks noGrp="1"/>
+          </p:cNvSpPr>
+          <p:nvPr>
+            <p:ph type="sldNum" idx="12"/>
+          </p:nvPr>
+        </p:nvSpPr>
+        <p:spPr>
+          <a:xfrm>
+            <a:off x="3884613" y="8685213"/>
+            <a:ext cx="2971800" cy="458700"/>
+          </a:xfrm>
+          <a:prstGeom prst="rect">
+            <a:avLst/>
+          </a:prstGeom>
+        </p:spPr>
+        <p:txBody>
+          <a:bodyPr spcFirstLastPara="1" wrap="square" lIns="91425" tIns="45700" rIns="91425" bIns="45700" anchor="b" anchorCtr="0">
+            <a:noAutofit/>
+          </a:bodyPr>
+          <a:lstStyle/>
+          <a:p>
+            <a:pPr marL="0" lvl="0" indent="0" algn="r" rtl="0">
+              <a:spcBef>
+                <a:spcPts val="0"/>
+              </a:spcBef>
+              <a:spcAft>
+                <a:spcPts val="0"/>
+              </a:spcAft>
+              <a:buNone/>
+            </a:pPr>
+            <a:fld id="{00000000-1234-1234-1234-123412341234}" type="slidenum">
+              <a:rPr lang="en-US"/>
+              <a:t>30</a:t>
+            </a:fld>
+            <a:endParaRPr/>
+          </a:p>
+        </p:txBody>
+      </p:sp>
+    </p:spTree>
+    <p:extLst>
+      <p:ext uri="{BB962C8B-B14F-4D97-AF65-F5344CB8AC3E}">
+        <p14:creationId xmlns:p14="http://schemas.microsoft.com/office/powerpoint/2010/main" val="2070221825"/>
+      </p:ext>
+    </p:extLst>
+  </p:cSld>
+  <p:clrMapOvr>
+    <a:masterClrMapping/>
+  </p:clrMapOvr>
+</p:notes>
+</file>
+
+<file path=ppt/notesSlides/notesSlide2.xml><?xml version="1.0" encoding="utf-8"?>
+<p:notes xmlns:a="http://schemas.openxmlformats.org/drawingml/2006/main" xmlns:r="http://schemas.openxmlformats.org/officeDocument/2006/relationships" xmlns:p="http://schemas.openxmlformats.org/presentationml/2006/main" showMasterSp="0" showMasterPhAnim="0">
+  <p:cSld>
+    <p:spTree>
+      <p:nvGrpSpPr>
+        <p:cNvPr id="1" name="Shape 68"/>
+        <p:cNvGrpSpPr/>
+        <p:nvPr/>
+      </p:nvGrpSpPr>
+      <p:grpSpPr>
+        <a:xfrm>
+          <a:off x="0" y="0"/>
+          <a:ext cx="0" cy="0"/>
+          <a:chOff x="0" y="0"/>
+          <a:chExt cx="0" cy="0"/>
+        </a:xfrm>
+      </p:grpSpPr>
+      <p:sp>
+        <p:nvSpPr>
+          <p:cNvPr id="69" name="Google Shape;69;p2:notes"/>
+          <p:cNvSpPr txBox="1">
+            <a:spLocks noGrp="1"/>
+          </p:cNvSpPr>
+          <p:nvPr>
+            <p:ph type="body" idx="1"/>
+          </p:nvPr>
+        </p:nvSpPr>
+        <p:spPr>
+          <a:xfrm>
+            <a:off x="685800" y="4400550"/>
+            <a:ext cx="5486400" cy="3600450"/>
+          </a:xfrm>
+          <a:prstGeom prst="rect">
+            <a:avLst/>
+          </a:prstGeom>
+        </p:spPr>
+        <p:txBody>
+          <a:bodyPr spcFirstLastPara="1" wrap="square" lIns="91425" tIns="45700" rIns="91425" bIns="45700" anchor="t" anchorCtr="0">
+            <a:noAutofit/>
+          </a:bodyPr>
+          <a:lstStyle/>
+          <a:p>
+            <a:pPr marL="0" lvl="0" indent="0" algn="l" rtl="0">
+              <a:spcBef>
+                <a:spcPts val="0"/>
+              </a:spcBef>
+              <a:spcAft>
+                <a:spcPts val="0"/>
+              </a:spcAft>
+              <a:buNone/>
+            </a:pPr>
+            <a:endParaRPr/>
+          </a:p>
+        </p:txBody>
+      </p:sp>
+      <p:sp>
+        <p:nvSpPr>
+          <p:cNvPr id="70" name="Google Shape;70;p2:notes"/>
+          <p:cNvSpPr>
+            <a:spLocks noGrp="1" noRot="1" noChangeAspect="1"/>
+          </p:cNvSpPr>
+          <p:nvPr>
+            <p:ph type="sldImg" idx="2"/>
+          </p:nvPr>
+        </p:nvSpPr>
+        <p:spPr>
+          <a:xfrm>
+            <a:off x="685800" y="1143000"/>
+            <a:ext cx="5486400" cy="3086100"/>
+          </a:xfrm>
+          <a:custGeom>
+            <a:avLst/>
+            <a:gdLst/>
+            <a:ahLst/>
+            <a:cxnLst/>
+            <a:rect l="l" t="t" r="r" b="b"/>
+            <a:pathLst>
+              <a:path w="120000" h="120000" extrusionOk="0">
+                <a:moveTo>
+                  <a:pt x="0" y="0"/>
+                </a:moveTo>
+                <a:lnTo>
+                  <a:pt x="120000" y="0"/>
+                </a:lnTo>
+                <a:lnTo>
+                  <a:pt x="120000" y="120000"/>
+                </a:lnTo>
+                <a:lnTo>
+                  <a:pt x="0" y="120000"/>
+                </a:lnTo>
+                <a:close/>
+              </a:path>
+            </a:pathLst>
+          </a:custGeom>
+        </p:spPr>
+      </p:sp>
+    </p:spTree>
+  </p:cSld>
+  <p:clrMapOvr>
+    <a:masterClrMapping/>
+  </p:clrMapOvr>
+</p:notes>
+</file>
+
+<file path=ppt/notesSlides/notesSlide20.xml><?xml version="1.0" encoding="utf-8"?>
+<p:notes xmlns:a="http://schemas.openxmlformats.org/drawingml/2006/main" xmlns:r="http://schemas.openxmlformats.org/officeDocument/2006/relationships" xmlns:p="http://schemas.openxmlformats.org/presentationml/2006/main" showMasterSp="0" showMasterPhAnim="0">
+  <p:cSld>
+    <p:spTree>
+      <p:nvGrpSpPr>
+        <p:cNvPr id="1" name="Shape 347"/>
+        <p:cNvGrpSpPr/>
+        <p:nvPr/>
+      </p:nvGrpSpPr>
+      <p:grpSpPr>
+        <a:xfrm>
+          <a:off x="0" y="0"/>
+          <a:ext cx="0" cy="0"/>
+          <a:chOff x="0" y="0"/>
+          <a:chExt cx="0" cy="0"/>
+        </a:xfrm>
+      </p:grpSpPr>
+      <p:sp>
+        <p:nvSpPr>
+          <p:cNvPr id="348" name="Google Shape;348;g1aefe40ca71_2_2:notes"/>
+          <p:cNvSpPr txBox="1">
+            <a:spLocks noGrp="1"/>
+          </p:cNvSpPr>
+          <p:nvPr>
+            <p:ph type="body" idx="1"/>
+          </p:nvPr>
+        </p:nvSpPr>
+        <p:spPr>
+          <a:xfrm>
+            <a:off x="685800" y="4400550"/>
+            <a:ext cx="5486400" cy="3600600"/>
+          </a:xfrm>
+          <a:prstGeom prst="rect">
+            <a:avLst/>
+          </a:prstGeom>
+        </p:spPr>
+        <p:txBody>
+          <a:bodyPr spcFirstLastPara="1" wrap="square" lIns="91425" tIns="45700" rIns="91425" bIns="45700" anchor="t" anchorCtr="0">
+            <a:noAutofit/>
+          </a:bodyPr>
+          <a:lstStyle/>
+          <a:p>
+            <a:pPr marL="0" lvl="0" indent="0" algn="l" rtl="0">
+              <a:spcBef>
+                <a:spcPts val="0"/>
+              </a:spcBef>
+              <a:spcAft>
+                <a:spcPts val="0"/>
+              </a:spcAft>
+              <a:buNone/>
+            </a:pPr>
+            <a:endParaRPr/>
+          </a:p>
+        </p:txBody>
+      </p:sp>
+      <p:sp>
+        <p:nvSpPr>
+          <p:cNvPr id="349" name="Google Shape;349;g1aefe40ca71_2_2:notes"/>
+          <p:cNvSpPr>
+            <a:spLocks noGrp="1" noRot="1" noChangeAspect="1"/>
+          </p:cNvSpPr>
+          <p:nvPr>
+            <p:ph type="sldImg" idx="2"/>
+          </p:nvPr>
+        </p:nvSpPr>
+        <p:spPr>
+          <a:xfrm>
+            <a:off x="685800" y="1143000"/>
+            <a:ext cx="5486400" cy="3086100"/>
+          </a:xfrm>
+          <a:custGeom>
+            <a:avLst/>
+            <a:gdLst/>
+            <a:ahLst/>
+            <a:cxnLst/>
+            <a:rect l="l" t="t" r="r" b="b"/>
+            <a:pathLst>
+              <a:path w="120000" h="120000" extrusionOk="0">
+                <a:moveTo>
+                  <a:pt x="0" y="0"/>
+                </a:moveTo>
+                <a:lnTo>
+                  <a:pt x="120000" y="0"/>
+                </a:lnTo>
+                <a:lnTo>
+                  <a:pt x="120000" y="120000"/>
+                </a:lnTo>
+                <a:lnTo>
+                  <a:pt x="0" y="120000"/>
+                </a:lnTo>
+                <a:close/>
+              </a:path>
+            </a:pathLst>
+          </a:custGeom>
+        </p:spPr>
+      </p:sp>
+    </p:spTree>
+  </p:cSld>
+  <p:clrMapOvr>
+    <a:masterClrMapping/>
+  </p:clrMapOvr>
+</p:notes>
+</file>
+
+<file path=ppt/notesSlides/notesSlide3.xml><?xml version="1.0" encoding="utf-8"?>
+<p:notes xmlns:a="http://schemas.openxmlformats.org/drawingml/2006/main" xmlns:r="http://schemas.openxmlformats.org/officeDocument/2006/relationships" xmlns:p="http://schemas.openxmlformats.org/presentationml/2006/main" showMasterSp="0" showMasterPhAnim="0">
+  <p:cSld>
+    <p:spTree>
+      <p:nvGrpSpPr>
+        <p:cNvPr id="1" name="Shape 129"/>
+        <p:cNvGrpSpPr/>
+        <p:nvPr/>
+      </p:nvGrpSpPr>
+      <p:grpSpPr>
+        <a:xfrm>
+          <a:off x="0" y="0"/>
+          <a:ext cx="0" cy="0"/>
+          <a:chOff x="0" y="0"/>
+          <a:chExt cx="0" cy="0"/>
+        </a:xfrm>
+      </p:grpSpPr>
+      <p:sp>
+        <p:nvSpPr>
+          <p:cNvPr id="130" name="Google Shape;130;g1ad9dd80d09_0_120:notes"/>
+          <p:cNvSpPr txBox="1">
+            <a:spLocks noGrp="1"/>
+          </p:cNvSpPr>
+          <p:nvPr>
+            <p:ph type="body" idx="1"/>
+          </p:nvPr>
+        </p:nvSpPr>
+        <p:spPr>
+          <a:xfrm>
+            <a:off x="685800" y="4400550"/>
+            <a:ext cx="5486400" cy="3600600"/>
+          </a:xfrm>
+          <a:prstGeom prst="rect">
+            <a:avLst/>
+          </a:prstGeom>
+        </p:spPr>
+        <p:txBody>
+          <a:bodyPr spcFirstLastPara="1" wrap="square" lIns="91425" tIns="45700" rIns="91425" bIns="45700" anchor="t" anchorCtr="0">
+            <a:noAutofit/>
+          </a:bodyPr>
+          <a:lstStyle/>
+          <a:p>
+            <a:pPr marL="0" lvl="0" indent="0" algn="l" rtl="0">
+              <a:spcBef>
+                <a:spcPts val="0"/>
+              </a:spcBef>
+              <a:spcAft>
+                <a:spcPts val="0"/>
+              </a:spcAft>
+              <a:buNone/>
+            </a:pPr>
+            <a:endParaRPr/>
+          </a:p>
+        </p:txBody>
+      </p:sp>
+      <p:sp>
+        <p:nvSpPr>
+          <p:cNvPr id="131" name="Google Shape;131;g1ad9dd80d09_0_120:notes"/>
+          <p:cNvSpPr>
+            <a:spLocks noGrp="1" noRot="1" noChangeAspect="1"/>
+          </p:cNvSpPr>
+          <p:nvPr>
+            <p:ph type="sldImg" idx="2"/>
+          </p:nvPr>
+        </p:nvSpPr>
+        <p:spPr>
+          <a:xfrm>
+            <a:off x="685800" y="1143000"/>
+            <a:ext cx="5486400" cy="3086100"/>
+          </a:xfrm>
+          <a:custGeom>
+            <a:avLst/>
+            <a:gdLst/>
+            <a:ahLst/>
+            <a:cxnLst/>
+            <a:rect l="l" t="t" r="r" b="b"/>
+            <a:pathLst>
+              <a:path w="120000" h="120000" extrusionOk="0">
+                <a:moveTo>
+                  <a:pt x="0" y="0"/>
+                </a:moveTo>
+                <a:lnTo>
+                  <a:pt x="120000" y="0"/>
+                </a:lnTo>
+                <a:lnTo>
+                  <a:pt x="120000" y="120000"/>
+                </a:lnTo>
+                <a:lnTo>
+                  <a:pt x="0" y="120000"/>
+                </a:lnTo>
+                <a:close/>
+              </a:path>
+            </a:pathLst>
+          </a:custGeom>
+        </p:spPr>
+      </p:sp>
+    </p:spTree>
+  </p:cSld>
+  <p:clrMapOvr>
+    <a:masterClrMapping/>
+  </p:clrMapOvr>
+</p:notes>
+</file>
+
+<file path=ppt/notesSlides/notesSlide4.xml><?xml version="1.0" encoding="utf-8"?>
+<p:notes xmlns:a="http://schemas.openxmlformats.org/drawingml/2006/main" xmlns:r="http://schemas.openxmlformats.org/officeDocument/2006/relationships" xmlns:p="http://schemas.openxmlformats.org/presentationml/2006/main" showMasterSp="0" showMasterPhAnim="0">
+  <p:cSld>
+    <p:spTree>
+      <p:nvGrpSpPr>
+        <p:cNvPr id="1" name="Shape 190"/>
+        <p:cNvGrpSpPr/>
+        <p:nvPr/>
+      </p:nvGrpSpPr>
+      <p:grpSpPr>
+        <a:xfrm>
+          <a:off x="0" y="0"/>
+          <a:ext cx="0" cy="0"/>
+          <a:chOff x="0" y="0"/>
+          <a:chExt cx="0" cy="0"/>
+        </a:xfrm>
+      </p:grpSpPr>
+      <p:sp>
+        <p:nvSpPr>
+          <p:cNvPr id="191" name="Google Shape;191;g1ad9dd80d09_0_1140:notes"/>
+          <p:cNvSpPr txBox="1">
+            <a:spLocks noGrp="1"/>
+          </p:cNvSpPr>
+          <p:nvPr>
+            <p:ph type="body" idx="1"/>
+          </p:nvPr>
+        </p:nvSpPr>
+        <p:spPr>
+          <a:xfrm>
+            <a:off x="685800" y="4400550"/>
+            <a:ext cx="5486400" cy="3600600"/>
+          </a:xfrm>
+          <a:prstGeom prst="rect">
+            <a:avLst/>
+          </a:prstGeom>
+        </p:spPr>
+        <p:txBody>
+          <a:bodyPr spcFirstLastPara="1" wrap="square" lIns="91425" tIns="45700" rIns="91425" bIns="45700" anchor="t" anchorCtr="0">
+            <a:noAutofit/>
+          </a:bodyPr>
+          <a:lstStyle/>
+          <a:p>
+            <a:pPr marL="0" lvl="0" indent="0" algn="l" rtl="0">
+              <a:spcBef>
+                <a:spcPts val="0"/>
+              </a:spcBef>
+              <a:spcAft>
+                <a:spcPts val="0"/>
+              </a:spcAft>
+              <a:buNone/>
+            </a:pPr>
+            <a:endParaRPr/>
+          </a:p>
+        </p:txBody>
+      </p:sp>
+      <p:sp>
+        <p:nvSpPr>
+          <p:cNvPr id="192" name="Google Shape;192;g1ad9dd80d09_0_1140:notes"/>
+          <p:cNvSpPr>
+            <a:spLocks noGrp="1" noRot="1" noChangeAspect="1"/>
+          </p:cNvSpPr>
+          <p:nvPr>
+            <p:ph type="sldImg" idx="2"/>
+          </p:nvPr>
+        </p:nvSpPr>
+        <p:spPr>
+          <a:xfrm>
+            <a:off x="685800" y="1143000"/>
+            <a:ext cx="5486400" cy="3086100"/>
+          </a:xfrm>
+          <a:custGeom>
+            <a:avLst/>
+            <a:gdLst/>
+            <a:ahLst/>
+            <a:cxnLst/>
+            <a:rect l="l" t="t" r="r" b="b"/>
+            <a:pathLst>
+              <a:path w="120000" h="120000" extrusionOk="0">
+                <a:moveTo>
+                  <a:pt x="0" y="0"/>
+                </a:moveTo>
+                <a:lnTo>
+                  <a:pt x="120000" y="0"/>
+                </a:lnTo>
+                <a:lnTo>
+                  <a:pt x="120000" y="120000"/>
+                </a:lnTo>
+                <a:lnTo>
+                  <a:pt x="0" y="120000"/>
+                </a:lnTo>
+                <a:close/>
+              </a:path>
+            </a:pathLst>
+          </a:custGeom>
+        </p:spPr>
+      </p:sp>
+    </p:spTree>
+  </p:cSld>
+  <p:clrMapOvr>
+    <a:masterClrMapping/>
+  </p:clrMapOvr>
+</p:notes>
+</file>
+
+<file path=ppt/notesSlides/notesSlide5.xml><?xml version="1.0" encoding="utf-8"?>
+<p:notes xmlns:a="http://schemas.openxmlformats.org/drawingml/2006/main" xmlns:r="http://schemas.openxmlformats.org/officeDocument/2006/relationships" xmlns:p="http://schemas.openxmlformats.org/presentationml/2006/main" showMasterSp="0" showMasterPhAnim="0">
+  <p:cSld>
+    <p:spTree>
+      <p:nvGrpSpPr>
+        <p:cNvPr id="1" name="Shape 74"/>
+        <p:cNvGrpSpPr/>
+        <p:nvPr/>
+      </p:nvGrpSpPr>
+      <p:grpSpPr>
+        <a:xfrm>
+          <a:off x="0" y="0"/>
+          <a:ext cx="0" cy="0"/>
+          <a:chOff x="0" y="0"/>
+          <a:chExt cx="0" cy="0"/>
+        </a:xfrm>
+      </p:grpSpPr>
+      <p:sp>
+        <p:nvSpPr>
+          <p:cNvPr id="75" name="Google Shape;75;p3:notes"/>
+          <p:cNvSpPr txBox="1">
+            <a:spLocks noGrp="1"/>
+          </p:cNvSpPr>
+          <p:nvPr>
+            <p:ph type="body" idx="1"/>
+          </p:nvPr>
+        </p:nvSpPr>
+        <p:spPr>
+          <a:xfrm>
+            <a:off x="685800" y="4400550"/>
+            <a:ext cx="5486400" cy="3600450"/>
+          </a:xfrm>
+          <a:prstGeom prst="rect">
+            <a:avLst/>
+          </a:prstGeom>
+        </p:spPr>
+        <p:txBody>
+          <a:bodyPr spcFirstLastPara="1" wrap="square" lIns="91425" tIns="45700" rIns="91425" bIns="45700" anchor="t" anchorCtr="0">
+            <a:noAutofit/>
+          </a:bodyPr>
+          <a:lstStyle/>
+          <a:p>
+            <a:pPr marL="0" lvl="0" indent="0" algn="l" rtl="0">
+              <a:spcBef>
+                <a:spcPts val="0"/>
+              </a:spcBef>
+              <a:spcAft>
+                <a:spcPts val="0"/>
+              </a:spcAft>
+              <a:buNone/>
+            </a:pPr>
+            <a:endParaRPr/>
+          </a:p>
+        </p:txBody>
+      </p:sp>
+      <p:sp>
+        <p:nvSpPr>
+          <p:cNvPr id="76" name="Google Shape;76;p3:notes"/>
+          <p:cNvSpPr>
+            <a:spLocks noGrp="1" noRot="1" noChangeAspect="1"/>
+          </p:cNvSpPr>
+          <p:nvPr>
+            <p:ph type="sldImg" idx="2"/>
+          </p:nvPr>
+        </p:nvSpPr>
+        <p:spPr>
+          <a:xfrm>
+            <a:off x="685800" y="1143000"/>
+            <a:ext cx="5486400" cy="3086100"/>
+          </a:xfrm>
+          <a:custGeom>
+            <a:avLst/>
+            <a:gdLst/>
+            <a:ahLst/>
+            <a:cxnLst/>
+            <a:rect l="l" t="t" r="r" b="b"/>
+            <a:pathLst>
+              <a:path w="120000" h="120000" extrusionOk="0">
+                <a:moveTo>
+                  <a:pt x="0" y="0"/>
+                </a:moveTo>
+                <a:lnTo>
+                  <a:pt x="120000" y="0"/>
+                </a:lnTo>
+                <a:lnTo>
+                  <a:pt x="120000" y="120000"/>
+                </a:lnTo>
+                <a:lnTo>
+                  <a:pt x="0" y="120000"/>
+                </a:lnTo>
+                <a:close/>
+              </a:path>
+            </a:pathLst>
+          </a:custGeom>
+        </p:spPr>
+      </p:sp>
+    </p:spTree>
+  </p:cSld>
+  <p:clrMapOvr>
+    <a:masterClrMapping/>
+  </p:clrMapOvr>
+</p:notes>
+</file>
+
+<file path=ppt/notesSlides/notesSlide6.xml><?xml version="1.0" encoding="utf-8"?>
+<p:notes xmlns:a="http://schemas.openxmlformats.org/drawingml/2006/main" xmlns:r="http://schemas.openxmlformats.org/officeDocument/2006/relationships" xmlns:p="http://schemas.openxmlformats.org/presentationml/2006/main" showMasterSp="0" showMasterPhAnim="0">
+  <p:cSld>
+    <p:spTree>
+      <p:nvGrpSpPr>
+        <p:cNvPr id="1" name="Shape 150"/>
+        <p:cNvGrpSpPr/>
+        <p:nvPr/>
+      </p:nvGrpSpPr>
+      <p:grpSpPr>
+        <a:xfrm>
+          <a:off x="0" y="0"/>
+          <a:ext cx="0" cy="0"/>
+          <a:chOff x="0" y="0"/>
+          <a:chExt cx="0" cy="0"/>
+        </a:xfrm>
+      </p:grpSpPr>
+      <p:sp>
+        <p:nvSpPr>
+          <p:cNvPr id="151" name="Google Shape;151;g1ad9dd80d09_0_439:notes"/>
+          <p:cNvSpPr>
+            <a:spLocks noGrp="1" noRot="1" noChangeAspect="1"/>
+          </p:cNvSpPr>
+          <p:nvPr>
+            <p:ph type="sldImg" idx="2"/>
+          </p:nvPr>
+        </p:nvSpPr>
+        <p:spPr>
+          <a:xfrm>
+            <a:off x="685800" y="1143000"/>
+            <a:ext cx="5486400" cy="3086100"/>
+          </a:xfrm>
+          <a:custGeom>
+            <a:avLst/>
+            <a:gdLst/>
+            <a:ahLst/>
+            <a:cxnLst/>
+            <a:rect l="l" t="t" r="r" b="b"/>
+            <a:pathLst>
+              <a:path w="120000" h="120000" extrusionOk="0">
+                <a:moveTo>
+                  <a:pt x="0" y="0"/>
+                </a:moveTo>
+                <a:lnTo>
+                  <a:pt x="120000" y="0"/>
+                </a:lnTo>
+                <a:lnTo>
+                  <a:pt x="120000" y="120000"/>
+                </a:lnTo>
+                <a:lnTo>
+                  <a:pt x="0" y="120000"/>
+                </a:lnTo>
+                <a:close/>
+              </a:path>
+            </a:pathLst>
+          </a:custGeom>
+        </p:spPr>
+      </p:sp>
+      <p:sp>
+        <p:nvSpPr>
+          <p:cNvPr id="152" name="Google Shape;152;g1ad9dd80d09_0_439:notes"/>
+          <p:cNvSpPr txBox="1">
+            <a:spLocks noGrp="1"/>
+          </p:cNvSpPr>
+          <p:nvPr>
+            <p:ph type="body" idx="1"/>
+          </p:nvPr>
+        </p:nvSpPr>
+        <p:spPr>
+          <a:xfrm>
+            <a:off x="685800" y="4400550"/>
+            <a:ext cx="5486400" cy="3600600"/>
+          </a:xfrm>
+          <a:prstGeom prst="rect">
+            <a:avLst/>
+          </a:prstGeom>
+        </p:spPr>
+        <p:txBody>
+          <a:bodyPr spcFirstLastPara="1" wrap="square" lIns="91425" tIns="45700" rIns="91425" bIns="45700" anchor="t" anchorCtr="0">
+            <a:noAutofit/>
+          </a:bodyPr>
+          <a:lstStyle/>
+          <a:p>
+            <a:pPr marL="0" lvl="0" indent="0" algn="l" rtl="0">
+              <a:spcBef>
+                <a:spcPts val="0"/>
+              </a:spcBef>
+              <a:spcAft>
+                <a:spcPts val="0"/>
+              </a:spcAft>
+              <a:buNone/>
+            </a:pPr>
+            <a:endParaRPr/>
+          </a:p>
+        </p:txBody>
+      </p:sp>
+      <p:sp>
+        <p:nvSpPr>
+          <p:cNvPr id="153" name="Google Shape;153;g1ad9dd80d09_0_439:notes"/>
+          <p:cNvSpPr txBox="1">
+            <a:spLocks noGrp="1"/>
+          </p:cNvSpPr>
+          <p:nvPr>
+            <p:ph type="sldNum" idx="12"/>
+          </p:nvPr>
+        </p:nvSpPr>
+        <p:spPr>
+          <a:xfrm>
+            <a:off x="3884613" y="8685213"/>
+            <a:ext cx="2971800" cy="458700"/>
+          </a:xfrm>
+          <a:prstGeom prst="rect">
+            <a:avLst/>
+          </a:prstGeom>
+        </p:spPr>
+        <p:txBody>
+          <a:bodyPr spcFirstLastPara="1" wrap="square" lIns="91425" tIns="45700" rIns="91425" bIns="45700" anchor="b" anchorCtr="0">
+            <a:noAutofit/>
+          </a:bodyPr>
+          <a:lstStyle/>
+          <a:p>
+            <a:pPr marL="0" lvl="0" indent="0" algn="r" rtl="0">
+              <a:spcBef>
+                <a:spcPts val="0"/>
+              </a:spcBef>
+              <a:spcAft>
+                <a:spcPts val="0"/>
+              </a:spcAft>
+              <a:buClr>
+                <a:srgbClr val="000000"/>
+              </a:buClr>
+              <a:buFont typeface="Arial"/>
+              <a:buNone/>
+            </a:pPr>
+            <a:fld id="{00000000-1234-1234-1234-123412341234}" type="slidenum">
+              <a:rPr lang="en-US"/>
+              <a:t>6</a:t>
+            </a:fld>
+            <a:endParaRPr/>
+          </a:p>
+        </p:txBody>
+      </p:sp>
+    </p:spTree>
+  </p:cSld>
+  <p:clrMapOvr>
+    <a:masterClrMapping/>
+  </p:clrMapOvr>
+</p:notes>
+</file>
+
+<file path=ppt/notesSlides/notesSlide7.xml><?xml version="1.0" encoding="utf-8"?>
+<p:notes xmlns:a="http://schemas.openxmlformats.org/drawingml/2006/main" xmlns:r="http://schemas.openxmlformats.org/officeDocument/2006/relationships" xmlns:p="http://schemas.openxmlformats.org/presentationml/2006/main" showMasterSp="0" showMasterPhAnim="0">
+  <p:cSld>
+    <p:spTree>
+      <p:nvGrpSpPr>
+        <p:cNvPr id="1" name="Shape 195"/>
+        <p:cNvGrpSpPr/>
+        <p:nvPr/>
+      </p:nvGrpSpPr>
+      <p:grpSpPr>
+        <a:xfrm>
+          <a:off x="0" y="0"/>
+          <a:ext cx="0" cy="0"/>
+          <a:chOff x="0" y="0"/>
+          <a:chExt cx="0" cy="0"/>
+        </a:xfrm>
+      </p:grpSpPr>
+      <p:sp>
+        <p:nvSpPr>
+          <p:cNvPr id="196" name="Google Shape;196;g1ad9dd80d09_0_834:notes"/>
+          <p:cNvSpPr>
+            <a:spLocks noGrp="1" noRot="1" noChangeAspect="1"/>
+          </p:cNvSpPr>
+          <p:nvPr>
+            <p:ph type="sldImg" idx="2"/>
+          </p:nvPr>
+        </p:nvSpPr>
+        <p:spPr>
+          <a:xfrm>
+            <a:off x="685800" y="1143000"/>
+            <a:ext cx="5486400" cy="3086100"/>
+          </a:xfrm>
+          <a:custGeom>
+            <a:avLst/>
+            <a:gdLst/>
+            <a:ahLst/>
+            <a:cxnLst/>
+            <a:rect l="l" t="t" r="r" b="b"/>
+            <a:pathLst>
+              <a:path w="120000" h="120000" extrusionOk="0">
+                <a:moveTo>
+                  <a:pt x="0" y="0"/>
+                </a:moveTo>
+                <a:lnTo>
+                  <a:pt x="120000" y="0"/>
+                </a:lnTo>
+                <a:lnTo>
+                  <a:pt x="120000" y="120000"/>
+                </a:lnTo>
+                <a:lnTo>
+                  <a:pt x="0" y="120000"/>
+                </a:lnTo>
+                <a:close/>
+              </a:path>
+            </a:pathLst>
+          </a:custGeom>
+        </p:spPr>
+      </p:sp>
+      <p:sp>
+        <p:nvSpPr>
+          <p:cNvPr id="197" name="Google Shape;197;g1ad9dd80d09_0_834:notes"/>
+          <p:cNvSpPr txBox="1">
+            <a:spLocks noGrp="1"/>
+          </p:cNvSpPr>
+          <p:nvPr>
+            <p:ph type="body" idx="1"/>
+          </p:nvPr>
+        </p:nvSpPr>
+        <p:spPr>
+          <a:xfrm>
+            <a:off x="685800" y="4400550"/>
+            <a:ext cx="5486400" cy="3600600"/>
+          </a:xfrm>
+          <a:prstGeom prst="rect">
+            <a:avLst/>
+          </a:prstGeom>
+        </p:spPr>
+        <p:txBody>
+          <a:bodyPr spcFirstLastPara="1" wrap="square" lIns="91425" tIns="45700" rIns="91425" bIns="45700" anchor="t" anchorCtr="0">
+            <a:noAutofit/>
+          </a:bodyPr>
+          <a:lstStyle/>
+          <a:p>
+            <a:pPr marL="0" lvl="0" indent="0" algn="l" rtl="0">
+              <a:spcBef>
+                <a:spcPts val="0"/>
+              </a:spcBef>
+              <a:spcAft>
+                <a:spcPts val="0"/>
+              </a:spcAft>
+              <a:buNone/>
+            </a:pPr>
+            <a:endParaRPr/>
+          </a:p>
+        </p:txBody>
+      </p:sp>
+      <p:sp>
+        <p:nvSpPr>
+          <p:cNvPr id="198" name="Google Shape;198;g1ad9dd80d09_0_834:notes"/>
+          <p:cNvSpPr txBox="1">
+            <a:spLocks noGrp="1"/>
+          </p:cNvSpPr>
+          <p:nvPr>
+            <p:ph type="sldNum" idx="12"/>
+          </p:nvPr>
+        </p:nvSpPr>
+        <p:spPr>
+          <a:xfrm>
+            <a:off x="3884613" y="8685213"/>
+            <a:ext cx="2971800" cy="458700"/>
+          </a:xfrm>
+          <a:prstGeom prst="rect">
+            <a:avLst/>
+          </a:prstGeom>
+        </p:spPr>
+        <p:txBody>
+          <a:bodyPr spcFirstLastPara="1" wrap="square" lIns="91425" tIns="45700" rIns="91425" bIns="45700" anchor="b" anchorCtr="0">
+            <a:noAutofit/>
+          </a:bodyPr>
+          <a:lstStyle/>
+          <a:p>
+            <a:pPr marL="0" lvl="0" indent="0" algn="r" rtl="0">
+              <a:spcBef>
+                <a:spcPts val="0"/>
+              </a:spcBef>
+              <a:spcAft>
+                <a:spcPts val="0"/>
+              </a:spcAft>
+              <a:buClr>
+                <a:srgbClr val="000000"/>
+              </a:buClr>
+              <a:buFont typeface="Arial"/>
+              <a:buNone/>
+            </a:pPr>
+            <a:fld id="{00000000-1234-1234-1234-123412341234}" type="slidenum">
+              <a:rPr lang="en-US"/>
+              <a:t>11</a:t>
+            </a:fld>
+            <a:endParaRPr/>
+          </a:p>
+        </p:txBody>
+      </p:sp>
+    </p:spTree>
+  </p:cSld>
+  <p:clrMapOvr>
+    <a:masterClrMapping/>
+  </p:clrMapOvr>
+</p:notes>
+</file>
+
+<file path=ppt/notesSlides/notesSlide8.xml><?xml version="1.0" encoding="utf-8"?>
+<p:notes xmlns:a="http://schemas.openxmlformats.org/drawingml/2006/main" xmlns:r="http://schemas.openxmlformats.org/officeDocument/2006/relationships" xmlns:p="http://schemas.openxmlformats.org/presentationml/2006/main" showMasterSp="0" showMasterPhAnim="0">
+  <p:cSld>
+    <p:spTree>
+      <p:nvGrpSpPr>
+        <p:cNvPr id="1" name="Shape 203"/>
+        <p:cNvGrpSpPr/>
+        <p:nvPr/>
+      </p:nvGrpSpPr>
+      <p:grpSpPr>
+        <a:xfrm>
+          <a:off x="0" y="0"/>
+          <a:ext cx="0" cy="0"/>
+          <a:chOff x="0" y="0"/>
+          <a:chExt cx="0" cy="0"/>
+        </a:xfrm>
+      </p:grpSpPr>
+      <p:sp>
+        <p:nvSpPr>
+          <p:cNvPr id="204" name="Google Shape;204;g1ad9dd80d09_0_848:notes"/>
+          <p:cNvSpPr>
+            <a:spLocks noGrp="1" noRot="1" noChangeAspect="1"/>
+          </p:cNvSpPr>
+          <p:nvPr>
+            <p:ph type="sldImg" idx="2"/>
+          </p:nvPr>
+        </p:nvSpPr>
+        <p:spPr>
+          <a:xfrm>
+            <a:off x="685800" y="1143000"/>
+            <a:ext cx="5486400" cy="3086100"/>
+          </a:xfrm>
+          <a:custGeom>
+            <a:avLst/>
+            <a:gdLst/>
+            <a:ahLst/>
+            <a:cxnLst/>
+            <a:rect l="l" t="t" r="r" b="b"/>
+            <a:pathLst>
+              <a:path w="120000" h="120000" extrusionOk="0">
+                <a:moveTo>
+                  <a:pt x="0" y="0"/>
+                </a:moveTo>
+                <a:lnTo>
+                  <a:pt x="120000" y="0"/>
+                </a:lnTo>
+                <a:lnTo>
+                  <a:pt x="120000" y="120000"/>
+                </a:lnTo>
+                <a:lnTo>
+                  <a:pt x="0" y="120000"/>
+                </a:lnTo>
+                <a:close/>
+              </a:path>
+            </a:pathLst>
+          </a:custGeom>
+        </p:spPr>
+      </p:sp>
+      <p:sp>
+        <p:nvSpPr>
+          <p:cNvPr id="205" name="Google Shape;205;g1ad9dd80d09_0_848:notes"/>
+          <p:cNvSpPr txBox="1">
+            <a:spLocks noGrp="1"/>
+          </p:cNvSpPr>
+          <p:nvPr>
+            <p:ph type="body" idx="1"/>
+          </p:nvPr>
+        </p:nvSpPr>
+        <p:spPr>
+          <a:xfrm>
+            <a:off x="685800" y="4400550"/>
+            <a:ext cx="5486400" cy="3600600"/>
+          </a:xfrm>
+          <a:prstGeom prst="rect">
+            <a:avLst/>
+          </a:prstGeom>
+        </p:spPr>
+        <p:txBody>
+          <a:bodyPr spcFirstLastPara="1" wrap="square" lIns="91425" tIns="45700" rIns="91425" bIns="45700" anchor="t" anchorCtr="0">
+            <a:noAutofit/>
+          </a:bodyPr>
+          <a:lstStyle/>
+          <a:p>
+            <a:pPr marL="0" lvl="0" indent="0" algn="l" rtl="0">
+              <a:spcBef>
+                <a:spcPts val="0"/>
+              </a:spcBef>
+              <a:spcAft>
+                <a:spcPts val="0"/>
+              </a:spcAft>
+              <a:buNone/>
+            </a:pPr>
+            <a:endParaRPr/>
+          </a:p>
+        </p:txBody>
+      </p:sp>
+      <p:sp>
+        <p:nvSpPr>
+          <p:cNvPr id="206" name="Google Shape;206;g1ad9dd80d09_0_848:notes"/>
+          <p:cNvSpPr txBox="1">
+            <a:spLocks noGrp="1"/>
+          </p:cNvSpPr>
+          <p:nvPr>
+            <p:ph type="sldNum" idx="12"/>
+          </p:nvPr>
+        </p:nvSpPr>
+        <p:spPr>
+          <a:xfrm>
+            <a:off x="3884613" y="8685213"/>
+            <a:ext cx="2971800" cy="458700"/>
+          </a:xfrm>
+          <a:prstGeom prst="rect">
+            <a:avLst/>
+          </a:prstGeom>
+        </p:spPr>
+        <p:txBody>
+          <a:bodyPr spcFirstLastPara="1" wrap="square" lIns="91425" tIns="45700" rIns="91425" bIns="45700" anchor="b" anchorCtr="0">
+            <a:noAutofit/>
+          </a:bodyPr>
+          <a:lstStyle/>
+          <a:p>
+            <a:pPr marL="0" lvl="0" indent="0" algn="r" rtl="0">
+              <a:spcBef>
+                <a:spcPts val="0"/>
+              </a:spcBef>
+              <a:spcAft>
+                <a:spcPts val="0"/>
+              </a:spcAft>
+              <a:buClr>
+                <a:srgbClr val="000000"/>
+              </a:buClr>
+              <a:buFont typeface="Arial"/>
+              <a:buNone/>
+            </a:pPr>
+            <a:fld id="{00000000-1234-1234-1234-123412341234}" type="slidenum">
+              <a:rPr lang="en-US"/>
+              <a:t>12</a:t>
+            </a:fld>
+            <a:endParaRPr/>
+          </a:p>
+        </p:txBody>
+      </p:sp>
+    </p:spTree>
+  </p:cSld>
+  <p:clrMapOvr>
+    <a:masterClrMapping/>
+  </p:clrMapOvr>
+</p:notes>
+</file>
+
+<file path=ppt/notesSlides/notesSlide9.xml><?xml version="1.0" encoding="utf-8"?>
+<p:notes xmlns:a="http://schemas.openxmlformats.org/drawingml/2006/main" xmlns:r="http://schemas.openxmlformats.org/officeDocument/2006/relationships" xmlns:p="http://schemas.openxmlformats.org/presentationml/2006/main" showMasterSp="0" showMasterPhAnim="0">
+  <p:cSld>
+    <p:spTree>
+      <p:nvGrpSpPr>
+        <p:cNvPr id="1" name="Shape 210"/>
+        <p:cNvGrpSpPr/>
+        <p:nvPr/>
+      </p:nvGrpSpPr>
+      <p:grpSpPr>
+        <a:xfrm>
+          <a:off x="0" y="0"/>
+          <a:ext cx="0" cy="0"/>
+          <a:chOff x="0" y="0"/>
+          <a:chExt cx="0" cy="0"/>
+        </a:xfrm>
+      </p:grpSpPr>
+      <p:sp>
+        <p:nvSpPr>
+          <p:cNvPr id="211" name="Google Shape;211;g1ad9dd80d09_0_909:notes"/>
+          <p:cNvSpPr>
+            <a:spLocks noGrp="1" noRot="1" noChangeAspect="1"/>
+          </p:cNvSpPr>
+          <p:nvPr>
+            <p:ph type="sldImg" idx="2"/>
+          </p:nvPr>
+        </p:nvSpPr>
+        <p:spPr>
+          <a:xfrm>
+            <a:off x="685800" y="1143000"/>
+            <a:ext cx="5486400" cy="3086100"/>
+          </a:xfrm>
+          <a:custGeom>
+            <a:avLst/>
+            <a:gdLst/>
+            <a:ahLst/>
+            <a:cxnLst/>
+            <a:rect l="l" t="t" r="r" b="b"/>
+            <a:pathLst>
+              <a:path w="120000" h="120000" extrusionOk="0">
+                <a:moveTo>
+                  <a:pt x="0" y="0"/>
+                </a:moveTo>
+                <a:lnTo>
+                  <a:pt x="120000" y="0"/>
+                </a:lnTo>
+                <a:lnTo>
+                  <a:pt x="120000" y="120000"/>
+                </a:lnTo>
+                <a:lnTo>
+                  <a:pt x="0" y="120000"/>
+                </a:lnTo>
+                <a:close/>
+              </a:path>
+            </a:pathLst>
+          </a:custGeom>
+        </p:spPr>
+      </p:sp>
+      <p:sp>
+        <p:nvSpPr>
+          <p:cNvPr id="212" name="Google Shape;212;g1ad9dd80d09_0_909:notes"/>
+          <p:cNvSpPr txBox="1">
+            <a:spLocks noGrp="1"/>
+          </p:cNvSpPr>
+          <p:nvPr>
+            <p:ph type="body" idx="1"/>
+          </p:nvPr>
+        </p:nvSpPr>
+        <p:spPr>
+          <a:xfrm>
+            <a:off x="685800" y="4400550"/>
+            <a:ext cx="5486400" cy="3600600"/>
+          </a:xfrm>
+          <a:prstGeom prst="rect">
+            <a:avLst/>
+          </a:prstGeom>
+        </p:spPr>
+        <p:txBody>
+          <a:bodyPr spcFirstLastPara="1" wrap="square" lIns="91425" tIns="45700" rIns="91425" bIns="45700" anchor="t" anchorCtr="0">
+            <a:noAutofit/>
+          </a:bodyPr>
+          <a:lstStyle/>
+          <a:p>
+            <a:pPr marL="0" lvl="0" indent="0" algn="l" rtl="0">
+              <a:spcBef>
+                <a:spcPts val="0"/>
+              </a:spcBef>
+              <a:spcAft>
+                <a:spcPts val="0"/>
+              </a:spcAft>
+              <a:buNone/>
+            </a:pPr>
+            <a:endParaRPr/>
+          </a:p>
+        </p:txBody>
+      </p:sp>
+      <p:sp>
+        <p:nvSpPr>
+          <p:cNvPr id="213" name="Google Shape;213;g1ad9dd80d09_0_909:notes"/>
+          <p:cNvSpPr txBox="1">
+            <a:spLocks noGrp="1"/>
+          </p:cNvSpPr>
+          <p:nvPr>
+            <p:ph type="sldNum" idx="12"/>
+          </p:nvPr>
+        </p:nvSpPr>
+        <p:spPr>
+          <a:xfrm>
+            <a:off x="3884613" y="8685213"/>
+            <a:ext cx="2971800" cy="458700"/>
+          </a:xfrm>
+          <a:prstGeom prst="rect">
+            <a:avLst/>
+          </a:prstGeom>
+        </p:spPr>
+        <p:txBody>
+          <a:bodyPr spcFirstLastPara="1" wrap="square" lIns="91425" tIns="45700" rIns="91425" bIns="45700" anchor="b" anchorCtr="0">
+            <a:noAutofit/>
+          </a:bodyPr>
+          <a:lstStyle/>
+          <a:p>
+            <a:pPr marL="0" lvl="0" indent="0" algn="r" rtl="0">
+              <a:spcBef>
+                <a:spcPts val="0"/>
+              </a:spcBef>
+              <a:spcAft>
+                <a:spcPts val="0"/>
+              </a:spcAft>
+              <a:buClr>
+                <a:srgbClr val="000000"/>
+              </a:buClr>
+              <a:buFont typeface="Arial"/>
+              <a:buNone/>
+            </a:pPr>
+            <a:fld id="{00000000-1234-1234-1234-123412341234}" type="slidenum">
+              <a:rPr lang="en-US"/>
+              <a:t>13</a:t>
+            </a:fld>
+            <a:endParaRPr/>
+          </a:p>
+        </p:txBody>
       </p:sp>
     </p:spTree>
   </p:cSld>
@@ -1409,7 +3287,7 @@
           <a:p>
             <a:fld id="{6BAB3201-8CBA-4DCE-BDB9-4692BAE81E1A}" type="datetimeFigureOut">
               <a:rPr lang="en-US" smtClean="0"/>
-              <a:t>3/3/2023</a:t>
+              <a:t>4/24/2023</a:t>
             </a:fld>
             <a:endParaRPr lang="en-US"/>
           </a:p>
@@ -1607,7 +3485,7 @@
           <a:p>
             <a:fld id="{6BAB3201-8CBA-4DCE-BDB9-4692BAE81E1A}" type="datetimeFigureOut">
               <a:rPr lang="en-US" smtClean="0"/>
-              <a:t>3/3/2023</a:t>
+              <a:t>4/24/2023</a:t>
             </a:fld>
             <a:endParaRPr lang="en-US"/>
           </a:p>
@@ -1815,7 +3693,7 @@
           <a:p>
             <a:fld id="{6BAB3201-8CBA-4DCE-BDB9-4692BAE81E1A}" type="datetimeFigureOut">
               <a:rPr lang="en-US" smtClean="0"/>
-              <a:t>3/3/2023</a:t>
+              <a:t>4/24/2023</a:t>
             </a:fld>
             <a:endParaRPr lang="en-US"/>
           </a:p>
@@ -5972,7 +7850,7 @@
           <a:p>
             <a:fld id="{6BAB3201-8CBA-4DCE-BDB9-4692BAE81E1A}" type="datetimeFigureOut">
               <a:rPr lang="en-US" smtClean="0"/>
-              <a:t>3/3/2023</a:t>
+              <a:t>4/24/2023</a:t>
             </a:fld>
             <a:endParaRPr lang="en-US"/>
           </a:p>
@@ -6247,7 +8125,7 @@
           <a:p>
             <a:fld id="{6BAB3201-8CBA-4DCE-BDB9-4692BAE81E1A}" type="datetimeFigureOut">
               <a:rPr lang="en-US" smtClean="0"/>
-              <a:t>3/3/2023</a:t>
+              <a:t>4/24/2023</a:t>
             </a:fld>
             <a:endParaRPr lang="en-US"/>
           </a:p>
@@ -6512,7 +8390,7 @@
           <a:p>
             <a:fld id="{6BAB3201-8CBA-4DCE-BDB9-4692BAE81E1A}" type="datetimeFigureOut">
               <a:rPr lang="en-US" smtClean="0"/>
-              <a:t>3/3/2023</a:t>
+              <a:t>4/24/2023</a:t>
             </a:fld>
             <a:endParaRPr lang="en-US"/>
           </a:p>
@@ -6924,7 +8802,7 @@
           <a:p>
             <a:fld id="{6BAB3201-8CBA-4DCE-BDB9-4692BAE81E1A}" type="datetimeFigureOut">
               <a:rPr lang="en-US" smtClean="0"/>
-              <a:t>3/3/2023</a:t>
+              <a:t>4/24/2023</a:t>
             </a:fld>
             <a:endParaRPr lang="en-US"/>
           </a:p>
@@ -7065,7 +8943,7 @@
           <a:p>
             <a:fld id="{6BAB3201-8CBA-4DCE-BDB9-4692BAE81E1A}" type="datetimeFigureOut">
               <a:rPr lang="en-US" smtClean="0"/>
-              <a:t>3/3/2023</a:t>
+              <a:t>4/24/2023</a:t>
             </a:fld>
             <a:endParaRPr lang="en-US"/>
           </a:p>
@@ -7178,7 +9056,7 @@
           <a:p>
             <a:fld id="{6BAB3201-8CBA-4DCE-BDB9-4692BAE81E1A}" type="datetimeFigureOut">
               <a:rPr lang="en-US" smtClean="0"/>
-              <a:t>3/3/2023</a:t>
+              <a:t>4/24/2023</a:t>
             </a:fld>
             <a:endParaRPr lang="en-US"/>
           </a:p>
@@ -7489,7 +9367,7 @@
           <a:p>
             <a:fld id="{6BAB3201-8CBA-4DCE-BDB9-4692BAE81E1A}" type="datetimeFigureOut">
               <a:rPr lang="en-US" smtClean="0"/>
-              <a:t>3/3/2023</a:t>
+              <a:t>4/24/2023</a:t>
             </a:fld>
             <a:endParaRPr lang="en-US"/>
           </a:p>
@@ -7777,7 +9655,7 @@
           <a:p>
             <a:fld id="{6BAB3201-8CBA-4DCE-BDB9-4692BAE81E1A}" type="datetimeFigureOut">
               <a:rPr lang="en-US" smtClean="0"/>
-              <a:t>3/3/2023</a:t>
+              <a:t>4/24/2023</a:t>
             </a:fld>
             <a:endParaRPr lang="en-US"/>
           </a:p>
@@ -8018,7 +9896,7 @@
           <a:p>
             <a:fld id="{6BAB3201-8CBA-4DCE-BDB9-4692BAE81E1A}" type="datetimeFigureOut">
               <a:rPr lang="en-US" smtClean="0"/>
-              <a:t>3/3/2023</a:t>
+              <a:t>4/24/2023</a:t>
             </a:fld>
             <a:endParaRPr lang="en-US"/>
           </a:p>
@@ -10331,7 +12209,7 @@
           <p:cNvPr id="2" name="Title 1">
             <a:extLst>
               <a:ext uri="{FF2B5EF4-FFF2-40B4-BE49-F238E27FC236}">
-                <a16:creationId xmlns:a16="http://schemas.microsoft.com/office/drawing/2014/main" id="{49BA2386-366F-6FCE-68F8-EA9726EBBEDD}"/>
+                <a16:creationId xmlns:a16="http://schemas.microsoft.com/office/drawing/2014/main" id="{C15A56B0-5D81-9181-C8F4-6758D3A4E151}"/>
               </a:ext>
             </a:extLst>
           </p:cNvPr>
@@ -10342,24 +12220,105 @@
             <p:ph type="title"/>
           </p:nvPr>
         </p:nvSpPr>
-        <p:spPr/>
+        <p:spPr>
+          <a:xfrm>
+            <a:off x="838199" y="365125"/>
+            <a:ext cx="9870247" cy="1199321"/>
+          </a:xfrm>
+        </p:spPr>
         <p:txBody>
           <a:bodyPr/>
           <a:lstStyle/>
           <a:p>
             <a:r>
               <a:rPr lang="en-US" dirty="0"/>
-              <a:t>Flow Chart</a:t>
-            </a:r>
+              <a:t>Data cleaning</a:t>
+            </a:r>
+          </a:p>
+        </p:txBody>
+      </p:sp>
+      <p:sp>
+        <p:nvSpPr>
+          <p:cNvPr id="3" name="Text Placeholder 2">
+            <a:extLst>
+              <a:ext uri="{FF2B5EF4-FFF2-40B4-BE49-F238E27FC236}">
+                <a16:creationId xmlns:a16="http://schemas.microsoft.com/office/drawing/2014/main" id="{085D2F6A-BCFC-CCD4-6363-26037232B9A3}"/>
+              </a:ext>
+            </a:extLst>
+          </p:cNvPr>
+          <p:cNvSpPr>
+            <a:spLocks noGrp="1"/>
+          </p:cNvSpPr>
+          <p:nvPr>
+            <p:ph type="body" idx="1"/>
+          </p:nvPr>
+        </p:nvSpPr>
+        <p:spPr>
+          <a:xfrm>
+            <a:off x="838200" y="1421437"/>
+            <a:ext cx="10515600" cy="4755526"/>
+          </a:xfrm>
+        </p:spPr>
+        <p:txBody>
+          <a:bodyPr/>
+          <a:lstStyle/>
+          <a:p>
+            <a:pPr>
+              <a:lnSpc>
+                <a:spcPct val="150000"/>
+              </a:lnSpc>
+            </a:pPr>
+            <a:r>
+              <a:rPr lang="en-IN" sz="2000" dirty="0">
+                <a:effectLst/>
+                <a:latin typeface="Times New Roman" panose="02020603050405020304" pitchFamily="18" charset="0"/>
+                <a:ea typeface="Calibri" panose="020F0502020204030204" pitchFamily="34" charset="0"/>
+                <a:cs typeface="Times New Roman" panose="02020603050405020304" pitchFamily="18" charset="0"/>
+              </a:rPr>
+              <a:t>As per the analysis most</a:t>
+            </a:r>
+            <a:r>
+              <a:rPr lang="en-IN" sz="2000" dirty="0">
+                <a:latin typeface="Times New Roman" panose="02020603050405020304" pitchFamily="18" charset="0"/>
+                <a:ea typeface="Calibri" panose="020F0502020204030204" pitchFamily="34" charset="0"/>
+                <a:cs typeface="Times New Roman" panose="02020603050405020304" pitchFamily="18" charset="0"/>
+              </a:rPr>
+              <a:t> of the</a:t>
+            </a:r>
+            <a:r>
+              <a:rPr lang="en-IN" sz="2000" dirty="0">
+                <a:effectLst/>
+                <a:latin typeface="Times New Roman" panose="02020603050405020304" pitchFamily="18" charset="0"/>
+                <a:ea typeface="Calibri" panose="020F0502020204030204" pitchFamily="34" charset="0"/>
+                <a:cs typeface="Times New Roman" panose="02020603050405020304" pitchFamily="18" charset="0"/>
+              </a:rPr>
+              <a:t> missing values are in total cases and in total deaths columns</a:t>
+            </a:r>
+          </a:p>
+          <a:p>
+            <a:pPr>
+              <a:lnSpc>
+                <a:spcPct val="150000"/>
+              </a:lnSpc>
+            </a:pPr>
+            <a:r>
+              <a:rPr lang="en-IN" sz="2000" dirty="0">
+                <a:latin typeface="Times New Roman" panose="02020603050405020304" pitchFamily="18" charset="0"/>
+                <a:ea typeface="Calibri" panose="020F0502020204030204" pitchFamily="34" charset="0"/>
+                <a:cs typeface="Times New Roman" panose="02020603050405020304" pitchFamily="18" charset="0"/>
+              </a:rPr>
+              <a:t>With the help of time series analysis, we found that the deaths are almost similar to the previous day deaths , so we have used backward fill method to fill all the missing values</a:t>
+            </a:r>
+            <a:endParaRPr lang="en-US" dirty="0"/>
           </a:p>
         </p:txBody>
       </p:sp>
       <p:pic>
         <p:nvPicPr>
-          <p:cNvPr id="4" name="Picture 3">
+          <p:cNvPr id="5" name="Picture 4">
             <a:extLst>
               <a:ext uri="{FF2B5EF4-FFF2-40B4-BE49-F238E27FC236}">
-                <a16:creationId xmlns:a16="http://schemas.microsoft.com/office/drawing/2014/main" id="{63FE603D-AD44-1D4F-F406-A5FB7B8CE50E}"/>
+                <a16:creationId xmlns:a16="http://schemas.microsoft.com/office/drawing/2014/main" id="{65FA88BA-7868-CB7C-D4F1-22539627DAD8}"/>
               </a:ext>
             </a:extLst>
           </p:cNvPr>
@@ -10376,8 +12335,38 @@
         </p:blipFill>
         <p:spPr>
           <a:xfrm>
-            <a:off x="3529781" y="932280"/>
-            <a:ext cx="4650660" cy="5212309"/>
+            <a:off x="6026054" y="3842315"/>
+            <a:ext cx="3749365" cy="906859"/>
+          </a:xfrm>
+          <a:prstGeom prst="rect">
+            <a:avLst/>
+          </a:prstGeom>
+        </p:spPr>
+      </p:pic>
+      <p:pic>
+        <p:nvPicPr>
+          <p:cNvPr id="7" name="Picture 6">
+            <a:extLst>
+              <a:ext uri="{FF2B5EF4-FFF2-40B4-BE49-F238E27FC236}">
+                <a16:creationId xmlns:a16="http://schemas.microsoft.com/office/drawing/2014/main" id="{F8EB2C5E-2E4D-C62E-3887-9B968D85D889}"/>
+              </a:ext>
+            </a:extLst>
+          </p:cNvPr>
+          <p:cNvPicPr>
+            <a:picLocks noChangeAspect="1"/>
+          </p:cNvPicPr>
+          <p:nvPr/>
+        </p:nvPicPr>
+        <p:blipFill>
+          <a:blip r:embed="rId3"/>
+          <a:stretch>
+            <a:fillRect/>
+          </a:stretch>
+        </p:blipFill>
+        <p:spPr>
+          <a:xfrm>
+            <a:off x="1758453" y="3465092"/>
+            <a:ext cx="3734124" cy="2568163"/>
           </a:xfrm>
           <a:prstGeom prst="rect">
             <a:avLst/>
@@ -10387,7 +12376,7 @@
     </p:spTree>
     <p:extLst>
       <p:ext uri="{BB962C8B-B14F-4D97-AF65-F5344CB8AC3E}">
-        <p14:creationId xmlns:p14="http://schemas.microsoft.com/office/powerpoint/2010/main" val="2525848926"/>
+        <p14:creationId xmlns:p14="http://schemas.microsoft.com/office/powerpoint/2010/main" val="3063399828"/>
       </p:ext>
     </p:extLst>
   </p:cSld>
@@ -10398,6 +12387,1182 @@
 </file>
 
 <file path=ppt/slides/slide11.xml><?xml version="1.0" encoding="utf-8"?>
+<p:sld xmlns:a="http://schemas.openxmlformats.org/drawingml/2006/main" xmlns:r="http://schemas.openxmlformats.org/officeDocument/2006/relationships" xmlns:p="http://schemas.openxmlformats.org/presentationml/2006/main">
+  <p:cSld>
+    <p:spTree>
+      <p:nvGrpSpPr>
+        <p:cNvPr id="1" name="Shape 199"/>
+        <p:cNvGrpSpPr/>
+        <p:nvPr/>
+      </p:nvGrpSpPr>
+      <p:grpSpPr>
+        <a:xfrm>
+          <a:off x="0" y="0"/>
+          <a:ext cx="0" cy="0"/>
+          <a:chOff x="0" y="0"/>
+          <a:chExt cx="0" cy="0"/>
+        </a:xfrm>
+      </p:grpSpPr>
+      <p:sp>
+        <p:nvSpPr>
+          <p:cNvPr id="200" name="Google Shape;200;p28"/>
+          <p:cNvSpPr txBox="1">
+            <a:spLocks noGrp="1"/>
+          </p:cNvSpPr>
+          <p:nvPr>
+            <p:ph type="title"/>
+          </p:nvPr>
+        </p:nvSpPr>
+        <p:spPr>
+          <a:xfrm>
+            <a:off x="838200" y="365125"/>
+            <a:ext cx="10515600" cy="1325700"/>
+          </a:xfrm>
+          <a:prstGeom prst="rect">
+            <a:avLst/>
+          </a:prstGeom>
+        </p:spPr>
+        <p:txBody>
+          <a:bodyPr spcFirstLastPara="1" wrap="square" lIns="91425" tIns="45700" rIns="91425" bIns="45700" anchor="ctr" anchorCtr="0">
+            <a:noAutofit/>
+          </a:bodyPr>
+          <a:lstStyle/>
+          <a:p>
+            <a:pPr marL="0" lvl="0" indent="0" algn="l" rtl="0">
+              <a:spcBef>
+                <a:spcPts val="0"/>
+              </a:spcBef>
+              <a:spcAft>
+                <a:spcPts val="0"/>
+              </a:spcAft>
+              <a:buNone/>
+            </a:pPr>
+            <a:r>
+              <a:rPr lang="en-US" sz="4000" dirty="0">
+                <a:latin typeface="EB Garamond"/>
+                <a:ea typeface="EB Garamond"/>
+                <a:cs typeface="EB Garamond"/>
+                <a:sym typeface="EB Garamond"/>
+              </a:rPr>
+              <a:t>DATA SET</a:t>
+            </a:r>
+            <a:endParaRPr sz="4000" dirty="0">
+              <a:latin typeface="EB Garamond"/>
+              <a:ea typeface="EB Garamond"/>
+              <a:cs typeface="EB Garamond"/>
+              <a:sym typeface="EB Garamond"/>
+            </a:endParaRPr>
+          </a:p>
+        </p:txBody>
+      </p:sp>
+      <p:sp>
+        <p:nvSpPr>
+          <p:cNvPr id="201" name="Google Shape;201;p28"/>
+          <p:cNvSpPr txBox="1">
+            <a:spLocks noGrp="1"/>
+          </p:cNvSpPr>
+          <p:nvPr>
+            <p:ph type="body" idx="1"/>
+          </p:nvPr>
+        </p:nvSpPr>
+        <p:spPr>
+          <a:xfrm>
+            <a:off x="681975" y="1388225"/>
+            <a:ext cx="10515600" cy="4351200"/>
+          </a:xfrm>
+          <a:prstGeom prst="rect">
+            <a:avLst/>
+          </a:prstGeom>
+        </p:spPr>
+        <p:txBody>
+          <a:bodyPr spcFirstLastPara="1" wrap="square" lIns="91425" tIns="45700" rIns="91425" bIns="45700" anchor="t" anchorCtr="0">
+            <a:noAutofit/>
+          </a:bodyPr>
+          <a:lstStyle/>
+          <a:p>
+            <a:pPr marL="0" lvl="0" indent="0" algn="l" rtl="0">
+              <a:spcBef>
+                <a:spcPts val="1000"/>
+              </a:spcBef>
+              <a:spcAft>
+                <a:spcPts val="0"/>
+              </a:spcAft>
+              <a:buNone/>
+            </a:pPr>
+            <a:r>
+              <a:rPr lang="en-US" sz="2900" dirty="0">
+                <a:solidFill>
+                  <a:srgbClr val="000000"/>
+                </a:solidFill>
+                <a:latin typeface="EB Garamond"/>
+                <a:ea typeface="EB Garamond"/>
+                <a:cs typeface="EB Garamond"/>
+                <a:sym typeface="EB Garamond"/>
+              </a:rPr>
+              <a:t>Source: Kaggle website</a:t>
+            </a:r>
+          </a:p>
+          <a:p>
+            <a:pPr marL="0" indent="0">
+              <a:buNone/>
+            </a:pPr>
+            <a:r>
+              <a:rPr lang="en-US" sz="1600" dirty="0">
+                <a:hlinkClick r:id="rId3"/>
+              </a:rPr>
+              <a:t>https://www.kaggle.com/code/sathianpong/covid19-economic-effect-on-unemployment</a:t>
+            </a:r>
+            <a:endParaRPr sz="1600" dirty="0">
+              <a:solidFill>
+                <a:srgbClr val="000000"/>
+              </a:solidFill>
+              <a:latin typeface="EB Garamond"/>
+              <a:ea typeface="EB Garamond"/>
+              <a:cs typeface="EB Garamond"/>
+              <a:sym typeface="EB Garamond"/>
+            </a:endParaRPr>
+          </a:p>
+          <a:p>
+            <a:pPr marL="0" lvl="0" indent="0" algn="l" rtl="0">
+              <a:spcBef>
+                <a:spcPts val="1000"/>
+              </a:spcBef>
+              <a:spcAft>
+                <a:spcPts val="0"/>
+              </a:spcAft>
+              <a:buNone/>
+            </a:pPr>
+            <a:r>
+              <a:rPr lang="en-US" sz="2900" dirty="0">
+                <a:solidFill>
+                  <a:srgbClr val="000000"/>
+                </a:solidFill>
+                <a:latin typeface="EB Garamond"/>
+                <a:ea typeface="EB Garamond"/>
+                <a:cs typeface="EB Garamond"/>
+                <a:sym typeface="EB Garamond"/>
+              </a:rPr>
+              <a:t>Datasets: </a:t>
+            </a:r>
+            <a:endParaRPr sz="2900" dirty="0">
+              <a:solidFill>
+                <a:srgbClr val="000000"/>
+              </a:solidFill>
+              <a:latin typeface="EB Garamond"/>
+              <a:ea typeface="EB Garamond"/>
+              <a:cs typeface="EB Garamond"/>
+              <a:sym typeface="EB Garamond"/>
+            </a:endParaRPr>
+          </a:p>
+          <a:p>
+            <a:pPr marL="457200" lvl="0" indent="-412750" algn="l" rtl="0">
+              <a:spcBef>
+                <a:spcPts val="1000"/>
+              </a:spcBef>
+              <a:spcAft>
+                <a:spcPts val="0"/>
+              </a:spcAft>
+              <a:buClr>
+                <a:srgbClr val="000000"/>
+              </a:buClr>
+              <a:buSzPts val="2900"/>
+              <a:buFont typeface="EB Garamond"/>
+              <a:buAutoNum type="arabicPeriod"/>
+            </a:pPr>
+            <a:r>
+              <a:rPr lang="en-US" sz="2900" dirty="0">
+                <a:solidFill>
+                  <a:srgbClr val="000000"/>
+                </a:solidFill>
+                <a:latin typeface="EB Garamond"/>
+                <a:ea typeface="EB Garamond"/>
+                <a:cs typeface="EB Garamond"/>
+                <a:sym typeface="EB Garamond"/>
+              </a:rPr>
+              <a:t>Training Dataset </a:t>
+            </a:r>
+            <a:endParaRPr sz="2900" dirty="0">
+              <a:solidFill>
+                <a:srgbClr val="000000"/>
+              </a:solidFill>
+              <a:latin typeface="EB Garamond"/>
+              <a:ea typeface="EB Garamond"/>
+              <a:cs typeface="EB Garamond"/>
+              <a:sym typeface="EB Garamond"/>
+            </a:endParaRPr>
+          </a:p>
+          <a:p>
+            <a:pPr marL="0" lvl="0" indent="0" algn="l" rtl="0">
+              <a:spcBef>
+                <a:spcPts val="1000"/>
+              </a:spcBef>
+              <a:spcAft>
+                <a:spcPts val="0"/>
+              </a:spcAft>
+              <a:buNone/>
+            </a:pPr>
+            <a:r>
+              <a:rPr lang="en-US" sz="2900" dirty="0">
+                <a:solidFill>
+                  <a:srgbClr val="000000"/>
+                </a:solidFill>
+                <a:latin typeface="EB Garamond"/>
+                <a:ea typeface="EB Garamond"/>
+                <a:cs typeface="EB Garamond"/>
+                <a:sym typeface="EB Garamond"/>
+              </a:rPr>
+              <a:t>        — </a:t>
+            </a:r>
+            <a:r>
+              <a:rPr lang="en-US" sz="2900" dirty="0">
+                <a:solidFill>
+                  <a:srgbClr val="000000"/>
+                </a:solidFill>
+                <a:latin typeface="EB Garamond"/>
+                <a:ea typeface="EB Garamond"/>
+              </a:rPr>
+              <a:t>40334</a:t>
+            </a:r>
+            <a:r>
+              <a:rPr lang="en-US" sz="2900" dirty="0">
+                <a:solidFill>
+                  <a:srgbClr val="000000"/>
+                </a:solidFill>
+                <a:latin typeface="EB Garamond"/>
+                <a:ea typeface="EB Garamond"/>
+                <a:cs typeface="EB Garamond"/>
+                <a:sym typeface="EB Garamond"/>
+              </a:rPr>
+              <a:t> samples of data (80%)</a:t>
+            </a:r>
+            <a:endParaRPr sz="2900" dirty="0">
+              <a:solidFill>
+                <a:srgbClr val="000000"/>
+              </a:solidFill>
+              <a:latin typeface="EB Garamond"/>
+              <a:ea typeface="EB Garamond"/>
+              <a:cs typeface="EB Garamond"/>
+              <a:sym typeface="EB Garamond"/>
+            </a:endParaRPr>
+          </a:p>
+          <a:p>
+            <a:pPr marL="0" lvl="0" indent="0" algn="l" rtl="0">
+              <a:spcBef>
+                <a:spcPts val="1000"/>
+              </a:spcBef>
+              <a:spcAft>
+                <a:spcPts val="0"/>
+              </a:spcAft>
+              <a:buNone/>
+            </a:pPr>
+            <a:r>
+              <a:rPr lang="en-US" sz="2900" dirty="0">
+                <a:solidFill>
+                  <a:srgbClr val="000000"/>
+                </a:solidFill>
+                <a:latin typeface="EB Garamond"/>
+                <a:ea typeface="EB Garamond"/>
+                <a:cs typeface="EB Garamond"/>
+                <a:sym typeface="EB Garamond"/>
+              </a:rPr>
+              <a:t>        — 8 unique features</a:t>
+            </a:r>
+            <a:endParaRPr sz="2900" dirty="0">
+              <a:solidFill>
+                <a:srgbClr val="000000"/>
+              </a:solidFill>
+              <a:latin typeface="EB Garamond"/>
+              <a:ea typeface="EB Garamond"/>
+              <a:cs typeface="EB Garamond"/>
+              <a:sym typeface="EB Garamond"/>
+            </a:endParaRPr>
+          </a:p>
+          <a:p>
+            <a:pPr marL="457200" lvl="0" indent="-412750" algn="l" rtl="0">
+              <a:spcBef>
+                <a:spcPts val="1000"/>
+              </a:spcBef>
+              <a:spcAft>
+                <a:spcPts val="0"/>
+              </a:spcAft>
+              <a:buClr>
+                <a:srgbClr val="000000"/>
+              </a:buClr>
+              <a:buSzPts val="2900"/>
+              <a:buFont typeface="EB Garamond"/>
+              <a:buAutoNum type="arabicPeriod"/>
+            </a:pPr>
+            <a:r>
+              <a:rPr lang="en-US" sz="2900" dirty="0">
+                <a:solidFill>
+                  <a:srgbClr val="000000"/>
+                </a:solidFill>
+                <a:latin typeface="EB Garamond"/>
+                <a:ea typeface="EB Garamond"/>
+                <a:cs typeface="EB Garamond"/>
+                <a:sym typeface="EB Garamond"/>
+              </a:rPr>
+              <a:t>Test Dataset</a:t>
+            </a:r>
+            <a:endParaRPr sz="2900" dirty="0">
+              <a:solidFill>
+                <a:srgbClr val="000000"/>
+              </a:solidFill>
+              <a:latin typeface="EB Garamond"/>
+              <a:ea typeface="EB Garamond"/>
+              <a:cs typeface="EB Garamond"/>
+              <a:sym typeface="EB Garamond"/>
+            </a:endParaRPr>
+          </a:p>
+          <a:p>
+            <a:pPr marL="0" lvl="0" indent="0" algn="l" rtl="0">
+              <a:spcBef>
+                <a:spcPts val="1000"/>
+              </a:spcBef>
+              <a:spcAft>
+                <a:spcPts val="0"/>
+              </a:spcAft>
+              <a:buNone/>
+            </a:pPr>
+            <a:r>
+              <a:rPr lang="en-US" sz="2900" dirty="0">
+                <a:solidFill>
+                  <a:srgbClr val="000000"/>
+                </a:solidFill>
+                <a:latin typeface="EB Garamond"/>
+                <a:ea typeface="EB Garamond"/>
+                <a:cs typeface="EB Garamond"/>
+                <a:sym typeface="EB Garamond"/>
+              </a:rPr>
+              <a:t>         — 10083 samples (20%)</a:t>
+            </a:r>
+            <a:endParaRPr sz="2900" dirty="0">
+              <a:solidFill>
+                <a:srgbClr val="000000"/>
+              </a:solidFill>
+              <a:latin typeface="EB Garamond"/>
+              <a:ea typeface="EB Garamond"/>
+              <a:cs typeface="EB Garamond"/>
+              <a:sym typeface="EB Garamond"/>
+            </a:endParaRPr>
+          </a:p>
+          <a:p>
+            <a:pPr marL="0" lvl="0" indent="0" algn="l" rtl="0">
+              <a:spcBef>
+                <a:spcPts val="1000"/>
+              </a:spcBef>
+              <a:spcAft>
+                <a:spcPts val="0"/>
+              </a:spcAft>
+              <a:buNone/>
+            </a:pPr>
+            <a:r>
+              <a:rPr lang="en-US" sz="2900" dirty="0">
+                <a:solidFill>
+                  <a:srgbClr val="000000"/>
+                </a:solidFill>
+                <a:latin typeface="EB Garamond"/>
+                <a:ea typeface="EB Garamond"/>
+                <a:cs typeface="EB Garamond"/>
+                <a:sym typeface="EB Garamond"/>
+              </a:rPr>
+              <a:t>         — 8 unique features </a:t>
+            </a:r>
+            <a:endParaRPr dirty="0"/>
+          </a:p>
+        </p:txBody>
+      </p:sp>
+      <p:pic>
+        <p:nvPicPr>
+          <p:cNvPr id="3" name="Picture 2">
+            <a:extLst>
+              <a:ext uri="{FF2B5EF4-FFF2-40B4-BE49-F238E27FC236}">
+                <a16:creationId xmlns:a16="http://schemas.microsoft.com/office/drawing/2014/main" id="{D8EF66B2-F1AC-E576-CC28-01E3BDB25CCF}"/>
+              </a:ext>
+            </a:extLst>
+          </p:cNvPr>
+          <p:cNvPicPr>
+            <a:picLocks noChangeAspect="1"/>
+          </p:cNvPicPr>
+          <p:nvPr/>
+        </p:nvPicPr>
+        <p:blipFill>
+          <a:blip r:embed="rId4"/>
+          <a:stretch>
+            <a:fillRect/>
+          </a:stretch>
+        </p:blipFill>
+        <p:spPr>
+          <a:xfrm>
+            <a:off x="6410341" y="2429425"/>
+            <a:ext cx="5601185" cy="1760373"/>
+          </a:xfrm>
+          <a:prstGeom prst="rect">
+            <a:avLst/>
+          </a:prstGeom>
+        </p:spPr>
+      </p:pic>
+    </p:spTree>
+  </p:cSld>
+  <p:clrMapOvr>
+    <a:masterClrMapping/>
+  </p:clrMapOvr>
+</p:sld>
+</file>
+
+<file path=ppt/slides/slide12.xml><?xml version="1.0" encoding="utf-8"?>
+<p:sld xmlns:a="http://schemas.openxmlformats.org/drawingml/2006/main" xmlns:r="http://schemas.openxmlformats.org/officeDocument/2006/relationships" xmlns:p="http://schemas.openxmlformats.org/presentationml/2006/main">
+  <p:cSld>
+    <p:spTree>
+      <p:nvGrpSpPr>
+        <p:cNvPr id="1" name="Shape 207"/>
+        <p:cNvGrpSpPr/>
+        <p:nvPr/>
+      </p:nvGrpSpPr>
+      <p:grpSpPr>
+        <a:xfrm>
+          <a:off x="0" y="0"/>
+          <a:ext cx="0" cy="0"/>
+          <a:chOff x="0" y="0"/>
+          <a:chExt cx="0" cy="0"/>
+        </a:xfrm>
+      </p:grpSpPr>
+      <p:sp>
+        <p:nvSpPr>
+          <p:cNvPr id="208" name="Google Shape;208;p29"/>
+          <p:cNvSpPr txBox="1">
+            <a:spLocks noGrp="1"/>
+          </p:cNvSpPr>
+          <p:nvPr>
+            <p:ph type="title"/>
+          </p:nvPr>
+        </p:nvSpPr>
+        <p:spPr>
+          <a:xfrm>
+            <a:off x="838200" y="365125"/>
+            <a:ext cx="10515600" cy="1325700"/>
+          </a:xfrm>
+          <a:prstGeom prst="rect">
+            <a:avLst/>
+          </a:prstGeom>
+        </p:spPr>
+        <p:txBody>
+          <a:bodyPr spcFirstLastPara="1" wrap="square" lIns="91425" tIns="45700" rIns="91425" bIns="45700" anchor="ctr" anchorCtr="0">
+            <a:noAutofit/>
+          </a:bodyPr>
+          <a:lstStyle/>
+          <a:p>
+            <a:pPr marL="0" lvl="0" indent="0" algn="l" rtl="0">
+              <a:spcBef>
+                <a:spcPts val="0"/>
+              </a:spcBef>
+              <a:spcAft>
+                <a:spcPts val="0"/>
+              </a:spcAft>
+              <a:buNone/>
+            </a:pPr>
+            <a:r>
+              <a:rPr lang="en-US" sz="3500">
+                <a:latin typeface="EB Garamond"/>
+                <a:ea typeface="EB Garamond"/>
+                <a:cs typeface="EB Garamond"/>
+                <a:sym typeface="EB Garamond"/>
+              </a:rPr>
+              <a:t>Data Features</a:t>
+            </a:r>
+            <a:endParaRPr sz="3500">
+              <a:latin typeface="EB Garamond"/>
+              <a:ea typeface="EB Garamond"/>
+              <a:cs typeface="EB Garamond"/>
+              <a:sym typeface="EB Garamond"/>
+            </a:endParaRPr>
+          </a:p>
+        </p:txBody>
+      </p:sp>
+      <p:sp>
+        <p:nvSpPr>
+          <p:cNvPr id="209" name="Google Shape;209;p29"/>
+          <p:cNvSpPr txBox="1">
+            <a:spLocks noGrp="1"/>
+          </p:cNvSpPr>
+          <p:nvPr>
+            <p:ph type="body" idx="1"/>
+          </p:nvPr>
+        </p:nvSpPr>
+        <p:spPr>
+          <a:xfrm>
+            <a:off x="838200" y="1253400"/>
+            <a:ext cx="10515600" cy="4351200"/>
+          </a:xfrm>
+          <a:prstGeom prst="rect">
+            <a:avLst/>
+          </a:prstGeom>
+        </p:spPr>
+        <p:txBody>
+          <a:bodyPr spcFirstLastPara="1" wrap="square" lIns="91425" tIns="45700" rIns="91425" bIns="45700" anchor="t" anchorCtr="0">
+            <a:noAutofit/>
+          </a:bodyPr>
+          <a:lstStyle/>
+          <a:p>
+            <a:pPr marL="0" lvl="0" indent="0" algn="just" rtl="0">
+              <a:lnSpc>
+                <a:spcPct val="115000"/>
+              </a:lnSpc>
+              <a:spcBef>
+                <a:spcPts val="1200"/>
+              </a:spcBef>
+              <a:spcAft>
+                <a:spcPts val="0"/>
+              </a:spcAft>
+              <a:buNone/>
+            </a:pPr>
+            <a:r>
+              <a:rPr lang="en-US" sz="2700" dirty="0">
+                <a:solidFill>
+                  <a:schemeClr val="dk1"/>
+                </a:solidFill>
+                <a:latin typeface="EB Garamond"/>
+                <a:ea typeface="EB Garamond"/>
+                <a:cs typeface="EB Garamond"/>
+                <a:sym typeface="EB Garamond"/>
+              </a:rPr>
+              <a:t>ISO_CODE: </a:t>
+            </a:r>
+            <a:r>
+              <a:rPr lang="en-US" sz="2700" b="0" dirty="0">
+                <a:solidFill>
+                  <a:schemeClr val="dk1"/>
+                </a:solidFill>
+                <a:latin typeface="EB Garamond"/>
+                <a:ea typeface="EB Garamond"/>
+                <a:cs typeface="EB Garamond"/>
+                <a:sym typeface="EB Garamond"/>
+              </a:rPr>
+              <a:t>Country code in short form.</a:t>
+            </a:r>
+            <a:endParaRPr sz="2700" b="0" dirty="0">
+              <a:solidFill>
+                <a:schemeClr val="dk1"/>
+              </a:solidFill>
+              <a:latin typeface="EB Garamond"/>
+              <a:ea typeface="EB Garamond"/>
+              <a:cs typeface="EB Garamond"/>
+              <a:sym typeface="EB Garamond"/>
+            </a:endParaRPr>
+          </a:p>
+          <a:p>
+            <a:pPr marL="0" lvl="0" indent="0" algn="just" rtl="0">
+              <a:lnSpc>
+                <a:spcPct val="115000"/>
+              </a:lnSpc>
+              <a:spcBef>
+                <a:spcPts val="1200"/>
+              </a:spcBef>
+              <a:spcAft>
+                <a:spcPts val="0"/>
+              </a:spcAft>
+              <a:buNone/>
+            </a:pPr>
+            <a:r>
+              <a:rPr lang="en-US" sz="2700" dirty="0">
+                <a:solidFill>
+                  <a:schemeClr val="dk1"/>
+                </a:solidFill>
+                <a:latin typeface="EB Garamond"/>
+                <a:ea typeface="EB Garamond"/>
+                <a:cs typeface="EB Garamond"/>
+                <a:sym typeface="EB Garamond"/>
+              </a:rPr>
+              <a:t>Location: </a:t>
+            </a:r>
+            <a:r>
+              <a:rPr lang="en-US" sz="2700" b="0" dirty="0">
+                <a:solidFill>
+                  <a:schemeClr val="dk1"/>
+                </a:solidFill>
+                <a:latin typeface="EB Garamond"/>
+                <a:ea typeface="EB Garamond"/>
+                <a:cs typeface="EB Garamond"/>
+                <a:sym typeface="EB Garamond"/>
+              </a:rPr>
+              <a:t>Country name. </a:t>
+            </a:r>
+            <a:endParaRPr sz="2700" dirty="0">
+              <a:solidFill>
+                <a:schemeClr val="dk1"/>
+              </a:solidFill>
+              <a:latin typeface="EB Garamond"/>
+              <a:ea typeface="EB Garamond"/>
+              <a:cs typeface="EB Garamond"/>
+              <a:sym typeface="EB Garamond"/>
+            </a:endParaRPr>
+          </a:p>
+          <a:p>
+            <a:pPr marL="0" lvl="0" indent="0" algn="just" rtl="0">
+              <a:lnSpc>
+                <a:spcPct val="115000"/>
+              </a:lnSpc>
+              <a:spcBef>
+                <a:spcPts val="1200"/>
+              </a:spcBef>
+              <a:spcAft>
+                <a:spcPts val="0"/>
+              </a:spcAft>
+              <a:buNone/>
+            </a:pPr>
+            <a:r>
+              <a:rPr lang="en-US" sz="2700" dirty="0">
+                <a:solidFill>
+                  <a:schemeClr val="dk1"/>
+                </a:solidFill>
+                <a:latin typeface="EB Garamond"/>
+                <a:ea typeface="EB Garamond"/>
+                <a:cs typeface="EB Garamond"/>
+                <a:sym typeface="EB Garamond"/>
+              </a:rPr>
+              <a:t>Date:</a:t>
+            </a:r>
+            <a:r>
+              <a:rPr lang="en-US" sz="2700" b="0" dirty="0">
+                <a:solidFill>
+                  <a:schemeClr val="dk1"/>
+                </a:solidFill>
+                <a:latin typeface="EB Garamond"/>
+                <a:ea typeface="EB Garamond"/>
+                <a:cs typeface="EB Garamond"/>
+                <a:sym typeface="EB Garamond"/>
+              </a:rPr>
+              <a:t> The date on which the total deaths and other values are recorded. </a:t>
+            </a:r>
+            <a:endParaRPr sz="2700" b="0" dirty="0">
+              <a:solidFill>
+                <a:schemeClr val="dk1"/>
+              </a:solidFill>
+              <a:latin typeface="EB Garamond"/>
+              <a:ea typeface="EB Garamond"/>
+              <a:cs typeface="EB Garamond"/>
+              <a:sym typeface="EB Garamond"/>
+            </a:endParaRPr>
+          </a:p>
+          <a:p>
+            <a:pPr marL="0" lvl="0" indent="0" algn="just" rtl="0">
+              <a:lnSpc>
+                <a:spcPct val="115000"/>
+              </a:lnSpc>
+              <a:spcBef>
+                <a:spcPts val="1200"/>
+              </a:spcBef>
+              <a:spcAft>
+                <a:spcPts val="0"/>
+              </a:spcAft>
+              <a:buNone/>
+            </a:pPr>
+            <a:r>
+              <a:rPr lang="en-US" sz="2700" dirty="0" err="1">
+                <a:solidFill>
+                  <a:schemeClr val="dk1"/>
+                </a:solidFill>
+                <a:latin typeface="EB Garamond"/>
+                <a:ea typeface="EB Garamond"/>
+                <a:cs typeface="EB Garamond"/>
+                <a:sym typeface="EB Garamond"/>
+              </a:rPr>
+              <a:t>Total_cases</a:t>
+            </a:r>
+            <a:r>
+              <a:rPr lang="en-US" sz="2700" dirty="0">
+                <a:solidFill>
+                  <a:schemeClr val="dk1"/>
+                </a:solidFill>
+                <a:latin typeface="EB Garamond"/>
+                <a:ea typeface="EB Garamond"/>
+                <a:cs typeface="EB Garamond"/>
+                <a:sym typeface="EB Garamond"/>
+              </a:rPr>
+              <a:t>: </a:t>
+            </a:r>
+            <a:r>
+              <a:rPr lang="en-US" sz="2700" b="0" dirty="0">
+                <a:solidFill>
+                  <a:schemeClr val="dk1"/>
+                </a:solidFill>
+                <a:latin typeface="EB Garamond"/>
+                <a:ea typeface="EB Garamond"/>
+                <a:cs typeface="EB Garamond"/>
+                <a:sym typeface="EB Garamond"/>
+              </a:rPr>
+              <a:t>Number of cases recorded.</a:t>
+            </a:r>
+          </a:p>
+          <a:p>
+            <a:pPr marL="0" lvl="0" indent="0" algn="just" rtl="0">
+              <a:lnSpc>
+                <a:spcPct val="115000"/>
+              </a:lnSpc>
+              <a:spcBef>
+                <a:spcPts val="1200"/>
+              </a:spcBef>
+              <a:spcAft>
+                <a:spcPts val="0"/>
+              </a:spcAft>
+              <a:buNone/>
+            </a:pPr>
+            <a:r>
+              <a:rPr lang="en-US" sz="2700" dirty="0" err="1">
+                <a:solidFill>
+                  <a:schemeClr val="dk1"/>
+                </a:solidFill>
+                <a:latin typeface="EB Garamond"/>
+                <a:ea typeface="EB Garamond"/>
+                <a:sym typeface="EB Garamond"/>
+              </a:rPr>
+              <a:t>Total_deaths</a:t>
+            </a:r>
+            <a:r>
+              <a:rPr lang="en-US" sz="2700" b="0" dirty="0">
+                <a:solidFill>
+                  <a:schemeClr val="dk1"/>
+                </a:solidFill>
+                <a:latin typeface="EB Garamond"/>
+                <a:ea typeface="EB Garamond"/>
+                <a:cs typeface="EB Garamond"/>
+                <a:sym typeface="EB Garamond"/>
+              </a:rPr>
+              <a:t>: Number of deaths recorded.</a:t>
+            </a:r>
+          </a:p>
+          <a:p>
+            <a:pPr marL="0" lvl="0" indent="0" algn="l" rtl="0">
+              <a:spcBef>
+                <a:spcPts val="1200"/>
+              </a:spcBef>
+              <a:spcAft>
+                <a:spcPts val="0"/>
+              </a:spcAft>
+              <a:buNone/>
+            </a:pPr>
+            <a:endParaRPr sz="2500" b="0" dirty="0">
+              <a:solidFill>
+                <a:schemeClr val="dk1"/>
+              </a:solidFill>
+              <a:latin typeface="EB Garamond"/>
+              <a:ea typeface="EB Garamond"/>
+              <a:cs typeface="EB Garamond"/>
+              <a:sym typeface="EB Garamond"/>
+            </a:endParaRPr>
+          </a:p>
+        </p:txBody>
+      </p:sp>
+    </p:spTree>
+  </p:cSld>
+  <p:clrMapOvr>
+    <a:masterClrMapping/>
+  </p:clrMapOvr>
+</p:sld>
+</file>
+
+<file path=ppt/slides/slide13.xml><?xml version="1.0" encoding="utf-8"?>
+<p:sld xmlns:a="http://schemas.openxmlformats.org/drawingml/2006/main" xmlns:r="http://schemas.openxmlformats.org/officeDocument/2006/relationships" xmlns:p="http://schemas.openxmlformats.org/presentationml/2006/main">
+  <p:cSld>
+    <p:spTree>
+      <p:nvGrpSpPr>
+        <p:cNvPr id="1" name="Shape 214"/>
+        <p:cNvGrpSpPr/>
+        <p:nvPr/>
+      </p:nvGrpSpPr>
+      <p:grpSpPr>
+        <a:xfrm>
+          <a:off x="0" y="0"/>
+          <a:ext cx="0" cy="0"/>
+          <a:chOff x="0" y="0"/>
+          <a:chExt cx="0" cy="0"/>
+        </a:xfrm>
+      </p:grpSpPr>
+      <p:sp>
+        <p:nvSpPr>
+          <p:cNvPr id="215" name="Google Shape;215;p30"/>
+          <p:cNvSpPr txBox="1">
+            <a:spLocks noGrp="1"/>
+          </p:cNvSpPr>
+          <p:nvPr>
+            <p:ph type="body" idx="1"/>
+          </p:nvPr>
+        </p:nvSpPr>
+        <p:spPr>
+          <a:xfrm>
+            <a:off x="838200" y="517075"/>
+            <a:ext cx="10940700" cy="5659800"/>
+          </a:xfrm>
+          <a:prstGeom prst="rect">
+            <a:avLst/>
+          </a:prstGeom>
+        </p:spPr>
+        <p:txBody>
+          <a:bodyPr spcFirstLastPara="1" wrap="square" lIns="91425" tIns="45700" rIns="91425" bIns="45700" anchor="t" anchorCtr="0">
+            <a:noAutofit/>
+          </a:bodyPr>
+          <a:lstStyle/>
+          <a:p>
+            <a:pPr marL="0" indent="0" algn="just">
+              <a:lnSpc>
+                <a:spcPct val="115000"/>
+              </a:lnSpc>
+              <a:spcBef>
+                <a:spcPts val="1200"/>
+              </a:spcBef>
+              <a:buClr>
+                <a:schemeClr val="dk1"/>
+              </a:buClr>
+              <a:buSzPts val="1100"/>
+              <a:buNone/>
+            </a:pPr>
+            <a:r>
+              <a:rPr lang="en-US" sz="2700" dirty="0" err="1">
+                <a:solidFill>
+                  <a:schemeClr val="dk1"/>
+                </a:solidFill>
+                <a:latin typeface="EB Garamond"/>
+                <a:ea typeface="EB Garamond"/>
+              </a:rPr>
+              <a:t>stringency_index</a:t>
+            </a:r>
+            <a:r>
+              <a:rPr lang="en-US" sz="2700" dirty="0">
+                <a:solidFill>
+                  <a:schemeClr val="dk1"/>
+                </a:solidFill>
+                <a:latin typeface="EB Garamond"/>
+                <a:ea typeface="EB Garamond"/>
+              </a:rPr>
+              <a:t> </a:t>
+            </a:r>
+            <a:r>
+              <a:rPr lang="en-US" sz="2700" b="0" dirty="0">
+                <a:solidFill>
+                  <a:schemeClr val="dk1"/>
+                </a:solidFill>
+                <a:latin typeface="EB Garamond"/>
+                <a:ea typeface="EB Garamond"/>
+                <a:sym typeface="EB Garamond"/>
+              </a:rPr>
+              <a:t>: The stringency index is a composite metric based on nine reaction indicators, such as closures of schools, businesses, and airports, and is rescaled to a number between 0 and 100.</a:t>
+            </a:r>
+            <a:endParaRPr lang="en-US" sz="2700" dirty="0">
+              <a:solidFill>
+                <a:schemeClr val="dk1"/>
+              </a:solidFill>
+              <a:latin typeface="EB Garamond"/>
+              <a:ea typeface="EB Garamond"/>
+            </a:endParaRPr>
+          </a:p>
+          <a:p>
+            <a:pPr marL="0" indent="0" algn="just">
+              <a:lnSpc>
+                <a:spcPct val="115000"/>
+              </a:lnSpc>
+              <a:spcBef>
+                <a:spcPts val="1200"/>
+              </a:spcBef>
+              <a:buClr>
+                <a:schemeClr val="dk1"/>
+              </a:buClr>
+              <a:buSzPts val="1100"/>
+              <a:buNone/>
+            </a:pPr>
+            <a:r>
+              <a:rPr lang="en-US" sz="2700" dirty="0">
+                <a:solidFill>
+                  <a:schemeClr val="dk1"/>
+                </a:solidFill>
+                <a:latin typeface="EB Garamond"/>
+                <a:ea typeface="EB Garamond"/>
+              </a:rPr>
+              <a:t>population</a:t>
+            </a:r>
+            <a:r>
+              <a:rPr lang="en-US" sz="2000" dirty="0"/>
+              <a:t> </a:t>
+            </a:r>
+            <a:r>
+              <a:rPr lang="en-US" sz="2700" b="0" dirty="0">
+                <a:solidFill>
+                  <a:schemeClr val="dk1"/>
+                </a:solidFill>
+                <a:latin typeface="EB Garamond"/>
+                <a:ea typeface="EB Garamond"/>
+                <a:sym typeface="EB Garamond"/>
+              </a:rPr>
+              <a:t>: The country population on that day</a:t>
+            </a:r>
+            <a:r>
+              <a:rPr lang="en-US" sz="2700" b="0" dirty="0">
+                <a:solidFill>
+                  <a:schemeClr val="dk1"/>
+                </a:solidFill>
+                <a:latin typeface="EB Garamond"/>
+                <a:ea typeface="EB Garamond"/>
+                <a:cs typeface="EB Garamond"/>
+                <a:sym typeface="EB Garamond"/>
+              </a:rPr>
+              <a:t> </a:t>
+            </a:r>
+            <a:endParaRPr lang="en-US" sz="2700" dirty="0">
+              <a:solidFill>
+                <a:schemeClr val="dk1"/>
+              </a:solidFill>
+              <a:latin typeface="EB Garamond"/>
+              <a:ea typeface="EB Garamond"/>
+            </a:endParaRPr>
+          </a:p>
+          <a:p>
+            <a:pPr marL="0" lvl="0" indent="0" algn="just" rtl="0">
+              <a:lnSpc>
+                <a:spcPct val="115000"/>
+              </a:lnSpc>
+              <a:spcBef>
+                <a:spcPts val="1200"/>
+              </a:spcBef>
+              <a:spcAft>
+                <a:spcPts val="0"/>
+              </a:spcAft>
+              <a:buClr>
+                <a:schemeClr val="dk1"/>
+              </a:buClr>
+              <a:buSzPts val="1100"/>
+              <a:buFont typeface="Arial"/>
+              <a:buNone/>
+            </a:pPr>
+            <a:r>
+              <a:rPr lang="en-US" sz="2700" dirty="0" err="1">
+                <a:solidFill>
+                  <a:schemeClr val="dk1"/>
+                </a:solidFill>
+                <a:latin typeface="EB Garamond"/>
+                <a:ea typeface="EB Garamond"/>
+              </a:rPr>
+              <a:t>gdp_per_capita</a:t>
+            </a:r>
+            <a:r>
+              <a:rPr lang="en-US" sz="2700" dirty="0">
+                <a:solidFill>
+                  <a:schemeClr val="dk1"/>
+                </a:solidFill>
+                <a:latin typeface="EB Garamond"/>
+                <a:ea typeface="EB Garamond"/>
+              </a:rPr>
+              <a:t> </a:t>
+            </a:r>
+            <a:r>
+              <a:rPr lang="en-US" sz="2600" dirty="0">
+                <a:solidFill>
+                  <a:schemeClr val="dk1"/>
+                </a:solidFill>
+                <a:latin typeface="EB Garamond"/>
+                <a:ea typeface="EB Garamond"/>
+                <a:cs typeface="EB Garamond"/>
+                <a:sym typeface="EB Garamond"/>
+              </a:rPr>
+              <a:t>:</a:t>
+            </a:r>
+            <a:r>
+              <a:rPr lang="en-US" sz="2600" b="0" dirty="0">
+                <a:solidFill>
+                  <a:schemeClr val="dk1"/>
+                </a:solidFill>
+                <a:latin typeface="EB Garamond"/>
+                <a:ea typeface="EB Garamond"/>
+                <a:cs typeface="EB Garamond"/>
+                <a:sym typeface="EB Garamond"/>
+              </a:rPr>
+              <a:t> The GDP of that country. </a:t>
+            </a:r>
+            <a:endParaRPr sz="2600" b="0" dirty="0">
+              <a:solidFill>
+                <a:schemeClr val="dk1"/>
+              </a:solidFill>
+              <a:latin typeface="EB Garamond"/>
+              <a:ea typeface="EB Garamond"/>
+              <a:cs typeface="EB Garamond"/>
+              <a:sym typeface="EB Garamond"/>
+            </a:endParaRPr>
+          </a:p>
+          <a:p>
+            <a:pPr marL="0" lvl="0" indent="0" algn="just" rtl="0">
+              <a:lnSpc>
+                <a:spcPct val="115000"/>
+              </a:lnSpc>
+              <a:spcBef>
+                <a:spcPts val="1200"/>
+              </a:spcBef>
+              <a:spcAft>
+                <a:spcPts val="0"/>
+              </a:spcAft>
+              <a:buClr>
+                <a:schemeClr val="dk1"/>
+              </a:buClr>
+              <a:buSzPts val="1100"/>
+              <a:buFont typeface="Arial"/>
+              <a:buNone/>
+            </a:pPr>
+            <a:r>
+              <a:rPr lang="en-US" sz="2700" dirty="0" err="1">
+                <a:solidFill>
+                  <a:schemeClr val="dk1"/>
+                </a:solidFill>
+                <a:latin typeface="EB Garamond"/>
+                <a:ea typeface="EB Garamond"/>
+              </a:rPr>
+              <a:t>human_development_index</a:t>
+            </a:r>
+            <a:r>
+              <a:rPr lang="en-US" sz="2700" dirty="0">
+                <a:solidFill>
+                  <a:schemeClr val="dk1"/>
+                </a:solidFill>
+                <a:latin typeface="EB Garamond"/>
+                <a:ea typeface="EB Garamond"/>
+              </a:rPr>
+              <a:t> </a:t>
+            </a:r>
+            <a:r>
+              <a:rPr lang="en-US" sz="2600" dirty="0">
+                <a:solidFill>
+                  <a:schemeClr val="dk1"/>
+                </a:solidFill>
+                <a:latin typeface="EB Garamond"/>
+                <a:ea typeface="EB Garamond"/>
+                <a:cs typeface="EB Garamond"/>
+                <a:sym typeface="EB Garamond"/>
+              </a:rPr>
+              <a:t>: </a:t>
+            </a:r>
+            <a:r>
+              <a:rPr lang="en-US" sz="2600" b="0" dirty="0">
+                <a:solidFill>
+                  <a:schemeClr val="dk1"/>
+                </a:solidFill>
+                <a:latin typeface="EB Garamond"/>
+                <a:ea typeface="EB Garamond"/>
+                <a:cs typeface="EB Garamond"/>
+                <a:sym typeface="EB Garamond"/>
+              </a:rPr>
+              <a:t>The Human Development Index ranks nations into four levels of human development based on statistics related to life expectancy, education, and per capita income.</a:t>
+            </a:r>
+            <a:endParaRPr sz="2600" b="0" dirty="0">
+              <a:solidFill>
+                <a:schemeClr val="dk1"/>
+              </a:solidFill>
+              <a:latin typeface="EB Garamond"/>
+              <a:ea typeface="EB Garamond"/>
+              <a:cs typeface="EB Garamond"/>
+              <a:sym typeface="EB Garamond"/>
+            </a:endParaRPr>
+          </a:p>
+        </p:txBody>
+      </p:sp>
+    </p:spTree>
+  </p:cSld>
+  <p:clrMapOvr>
+    <a:masterClrMapping/>
+  </p:clrMapOvr>
+</p:sld>
+</file>
+
+<file path=ppt/slides/slide14.xml><?xml version="1.0" encoding="utf-8"?>
+<p:sld xmlns:a="http://schemas.openxmlformats.org/drawingml/2006/main" xmlns:r="http://schemas.openxmlformats.org/officeDocument/2006/relationships" xmlns:p="http://schemas.openxmlformats.org/presentationml/2006/main">
+  <p:cSld>
+    <p:spTree>
+      <p:nvGrpSpPr>
+        <p:cNvPr id="1" name="Shape 193"/>
+        <p:cNvGrpSpPr/>
+        <p:nvPr/>
+      </p:nvGrpSpPr>
+      <p:grpSpPr>
+        <a:xfrm>
+          <a:off x="0" y="0"/>
+          <a:ext cx="0" cy="0"/>
+          <a:chOff x="0" y="0"/>
+          <a:chExt cx="0" cy="0"/>
+        </a:xfrm>
+      </p:grpSpPr>
+      <p:sp>
+        <p:nvSpPr>
+          <p:cNvPr id="194" name="Google Shape;194;p27"/>
+          <p:cNvSpPr txBox="1">
+            <a:spLocks noGrp="1"/>
+          </p:cNvSpPr>
+          <p:nvPr>
+            <p:ph type="ctrTitle"/>
+          </p:nvPr>
+        </p:nvSpPr>
+        <p:spPr>
+          <a:xfrm>
+            <a:off x="716075" y="1687500"/>
+            <a:ext cx="11060400" cy="2140200"/>
+          </a:xfrm>
+          <a:prstGeom prst="rect">
+            <a:avLst/>
+          </a:prstGeom>
+          <a:noFill/>
+          <a:ln>
+            <a:noFill/>
+          </a:ln>
+        </p:spPr>
+        <p:txBody>
+          <a:bodyPr spcFirstLastPara="1" wrap="square" lIns="91425" tIns="45700" rIns="91425" bIns="45700" anchor="b" anchorCtr="0">
+            <a:noAutofit/>
+          </a:bodyPr>
+          <a:lstStyle/>
+          <a:p>
+            <a:pPr marL="0" lvl="0" indent="0" algn="ctr" rtl="0">
+              <a:lnSpc>
+                <a:spcPct val="90000"/>
+              </a:lnSpc>
+              <a:spcBef>
+                <a:spcPts val="0"/>
+              </a:spcBef>
+              <a:spcAft>
+                <a:spcPts val="0"/>
+              </a:spcAft>
+              <a:buClr>
+                <a:schemeClr val="lt1"/>
+              </a:buClr>
+              <a:buSzPts val="4400"/>
+              <a:buFont typeface="Arial"/>
+              <a:buNone/>
+            </a:pPr>
+            <a:r>
+              <a:rPr lang="en-US" sz="6500" b="0" dirty="0">
+                <a:latin typeface="EB Garamond ExtraBold"/>
+                <a:ea typeface="EB Garamond ExtraBold"/>
+                <a:cs typeface="EB Garamond ExtraBold"/>
+                <a:sym typeface="EB Garamond ExtraBold"/>
+              </a:rPr>
+              <a:t>MILESTONE 2</a:t>
+            </a:r>
+            <a:endParaRPr sz="6500" b="0" dirty="0">
+              <a:latin typeface="EB Garamond ExtraBold"/>
+              <a:ea typeface="EB Garamond ExtraBold"/>
+              <a:cs typeface="EB Garamond ExtraBold"/>
+              <a:sym typeface="EB Garamond ExtraBold"/>
+            </a:endParaRPr>
+          </a:p>
+        </p:txBody>
+      </p:sp>
+    </p:spTree>
+    <p:extLst>
+      <p:ext uri="{BB962C8B-B14F-4D97-AF65-F5344CB8AC3E}">
+        <p14:creationId xmlns:p14="http://schemas.microsoft.com/office/powerpoint/2010/main" val="3016012440"/>
+      </p:ext>
+    </p:extLst>
+  </p:cSld>
+  <p:clrMapOvr>
+    <a:masterClrMapping/>
+  </p:clrMapOvr>
+</p:sld>
+</file>
+
+<file path=ppt/slides/slide15.xml><?xml version="1.0" encoding="utf-8"?>
 <p:sld xmlns:a="http://schemas.openxmlformats.org/drawingml/2006/main" xmlns:r="http://schemas.openxmlformats.org/officeDocument/2006/relationships" xmlns:p="http://schemas.openxmlformats.org/presentationml/2006/main">
   <p:cSld>
     <p:spTree>
@@ -10419,7 +13584,7 @@
           <p:cNvPr id="2" name="Title 1">
             <a:extLst>
               <a:ext uri="{FF2B5EF4-FFF2-40B4-BE49-F238E27FC236}">
-                <a16:creationId xmlns:a16="http://schemas.microsoft.com/office/drawing/2014/main" id="{7CA4AFFB-3857-8BB7-A885-460B1A7A5CFD}"/>
+                <a16:creationId xmlns:a16="http://schemas.microsoft.com/office/drawing/2014/main" id="{C15A56B0-5D81-9181-C8F4-6758D3A4E151}"/>
               </a:ext>
             </a:extLst>
           </p:cNvPr>
@@ -10430,14 +13595,19 @@
             <p:ph type="title"/>
           </p:nvPr>
         </p:nvSpPr>
-        <p:spPr/>
+        <p:spPr>
+          <a:xfrm>
+            <a:off x="838199" y="365125"/>
+            <a:ext cx="9870247" cy="1199321"/>
+          </a:xfrm>
+        </p:spPr>
         <p:txBody>
           <a:bodyPr/>
           <a:lstStyle/>
           <a:p>
             <a:r>
               <a:rPr lang="en-US" dirty="0"/>
-              <a:t>Machine Learning Algorithms 	</a:t>
+              <a:t>Data Analysis</a:t>
             </a:r>
           </a:p>
         </p:txBody>
@@ -10447,7 +13617,7 @@
           <p:cNvPr id="3" name="Text Placeholder 2">
             <a:extLst>
               <a:ext uri="{FF2B5EF4-FFF2-40B4-BE49-F238E27FC236}">
-                <a16:creationId xmlns:a16="http://schemas.microsoft.com/office/drawing/2014/main" id="{1A7F1A04-F16A-CD20-FC4F-B7B7BBB7720D}"/>
+                <a16:creationId xmlns:a16="http://schemas.microsoft.com/office/drawing/2014/main" id="{085D2F6A-BCFC-CCD4-6363-26037232B9A3}"/>
               </a:ext>
             </a:extLst>
           </p:cNvPr>
@@ -10458,7 +13628,12 @@
             <p:ph type="body" idx="1"/>
           </p:nvPr>
         </p:nvSpPr>
-        <p:spPr/>
+        <p:spPr>
+          <a:xfrm>
+            <a:off x="838200" y="1421437"/>
+            <a:ext cx="10515600" cy="4755526"/>
+          </a:xfrm>
+        </p:spPr>
         <p:txBody>
           <a:bodyPr/>
           <a:lstStyle/>
@@ -10466,54 +13641,94 @@
             <a:pPr marL="76200" indent="0">
               <a:buNone/>
             </a:pPr>
+            <a:endParaRPr lang="en-US" dirty="0"/>
+          </a:p>
+          <a:p>
+            <a:pPr marL="76200" indent="0">
+              <a:buNone/>
+            </a:pPr>
+            <a:endParaRPr lang="en-US" dirty="0"/>
+          </a:p>
+          <a:p>
+            <a:pPr marL="76200" indent="0">
+              <a:buNone/>
+            </a:pPr>
+            <a:endParaRPr lang="en-US" dirty="0"/>
+          </a:p>
+          <a:p>
+            <a:pPr marL="76200" indent="0">
+              <a:buNone/>
+            </a:pPr>
+            <a:endParaRPr lang="en-US" dirty="0"/>
+          </a:p>
+          <a:p>
+            <a:pPr marL="76200" indent="0">
+              <a:buNone/>
+            </a:pPr>
+            <a:endParaRPr lang="en-US" dirty="0"/>
+          </a:p>
+          <a:p>
+            <a:pPr marL="76200" indent="0">
+              <a:buNone/>
+            </a:pPr>
+            <a:endParaRPr lang="en-US" dirty="0"/>
+          </a:p>
+          <a:p>
+            <a:pPr marL="76200" indent="0">
+              <a:buNone/>
+            </a:pPr>
+            <a:endParaRPr lang="en-US" dirty="0"/>
+          </a:p>
+          <a:p>
+            <a:pPr marL="76200" indent="0">
+              <a:buNone/>
+            </a:pPr>
+            <a:endParaRPr lang="en-US" dirty="0"/>
+          </a:p>
+          <a:p>
+            <a:pPr marL="76200" indent="0">
+              <a:buNone/>
+            </a:pPr>
             <a:r>
               <a:rPr lang="en-US" dirty="0"/>
-              <a:t>Linear Regression:</a:t>
-            </a:r>
-          </a:p>
-          <a:p>
-            <a:pPr marL="76200" indent="0">
-              <a:buNone/>
-            </a:pPr>
-            <a:r>
-              <a:rPr lang="en-US" sz="2000" b="0" dirty="0">
-                <a:solidFill>
-                  <a:srgbClr val="222222"/>
-                </a:solidFill>
-                <a:latin typeface="Arial" panose="020B0604020202020204" pitchFamily="34" charset="0"/>
-              </a:rPr>
-              <a:t>The link between two or more variables can be modeled using this straightforward but efficient algorithm. It might be applied to forecast how Covid-19 cases and associated policy actions will affect GDP and unemployment rates.</a:t>
-            </a:r>
-          </a:p>
-          <a:p>
-            <a:pPr marL="76200" indent="0">
-              <a:buNone/>
-            </a:pPr>
-            <a:r>
-              <a:rPr lang="en-US" dirty="0"/>
-              <a:t>Random Forest:</a:t>
-            </a:r>
-          </a:p>
-          <a:p>
-            <a:pPr marL="76200" indent="0">
-              <a:buNone/>
-            </a:pPr>
-            <a:r>
-              <a:rPr lang="en-US" sz="2000" b="0" dirty="0">
-                <a:solidFill>
-                  <a:srgbClr val="222222"/>
-                </a:solidFill>
-                <a:latin typeface="Arial" panose="020B0604020202020204" pitchFamily="34" charset="0"/>
-              </a:rPr>
-              <a:t>An ensemble technique mixes different decision trees to increase the precision of predictions. By considering a number of variables associated to Covid-19 instances and relevant policy actions, it could be utilized to produce projections of GDP and unemployment rates that are more accurate.</a:t>
+              <a:t>Country and the deaths reported </a:t>
             </a:r>
           </a:p>
         </p:txBody>
       </p:sp>
+      <p:pic>
+        <p:nvPicPr>
+          <p:cNvPr id="5" name="Picture 4">
+            <a:extLst>
+              <a:ext uri="{FF2B5EF4-FFF2-40B4-BE49-F238E27FC236}">
+                <a16:creationId xmlns:a16="http://schemas.microsoft.com/office/drawing/2014/main" id="{367E187F-8F58-54A0-A799-F5A82D3772D1}"/>
+              </a:ext>
+            </a:extLst>
+          </p:cNvPr>
+          <p:cNvPicPr>
+            <a:picLocks noChangeAspect="1"/>
+          </p:cNvPicPr>
+          <p:nvPr/>
+        </p:nvPicPr>
+        <p:blipFill rotWithShape="1">
+          <a:blip r:embed="rId2"/>
+          <a:srcRect l="835" t="10220"/>
+          <a:stretch/>
+        </p:blipFill>
+        <p:spPr>
+          <a:xfrm>
+            <a:off x="1187115" y="2037347"/>
+            <a:ext cx="8349917" cy="3195140"/>
+          </a:xfrm>
+          <a:prstGeom prst="rect">
+            <a:avLst/>
+          </a:prstGeom>
+        </p:spPr>
+      </p:pic>
     </p:spTree>
     <p:extLst>
       <p:ext uri="{BB962C8B-B14F-4D97-AF65-F5344CB8AC3E}">
-        <p14:creationId xmlns:p14="http://schemas.microsoft.com/office/powerpoint/2010/main" val="223923989"/>
+        <p14:creationId xmlns:p14="http://schemas.microsoft.com/office/powerpoint/2010/main" val="4046248805"/>
       </p:ext>
     </p:extLst>
   </p:cSld>
@@ -10523,7 +13738,7 @@
 </p:sld>
 </file>
 
-<file path=ppt/slides/slide12.xml><?xml version="1.0" encoding="utf-8"?>
+<file path=ppt/slides/slide16.xml><?xml version="1.0" encoding="utf-8"?>
 <p:sld xmlns:a="http://schemas.openxmlformats.org/drawingml/2006/main" xmlns:r="http://schemas.openxmlformats.org/officeDocument/2006/relationships" xmlns:p="http://schemas.openxmlformats.org/presentationml/2006/main">
   <p:cSld>
     <p:spTree>
@@ -10545,7 +13760,7 @@
           <p:cNvPr id="3" name="Text Placeholder 2">
             <a:extLst>
               <a:ext uri="{FF2B5EF4-FFF2-40B4-BE49-F238E27FC236}">
-                <a16:creationId xmlns:a16="http://schemas.microsoft.com/office/drawing/2014/main" id="{58A75B71-7FA9-6BC4-3AAD-87BBCF4D8FF4}"/>
+                <a16:creationId xmlns:a16="http://schemas.microsoft.com/office/drawing/2014/main" id="{085D2F6A-BCFC-CCD4-6363-26037232B9A3}"/>
               </a:ext>
             </a:extLst>
           </p:cNvPr>
@@ -10558,8 +13773,8 @@
         </p:nvSpPr>
         <p:spPr>
           <a:xfrm>
-            <a:off x="838200" y="648929"/>
-            <a:ext cx="10515600" cy="5528034"/>
+            <a:off x="838200" y="1421437"/>
+            <a:ext cx="10515600" cy="4755526"/>
           </a:xfrm>
         </p:spPr>
         <p:txBody>
@@ -10569,77 +13784,95 @@
             <a:pPr marL="76200" indent="0">
               <a:buNone/>
             </a:pPr>
+            <a:endParaRPr lang="en-US" dirty="0"/>
+          </a:p>
+          <a:p>
+            <a:pPr marL="76200" indent="0">
+              <a:buNone/>
+            </a:pPr>
+            <a:endParaRPr lang="en-US" dirty="0"/>
+          </a:p>
+          <a:p>
+            <a:pPr marL="76200" indent="0">
+              <a:buNone/>
+            </a:pPr>
+            <a:endParaRPr lang="en-US" dirty="0"/>
+          </a:p>
+          <a:p>
+            <a:pPr marL="76200" indent="0">
+              <a:buNone/>
+            </a:pPr>
+            <a:endParaRPr lang="en-US" dirty="0"/>
+          </a:p>
+          <a:p>
+            <a:pPr marL="76200" indent="0">
+              <a:buNone/>
+            </a:pPr>
+            <a:endParaRPr lang="en-US" dirty="0"/>
+          </a:p>
+          <a:p>
+            <a:pPr marL="76200" indent="0">
+              <a:buNone/>
+            </a:pPr>
+            <a:endParaRPr lang="en-US" dirty="0"/>
+          </a:p>
+          <a:p>
+            <a:pPr marL="76200" indent="0">
+              <a:buNone/>
+            </a:pPr>
+            <a:endParaRPr lang="en-US" dirty="0"/>
+          </a:p>
+          <a:p>
+            <a:pPr marL="76200" indent="0">
+              <a:buNone/>
+            </a:pPr>
+            <a:endParaRPr lang="en-US" dirty="0"/>
+          </a:p>
+          <a:p>
+            <a:pPr marL="76200" indent="0">
+              <a:buNone/>
+            </a:pPr>
             <a:r>
               <a:rPr lang="en-US" dirty="0"/>
-              <a:t>XGBoost :</a:t>
-            </a:r>
-          </a:p>
-          <a:p>
-            <a:pPr marL="76200" indent="0">
-              <a:buNone/>
-            </a:pPr>
-            <a:r>
-              <a:rPr lang="en-US" sz="2000" b="0" dirty="0">
-                <a:solidFill>
-                  <a:srgbClr val="222222"/>
-                </a:solidFill>
-                <a:latin typeface="Arial" panose="020B0604020202020204" pitchFamily="34" charset="0"/>
-              </a:rPr>
-              <a:t>A class of group machine learning methods known as gradient boosting can be applied to classification or regression predictive modeling issues. Decision tree models are used to build clusters. In order to repair the prediction mistakes caused by earlier models, trees are added one at a time to the ensemble and fitted. Boosting is a term used to describe this kind of batch machine learning model.</a:t>
-            </a:r>
-          </a:p>
-          <a:p>
-            <a:pPr marL="76200" indent="0">
-              <a:buNone/>
-            </a:pPr>
-            <a:r>
-              <a:rPr lang="en-US" dirty="0"/>
-              <a:t>Decision Tree : </a:t>
-            </a:r>
-          </a:p>
-          <a:p>
-            <a:pPr marL="76200" indent="0">
-              <a:buNone/>
-            </a:pPr>
-            <a:r>
-              <a:rPr lang="en-US" sz="2000" b="0" dirty="0">
-                <a:solidFill>
-                  <a:srgbClr val="222222"/>
-                </a:solidFill>
-                <a:latin typeface="Arial" panose="020B0604020202020204" pitchFamily="34" charset="0"/>
-              </a:rPr>
-              <a:t>A decision tree creates tree-like models for classification or regression. It incrementally develops an associated decision tree while segmenting a dataset into smaller and smaller sections. The outcome is a tree containing leaf nodes and decision nodes.</a:t>
-            </a:r>
-          </a:p>
-          <a:p>
-            <a:pPr marL="76200" indent="0">
-              <a:buNone/>
-            </a:pPr>
-            <a:r>
-              <a:rPr lang="en-US" dirty="0"/>
-              <a:t>Support Vector Machines (SVM) : </a:t>
-            </a:r>
-          </a:p>
-          <a:p>
-            <a:pPr marL="76200" indent="0">
-              <a:buNone/>
-            </a:pPr>
-            <a:r>
-              <a:rPr lang="en-US" sz="2000" b="0" dirty="0">
-                <a:solidFill>
-                  <a:srgbClr val="222222"/>
-                </a:solidFill>
-                <a:latin typeface="Arial" panose="020B0604020202020204" pitchFamily="34" charset="0"/>
-              </a:rPr>
-              <a:t>By identifying the ideal decision border between data points, this approach can be applied to both classification and regression issues. It might be used to find the model that fits the data the best and forecasts how Covid-19 would affect GDP and unemployment rates</a:t>
+              <a:t>Country and its population</a:t>
             </a:r>
           </a:p>
         </p:txBody>
       </p:sp>
+      <p:pic>
+        <p:nvPicPr>
+          <p:cNvPr id="6" name="Picture 5">
+            <a:extLst>
+              <a:ext uri="{FF2B5EF4-FFF2-40B4-BE49-F238E27FC236}">
+                <a16:creationId xmlns:a16="http://schemas.microsoft.com/office/drawing/2014/main" id="{90A67AFB-DA91-0EB1-137D-BDBC2A5E88B3}"/>
+              </a:ext>
+            </a:extLst>
+          </p:cNvPr>
+          <p:cNvPicPr>
+            <a:picLocks noChangeAspect="1"/>
+          </p:cNvPicPr>
+          <p:nvPr/>
+        </p:nvPicPr>
+        <p:blipFill>
+          <a:blip r:embed="rId2"/>
+          <a:stretch>
+            <a:fillRect/>
+          </a:stretch>
+        </p:blipFill>
+        <p:spPr>
+          <a:xfrm>
+            <a:off x="1203158" y="1500973"/>
+            <a:ext cx="10078701" cy="3375827"/>
+          </a:xfrm>
+          <a:prstGeom prst="rect">
+            <a:avLst/>
+          </a:prstGeom>
+        </p:spPr>
+      </p:pic>
     </p:spTree>
     <p:extLst>
       <p:ext uri="{BB962C8B-B14F-4D97-AF65-F5344CB8AC3E}">
-        <p14:creationId xmlns:p14="http://schemas.microsoft.com/office/powerpoint/2010/main" val="3191939578"/>
+        <p14:creationId xmlns:p14="http://schemas.microsoft.com/office/powerpoint/2010/main" val="880501814"/>
       </p:ext>
     </p:extLst>
   </p:cSld>
@@ -10649,7 +13882,7 @@
 </p:sld>
 </file>
 
-<file path=ppt/slides/slide13.xml><?xml version="1.0" encoding="utf-8"?>
+<file path=ppt/slides/slide17.xml><?xml version="1.0" encoding="utf-8"?>
 <p:sld xmlns:a="http://schemas.openxmlformats.org/drawingml/2006/main" xmlns:r="http://schemas.openxmlformats.org/officeDocument/2006/relationships" xmlns:p="http://schemas.openxmlformats.org/presentationml/2006/main">
   <p:cSld>
     <p:spTree>
@@ -10668,10 +13901,10 @@
       </p:grpSpPr>
       <p:sp>
         <p:nvSpPr>
-          <p:cNvPr id="2" name="Title 1">
+          <p:cNvPr id="3" name="Text Placeholder 2">
             <a:extLst>
               <a:ext uri="{FF2B5EF4-FFF2-40B4-BE49-F238E27FC236}">
-                <a16:creationId xmlns:a16="http://schemas.microsoft.com/office/drawing/2014/main" id="{39480249-A00C-E457-848F-D47D59D1C16A}"/>
+                <a16:creationId xmlns:a16="http://schemas.microsoft.com/office/drawing/2014/main" id="{085D2F6A-BCFC-CCD4-6363-26037232B9A3}"/>
               </a:ext>
             </a:extLst>
           </p:cNvPr>
@@ -10679,27 +13912,83 @@
             <a:spLocks noGrp="1"/>
           </p:cNvSpPr>
           <p:nvPr>
-            <p:ph type="title"/>
+            <p:ph type="body" idx="1"/>
           </p:nvPr>
         </p:nvSpPr>
-        <p:spPr/>
+        <p:spPr>
+          <a:xfrm>
+            <a:off x="838200" y="1421437"/>
+            <a:ext cx="10515600" cy="4755526"/>
+          </a:xfrm>
+        </p:spPr>
         <p:txBody>
           <a:bodyPr/>
           <a:lstStyle/>
           <a:p>
+            <a:pPr marL="76200" indent="0">
+              <a:buNone/>
+            </a:pPr>
+            <a:endParaRPr lang="en-US" dirty="0"/>
+          </a:p>
+          <a:p>
+            <a:pPr marL="76200" indent="0">
+              <a:buNone/>
+            </a:pPr>
+            <a:endParaRPr lang="en-US" dirty="0"/>
+          </a:p>
+          <a:p>
+            <a:pPr marL="76200" indent="0">
+              <a:buNone/>
+            </a:pPr>
+            <a:endParaRPr lang="en-US" dirty="0"/>
+          </a:p>
+          <a:p>
+            <a:pPr marL="76200" indent="0">
+              <a:buNone/>
+            </a:pPr>
+            <a:endParaRPr lang="en-US" dirty="0"/>
+          </a:p>
+          <a:p>
+            <a:pPr marL="76200" indent="0">
+              <a:buNone/>
+            </a:pPr>
+            <a:endParaRPr lang="en-US" dirty="0"/>
+          </a:p>
+          <a:p>
+            <a:pPr marL="76200" indent="0">
+              <a:buNone/>
+            </a:pPr>
+            <a:endParaRPr lang="en-US" dirty="0"/>
+          </a:p>
+          <a:p>
+            <a:pPr marL="76200" indent="0">
+              <a:buNone/>
+            </a:pPr>
+            <a:endParaRPr lang="en-US" dirty="0"/>
+          </a:p>
+          <a:p>
+            <a:pPr marL="76200" indent="0">
+              <a:buNone/>
+            </a:pPr>
+            <a:endParaRPr lang="en-US" dirty="0"/>
+          </a:p>
+          <a:p>
+            <a:pPr marL="76200" indent="0">
+              <a:buNone/>
+            </a:pPr>
             <a:r>
               <a:rPr lang="en-US" dirty="0"/>
-              <a:t>Cloud Deployment</a:t>
+              <a:t>Country and its cases reported and deaths</a:t>
             </a:r>
           </a:p>
         </p:txBody>
       </p:sp>
       <p:pic>
         <p:nvPicPr>
-          <p:cNvPr id="5" name="Picture 4" descr="A picture containing table">
+          <p:cNvPr id="5" name="Picture 4">
             <a:extLst>
               <a:ext uri="{FF2B5EF4-FFF2-40B4-BE49-F238E27FC236}">
-                <a16:creationId xmlns:a16="http://schemas.microsoft.com/office/drawing/2014/main" id="{AFA821DB-AFD0-3D75-0CEB-7CD0A34BDE47}"/>
+                <a16:creationId xmlns:a16="http://schemas.microsoft.com/office/drawing/2014/main" id="{BF10D426-94A8-25DA-D503-876DF2D2D210}"/>
               </a:ext>
             </a:extLst>
           </p:cNvPr>
@@ -10709,21 +13998,15 @@
           <p:nvPr/>
         </p:nvPicPr>
         <p:blipFill>
-          <a:blip r:embed="rId2">
-            <a:extLst>
-              <a:ext uri="{28A0092B-C50C-407E-A947-70E740481C1C}">
-                <a14:useLocalDpi xmlns:a14="http://schemas.microsoft.com/office/drawing/2010/main" val="0"/>
-              </a:ext>
-            </a:extLst>
-          </a:blip>
+          <a:blip r:embed="rId2"/>
           <a:stretch>
             <a:fillRect/>
           </a:stretch>
         </p:blipFill>
         <p:spPr>
           <a:xfrm>
-            <a:off x="862696" y="1419001"/>
-            <a:ext cx="11329303" cy="4351339"/>
+            <a:off x="673900" y="1497163"/>
+            <a:ext cx="10844200" cy="3243280"/>
           </a:xfrm>
           <a:prstGeom prst="rect">
             <a:avLst/>
@@ -10733,7 +14016,7 @@
     </p:spTree>
     <p:extLst>
       <p:ext uri="{BB962C8B-B14F-4D97-AF65-F5344CB8AC3E}">
-        <p14:creationId xmlns:p14="http://schemas.microsoft.com/office/powerpoint/2010/main" val="1851466874"/>
+        <p14:creationId xmlns:p14="http://schemas.microsoft.com/office/powerpoint/2010/main" val="1141627268"/>
       </p:ext>
     </p:extLst>
   </p:cSld>
@@ -10743,12 +14026,12 @@
 </p:sld>
 </file>
 
-<file path=ppt/slides/slide14.xml><?xml version="1.0" encoding="utf-8"?>
+<file path=ppt/slides/slide18.xml><?xml version="1.0" encoding="utf-8"?>
 <p:sld xmlns:a="http://schemas.openxmlformats.org/drawingml/2006/main" xmlns:r="http://schemas.openxmlformats.org/officeDocument/2006/relationships" xmlns:p="http://schemas.openxmlformats.org/presentationml/2006/main">
   <p:cSld>
     <p:spTree>
       <p:nvGrpSpPr>
-        <p:cNvPr id="1" name="Shape 350"/>
+        <p:cNvPr id="1" name=""/>
         <p:cNvGrpSpPr/>
         <p:nvPr/>
       </p:nvGrpSpPr>
@@ -10762,69 +14045,268 @@
       </p:grpSpPr>
       <p:sp>
         <p:nvSpPr>
-          <p:cNvPr id="351" name="Google Shape;351;p48"/>
-          <p:cNvSpPr txBox="1">
+          <p:cNvPr id="3" name="Text Placeholder 2">
+            <a:extLst>
+              <a:ext uri="{FF2B5EF4-FFF2-40B4-BE49-F238E27FC236}">
+                <a16:creationId xmlns:a16="http://schemas.microsoft.com/office/drawing/2014/main" id="{085D2F6A-BCFC-CCD4-6363-26037232B9A3}"/>
+              </a:ext>
+            </a:extLst>
+          </p:cNvPr>
+          <p:cNvSpPr>
             <a:spLocks noGrp="1"/>
           </p:cNvSpPr>
           <p:nvPr>
-            <p:ph type="ctrTitle"/>
+            <p:ph type="body" idx="1"/>
           </p:nvPr>
         </p:nvSpPr>
         <p:spPr>
           <a:xfrm>
-            <a:off x="1562200" y="2374525"/>
-            <a:ext cx="8454900" cy="1187700"/>
+            <a:off x="838200" y="1421437"/>
+            <a:ext cx="10515600" cy="4755526"/>
+          </a:xfrm>
+        </p:spPr>
+        <p:txBody>
+          <a:bodyPr/>
+          <a:lstStyle/>
+          <a:p>
+            <a:pPr marL="76200" indent="0">
+              <a:buNone/>
+            </a:pPr>
+            <a:endParaRPr lang="en-US" dirty="0"/>
+          </a:p>
+          <a:p>
+            <a:pPr marL="76200" indent="0">
+              <a:buNone/>
+            </a:pPr>
+            <a:endParaRPr lang="en-US" dirty="0"/>
+          </a:p>
+          <a:p>
+            <a:pPr marL="76200" indent="0">
+              <a:buNone/>
+            </a:pPr>
+            <a:endParaRPr lang="en-US" dirty="0"/>
+          </a:p>
+          <a:p>
+            <a:pPr marL="76200" indent="0">
+              <a:buNone/>
+            </a:pPr>
+            <a:endParaRPr lang="en-US" dirty="0"/>
+          </a:p>
+          <a:p>
+            <a:pPr marL="76200" indent="0">
+              <a:buNone/>
+            </a:pPr>
+            <a:endParaRPr lang="en-US" dirty="0"/>
+          </a:p>
+          <a:p>
+            <a:pPr marL="76200" indent="0">
+              <a:buNone/>
+            </a:pPr>
+            <a:endParaRPr lang="en-US" dirty="0"/>
+          </a:p>
+          <a:p>
+            <a:pPr marL="76200" indent="0">
+              <a:buNone/>
+            </a:pPr>
+            <a:endParaRPr lang="en-US" dirty="0"/>
+          </a:p>
+          <a:p>
+            <a:pPr marL="76200" indent="0">
+              <a:buNone/>
+            </a:pPr>
+            <a:endParaRPr lang="en-US" dirty="0"/>
+          </a:p>
+          <a:p>
+            <a:pPr marL="76200" indent="0">
+              <a:buNone/>
+            </a:pPr>
+            <a:r>
+              <a:rPr lang="en-US" dirty="0"/>
+              <a:t>Country and its cases reported</a:t>
+            </a:r>
+          </a:p>
+        </p:txBody>
+      </p:sp>
+      <p:pic>
+        <p:nvPicPr>
+          <p:cNvPr id="6" name="Picture 5">
+            <a:extLst>
+              <a:ext uri="{FF2B5EF4-FFF2-40B4-BE49-F238E27FC236}">
+                <a16:creationId xmlns:a16="http://schemas.microsoft.com/office/drawing/2014/main" id="{74A52A6A-C04B-8A0A-0B8B-5741871D1CA2}"/>
+              </a:ext>
+            </a:extLst>
+          </p:cNvPr>
+          <p:cNvPicPr>
+            <a:picLocks noChangeAspect="1"/>
+          </p:cNvPicPr>
+          <p:nvPr/>
+        </p:nvPicPr>
+        <p:blipFill>
+          <a:blip r:embed="rId2"/>
+          <a:stretch>
+            <a:fillRect/>
+          </a:stretch>
+        </p:blipFill>
+        <p:spPr>
+          <a:xfrm>
+            <a:off x="1115898" y="1611472"/>
+            <a:ext cx="9960203" cy="3635055"/>
           </a:xfrm>
           <a:prstGeom prst="rect">
             <a:avLst/>
           </a:prstGeom>
-          <a:noFill/>
-          <a:ln>
-            <a:noFill/>
-          </a:ln>
+        </p:spPr>
+      </p:pic>
+    </p:spTree>
+    <p:extLst>
+      <p:ext uri="{BB962C8B-B14F-4D97-AF65-F5344CB8AC3E}">
+        <p14:creationId xmlns:p14="http://schemas.microsoft.com/office/powerpoint/2010/main" val="2605845575"/>
+      </p:ext>
+    </p:extLst>
+  </p:cSld>
+  <p:clrMapOvr>
+    <a:masterClrMapping/>
+  </p:clrMapOvr>
+</p:sld>
+</file>
+
+<file path=ppt/slides/slide19.xml><?xml version="1.0" encoding="utf-8"?>
+<p:sld xmlns:a="http://schemas.openxmlformats.org/drawingml/2006/main" xmlns:r="http://schemas.openxmlformats.org/officeDocument/2006/relationships" xmlns:p="http://schemas.openxmlformats.org/presentationml/2006/main">
+  <p:cSld>
+    <p:spTree>
+      <p:nvGrpSpPr>
+        <p:cNvPr id="1" name=""/>
+        <p:cNvGrpSpPr/>
+        <p:nvPr/>
+      </p:nvGrpSpPr>
+      <p:grpSpPr>
+        <a:xfrm>
+          <a:off x="0" y="0"/>
+          <a:ext cx="0" cy="0"/>
+          <a:chOff x="0" y="0"/>
+          <a:chExt cx="0" cy="0"/>
+        </a:xfrm>
+      </p:grpSpPr>
+      <p:sp>
+        <p:nvSpPr>
+          <p:cNvPr id="3" name="Text Placeholder 2">
+            <a:extLst>
+              <a:ext uri="{FF2B5EF4-FFF2-40B4-BE49-F238E27FC236}">
+                <a16:creationId xmlns:a16="http://schemas.microsoft.com/office/drawing/2014/main" id="{085D2F6A-BCFC-CCD4-6363-26037232B9A3}"/>
+              </a:ext>
+            </a:extLst>
+          </p:cNvPr>
+          <p:cNvSpPr>
+            <a:spLocks noGrp="1"/>
+          </p:cNvSpPr>
+          <p:nvPr>
+            <p:ph type="body" idx="1"/>
+          </p:nvPr>
+        </p:nvSpPr>
+        <p:spPr>
+          <a:xfrm>
+            <a:off x="838200" y="1421437"/>
+            <a:ext cx="10515600" cy="4755526"/>
+          </a:xfrm>
         </p:spPr>
         <p:txBody>
-          <a:bodyPr spcFirstLastPara="1" wrap="square" lIns="91425" tIns="45700" rIns="91425" bIns="45700" anchor="b" anchorCtr="0">
-            <a:noAutofit/>
-          </a:bodyPr>
+          <a:bodyPr/>
           <a:lstStyle/>
           <a:p>
-            <a:pPr marL="0" lvl="0" indent="0" algn="ctr" rtl="0">
-              <a:lnSpc>
-                <a:spcPct val="90000"/>
-              </a:lnSpc>
-              <a:spcBef>
-                <a:spcPts val="0"/>
-              </a:spcBef>
-              <a:spcAft>
-                <a:spcPts val="0"/>
-              </a:spcAft>
-              <a:buClr>
-                <a:schemeClr val="lt1"/>
-              </a:buClr>
-              <a:buSzPts val="4400"/>
-              <a:buFont typeface="Arial"/>
+            <a:pPr marL="76200" indent="0">
               <a:buNone/>
             </a:pPr>
-            <a:r>
-              <a:rPr lang="en-US" sz="6500" b="0">
-                <a:latin typeface="EB Garamond ExtraBold"/>
-                <a:ea typeface="EB Garamond ExtraBold"/>
-                <a:cs typeface="EB Garamond ExtraBold"/>
-                <a:sym typeface="EB Garamond ExtraBold"/>
-              </a:rPr>
-              <a:t>THANK YOU</a:t>
-            </a:r>
-            <a:endParaRPr sz="6500" b="0">
-              <a:latin typeface="EB Garamond ExtraBold"/>
-              <a:ea typeface="EB Garamond ExtraBold"/>
-              <a:cs typeface="EB Garamond ExtraBold"/>
-              <a:sym typeface="EB Garamond ExtraBold"/>
-            </a:endParaRPr>
+            <a:endParaRPr lang="en-US" dirty="0"/>
+          </a:p>
+          <a:p>
+            <a:pPr marL="76200" indent="0">
+              <a:buNone/>
+            </a:pPr>
+            <a:endParaRPr lang="en-US" dirty="0"/>
+          </a:p>
+          <a:p>
+            <a:pPr marL="76200" indent="0">
+              <a:buNone/>
+            </a:pPr>
+            <a:endParaRPr lang="en-US" dirty="0"/>
+          </a:p>
+          <a:p>
+            <a:pPr marL="76200" indent="0">
+              <a:buNone/>
+            </a:pPr>
+            <a:endParaRPr lang="en-US" dirty="0"/>
+          </a:p>
+          <a:p>
+            <a:pPr marL="76200" indent="0">
+              <a:buNone/>
+            </a:pPr>
+            <a:endParaRPr lang="en-US" dirty="0"/>
+          </a:p>
+          <a:p>
+            <a:pPr marL="76200" indent="0">
+              <a:buNone/>
+            </a:pPr>
+            <a:endParaRPr lang="en-US" dirty="0"/>
+          </a:p>
+          <a:p>
+            <a:pPr marL="76200" indent="0">
+              <a:buNone/>
+            </a:pPr>
+            <a:endParaRPr lang="en-US" dirty="0"/>
+          </a:p>
+          <a:p>
+            <a:pPr marL="76200" indent="0">
+              <a:buNone/>
+            </a:pPr>
+            <a:endParaRPr lang="en-US" dirty="0"/>
+          </a:p>
+          <a:p>
+            <a:pPr marL="76200" indent="0">
+              <a:buNone/>
+            </a:pPr>
+            <a:r>
+              <a:rPr lang="en-US" dirty="0"/>
+              <a:t>Human Index vs GDP(Gross Domestic Product)</a:t>
+            </a:r>
           </a:p>
         </p:txBody>
       </p:sp>
+      <p:pic>
+        <p:nvPicPr>
+          <p:cNvPr id="5" name="Picture 4">
+            <a:extLst>
+              <a:ext uri="{FF2B5EF4-FFF2-40B4-BE49-F238E27FC236}">
+                <a16:creationId xmlns:a16="http://schemas.microsoft.com/office/drawing/2014/main" id="{853B44E6-CE16-2576-5809-60CD45E8F68B}"/>
+              </a:ext>
+            </a:extLst>
+          </p:cNvPr>
+          <p:cNvPicPr>
+            <a:picLocks noChangeAspect="1"/>
+          </p:cNvPicPr>
+          <p:nvPr/>
+        </p:nvPicPr>
+        <p:blipFill>
+          <a:blip r:embed="rId2"/>
+          <a:stretch>
+            <a:fillRect/>
+          </a:stretch>
+        </p:blipFill>
+        <p:spPr>
+          <a:xfrm>
+            <a:off x="3402096" y="1333319"/>
+            <a:ext cx="5387807" cy="3695882"/>
+          </a:xfrm>
+          <a:prstGeom prst="rect">
+            <a:avLst/>
+          </a:prstGeom>
+        </p:spPr>
+      </p:pic>
     </p:spTree>
+    <p:extLst>
+      <p:ext uri="{BB962C8B-B14F-4D97-AF65-F5344CB8AC3E}">
+        <p14:creationId xmlns:p14="http://schemas.microsoft.com/office/powerpoint/2010/main" val="1570969395"/>
+      </p:ext>
+    </p:extLst>
   </p:cSld>
   <p:clrMapOvr>
     <a:masterClrMapping/>
@@ -10939,23 +14421,15 @@
           </a:bodyPr>
           <a:lstStyle/>
           <a:p>
-            <a:pPr marL="0" lvl="0" indent="0" algn="ctr" rtl="0">
-              <a:spcBef>
-                <a:spcPts val="1000"/>
-              </a:spcBef>
-              <a:spcAft>
-                <a:spcPts val="0"/>
-              </a:spcAft>
-              <a:buNone/>
-            </a:pPr>
-            <a:r>
-              <a:rPr lang="en-US" sz="2600" dirty="0">
+            <a:pPr marL="0" indent="0"/>
+            <a:r>
+              <a:rPr lang="en-US" sz="2600">
                 <a:latin typeface="EB Garamond ExtraBold"/>
                 <a:ea typeface="EB Garamond ExtraBold"/>
                 <a:cs typeface="EB Garamond ExtraBold"/>
                 <a:sym typeface="EB Garamond ExtraBold"/>
               </a:rPr>
-              <a:t>Presented by</a:t>
+              <a:t>Presented by - Team 8</a:t>
             </a:r>
             <a:endParaRPr sz="2600" dirty="0">
               <a:latin typeface="EB Garamond ExtraBold"/>
@@ -11082,7 +14556,2458 @@
 </p:sld>
 </file>
 
+<file path=ppt/slides/slide20.xml><?xml version="1.0" encoding="utf-8"?>
+<p:sld xmlns:a="http://schemas.openxmlformats.org/drawingml/2006/main" xmlns:r="http://schemas.openxmlformats.org/officeDocument/2006/relationships" xmlns:p="http://schemas.openxmlformats.org/presentationml/2006/main">
+  <p:cSld>
+    <p:spTree>
+      <p:nvGrpSpPr>
+        <p:cNvPr id="1" name="Shape 350"/>
+        <p:cNvGrpSpPr/>
+        <p:nvPr/>
+      </p:nvGrpSpPr>
+      <p:grpSpPr>
+        <a:xfrm>
+          <a:off x="0" y="0"/>
+          <a:ext cx="0" cy="0"/>
+          <a:chOff x="0" y="0"/>
+          <a:chExt cx="0" cy="0"/>
+        </a:xfrm>
+      </p:grpSpPr>
+      <p:sp>
+        <p:nvSpPr>
+          <p:cNvPr id="351" name="Google Shape;351;p48"/>
+          <p:cNvSpPr txBox="1">
+            <a:spLocks noGrp="1"/>
+          </p:cNvSpPr>
+          <p:nvPr>
+            <p:ph type="ctrTitle"/>
+          </p:nvPr>
+        </p:nvSpPr>
+        <p:spPr>
+          <a:xfrm>
+            <a:off x="1562200" y="2374525"/>
+            <a:ext cx="8454900" cy="1187700"/>
+          </a:xfrm>
+          <a:prstGeom prst="rect">
+            <a:avLst/>
+          </a:prstGeom>
+          <a:noFill/>
+          <a:ln>
+            <a:noFill/>
+          </a:ln>
+        </p:spPr>
+        <p:txBody>
+          <a:bodyPr spcFirstLastPara="1" wrap="square" lIns="91425" tIns="45700" rIns="91425" bIns="45700" anchor="b" anchorCtr="0">
+            <a:noAutofit/>
+          </a:bodyPr>
+          <a:lstStyle/>
+          <a:p>
+            <a:pPr marL="0" lvl="0" indent="0" algn="ctr" rtl="0">
+              <a:lnSpc>
+                <a:spcPct val="90000"/>
+              </a:lnSpc>
+              <a:spcBef>
+                <a:spcPts val="0"/>
+              </a:spcBef>
+              <a:spcAft>
+                <a:spcPts val="0"/>
+              </a:spcAft>
+              <a:buClr>
+                <a:schemeClr val="lt1"/>
+              </a:buClr>
+              <a:buSzPts val="4400"/>
+              <a:buFont typeface="Arial"/>
+              <a:buNone/>
+            </a:pPr>
+            <a:r>
+              <a:rPr lang="en-US" sz="6500" b="0" dirty="0">
+                <a:latin typeface="EB Garamond ExtraBold"/>
+                <a:ea typeface="EB Garamond ExtraBold"/>
+                <a:cs typeface="EB Garamond ExtraBold"/>
+                <a:sym typeface="EB Garamond ExtraBold"/>
+              </a:rPr>
+              <a:t>Milestone 3</a:t>
+            </a:r>
+            <a:endParaRPr sz="6500" b="0" dirty="0">
+              <a:latin typeface="EB Garamond ExtraBold"/>
+              <a:ea typeface="EB Garamond ExtraBold"/>
+              <a:cs typeface="EB Garamond ExtraBold"/>
+              <a:sym typeface="EB Garamond ExtraBold"/>
+            </a:endParaRPr>
+          </a:p>
+        </p:txBody>
+      </p:sp>
+    </p:spTree>
+    <p:extLst>
+      <p:ext uri="{BB962C8B-B14F-4D97-AF65-F5344CB8AC3E}">
+        <p14:creationId xmlns:p14="http://schemas.microsoft.com/office/powerpoint/2010/main" val="1916592904"/>
+      </p:ext>
+    </p:extLst>
+  </p:cSld>
+  <p:clrMapOvr>
+    <a:masterClrMapping/>
+  </p:clrMapOvr>
+</p:sld>
+</file>
+
+<file path=ppt/slides/slide21.xml><?xml version="1.0" encoding="utf-8"?>
+<p:sld xmlns:a="http://schemas.openxmlformats.org/drawingml/2006/main" xmlns:r="http://schemas.openxmlformats.org/officeDocument/2006/relationships" xmlns:p="http://schemas.openxmlformats.org/presentationml/2006/main">
+  <p:cSld>
+    <p:spTree>
+      <p:nvGrpSpPr>
+        <p:cNvPr id="1" name=""/>
+        <p:cNvGrpSpPr/>
+        <p:nvPr/>
+      </p:nvGrpSpPr>
+      <p:grpSpPr>
+        <a:xfrm>
+          <a:off x="0" y="0"/>
+          <a:ext cx="0" cy="0"/>
+          <a:chOff x="0" y="0"/>
+          <a:chExt cx="0" cy="0"/>
+        </a:xfrm>
+      </p:grpSpPr>
+      <p:sp>
+        <p:nvSpPr>
+          <p:cNvPr id="2" name="Title 1">
+            <a:extLst>
+              <a:ext uri="{FF2B5EF4-FFF2-40B4-BE49-F238E27FC236}">
+                <a16:creationId xmlns:a16="http://schemas.microsoft.com/office/drawing/2014/main" id="{18881C8E-3352-6BAC-173C-6EC36B831077}"/>
+              </a:ext>
+            </a:extLst>
+          </p:cNvPr>
+          <p:cNvSpPr>
+            <a:spLocks noGrp="1"/>
+          </p:cNvSpPr>
+          <p:nvPr>
+            <p:ph type="title"/>
+          </p:nvPr>
+        </p:nvSpPr>
+        <p:spPr>
+          <a:xfrm>
+            <a:off x="838200" y="365126"/>
+            <a:ext cx="10515600" cy="713954"/>
+          </a:xfrm>
+        </p:spPr>
+        <p:txBody>
+          <a:bodyPr/>
+          <a:lstStyle/>
+          <a:p>
+            <a:r>
+              <a:rPr lang="en-US" dirty="0"/>
+              <a:t>Data modeling</a:t>
+            </a:r>
+          </a:p>
+        </p:txBody>
+      </p:sp>
+      <p:sp>
+        <p:nvSpPr>
+          <p:cNvPr id="3" name="Text Placeholder 2">
+            <a:extLst>
+              <a:ext uri="{FF2B5EF4-FFF2-40B4-BE49-F238E27FC236}">
+                <a16:creationId xmlns:a16="http://schemas.microsoft.com/office/drawing/2014/main" id="{067EA485-E56A-C11F-8B04-B1B2D1E0647F}"/>
+              </a:ext>
+            </a:extLst>
+          </p:cNvPr>
+          <p:cNvSpPr>
+            <a:spLocks noGrp="1"/>
+          </p:cNvSpPr>
+          <p:nvPr>
+            <p:ph type="body" idx="1"/>
+          </p:nvPr>
+        </p:nvSpPr>
+        <p:spPr>
+          <a:xfrm>
+            <a:off x="838200" y="1295761"/>
+            <a:ext cx="10515600" cy="4881202"/>
+          </a:xfrm>
+        </p:spPr>
+        <p:txBody>
+          <a:bodyPr/>
+          <a:lstStyle/>
+          <a:p>
+            <a:pPr>
+              <a:lnSpc>
+                <a:spcPct val="150000"/>
+              </a:lnSpc>
+            </a:pPr>
+            <a:r>
+              <a:rPr lang="en-IN" sz="2000" b="0" dirty="0">
+                <a:solidFill>
+                  <a:schemeClr val="tx1"/>
+                </a:solidFill>
+                <a:effectLst/>
+                <a:latin typeface="Times New Roman" panose="02020603050405020304" pitchFamily="18" charset="0"/>
+                <a:ea typeface="Calibri" panose="020F0502020204030204" pitchFamily="34" charset="0"/>
+                <a:cs typeface="Times New Roman" panose="02020603050405020304" pitchFamily="18" charset="0"/>
+              </a:rPr>
+              <a:t>A good prediction is one that is accurate in the sense that it predicts the right thing for most or all instances.</a:t>
+            </a:r>
+          </a:p>
+          <a:p>
+            <a:pPr>
+              <a:lnSpc>
+                <a:spcPct val="150000"/>
+              </a:lnSpc>
+            </a:pPr>
+            <a:r>
+              <a:rPr lang="en-IN" sz="2000" b="0" dirty="0">
+                <a:solidFill>
+                  <a:schemeClr val="tx1"/>
+                </a:solidFill>
+                <a:effectLst/>
+                <a:latin typeface="Times New Roman" panose="02020603050405020304" pitchFamily="18" charset="0"/>
+                <a:ea typeface="Calibri" panose="020F0502020204030204" pitchFamily="34" charset="0"/>
+                <a:cs typeface="Times New Roman" panose="02020603050405020304" pitchFamily="18" charset="0"/>
+              </a:rPr>
+              <a:t> One common goal of machine learning is to automate some aspects of data analysis</a:t>
+            </a:r>
+            <a:r>
+              <a:rPr lang="en-US" sz="2000" b="0" dirty="0">
+                <a:solidFill>
+                  <a:schemeClr val="tx1"/>
+                </a:solidFill>
+                <a:effectLst/>
+                <a:latin typeface="Times New Roman" panose="02020603050405020304" pitchFamily="18" charset="0"/>
+                <a:ea typeface="Calibri" panose="020F0502020204030204" pitchFamily="34" charset="0"/>
+                <a:cs typeface="Times New Roman" panose="02020603050405020304" pitchFamily="18" charset="0"/>
+              </a:rPr>
+              <a:t>.</a:t>
+            </a:r>
+          </a:p>
+          <a:p>
+            <a:pPr>
+              <a:lnSpc>
+                <a:spcPct val="150000"/>
+              </a:lnSpc>
+            </a:pPr>
+            <a:r>
+              <a:rPr lang="en-US" sz="2000" b="0" i="0" dirty="0">
+                <a:solidFill>
+                  <a:schemeClr val="tx1"/>
+                </a:solidFill>
+                <a:effectLst/>
+                <a:latin typeface="Times New Roman" panose="02020603050405020304" pitchFamily="18" charset="0"/>
+                <a:cs typeface="Times New Roman" panose="02020603050405020304" pitchFamily="18" charset="0"/>
+              </a:rPr>
+              <a:t> it is the process of creating a visual representation of either a whole information system or parts of it to communicate connections between data points and structures.</a:t>
+            </a:r>
+          </a:p>
+        </p:txBody>
+      </p:sp>
+    </p:spTree>
+    <p:extLst>
+      <p:ext uri="{BB962C8B-B14F-4D97-AF65-F5344CB8AC3E}">
+        <p14:creationId xmlns:p14="http://schemas.microsoft.com/office/powerpoint/2010/main" val="1352204098"/>
+      </p:ext>
+    </p:extLst>
+  </p:cSld>
+  <p:clrMapOvr>
+    <a:masterClrMapping/>
+  </p:clrMapOvr>
+</p:sld>
+</file>
+
+<file path=ppt/slides/slide22.xml><?xml version="1.0" encoding="utf-8"?>
+<p:sld xmlns:a="http://schemas.openxmlformats.org/drawingml/2006/main" xmlns:r="http://schemas.openxmlformats.org/officeDocument/2006/relationships" xmlns:p="http://schemas.openxmlformats.org/presentationml/2006/main">
+  <p:cSld>
+    <p:spTree>
+      <p:nvGrpSpPr>
+        <p:cNvPr id="1" name=""/>
+        <p:cNvGrpSpPr/>
+        <p:nvPr/>
+      </p:nvGrpSpPr>
+      <p:grpSpPr>
+        <a:xfrm>
+          <a:off x="0" y="0"/>
+          <a:ext cx="0" cy="0"/>
+          <a:chOff x="0" y="0"/>
+          <a:chExt cx="0" cy="0"/>
+        </a:xfrm>
+      </p:grpSpPr>
+      <p:pic>
+        <p:nvPicPr>
+          <p:cNvPr id="3" name="Picture 2">
+            <a:extLst>
+              <a:ext uri="{FF2B5EF4-FFF2-40B4-BE49-F238E27FC236}">
+                <a16:creationId xmlns:a16="http://schemas.microsoft.com/office/drawing/2014/main" id="{E1E02371-8294-414A-7008-28BF2CF9E64B}"/>
+              </a:ext>
+            </a:extLst>
+          </p:cNvPr>
+          <p:cNvPicPr>
+            <a:picLocks noChangeAspect="1"/>
+          </p:cNvPicPr>
+          <p:nvPr/>
+        </p:nvPicPr>
+        <p:blipFill>
+          <a:blip r:embed="rId2"/>
+          <a:stretch>
+            <a:fillRect/>
+          </a:stretch>
+        </p:blipFill>
+        <p:spPr>
+          <a:xfrm>
+            <a:off x="1870991" y="902171"/>
+            <a:ext cx="7407282" cy="2286198"/>
+          </a:xfrm>
+          <a:prstGeom prst="rect">
+            <a:avLst/>
+          </a:prstGeom>
+        </p:spPr>
+      </p:pic>
+      <p:pic>
+        <p:nvPicPr>
+          <p:cNvPr id="7" name="Picture 6">
+            <a:extLst>
+              <a:ext uri="{FF2B5EF4-FFF2-40B4-BE49-F238E27FC236}">
+                <a16:creationId xmlns:a16="http://schemas.microsoft.com/office/drawing/2014/main" id="{BC0CDAE9-12FF-327E-207B-43B2959B47B3}"/>
+              </a:ext>
+            </a:extLst>
+          </p:cNvPr>
+          <p:cNvPicPr>
+            <a:picLocks noChangeAspect="1"/>
+          </p:cNvPicPr>
+          <p:nvPr/>
+        </p:nvPicPr>
+        <p:blipFill>
+          <a:blip r:embed="rId3"/>
+          <a:stretch>
+            <a:fillRect/>
+          </a:stretch>
+        </p:blipFill>
+        <p:spPr>
+          <a:xfrm>
+            <a:off x="838778" y="3369479"/>
+            <a:ext cx="9792549" cy="2255715"/>
+          </a:xfrm>
+          <a:prstGeom prst="rect">
+            <a:avLst/>
+          </a:prstGeom>
+        </p:spPr>
+      </p:pic>
+    </p:spTree>
+    <p:extLst>
+      <p:ext uri="{BB962C8B-B14F-4D97-AF65-F5344CB8AC3E}">
+        <p14:creationId xmlns:p14="http://schemas.microsoft.com/office/powerpoint/2010/main" val="1912600146"/>
+      </p:ext>
+    </p:extLst>
+  </p:cSld>
+  <p:clrMapOvr>
+    <a:masterClrMapping/>
+  </p:clrMapOvr>
+</p:sld>
+</file>
+
+<file path=ppt/slides/slide23.xml><?xml version="1.0" encoding="utf-8"?>
+<p:sld xmlns:a="http://schemas.openxmlformats.org/drawingml/2006/main" xmlns:r="http://schemas.openxmlformats.org/officeDocument/2006/relationships" xmlns:p="http://schemas.openxmlformats.org/presentationml/2006/main">
+  <p:cSld>
+    <p:spTree>
+      <p:nvGrpSpPr>
+        <p:cNvPr id="1" name="Shape 304"/>
+        <p:cNvGrpSpPr/>
+        <p:nvPr/>
+      </p:nvGrpSpPr>
+      <p:grpSpPr>
+        <a:xfrm>
+          <a:off x="0" y="0"/>
+          <a:ext cx="0" cy="0"/>
+          <a:chOff x="0" y="0"/>
+          <a:chExt cx="0" cy="0"/>
+        </a:xfrm>
+      </p:grpSpPr>
+      <p:sp>
+        <p:nvSpPr>
+          <p:cNvPr id="305" name="Google Shape;305;p43"/>
+          <p:cNvSpPr txBox="1"/>
+          <p:nvPr/>
+        </p:nvSpPr>
+        <p:spPr>
+          <a:xfrm>
+            <a:off x="479575" y="463600"/>
+            <a:ext cx="10183200" cy="400200"/>
+          </a:xfrm>
+          <a:prstGeom prst="rect">
+            <a:avLst/>
+          </a:prstGeom>
+          <a:noFill/>
+          <a:ln>
+            <a:noFill/>
+          </a:ln>
+        </p:spPr>
+        <p:txBody>
+          <a:bodyPr spcFirstLastPara="1" wrap="square" lIns="91425" tIns="91425" rIns="91425" bIns="91425" anchor="t" anchorCtr="0">
+            <a:spAutoFit/>
+          </a:bodyPr>
+          <a:lstStyle/>
+          <a:p>
+            <a:pPr marL="0" lvl="0" indent="0" algn="l" rtl="0">
+              <a:spcBef>
+                <a:spcPts val="0"/>
+              </a:spcBef>
+              <a:spcAft>
+                <a:spcPts val="0"/>
+              </a:spcAft>
+              <a:buNone/>
+            </a:pPr>
+            <a:endParaRPr/>
+          </a:p>
+        </p:txBody>
+      </p:sp>
+      <p:sp>
+        <p:nvSpPr>
+          <p:cNvPr id="306" name="Google Shape;306;p43"/>
+          <p:cNvSpPr txBox="1"/>
+          <p:nvPr/>
+        </p:nvSpPr>
+        <p:spPr>
+          <a:xfrm>
+            <a:off x="926806" y="584825"/>
+            <a:ext cx="8872200" cy="923299"/>
+          </a:xfrm>
+          <a:prstGeom prst="rect">
+            <a:avLst/>
+          </a:prstGeom>
+          <a:noFill/>
+          <a:ln>
+            <a:noFill/>
+          </a:ln>
+        </p:spPr>
+        <p:txBody>
+          <a:bodyPr spcFirstLastPara="1" wrap="square" lIns="91425" tIns="91425" rIns="91425" bIns="91425" anchor="t" anchorCtr="0">
+            <a:spAutoFit/>
+          </a:bodyPr>
+          <a:lstStyle/>
+          <a:p>
+            <a:r>
+              <a:rPr lang="en-US" sz="4800" b="1" dirty="0">
+                <a:latin typeface="EB Garamond"/>
+                <a:ea typeface="EB Garamond"/>
+              </a:rPr>
+              <a:t>Linear Regressor</a:t>
+            </a:r>
+          </a:p>
+        </p:txBody>
+      </p:sp>
+      <p:pic>
+        <p:nvPicPr>
+          <p:cNvPr id="11" name="Picture 10">
+            <a:extLst>
+              <a:ext uri="{FF2B5EF4-FFF2-40B4-BE49-F238E27FC236}">
+                <a16:creationId xmlns:a16="http://schemas.microsoft.com/office/drawing/2014/main" id="{12DFD43E-0BF7-83A8-1854-01D6BD5A74CE}"/>
+              </a:ext>
+            </a:extLst>
+          </p:cNvPr>
+          <p:cNvPicPr>
+            <a:picLocks noChangeAspect="1"/>
+          </p:cNvPicPr>
+          <p:nvPr/>
+        </p:nvPicPr>
+        <p:blipFill>
+          <a:blip r:embed="rId3"/>
+          <a:stretch>
+            <a:fillRect/>
+          </a:stretch>
+        </p:blipFill>
+        <p:spPr>
+          <a:xfrm>
+            <a:off x="660959" y="1456918"/>
+            <a:ext cx="4701947" cy="4816257"/>
+          </a:xfrm>
+          <a:prstGeom prst="rect">
+            <a:avLst/>
+          </a:prstGeom>
+        </p:spPr>
+      </p:pic>
+      <p:pic>
+        <p:nvPicPr>
+          <p:cNvPr id="13" name="Picture 12">
+            <a:extLst>
+              <a:ext uri="{FF2B5EF4-FFF2-40B4-BE49-F238E27FC236}">
+                <a16:creationId xmlns:a16="http://schemas.microsoft.com/office/drawing/2014/main" id="{6BE00A45-59F7-E3F3-B765-24518AE68857}"/>
+              </a:ext>
+            </a:extLst>
+          </p:cNvPr>
+          <p:cNvPicPr>
+            <a:picLocks noChangeAspect="1"/>
+          </p:cNvPicPr>
+          <p:nvPr/>
+        </p:nvPicPr>
+        <p:blipFill>
+          <a:blip r:embed="rId4"/>
+          <a:stretch>
+            <a:fillRect/>
+          </a:stretch>
+        </p:blipFill>
+        <p:spPr>
+          <a:xfrm>
+            <a:off x="5866548" y="916817"/>
+            <a:ext cx="5768840" cy="1425063"/>
+          </a:xfrm>
+          <a:prstGeom prst="rect">
+            <a:avLst/>
+          </a:prstGeom>
+        </p:spPr>
+      </p:pic>
+      <p:pic>
+        <p:nvPicPr>
+          <p:cNvPr id="15" name="Picture 14">
+            <a:extLst>
+              <a:ext uri="{FF2B5EF4-FFF2-40B4-BE49-F238E27FC236}">
+                <a16:creationId xmlns:a16="http://schemas.microsoft.com/office/drawing/2014/main" id="{1952DC51-B9EE-42CF-CE6C-F443D86337CB}"/>
+              </a:ext>
+            </a:extLst>
+          </p:cNvPr>
+          <p:cNvPicPr>
+            <a:picLocks noChangeAspect="1"/>
+          </p:cNvPicPr>
+          <p:nvPr/>
+        </p:nvPicPr>
+        <p:blipFill>
+          <a:blip r:embed="rId5"/>
+          <a:stretch>
+            <a:fillRect/>
+          </a:stretch>
+        </p:blipFill>
+        <p:spPr>
+          <a:xfrm>
+            <a:off x="6839469" y="2394896"/>
+            <a:ext cx="4412578" cy="3695383"/>
+          </a:xfrm>
+          <a:prstGeom prst="rect">
+            <a:avLst/>
+          </a:prstGeom>
+        </p:spPr>
+      </p:pic>
+    </p:spTree>
+  </p:cSld>
+  <p:clrMapOvr>
+    <a:masterClrMapping/>
+  </p:clrMapOvr>
+</p:sld>
+</file>
+
+<file path=ppt/slides/slide24.xml><?xml version="1.0" encoding="utf-8"?>
+<p:sld xmlns:a="http://schemas.openxmlformats.org/drawingml/2006/main" xmlns:r="http://schemas.openxmlformats.org/officeDocument/2006/relationships" xmlns:p="http://schemas.openxmlformats.org/presentationml/2006/main">
+  <p:cSld>
+    <p:spTree>
+      <p:nvGrpSpPr>
+        <p:cNvPr id="1" name="Shape 304"/>
+        <p:cNvGrpSpPr/>
+        <p:nvPr/>
+      </p:nvGrpSpPr>
+      <p:grpSpPr>
+        <a:xfrm>
+          <a:off x="0" y="0"/>
+          <a:ext cx="0" cy="0"/>
+          <a:chOff x="0" y="0"/>
+          <a:chExt cx="0" cy="0"/>
+        </a:xfrm>
+      </p:grpSpPr>
+      <p:sp>
+        <p:nvSpPr>
+          <p:cNvPr id="305" name="Google Shape;305;p43"/>
+          <p:cNvSpPr txBox="1"/>
+          <p:nvPr/>
+        </p:nvSpPr>
+        <p:spPr>
+          <a:xfrm>
+            <a:off x="479575" y="463600"/>
+            <a:ext cx="10183200" cy="400200"/>
+          </a:xfrm>
+          <a:prstGeom prst="rect">
+            <a:avLst/>
+          </a:prstGeom>
+          <a:noFill/>
+          <a:ln>
+            <a:noFill/>
+          </a:ln>
+        </p:spPr>
+        <p:txBody>
+          <a:bodyPr spcFirstLastPara="1" wrap="square" lIns="91425" tIns="91425" rIns="91425" bIns="91425" anchor="t" anchorCtr="0">
+            <a:spAutoFit/>
+          </a:bodyPr>
+          <a:lstStyle/>
+          <a:p>
+            <a:pPr marL="0" lvl="0" indent="0" algn="l" rtl="0">
+              <a:spcBef>
+                <a:spcPts val="0"/>
+              </a:spcBef>
+              <a:spcAft>
+                <a:spcPts val="0"/>
+              </a:spcAft>
+              <a:buNone/>
+            </a:pPr>
+            <a:endParaRPr/>
+          </a:p>
+        </p:txBody>
+      </p:sp>
+      <p:sp>
+        <p:nvSpPr>
+          <p:cNvPr id="306" name="Google Shape;306;p43"/>
+          <p:cNvSpPr txBox="1"/>
+          <p:nvPr/>
+        </p:nvSpPr>
+        <p:spPr>
+          <a:xfrm>
+            <a:off x="926806" y="584825"/>
+            <a:ext cx="8872200" cy="923299"/>
+          </a:xfrm>
+          <a:prstGeom prst="rect">
+            <a:avLst/>
+          </a:prstGeom>
+          <a:noFill/>
+          <a:ln>
+            <a:noFill/>
+          </a:ln>
+        </p:spPr>
+        <p:txBody>
+          <a:bodyPr spcFirstLastPara="1" wrap="square" lIns="91425" tIns="91425" rIns="91425" bIns="91425" anchor="t" anchorCtr="0">
+            <a:spAutoFit/>
+          </a:bodyPr>
+          <a:lstStyle/>
+          <a:p>
+            <a:r>
+              <a:rPr lang="en-US" sz="4800" b="1" dirty="0">
+                <a:latin typeface="EB Garamond"/>
+                <a:ea typeface="EB Garamond"/>
+              </a:rPr>
+              <a:t>Decision Tree regressor</a:t>
+            </a:r>
+          </a:p>
+        </p:txBody>
+      </p:sp>
+      <p:pic>
+        <p:nvPicPr>
+          <p:cNvPr id="6" name="Picture 5">
+            <a:extLst>
+              <a:ext uri="{FF2B5EF4-FFF2-40B4-BE49-F238E27FC236}">
+                <a16:creationId xmlns:a16="http://schemas.microsoft.com/office/drawing/2014/main" id="{7EB0331F-93F6-2B8B-44EA-159FD1CFB363}"/>
+              </a:ext>
+            </a:extLst>
+          </p:cNvPr>
+          <p:cNvPicPr>
+            <a:picLocks noChangeAspect="1"/>
+          </p:cNvPicPr>
+          <p:nvPr/>
+        </p:nvPicPr>
+        <p:blipFill>
+          <a:blip r:embed="rId3"/>
+          <a:stretch>
+            <a:fillRect/>
+          </a:stretch>
+        </p:blipFill>
+        <p:spPr>
+          <a:xfrm>
+            <a:off x="6627360" y="1508124"/>
+            <a:ext cx="5418290" cy="1440305"/>
+          </a:xfrm>
+          <a:prstGeom prst="rect">
+            <a:avLst/>
+          </a:prstGeom>
+        </p:spPr>
+      </p:pic>
+      <p:pic>
+        <p:nvPicPr>
+          <p:cNvPr id="10" name="Picture 9">
+            <a:extLst>
+              <a:ext uri="{FF2B5EF4-FFF2-40B4-BE49-F238E27FC236}">
+                <a16:creationId xmlns:a16="http://schemas.microsoft.com/office/drawing/2014/main" id="{3D251E51-7C68-EEB4-905C-600209797E71}"/>
+              </a:ext>
+            </a:extLst>
+          </p:cNvPr>
+          <p:cNvPicPr>
+            <a:picLocks noChangeAspect="1"/>
+          </p:cNvPicPr>
+          <p:nvPr/>
+        </p:nvPicPr>
+        <p:blipFill>
+          <a:blip r:embed="rId4"/>
+          <a:stretch>
+            <a:fillRect/>
+          </a:stretch>
+        </p:blipFill>
+        <p:spPr>
+          <a:xfrm>
+            <a:off x="7159959" y="2948429"/>
+            <a:ext cx="3749710" cy="3194585"/>
+          </a:xfrm>
+          <a:prstGeom prst="rect">
+            <a:avLst/>
+          </a:prstGeom>
+        </p:spPr>
+      </p:pic>
+      <p:pic>
+        <p:nvPicPr>
+          <p:cNvPr id="12" name="Picture 11">
+            <a:extLst>
+              <a:ext uri="{FF2B5EF4-FFF2-40B4-BE49-F238E27FC236}">
+                <a16:creationId xmlns:a16="http://schemas.microsoft.com/office/drawing/2014/main" id="{A276F1E7-0785-C8EE-B3EC-1A94ECACC53E}"/>
+              </a:ext>
+            </a:extLst>
+          </p:cNvPr>
+          <p:cNvPicPr>
+            <a:picLocks noChangeAspect="1"/>
+          </p:cNvPicPr>
+          <p:nvPr/>
+        </p:nvPicPr>
+        <p:blipFill>
+          <a:blip r:embed="rId5"/>
+          <a:stretch>
+            <a:fillRect/>
+          </a:stretch>
+        </p:blipFill>
+        <p:spPr>
+          <a:xfrm>
+            <a:off x="652693" y="1386899"/>
+            <a:ext cx="5900548" cy="4886276"/>
+          </a:xfrm>
+          <a:prstGeom prst="rect">
+            <a:avLst/>
+          </a:prstGeom>
+        </p:spPr>
+      </p:pic>
+    </p:spTree>
+    <p:extLst>
+      <p:ext uri="{BB962C8B-B14F-4D97-AF65-F5344CB8AC3E}">
+        <p14:creationId xmlns:p14="http://schemas.microsoft.com/office/powerpoint/2010/main" val="3560967097"/>
+      </p:ext>
+    </p:extLst>
+  </p:cSld>
+  <p:clrMapOvr>
+    <a:masterClrMapping/>
+  </p:clrMapOvr>
+</p:sld>
+</file>
+
+<file path=ppt/slides/slide25.xml><?xml version="1.0" encoding="utf-8"?>
+<p:sld xmlns:a="http://schemas.openxmlformats.org/drawingml/2006/main" xmlns:r="http://schemas.openxmlformats.org/officeDocument/2006/relationships" xmlns:p="http://schemas.openxmlformats.org/presentationml/2006/main">
+  <p:cSld>
+    <p:spTree>
+      <p:nvGrpSpPr>
+        <p:cNvPr id="1" name="Shape 304"/>
+        <p:cNvGrpSpPr/>
+        <p:nvPr/>
+      </p:nvGrpSpPr>
+      <p:grpSpPr>
+        <a:xfrm>
+          <a:off x="0" y="0"/>
+          <a:ext cx="0" cy="0"/>
+          <a:chOff x="0" y="0"/>
+          <a:chExt cx="0" cy="0"/>
+        </a:xfrm>
+      </p:grpSpPr>
+      <p:sp>
+        <p:nvSpPr>
+          <p:cNvPr id="305" name="Google Shape;305;p43"/>
+          <p:cNvSpPr txBox="1"/>
+          <p:nvPr/>
+        </p:nvSpPr>
+        <p:spPr>
+          <a:xfrm>
+            <a:off x="479575" y="463600"/>
+            <a:ext cx="10183200" cy="400200"/>
+          </a:xfrm>
+          <a:prstGeom prst="rect">
+            <a:avLst/>
+          </a:prstGeom>
+          <a:noFill/>
+          <a:ln>
+            <a:noFill/>
+          </a:ln>
+        </p:spPr>
+        <p:txBody>
+          <a:bodyPr spcFirstLastPara="1" wrap="square" lIns="91425" tIns="91425" rIns="91425" bIns="91425" anchor="t" anchorCtr="0">
+            <a:spAutoFit/>
+          </a:bodyPr>
+          <a:lstStyle/>
+          <a:p>
+            <a:pPr marL="0" lvl="0" indent="0" algn="l" rtl="0">
+              <a:spcBef>
+                <a:spcPts val="0"/>
+              </a:spcBef>
+              <a:spcAft>
+                <a:spcPts val="0"/>
+              </a:spcAft>
+              <a:buNone/>
+            </a:pPr>
+            <a:endParaRPr/>
+          </a:p>
+        </p:txBody>
+      </p:sp>
+      <p:sp>
+        <p:nvSpPr>
+          <p:cNvPr id="306" name="Google Shape;306;p43"/>
+          <p:cNvSpPr txBox="1"/>
+          <p:nvPr/>
+        </p:nvSpPr>
+        <p:spPr>
+          <a:xfrm>
+            <a:off x="926806" y="584825"/>
+            <a:ext cx="8872200" cy="1661963"/>
+          </a:xfrm>
+          <a:prstGeom prst="rect">
+            <a:avLst/>
+          </a:prstGeom>
+          <a:noFill/>
+          <a:ln>
+            <a:noFill/>
+          </a:ln>
+        </p:spPr>
+        <p:txBody>
+          <a:bodyPr spcFirstLastPara="1" wrap="square" lIns="91425" tIns="91425" rIns="91425" bIns="91425" anchor="t" anchorCtr="0">
+            <a:spAutoFit/>
+          </a:bodyPr>
+          <a:lstStyle/>
+          <a:p>
+            <a:r>
+              <a:rPr lang="en-US" sz="4800" b="1" dirty="0">
+                <a:latin typeface="EB Garamond"/>
+                <a:ea typeface="EB Garamond"/>
+              </a:rPr>
+              <a:t>SVM</a:t>
+            </a:r>
+          </a:p>
+          <a:p>
+            <a:endParaRPr lang="en-US" sz="4800" b="1" dirty="0">
+              <a:latin typeface="EB Garamond"/>
+              <a:ea typeface="EB Garamond"/>
+            </a:endParaRPr>
+          </a:p>
+        </p:txBody>
+      </p:sp>
+      <p:pic>
+        <p:nvPicPr>
+          <p:cNvPr id="7" name="Picture 6">
+            <a:extLst>
+              <a:ext uri="{FF2B5EF4-FFF2-40B4-BE49-F238E27FC236}">
+                <a16:creationId xmlns:a16="http://schemas.microsoft.com/office/drawing/2014/main" id="{50EB11F7-53F5-973A-E788-2EF61F7867B2}"/>
+              </a:ext>
+            </a:extLst>
+          </p:cNvPr>
+          <p:cNvPicPr>
+            <a:picLocks noChangeAspect="1"/>
+          </p:cNvPicPr>
+          <p:nvPr/>
+        </p:nvPicPr>
+        <p:blipFill>
+          <a:blip r:embed="rId3"/>
+          <a:stretch>
+            <a:fillRect/>
+          </a:stretch>
+        </p:blipFill>
+        <p:spPr>
+          <a:xfrm>
+            <a:off x="5032042" y="1515745"/>
+            <a:ext cx="5608806" cy="1432684"/>
+          </a:xfrm>
+          <a:prstGeom prst="rect">
+            <a:avLst/>
+          </a:prstGeom>
+        </p:spPr>
+      </p:pic>
+      <p:pic>
+        <p:nvPicPr>
+          <p:cNvPr id="9" name="Picture 8">
+            <a:extLst>
+              <a:ext uri="{FF2B5EF4-FFF2-40B4-BE49-F238E27FC236}">
+                <a16:creationId xmlns:a16="http://schemas.microsoft.com/office/drawing/2014/main" id="{9776E953-FD7C-BD34-C5DB-30981A8B133C}"/>
+              </a:ext>
+            </a:extLst>
+          </p:cNvPr>
+          <p:cNvPicPr>
+            <a:picLocks noChangeAspect="1"/>
+          </p:cNvPicPr>
+          <p:nvPr/>
+        </p:nvPicPr>
+        <p:blipFill>
+          <a:blip r:embed="rId4"/>
+          <a:stretch>
+            <a:fillRect/>
+          </a:stretch>
+        </p:blipFill>
+        <p:spPr>
+          <a:xfrm>
+            <a:off x="6096000" y="3017240"/>
+            <a:ext cx="3993226" cy="3377160"/>
+          </a:xfrm>
+          <a:prstGeom prst="rect">
+            <a:avLst/>
+          </a:prstGeom>
+        </p:spPr>
+      </p:pic>
+      <p:pic>
+        <p:nvPicPr>
+          <p:cNvPr id="12" name="Picture 11">
+            <a:extLst>
+              <a:ext uri="{FF2B5EF4-FFF2-40B4-BE49-F238E27FC236}">
+                <a16:creationId xmlns:a16="http://schemas.microsoft.com/office/drawing/2014/main" id="{F6CD54C5-5AE2-AC90-BB34-4EA6800DC4E1}"/>
+              </a:ext>
+            </a:extLst>
+          </p:cNvPr>
+          <p:cNvPicPr>
+            <a:picLocks noChangeAspect="1"/>
+          </p:cNvPicPr>
+          <p:nvPr/>
+        </p:nvPicPr>
+        <p:blipFill>
+          <a:blip r:embed="rId5"/>
+          <a:stretch>
+            <a:fillRect/>
+          </a:stretch>
+        </p:blipFill>
+        <p:spPr>
+          <a:xfrm>
+            <a:off x="649705" y="1415806"/>
+            <a:ext cx="4241056" cy="4846921"/>
+          </a:xfrm>
+          <a:prstGeom prst="rect">
+            <a:avLst/>
+          </a:prstGeom>
+        </p:spPr>
+      </p:pic>
+    </p:spTree>
+    <p:extLst>
+      <p:ext uri="{BB962C8B-B14F-4D97-AF65-F5344CB8AC3E}">
+        <p14:creationId xmlns:p14="http://schemas.microsoft.com/office/powerpoint/2010/main" val="1459906743"/>
+      </p:ext>
+    </p:extLst>
+  </p:cSld>
+  <p:clrMapOvr>
+    <a:masterClrMapping/>
+  </p:clrMapOvr>
+</p:sld>
+</file>
+
+<file path=ppt/slides/slide26.xml><?xml version="1.0" encoding="utf-8"?>
+<p:sld xmlns:a="http://schemas.openxmlformats.org/drawingml/2006/main" xmlns:r="http://schemas.openxmlformats.org/officeDocument/2006/relationships" xmlns:p="http://schemas.openxmlformats.org/presentationml/2006/main">
+  <p:cSld>
+    <p:spTree>
+      <p:nvGrpSpPr>
+        <p:cNvPr id="1" name="Shape 304"/>
+        <p:cNvGrpSpPr/>
+        <p:nvPr/>
+      </p:nvGrpSpPr>
+      <p:grpSpPr>
+        <a:xfrm>
+          <a:off x="0" y="0"/>
+          <a:ext cx="0" cy="0"/>
+          <a:chOff x="0" y="0"/>
+          <a:chExt cx="0" cy="0"/>
+        </a:xfrm>
+      </p:grpSpPr>
+      <p:sp>
+        <p:nvSpPr>
+          <p:cNvPr id="305" name="Google Shape;305;p43"/>
+          <p:cNvSpPr txBox="1"/>
+          <p:nvPr/>
+        </p:nvSpPr>
+        <p:spPr>
+          <a:xfrm>
+            <a:off x="479575" y="463600"/>
+            <a:ext cx="10183200" cy="400200"/>
+          </a:xfrm>
+          <a:prstGeom prst="rect">
+            <a:avLst/>
+          </a:prstGeom>
+          <a:noFill/>
+          <a:ln>
+            <a:noFill/>
+          </a:ln>
+        </p:spPr>
+        <p:txBody>
+          <a:bodyPr spcFirstLastPara="1" wrap="square" lIns="91425" tIns="91425" rIns="91425" bIns="91425" anchor="t" anchorCtr="0">
+            <a:spAutoFit/>
+          </a:bodyPr>
+          <a:lstStyle/>
+          <a:p>
+            <a:pPr marL="0" lvl="0" indent="0" algn="l" rtl="0">
+              <a:spcBef>
+                <a:spcPts val="0"/>
+              </a:spcBef>
+              <a:spcAft>
+                <a:spcPts val="0"/>
+              </a:spcAft>
+              <a:buNone/>
+            </a:pPr>
+            <a:endParaRPr/>
+          </a:p>
+        </p:txBody>
+      </p:sp>
+      <p:sp>
+        <p:nvSpPr>
+          <p:cNvPr id="306" name="Google Shape;306;p43"/>
+          <p:cNvSpPr txBox="1"/>
+          <p:nvPr/>
+        </p:nvSpPr>
+        <p:spPr>
+          <a:xfrm>
+            <a:off x="926806" y="584825"/>
+            <a:ext cx="8872200" cy="1661963"/>
+          </a:xfrm>
+          <a:prstGeom prst="rect">
+            <a:avLst/>
+          </a:prstGeom>
+          <a:noFill/>
+          <a:ln>
+            <a:noFill/>
+          </a:ln>
+        </p:spPr>
+        <p:txBody>
+          <a:bodyPr spcFirstLastPara="1" wrap="square" lIns="91425" tIns="91425" rIns="91425" bIns="91425" anchor="t" anchorCtr="0">
+            <a:spAutoFit/>
+          </a:bodyPr>
+          <a:lstStyle/>
+          <a:p>
+            <a:r>
+              <a:rPr lang="en-US" sz="4800" b="1" dirty="0">
+                <a:latin typeface="EB Garamond"/>
+                <a:ea typeface="EB Garamond"/>
+              </a:rPr>
+              <a:t>XG Boost</a:t>
+            </a:r>
+          </a:p>
+          <a:p>
+            <a:endParaRPr lang="en-US" sz="4800" b="1" dirty="0">
+              <a:latin typeface="EB Garamond"/>
+              <a:ea typeface="EB Garamond"/>
+            </a:endParaRPr>
+          </a:p>
+        </p:txBody>
+      </p:sp>
+      <p:pic>
+        <p:nvPicPr>
+          <p:cNvPr id="3" name="Picture 2">
+            <a:extLst>
+              <a:ext uri="{FF2B5EF4-FFF2-40B4-BE49-F238E27FC236}">
+                <a16:creationId xmlns:a16="http://schemas.microsoft.com/office/drawing/2014/main" id="{46B6AE28-4232-9DD1-6D40-B7F094D2BB9C}"/>
+              </a:ext>
+            </a:extLst>
+          </p:cNvPr>
+          <p:cNvPicPr>
+            <a:picLocks noChangeAspect="1"/>
+          </p:cNvPicPr>
+          <p:nvPr/>
+        </p:nvPicPr>
+        <p:blipFill>
+          <a:blip r:embed="rId3"/>
+          <a:stretch>
+            <a:fillRect/>
+          </a:stretch>
+        </p:blipFill>
+        <p:spPr>
+          <a:xfrm>
+            <a:off x="601579" y="1534920"/>
+            <a:ext cx="4838699" cy="4238276"/>
+          </a:xfrm>
+          <a:prstGeom prst="rect">
+            <a:avLst/>
+          </a:prstGeom>
+        </p:spPr>
+      </p:pic>
+      <p:pic>
+        <p:nvPicPr>
+          <p:cNvPr id="5" name="Picture 4">
+            <a:extLst>
+              <a:ext uri="{FF2B5EF4-FFF2-40B4-BE49-F238E27FC236}">
+                <a16:creationId xmlns:a16="http://schemas.microsoft.com/office/drawing/2014/main" id="{7EEFB57D-7861-5D4C-0832-1A04442E04A4}"/>
+              </a:ext>
+            </a:extLst>
+          </p:cNvPr>
+          <p:cNvPicPr>
+            <a:picLocks noChangeAspect="1"/>
+          </p:cNvPicPr>
+          <p:nvPr/>
+        </p:nvPicPr>
+        <p:blipFill>
+          <a:blip r:embed="rId4"/>
+          <a:stretch>
+            <a:fillRect/>
+          </a:stretch>
+        </p:blipFill>
+        <p:spPr>
+          <a:xfrm>
+            <a:off x="2898257" y="5107969"/>
+            <a:ext cx="2133785" cy="861135"/>
+          </a:xfrm>
+          <a:prstGeom prst="rect">
+            <a:avLst/>
+          </a:prstGeom>
+        </p:spPr>
+      </p:pic>
+      <p:pic>
+        <p:nvPicPr>
+          <p:cNvPr id="8" name="Picture 7">
+            <a:extLst>
+              <a:ext uri="{FF2B5EF4-FFF2-40B4-BE49-F238E27FC236}">
+                <a16:creationId xmlns:a16="http://schemas.microsoft.com/office/drawing/2014/main" id="{5521FE01-4375-51F8-2C3D-C64C948B5641}"/>
+              </a:ext>
+            </a:extLst>
+          </p:cNvPr>
+          <p:cNvPicPr>
+            <a:picLocks noChangeAspect="1"/>
+          </p:cNvPicPr>
+          <p:nvPr/>
+        </p:nvPicPr>
+        <p:blipFill>
+          <a:blip r:embed="rId5"/>
+          <a:stretch>
+            <a:fillRect/>
+          </a:stretch>
+        </p:blipFill>
+        <p:spPr>
+          <a:xfrm>
+            <a:off x="5765505" y="1415806"/>
+            <a:ext cx="4000847" cy="1021168"/>
+          </a:xfrm>
+          <a:prstGeom prst="rect">
+            <a:avLst/>
+          </a:prstGeom>
+        </p:spPr>
+      </p:pic>
+      <p:pic>
+        <p:nvPicPr>
+          <p:cNvPr id="11" name="Picture 10">
+            <a:extLst>
+              <a:ext uri="{FF2B5EF4-FFF2-40B4-BE49-F238E27FC236}">
+                <a16:creationId xmlns:a16="http://schemas.microsoft.com/office/drawing/2014/main" id="{BD0C01DD-3FDD-1808-DE61-4CD9ED289EC0}"/>
+              </a:ext>
+            </a:extLst>
+          </p:cNvPr>
+          <p:cNvPicPr>
+            <a:picLocks noChangeAspect="1"/>
+          </p:cNvPicPr>
+          <p:nvPr/>
+        </p:nvPicPr>
+        <p:blipFill>
+          <a:blip r:embed="rId6"/>
+          <a:stretch>
+            <a:fillRect/>
+          </a:stretch>
+        </p:blipFill>
+        <p:spPr>
+          <a:xfrm>
+            <a:off x="6561221" y="2651819"/>
+            <a:ext cx="3849696" cy="3295023"/>
+          </a:xfrm>
+          <a:prstGeom prst="rect">
+            <a:avLst/>
+          </a:prstGeom>
+        </p:spPr>
+      </p:pic>
+    </p:spTree>
+    <p:extLst>
+      <p:ext uri="{BB962C8B-B14F-4D97-AF65-F5344CB8AC3E}">
+        <p14:creationId xmlns:p14="http://schemas.microsoft.com/office/powerpoint/2010/main" val="3120528260"/>
+      </p:ext>
+    </p:extLst>
+  </p:cSld>
+  <p:clrMapOvr>
+    <a:masterClrMapping/>
+  </p:clrMapOvr>
+</p:sld>
+</file>
+
+<file path=ppt/slides/slide27.xml><?xml version="1.0" encoding="utf-8"?>
+<p:sld xmlns:a="http://schemas.openxmlformats.org/drawingml/2006/main" xmlns:r="http://schemas.openxmlformats.org/officeDocument/2006/relationships" xmlns:p="http://schemas.openxmlformats.org/presentationml/2006/main">
+  <p:cSld>
+    <p:spTree>
+      <p:nvGrpSpPr>
+        <p:cNvPr id="1" name="Shape 304"/>
+        <p:cNvGrpSpPr/>
+        <p:nvPr/>
+      </p:nvGrpSpPr>
+      <p:grpSpPr>
+        <a:xfrm>
+          <a:off x="0" y="0"/>
+          <a:ext cx="0" cy="0"/>
+          <a:chOff x="0" y="0"/>
+          <a:chExt cx="0" cy="0"/>
+        </a:xfrm>
+      </p:grpSpPr>
+      <p:sp>
+        <p:nvSpPr>
+          <p:cNvPr id="305" name="Google Shape;305;p43"/>
+          <p:cNvSpPr txBox="1"/>
+          <p:nvPr/>
+        </p:nvSpPr>
+        <p:spPr>
+          <a:xfrm>
+            <a:off x="479575" y="463600"/>
+            <a:ext cx="10183200" cy="400200"/>
+          </a:xfrm>
+          <a:prstGeom prst="rect">
+            <a:avLst/>
+          </a:prstGeom>
+          <a:noFill/>
+          <a:ln>
+            <a:noFill/>
+          </a:ln>
+        </p:spPr>
+        <p:txBody>
+          <a:bodyPr spcFirstLastPara="1" wrap="square" lIns="91425" tIns="91425" rIns="91425" bIns="91425" anchor="t" anchorCtr="0">
+            <a:spAutoFit/>
+          </a:bodyPr>
+          <a:lstStyle/>
+          <a:p>
+            <a:pPr marL="0" lvl="0" indent="0" algn="l" rtl="0">
+              <a:spcBef>
+                <a:spcPts val="0"/>
+              </a:spcBef>
+              <a:spcAft>
+                <a:spcPts val="0"/>
+              </a:spcAft>
+              <a:buNone/>
+            </a:pPr>
+            <a:endParaRPr/>
+          </a:p>
+        </p:txBody>
+      </p:sp>
+      <p:sp>
+        <p:nvSpPr>
+          <p:cNvPr id="306" name="Google Shape;306;p43"/>
+          <p:cNvSpPr txBox="1"/>
+          <p:nvPr/>
+        </p:nvSpPr>
+        <p:spPr>
+          <a:xfrm>
+            <a:off x="926806" y="584825"/>
+            <a:ext cx="8872200" cy="1661963"/>
+          </a:xfrm>
+          <a:prstGeom prst="rect">
+            <a:avLst/>
+          </a:prstGeom>
+          <a:noFill/>
+          <a:ln>
+            <a:noFill/>
+          </a:ln>
+        </p:spPr>
+        <p:txBody>
+          <a:bodyPr spcFirstLastPara="1" wrap="square" lIns="91425" tIns="91425" rIns="91425" bIns="91425" anchor="t" anchorCtr="0">
+            <a:spAutoFit/>
+          </a:bodyPr>
+          <a:lstStyle/>
+          <a:p>
+            <a:r>
+              <a:rPr lang="en-US" sz="4800" b="1" dirty="0">
+                <a:latin typeface="EB Garamond"/>
+                <a:ea typeface="EB Garamond"/>
+              </a:rPr>
+              <a:t>Naive Bayes classifier</a:t>
+            </a:r>
+          </a:p>
+          <a:p>
+            <a:endParaRPr lang="en-US" sz="4800" b="1" dirty="0">
+              <a:latin typeface="EB Garamond"/>
+              <a:ea typeface="EB Garamond"/>
+            </a:endParaRPr>
+          </a:p>
+        </p:txBody>
+      </p:sp>
+      <p:pic>
+        <p:nvPicPr>
+          <p:cNvPr id="4" name="Picture 3">
+            <a:extLst>
+              <a:ext uri="{FF2B5EF4-FFF2-40B4-BE49-F238E27FC236}">
+                <a16:creationId xmlns:a16="http://schemas.microsoft.com/office/drawing/2014/main" id="{60A93D8A-6361-6F2A-CDD8-1A45AF7BDC20}"/>
+              </a:ext>
+            </a:extLst>
+          </p:cNvPr>
+          <p:cNvPicPr>
+            <a:picLocks noChangeAspect="1"/>
+          </p:cNvPicPr>
+          <p:nvPr/>
+        </p:nvPicPr>
+        <p:blipFill>
+          <a:blip r:embed="rId3"/>
+          <a:stretch>
+            <a:fillRect/>
+          </a:stretch>
+        </p:blipFill>
+        <p:spPr>
+          <a:xfrm>
+            <a:off x="833866" y="1384615"/>
+            <a:ext cx="5503740" cy="4692015"/>
+          </a:xfrm>
+          <a:prstGeom prst="rect">
+            <a:avLst/>
+          </a:prstGeom>
+        </p:spPr>
+      </p:pic>
+      <p:pic>
+        <p:nvPicPr>
+          <p:cNvPr id="7" name="Picture 6">
+            <a:extLst>
+              <a:ext uri="{FF2B5EF4-FFF2-40B4-BE49-F238E27FC236}">
+                <a16:creationId xmlns:a16="http://schemas.microsoft.com/office/drawing/2014/main" id="{644FD078-5193-C6F6-C4CC-C95D96B81C85}"/>
+              </a:ext>
+            </a:extLst>
+          </p:cNvPr>
+          <p:cNvPicPr>
+            <a:picLocks noChangeAspect="1"/>
+          </p:cNvPicPr>
+          <p:nvPr/>
+        </p:nvPicPr>
+        <p:blipFill>
+          <a:blip r:embed="rId4"/>
+          <a:stretch>
+            <a:fillRect/>
+          </a:stretch>
+        </p:blipFill>
+        <p:spPr>
+          <a:xfrm>
+            <a:off x="6904597" y="1384615"/>
+            <a:ext cx="4262922" cy="3938128"/>
+          </a:xfrm>
+          <a:prstGeom prst="rect">
+            <a:avLst/>
+          </a:prstGeom>
+        </p:spPr>
+      </p:pic>
+    </p:spTree>
+    <p:extLst>
+      <p:ext uri="{BB962C8B-B14F-4D97-AF65-F5344CB8AC3E}">
+        <p14:creationId xmlns:p14="http://schemas.microsoft.com/office/powerpoint/2010/main" val="3419638268"/>
+      </p:ext>
+    </p:extLst>
+  </p:cSld>
+  <p:clrMapOvr>
+    <a:masterClrMapping/>
+  </p:clrMapOvr>
+</p:sld>
+</file>
+
+<file path=ppt/slides/slide28.xml><?xml version="1.0" encoding="utf-8"?>
+<p:sld xmlns:a="http://schemas.openxmlformats.org/drawingml/2006/main" xmlns:r="http://schemas.openxmlformats.org/officeDocument/2006/relationships" xmlns:p="http://schemas.openxmlformats.org/presentationml/2006/main">
+  <p:cSld>
+    <p:spTree>
+      <p:nvGrpSpPr>
+        <p:cNvPr id="1" name="Shape 304"/>
+        <p:cNvGrpSpPr/>
+        <p:nvPr/>
+      </p:nvGrpSpPr>
+      <p:grpSpPr>
+        <a:xfrm>
+          <a:off x="0" y="0"/>
+          <a:ext cx="0" cy="0"/>
+          <a:chOff x="0" y="0"/>
+          <a:chExt cx="0" cy="0"/>
+        </a:xfrm>
+      </p:grpSpPr>
+      <p:sp>
+        <p:nvSpPr>
+          <p:cNvPr id="305" name="Google Shape;305;p43"/>
+          <p:cNvSpPr txBox="1"/>
+          <p:nvPr/>
+        </p:nvSpPr>
+        <p:spPr>
+          <a:xfrm>
+            <a:off x="479575" y="463600"/>
+            <a:ext cx="10183200" cy="400200"/>
+          </a:xfrm>
+          <a:prstGeom prst="rect">
+            <a:avLst/>
+          </a:prstGeom>
+          <a:noFill/>
+          <a:ln>
+            <a:noFill/>
+          </a:ln>
+        </p:spPr>
+        <p:txBody>
+          <a:bodyPr spcFirstLastPara="1" wrap="square" lIns="91425" tIns="91425" rIns="91425" bIns="91425" anchor="t" anchorCtr="0">
+            <a:spAutoFit/>
+          </a:bodyPr>
+          <a:lstStyle/>
+          <a:p>
+            <a:pPr marL="0" lvl="0" indent="0" algn="l" rtl="0">
+              <a:spcBef>
+                <a:spcPts val="0"/>
+              </a:spcBef>
+              <a:spcAft>
+                <a:spcPts val="0"/>
+              </a:spcAft>
+              <a:buNone/>
+            </a:pPr>
+            <a:endParaRPr/>
+          </a:p>
+        </p:txBody>
+      </p:sp>
+      <p:sp>
+        <p:nvSpPr>
+          <p:cNvPr id="306" name="Google Shape;306;p43"/>
+          <p:cNvSpPr txBox="1"/>
+          <p:nvPr/>
+        </p:nvSpPr>
+        <p:spPr>
+          <a:xfrm>
+            <a:off x="926806" y="584825"/>
+            <a:ext cx="8872200" cy="1661963"/>
+          </a:xfrm>
+          <a:prstGeom prst="rect">
+            <a:avLst/>
+          </a:prstGeom>
+          <a:noFill/>
+          <a:ln>
+            <a:noFill/>
+          </a:ln>
+        </p:spPr>
+        <p:txBody>
+          <a:bodyPr spcFirstLastPara="1" wrap="square" lIns="91425" tIns="91425" rIns="91425" bIns="91425" anchor="t" anchorCtr="0">
+            <a:spAutoFit/>
+          </a:bodyPr>
+          <a:lstStyle/>
+          <a:p>
+            <a:r>
+              <a:rPr lang="en-US" sz="4800" b="1" dirty="0">
+                <a:latin typeface="EB Garamond"/>
+                <a:ea typeface="EB Garamond"/>
+              </a:rPr>
+              <a:t>Correlation coefficients</a:t>
+            </a:r>
+          </a:p>
+          <a:p>
+            <a:endParaRPr lang="en-US" sz="4800" b="1" dirty="0">
+              <a:latin typeface="EB Garamond"/>
+              <a:ea typeface="EB Garamond"/>
+            </a:endParaRPr>
+          </a:p>
+        </p:txBody>
+      </p:sp>
+      <p:pic>
+        <p:nvPicPr>
+          <p:cNvPr id="3" name="Picture 2">
+            <a:extLst>
+              <a:ext uri="{FF2B5EF4-FFF2-40B4-BE49-F238E27FC236}">
+                <a16:creationId xmlns:a16="http://schemas.microsoft.com/office/drawing/2014/main" id="{5162EC8B-F7E0-2DFA-6A25-0519C4AF9306}"/>
+              </a:ext>
+            </a:extLst>
+          </p:cNvPr>
+          <p:cNvPicPr>
+            <a:picLocks noChangeAspect="1"/>
+          </p:cNvPicPr>
+          <p:nvPr/>
+        </p:nvPicPr>
+        <p:blipFill>
+          <a:blip r:embed="rId3"/>
+          <a:stretch>
+            <a:fillRect/>
+          </a:stretch>
+        </p:blipFill>
+        <p:spPr>
+          <a:xfrm>
+            <a:off x="1700464" y="1535257"/>
+            <a:ext cx="8245642" cy="4737918"/>
+          </a:xfrm>
+          <a:prstGeom prst="rect">
+            <a:avLst/>
+          </a:prstGeom>
+        </p:spPr>
+      </p:pic>
+    </p:spTree>
+    <p:extLst>
+      <p:ext uri="{BB962C8B-B14F-4D97-AF65-F5344CB8AC3E}">
+        <p14:creationId xmlns:p14="http://schemas.microsoft.com/office/powerpoint/2010/main" val="968748529"/>
+      </p:ext>
+    </p:extLst>
+  </p:cSld>
+  <p:clrMapOvr>
+    <a:masterClrMapping/>
+  </p:clrMapOvr>
+</p:sld>
+</file>
+
+<file path=ppt/slides/slide29.xml><?xml version="1.0" encoding="utf-8"?>
+<p:sld xmlns:a="http://schemas.openxmlformats.org/drawingml/2006/main" xmlns:r="http://schemas.openxmlformats.org/officeDocument/2006/relationships" xmlns:p="http://schemas.openxmlformats.org/presentationml/2006/main">
+  <p:cSld>
+    <p:spTree>
+      <p:nvGrpSpPr>
+        <p:cNvPr id="1" name="Shape 304"/>
+        <p:cNvGrpSpPr/>
+        <p:nvPr/>
+      </p:nvGrpSpPr>
+      <p:grpSpPr>
+        <a:xfrm>
+          <a:off x="0" y="0"/>
+          <a:ext cx="0" cy="0"/>
+          <a:chOff x="0" y="0"/>
+          <a:chExt cx="0" cy="0"/>
+        </a:xfrm>
+      </p:grpSpPr>
+      <p:sp>
+        <p:nvSpPr>
+          <p:cNvPr id="305" name="Google Shape;305;p43"/>
+          <p:cNvSpPr txBox="1"/>
+          <p:nvPr/>
+        </p:nvSpPr>
+        <p:spPr>
+          <a:xfrm>
+            <a:off x="479575" y="463600"/>
+            <a:ext cx="10183200" cy="400200"/>
+          </a:xfrm>
+          <a:prstGeom prst="rect">
+            <a:avLst/>
+          </a:prstGeom>
+          <a:noFill/>
+          <a:ln>
+            <a:noFill/>
+          </a:ln>
+        </p:spPr>
+        <p:txBody>
+          <a:bodyPr spcFirstLastPara="1" wrap="square" lIns="91425" tIns="91425" rIns="91425" bIns="91425" anchor="t" anchorCtr="0">
+            <a:spAutoFit/>
+          </a:bodyPr>
+          <a:lstStyle/>
+          <a:p>
+            <a:pPr marL="0" lvl="0" indent="0" algn="l" rtl="0">
+              <a:spcBef>
+                <a:spcPts val="0"/>
+              </a:spcBef>
+              <a:spcAft>
+                <a:spcPts val="0"/>
+              </a:spcAft>
+              <a:buNone/>
+            </a:pPr>
+            <a:endParaRPr/>
+          </a:p>
+        </p:txBody>
+      </p:sp>
+      <p:sp>
+        <p:nvSpPr>
+          <p:cNvPr id="306" name="Google Shape;306;p43"/>
+          <p:cNvSpPr txBox="1"/>
+          <p:nvPr/>
+        </p:nvSpPr>
+        <p:spPr>
+          <a:xfrm>
+            <a:off x="926806" y="584825"/>
+            <a:ext cx="8872200" cy="1661963"/>
+          </a:xfrm>
+          <a:prstGeom prst="rect">
+            <a:avLst/>
+          </a:prstGeom>
+          <a:noFill/>
+          <a:ln>
+            <a:noFill/>
+          </a:ln>
+        </p:spPr>
+        <p:txBody>
+          <a:bodyPr spcFirstLastPara="1" wrap="square" lIns="91425" tIns="91425" rIns="91425" bIns="91425" anchor="t" anchorCtr="0">
+            <a:spAutoFit/>
+          </a:bodyPr>
+          <a:lstStyle/>
+          <a:p>
+            <a:r>
+              <a:rPr lang="en-US" sz="4800" b="1" dirty="0">
+                <a:latin typeface="EB Garamond"/>
+                <a:ea typeface="EB Garamond"/>
+              </a:rPr>
+              <a:t>Correlation Matrix</a:t>
+            </a:r>
+          </a:p>
+          <a:p>
+            <a:endParaRPr lang="en-US" sz="4800" b="1" dirty="0">
+              <a:latin typeface="EB Garamond"/>
+              <a:ea typeface="EB Garamond"/>
+            </a:endParaRPr>
+          </a:p>
+        </p:txBody>
+      </p:sp>
+      <p:pic>
+        <p:nvPicPr>
+          <p:cNvPr id="4" name="Picture 3">
+            <a:extLst>
+              <a:ext uri="{FF2B5EF4-FFF2-40B4-BE49-F238E27FC236}">
+                <a16:creationId xmlns:a16="http://schemas.microsoft.com/office/drawing/2014/main" id="{22AB4ABC-B5AD-863E-3227-68C384A02ECD}"/>
+              </a:ext>
+            </a:extLst>
+          </p:cNvPr>
+          <p:cNvPicPr>
+            <a:picLocks noChangeAspect="1"/>
+          </p:cNvPicPr>
+          <p:nvPr/>
+        </p:nvPicPr>
+        <p:blipFill>
+          <a:blip r:embed="rId3"/>
+          <a:stretch>
+            <a:fillRect/>
+          </a:stretch>
+        </p:blipFill>
+        <p:spPr>
+          <a:xfrm>
+            <a:off x="2343150" y="1619250"/>
+            <a:ext cx="7505700" cy="3619500"/>
+          </a:xfrm>
+          <a:prstGeom prst="rect">
+            <a:avLst/>
+          </a:prstGeom>
+        </p:spPr>
+      </p:pic>
+    </p:spTree>
+    <p:extLst>
+      <p:ext uri="{BB962C8B-B14F-4D97-AF65-F5344CB8AC3E}">
+        <p14:creationId xmlns:p14="http://schemas.microsoft.com/office/powerpoint/2010/main" val="3286751804"/>
+      </p:ext>
+    </p:extLst>
+  </p:cSld>
+  <p:clrMapOvr>
+    <a:masterClrMapping/>
+  </p:clrMapOvr>
+</p:sld>
+</file>
+
 <file path=ppt/slides/slide3.xml><?xml version="1.0" encoding="utf-8"?>
+<p:sld xmlns:a="http://schemas.openxmlformats.org/drawingml/2006/main" xmlns:r="http://schemas.openxmlformats.org/officeDocument/2006/relationships" xmlns:p="http://schemas.openxmlformats.org/presentationml/2006/main">
+  <p:cSld>
+    <p:spTree>
+      <p:nvGrpSpPr>
+        <p:cNvPr id="1" name="Shape 132"/>
+        <p:cNvGrpSpPr/>
+        <p:nvPr/>
+      </p:nvGrpSpPr>
+      <p:grpSpPr>
+        <a:xfrm>
+          <a:off x="0" y="0"/>
+          <a:ext cx="0" cy="0"/>
+          <a:chOff x="0" y="0"/>
+          <a:chExt cx="0" cy="0"/>
+        </a:xfrm>
+      </p:grpSpPr>
+      <p:sp>
+        <p:nvSpPr>
+          <p:cNvPr id="133" name="Google Shape;133;p19"/>
+          <p:cNvSpPr txBox="1">
+            <a:spLocks noGrp="1"/>
+          </p:cNvSpPr>
+          <p:nvPr>
+            <p:ph type="title"/>
+          </p:nvPr>
+        </p:nvSpPr>
+        <p:spPr>
+          <a:xfrm>
+            <a:off x="760075" y="0"/>
+            <a:ext cx="10515600" cy="1325700"/>
+          </a:xfrm>
+          <a:prstGeom prst="rect">
+            <a:avLst/>
+          </a:prstGeom>
+          <a:noFill/>
+          <a:ln>
+            <a:noFill/>
+          </a:ln>
+        </p:spPr>
+        <p:txBody>
+          <a:bodyPr spcFirstLastPara="1" wrap="square" lIns="91425" tIns="45700" rIns="91425" bIns="45700" anchor="ctr" anchorCtr="0">
+            <a:noAutofit/>
+          </a:bodyPr>
+          <a:lstStyle/>
+          <a:p>
+            <a:pPr marL="0" lvl="0" indent="0" algn="l" rtl="0">
+              <a:lnSpc>
+                <a:spcPct val="90000"/>
+              </a:lnSpc>
+              <a:spcBef>
+                <a:spcPts val="0"/>
+              </a:spcBef>
+              <a:spcAft>
+                <a:spcPts val="0"/>
+              </a:spcAft>
+              <a:buClr>
+                <a:srgbClr val="07305D"/>
+              </a:buClr>
+              <a:buSzPts val="3200"/>
+              <a:buFont typeface="Arial"/>
+              <a:buNone/>
+            </a:pPr>
+            <a:r>
+              <a:rPr lang="en-US" sz="4400" b="0">
+                <a:solidFill>
+                  <a:srgbClr val="222222"/>
+                </a:solidFill>
+                <a:latin typeface="EB Garamond ExtraBold"/>
+                <a:ea typeface="EB Garamond ExtraBold"/>
+                <a:cs typeface="EB Garamond ExtraBold"/>
+                <a:sym typeface="EB Garamond ExtraBold"/>
+              </a:rPr>
+              <a:t>Overview</a:t>
+            </a:r>
+            <a:endParaRPr sz="4400" b="0">
+              <a:solidFill>
+                <a:srgbClr val="222222"/>
+              </a:solidFill>
+              <a:latin typeface="EB Garamond ExtraBold"/>
+              <a:ea typeface="EB Garamond ExtraBold"/>
+              <a:cs typeface="EB Garamond ExtraBold"/>
+              <a:sym typeface="EB Garamond ExtraBold"/>
+            </a:endParaRPr>
+          </a:p>
+        </p:txBody>
+      </p:sp>
+      <p:sp>
+        <p:nvSpPr>
+          <p:cNvPr id="134" name="Google Shape;134;p19"/>
+          <p:cNvSpPr txBox="1">
+            <a:spLocks noGrp="1"/>
+          </p:cNvSpPr>
+          <p:nvPr>
+            <p:ph type="body" idx="1"/>
+          </p:nvPr>
+        </p:nvSpPr>
+        <p:spPr>
+          <a:xfrm>
+            <a:off x="838200" y="1060150"/>
+            <a:ext cx="10515600" cy="5117400"/>
+          </a:xfrm>
+          <a:prstGeom prst="rect">
+            <a:avLst/>
+          </a:prstGeom>
+          <a:noFill/>
+          <a:ln>
+            <a:noFill/>
+          </a:ln>
+        </p:spPr>
+        <p:txBody>
+          <a:bodyPr spcFirstLastPara="1" wrap="square" lIns="91425" tIns="45700" rIns="91425" bIns="45700" anchor="t" anchorCtr="0">
+            <a:noAutofit/>
+          </a:bodyPr>
+          <a:lstStyle/>
+          <a:p>
+            <a:pPr marL="457200" lvl="0" indent="-393700" algn="l" rtl="0">
+              <a:lnSpc>
+                <a:spcPct val="115000"/>
+              </a:lnSpc>
+              <a:spcBef>
+                <a:spcPts val="0"/>
+              </a:spcBef>
+              <a:spcAft>
+                <a:spcPts val="0"/>
+              </a:spcAft>
+              <a:buClr>
+                <a:schemeClr val="dk1"/>
+              </a:buClr>
+              <a:buSzPts val="2600"/>
+              <a:buFont typeface="EB Garamond"/>
+              <a:buChar char="●"/>
+            </a:pPr>
+            <a:r>
+              <a:rPr lang="en-US" sz="2600" dirty="0">
+                <a:solidFill>
+                  <a:schemeClr val="dk1"/>
+                </a:solidFill>
+                <a:latin typeface="EB Garamond"/>
+                <a:ea typeface="EB Garamond"/>
+                <a:cs typeface="EB Garamond"/>
+                <a:sym typeface="EB Garamond"/>
+              </a:rPr>
+              <a:t>Introduction </a:t>
+            </a:r>
+          </a:p>
+          <a:p>
+            <a:pPr marL="457200" lvl="0" indent="-393700" algn="l" rtl="0">
+              <a:lnSpc>
+                <a:spcPct val="115000"/>
+              </a:lnSpc>
+              <a:spcBef>
+                <a:spcPts val="0"/>
+              </a:spcBef>
+              <a:spcAft>
+                <a:spcPts val="0"/>
+              </a:spcAft>
+              <a:buClr>
+                <a:schemeClr val="dk1"/>
+              </a:buClr>
+              <a:buSzPts val="2600"/>
+              <a:buFont typeface="EB Garamond"/>
+              <a:buChar char="●"/>
+            </a:pPr>
+            <a:r>
+              <a:rPr lang="en-US" sz="2600" dirty="0">
+                <a:solidFill>
+                  <a:schemeClr val="dk1"/>
+                </a:solidFill>
+                <a:latin typeface="EB Garamond"/>
+                <a:ea typeface="EB Garamond"/>
+                <a:cs typeface="EB Garamond"/>
+                <a:sym typeface="EB Garamond"/>
+              </a:rPr>
+              <a:t>Potential Customers &amp; End Users</a:t>
+            </a:r>
+            <a:endParaRPr sz="2600" dirty="0">
+              <a:solidFill>
+                <a:schemeClr val="dk1"/>
+              </a:solidFill>
+              <a:highlight>
+                <a:srgbClr val="FFFFFF"/>
+              </a:highlight>
+              <a:latin typeface="EB Garamond"/>
+              <a:ea typeface="EB Garamond"/>
+              <a:cs typeface="EB Garamond"/>
+              <a:sym typeface="EB Garamond"/>
+            </a:endParaRPr>
+          </a:p>
+          <a:p>
+            <a:pPr marL="457200" lvl="0" indent="-393700" algn="l" rtl="0">
+              <a:lnSpc>
+                <a:spcPct val="115000"/>
+              </a:lnSpc>
+              <a:spcBef>
+                <a:spcPts val="0"/>
+              </a:spcBef>
+              <a:spcAft>
+                <a:spcPts val="0"/>
+              </a:spcAft>
+              <a:buClr>
+                <a:schemeClr val="dk1"/>
+              </a:buClr>
+              <a:buSzPts val="2600"/>
+              <a:buFont typeface="EB Garamond"/>
+              <a:buChar char="●"/>
+            </a:pPr>
+            <a:r>
+              <a:rPr lang="en-US" sz="2600" dirty="0">
+                <a:solidFill>
+                  <a:schemeClr val="dk1"/>
+                </a:solidFill>
+                <a:highlight>
+                  <a:srgbClr val="FFFFFF"/>
+                </a:highlight>
+                <a:latin typeface="EB Garamond"/>
+                <a:ea typeface="EB Garamond"/>
+                <a:cs typeface="EB Garamond"/>
+                <a:sym typeface="EB Garamond"/>
+              </a:rPr>
+              <a:t>Tools Utilized</a:t>
+            </a:r>
+            <a:endParaRPr sz="2600" dirty="0">
+              <a:solidFill>
+                <a:schemeClr val="dk1"/>
+              </a:solidFill>
+              <a:highlight>
+                <a:srgbClr val="FFFFFF"/>
+              </a:highlight>
+              <a:latin typeface="EB Garamond"/>
+              <a:ea typeface="EB Garamond"/>
+              <a:cs typeface="EB Garamond"/>
+              <a:sym typeface="EB Garamond"/>
+            </a:endParaRPr>
+          </a:p>
+          <a:p>
+            <a:pPr marL="457200" lvl="0" indent="-393700" algn="l" rtl="0">
+              <a:lnSpc>
+                <a:spcPct val="115000"/>
+              </a:lnSpc>
+              <a:spcBef>
+                <a:spcPts val="0"/>
+              </a:spcBef>
+              <a:spcAft>
+                <a:spcPts val="0"/>
+              </a:spcAft>
+              <a:buClr>
+                <a:schemeClr val="dk1"/>
+              </a:buClr>
+              <a:buSzPts val="2600"/>
+              <a:buFont typeface="EB Garamond"/>
+              <a:buChar char="●"/>
+            </a:pPr>
+            <a:r>
+              <a:rPr lang="en-US" sz="2600" dirty="0">
+                <a:solidFill>
+                  <a:schemeClr val="dk1"/>
+                </a:solidFill>
+                <a:highlight>
+                  <a:srgbClr val="FFFFFF"/>
+                </a:highlight>
+                <a:latin typeface="EB Garamond"/>
+                <a:ea typeface="EB Garamond"/>
+                <a:cs typeface="EB Garamond"/>
+                <a:sym typeface="EB Garamond"/>
+              </a:rPr>
+              <a:t>Literature Review</a:t>
+            </a:r>
+            <a:endParaRPr sz="2600" dirty="0">
+              <a:solidFill>
+                <a:schemeClr val="dk1"/>
+              </a:solidFill>
+              <a:highlight>
+                <a:srgbClr val="FFFFFF"/>
+              </a:highlight>
+              <a:latin typeface="EB Garamond"/>
+              <a:ea typeface="EB Garamond"/>
+              <a:cs typeface="EB Garamond"/>
+              <a:sym typeface="EB Garamond"/>
+            </a:endParaRPr>
+          </a:p>
+          <a:p>
+            <a:pPr marL="457200" lvl="0" indent="-393700" algn="l" rtl="0">
+              <a:lnSpc>
+                <a:spcPct val="115000"/>
+              </a:lnSpc>
+              <a:spcBef>
+                <a:spcPts val="0"/>
+              </a:spcBef>
+              <a:spcAft>
+                <a:spcPts val="0"/>
+              </a:spcAft>
+              <a:buClr>
+                <a:schemeClr val="dk1"/>
+              </a:buClr>
+              <a:buSzPts val="2600"/>
+              <a:buFont typeface="EB Garamond"/>
+              <a:buChar char="●"/>
+            </a:pPr>
+            <a:r>
+              <a:rPr lang="en-US" sz="2600" dirty="0">
+                <a:solidFill>
+                  <a:schemeClr val="dk1"/>
+                </a:solidFill>
+                <a:highlight>
+                  <a:srgbClr val="FFFFFF"/>
+                </a:highlight>
+                <a:latin typeface="EB Garamond"/>
+                <a:ea typeface="EB Garamond"/>
+                <a:cs typeface="EB Garamond"/>
+                <a:sym typeface="EB Garamond"/>
+              </a:rPr>
+              <a:t>Data Cleaning </a:t>
+            </a:r>
+            <a:endParaRPr sz="2600" dirty="0">
+              <a:solidFill>
+                <a:schemeClr val="dk1"/>
+              </a:solidFill>
+              <a:highlight>
+                <a:srgbClr val="FFFFFF"/>
+              </a:highlight>
+              <a:latin typeface="EB Garamond"/>
+              <a:ea typeface="EB Garamond"/>
+              <a:cs typeface="EB Garamond"/>
+              <a:sym typeface="EB Garamond"/>
+            </a:endParaRPr>
+          </a:p>
+          <a:p>
+            <a:pPr marL="457200" lvl="0" indent="-393700" algn="l" rtl="0">
+              <a:lnSpc>
+                <a:spcPct val="115000"/>
+              </a:lnSpc>
+              <a:spcBef>
+                <a:spcPts val="0"/>
+              </a:spcBef>
+              <a:spcAft>
+                <a:spcPts val="0"/>
+              </a:spcAft>
+              <a:buClr>
+                <a:schemeClr val="dk1"/>
+              </a:buClr>
+              <a:buSzPts val="2600"/>
+              <a:buFont typeface="EB Garamond"/>
+              <a:buChar char="●"/>
+            </a:pPr>
+            <a:r>
+              <a:rPr lang="en-US" sz="2600" dirty="0">
+                <a:solidFill>
+                  <a:schemeClr val="dk1"/>
+                </a:solidFill>
+                <a:highlight>
+                  <a:srgbClr val="FFFFFF"/>
+                </a:highlight>
+                <a:latin typeface="EB Garamond"/>
+                <a:ea typeface="EB Garamond"/>
+                <a:cs typeface="EB Garamond"/>
+                <a:sym typeface="EB Garamond"/>
+              </a:rPr>
+              <a:t>Data Analysis</a:t>
+            </a:r>
+            <a:endParaRPr sz="2600" dirty="0">
+              <a:solidFill>
+                <a:schemeClr val="dk1"/>
+              </a:solidFill>
+              <a:highlight>
+                <a:srgbClr val="FFFFFF"/>
+              </a:highlight>
+              <a:latin typeface="EB Garamond"/>
+              <a:ea typeface="EB Garamond"/>
+              <a:cs typeface="EB Garamond"/>
+              <a:sym typeface="EB Garamond"/>
+            </a:endParaRPr>
+          </a:p>
+          <a:p>
+            <a:pPr marL="457200" lvl="0" indent="-393700" algn="l" rtl="0">
+              <a:lnSpc>
+                <a:spcPct val="115000"/>
+              </a:lnSpc>
+              <a:spcBef>
+                <a:spcPts val="0"/>
+              </a:spcBef>
+              <a:spcAft>
+                <a:spcPts val="0"/>
+              </a:spcAft>
+              <a:buClr>
+                <a:schemeClr val="dk1"/>
+              </a:buClr>
+              <a:buSzPts val="2600"/>
+              <a:buFont typeface="EB Garamond"/>
+              <a:buChar char="●"/>
+            </a:pPr>
+            <a:r>
+              <a:rPr lang="en-US" sz="2600" dirty="0">
+                <a:solidFill>
+                  <a:schemeClr val="dk1"/>
+                </a:solidFill>
+                <a:highlight>
+                  <a:srgbClr val="FFFFFF"/>
+                </a:highlight>
+                <a:latin typeface="EB Garamond"/>
+                <a:ea typeface="EB Garamond"/>
+                <a:cs typeface="EB Garamond"/>
+                <a:sym typeface="EB Garamond"/>
+              </a:rPr>
+              <a:t>Methods Implemented</a:t>
+            </a:r>
+            <a:endParaRPr sz="2600" dirty="0">
+              <a:solidFill>
+                <a:schemeClr val="dk1"/>
+              </a:solidFill>
+              <a:highlight>
+                <a:srgbClr val="FFFFFF"/>
+              </a:highlight>
+              <a:latin typeface="EB Garamond"/>
+              <a:ea typeface="EB Garamond"/>
+              <a:cs typeface="EB Garamond"/>
+              <a:sym typeface="EB Garamond"/>
+            </a:endParaRPr>
+          </a:p>
+          <a:p>
+            <a:pPr marL="457200" lvl="0" indent="-393700" algn="l" rtl="0">
+              <a:lnSpc>
+                <a:spcPct val="115000"/>
+              </a:lnSpc>
+              <a:spcBef>
+                <a:spcPts val="0"/>
+              </a:spcBef>
+              <a:spcAft>
+                <a:spcPts val="0"/>
+              </a:spcAft>
+              <a:buClr>
+                <a:schemeClr val="dk1"/>
+              </a:buClr>
+              <a:buSzPts val="2600"/>
+              <a:buFont typeface="EB Garamond"/>
+              <a:buChar char="●"/>
+            </a:pPr>
+            <a:r>
+              <a:rPr lang="en-US" sz="2600" dirty="0">
+                <a:solidFill>
+                  <a:schemeClr val="dk1"/>
+                </a:solidFill>
+                <a:highlight>
+                  <a:srgbClr val="FFFFFF"/>
+                </a:highlight>
+                <a:latin typeface="EB Garamond"/>
+                <a:ea typeface="EB Garamond"/>
+                <a:cs typeface="EB Garamond"/>
+                <a:sym typeface="EB Garamond"/>
+              </a:rPr>
+              <a:t>Results</a:t>
+            </a:r>
+            <a:endParaRPr sz="2600" dirty="0">
+              <a:solidFill>
+                <a:schemeClr val="dk1"/>
+              </a:solidFill>
+              <a:highlight>
+                <a:srgbClr val="FFFFFF"/>
+              </a:highlight>
+              <a:latin typeface="EB Garamond"/>
+              <a:ea typeface="EB Garamond"/>
+              <a:cs typeface="EB Garamond"/>
+              <a:sym typeface="EB Garamond"/>
+            </a:endParaRPr>
+          </a:p>
+          <a:p>
+            <a:pPr marL="228600" lvl="0" indent="-76200" algn="l" rtl="0">
+              <a:lnSpc>
+                <a:spcPct val="90000"/>
+              </a:lnSpc>
+              <a:spcBef>
+                <a:spcPts val="1000"/>
+              </a:spcBef>
+              <a:spcAft>
+                <a:spcPts val="0"/>
+              </a:spcAft>
+              <a:buClr>
+                <a:srgbClr val="07305D"/>
+              </a:buClr>
+              <a:buSzPts val="2400"/>
+              <a:buNone/>
+            </a:pPr>
+            <a:endParaRPr sz="2600" dirty="0">
+              <a:solidFill>
+                <a:schemeClr val="dk1"/>
+              </a:solidFill>
+              <a:latin typeface="EB Garamond"/>
+              <a:ea typeface="EB Garamond"/>
+              <a:cs typeface="EB Garamond"/>
+              <a:sym typeface="EB Garamond"/>
+            </a:endParaRPr>
+          </a:p>
+          <a:p>
+            <a:pPr marL="228600" lvl="0" indent="-76200" algn="l" rtl="0">
+              <a:lnSpc>
+                <a:spcPct val="90000"/>
+              </a:lnSpc>
+              <a:spcBef>
+                <a:spcPts val="1000"/>
+              </a:spcBef>
+              <a:spcAft>
+                <a:spcPts val="0"/>
+              </a:spcAft>
+              <a:buClr>
+                <a:srgbClr val="07305D"/>
+              </a:buClr>
+              <a:buSzPts val="2400"/>
+              <a:buNone/>
+            </a:pPr>
+            <a:endParaRPr sz="2600" dirty="0">
+              <a:solidFill>
+                <a:schemeClr val="dk1"/>
+              </a:solidFill>
+              <a:latin typeface="EB Garamond"/>
+              <a:ea typeface="EB Garamond"/>
+              <a:cs typeface="EB Garamond"/>
+              <a:sym typeface="EB Garamond"/>
+            </a:endParaRPr>
+          </a:p>
+        </p:txBody>
+      </p:sp>
+    </p:spTree>
+  </p:cSld>
+  <p:clrMapOvr>
+    <a:masterClrMapping/>
+  </p:clrMapOvr>
+</p:sld>
+</file>
+
+<file path=ppt/slides/slide30.xml><?xml version="1.0" encoding="utf-8"?>
+<p:sld xmlns:a="http://schemas.openxmlformats.org/drawingml/2006/main" xmlns:r="http://schemas.openxmlformats.org/officeDocument/2006/relationships" xmlns:p="http://schemas.openxmlformats.org/presentationml/2006/main">
+  <p:cSld>
+    <p:spTree>
+      <p:nvGrpSpPr>
+        <p:cNvPr id="1" name="Shape 304"/>
+        <p:cNvGrpSpPr/>
+        <p:nvPr/>
+      </p:nvGrpSpPr>
+      <p:grpSpPr>
+        <a:xfrm>
+          <a:off x="0" y="0"/>
+          <a:ext cx="0" cy="0"/>
+          <a:chOff x="0" y="0"/>
+          <a:chExt cx="0" cy="0"/>
+        </a:xfrm>
+      </p:grpSpPr>
+      <p:sp>
+        <p:nvSpPr>
+          <p:cNvPr id="305" name="Google Shape;305;p43"/>
+          <p:cNvSpPr txBox="1"/>
+          <p:nvPr/>
+        </p:nvSpPr>
+        <p:spPr>
+          <a:xfrm>
+            <a:off x="479575" y="463600"/>
+            <a:ext cx="10183200" cy="400200"/>
+          </a:xfrm>
+          <a:prstGeom prst="rect">
+            <a:avLst/>
+          </a:prstGeom>
+          <a:noFill/>
+          <a:ln>
+            <a:noFill/>
+          </a:ln>
+        </p:spPr>
+        <p:txBody>
+          <a:bodyPr spcFirstLastPara="1" wrap="square" lIns="91425" tIns="91425" rIns="91425" bIns="91425" anchor="t" anchorCtr="0">
+            <a:spAutoFit/>
+          </a:bodyPr>
+          <a:lstStyle/>
+          <a:p>
+            <a:pPr marL="0" lvl="0" indent="0" algn="l" rtl="0">
+              <a:spcBef>
+                <a:spcPts val="0"/>
+              </a:spcBef>
+              <a:spcAft>
+                <a:spcPts val="0"/>
+              </a:spcAft>
+              <a:buNone/>
+            </a:pPr>
+            <a:endParaRPr/>
+          </a:p>
+        </p:txBody>
+      </p:sp>
+      <p:sp>
+        <p:nvSpPr>
+          <p:cNvPr id="306" name="Google Shape;306;p43"/>
+          <p:cNvSpPr txBox="1"/>
+          <p:nvPr/>
+        </p:nvSpPr>
+        <p:spPr>
+          <a:xfrm>
+            <a:off x="926806" y="584825"/>
+            <a:ext cx="8872200" cy="1661963"/>
+          </a:xfrm>
+          <a:prstGeom prst="rect">
+            <a:avLst/>
+          </a:prstGeom>
+          <a:noFill/>
+          <a:ln>
+            <a:noFill/>
+          </a:ln>
+        </p:spPr>
+        <p:txBody>
+          <a:bodyPr spcFirstLastPara="1" wrap="square" lIns="91425" tIns="91425" rIns="91425" bIns="91425" anchor="t" anchorCtr="0">
+            <a:spAutoFit/>
+          </a:bodyPr>
+          <a:lstStyle/>
+          <a:p>
+            <a:r>
+              <a:rPr lang="en-US" sz="2400" b="1" dirty="0">
+                <a:latin typeface="EB Garamond"/>
+                <a:ea typeface="EB Garamond"/>
+              </a:rPr>
+              <a:t>Comparison of Training and Testing Accuracy and Run Time</a:t>
+            </a:r>
+            <a:r>
+              <a:rPr lang="en-US" sz="4800" b="1" dirty="0">
+                <a:latin typeface="EB Garamond"/>
+                <a:ea typeface="EB Garamond"/>
+              </a:rPr>
+              <a:t> </a:t>
+            </a:r>
+          </a:p>
+          <a:p>
+            <a:endParaRPr lang="en-US" sz="4800" b="1" dirty="0">
+              <a:latin typeface="EB Garamond"/>
+              <a:ea typeface="EB Garamond"/>
+            </a:endParaRPr>
+          </a:p>
+        </p:txBody>
+      </p:sp>
+      <p:pic>
+        <p:nvPicPr>
+          <p:cNvPr id="3" name="Picture 2">
+            <a:extLst>
+              <a:ext uri="{FF2B5EF4-FFF2-40B4-BE49-F238E27FC236}">
+                <a16:creationId xmlns:a16="http://schemas.microsoft.com/office/drawing/2014/main" id="{B17AB281-D98C-4F01-98F1-5B15784122CE}"/>
+              </a:ext>
+            </a:extLst>
+          </p:cNvPr>
+          <p:cNvPicPr>
+            <a:picLocks noChangeAspect="1"/>
+          </p:cNvPicPr>
+          <p:nvPr/>
+        </p:nvPicPr>
+        <p:blipFill>
+          <a:blip r:embed="rId3"/>
+          <a:stretch>
+            <a:fillRect/>
+          </a:stretch>
+        </p:blipFill>
+        <p:spPr>
+          <a:xfrm>
+            <a:off x="2566737" y="1633829"/>
+            <a:ext cx="6962274" cy="4639346"/>
+          </a:xfrm>
+          <a:prstGeom prst="rect">
+            <a:avLst/>
+          </a:prstGeom>
+        </p:spPr>
+      </p:pic>
+    </p:spTree>
+    <p:extLst>
+      <p:ext uri="{BB962C8B-B14F-4D97-AF65-F5344CB8AC3E}">
+        <p14:creationId xmlns:p14="http://schemas.microsoft.com/office/powerpoint/2010/main" val="652682064"/>
+      </p:ext>
+    </p:extLst>
+  </p:cSld>
+  <p:clrMapOvr>
+    <a:masterClrMapping/>
+  </p:clrMapOvr>
+</p:sld>
+</file>
+
+<file path=ppt/slides/slide31.xml><?xml version="1.0" encoding="utf-8"?>
+<p:sld xmlns:a="http://schemas.openxmlformats.org/drawingml/2006/main" xmlns:r="http://schemas.openxmlformats.org/officeDocument/2006/relationships" xmlns:p="http://schemas.openxmlformats.org/presentationml/2006/main">
+  <p:cSld>
+    <p:spTree>
+      <p:nvGrpSpPr>
+        <p:cNvPr id="1" name="Shape 350"/>
+        <p:cNvGrpSpPr/>
+        <p:nvPr/>
+      </p:nvGrpSpPr>
+      <p:grpSpPr>
+        <a:xfrm>
+          <a:off x="0" y="0"/>
+          <a:ext cx="0" cy="0"/>
+          <a:chOff x="0" y="0"/>
+          <a:chExt cx="0" cy="0"/>
+        </a:xfrm>
+      </p:grpSpPr>
+      <p:sp>
+        <p:nvSpPr>
+          <p:cNvPr id="351" name="Google Shape;351;p48"/>
+          <p:cNvSpPr txBox="1">
+            <a:spLocks noGrp="1"/>
+          </p:cNvSpPr>
+          <p:nvPr>
+            <p:ph type="ctrTitle"/>
+          </p:nvPr>
+        </p:nvSpPr>
+        <p:spPr>
+          <a:xfrm>
+            <a:off x="1562200" y="2374525"/>
+            <a:ext cx="8454900" cy="1187700"/>
+          </a:xfrm>
+          <a:prstGeom prst="rect">
+            <a:avLst/>
+          </a:prstGeom>
+          <a:noFill/>
+          <a:ln>
+            <a:noFill/>
+          </a:ln>
+        </p:spPr>
+        <p:txBody>
+          <a:bodyPr spcFirstLastPara="1" wrap="square" lIns="91425" tIns="45700" rIns="91425" bIns="45700" anchor="b" anchorCtr="0">
+            <a:noAutofit/>
+          </a:bodyPr>
+          <a:lstStyle/>
+          <a:p>
+            <a:pPr marL="0" lvl="0" indent="0" algn="ctr" rtl="0">
+              <a:lnSpc>
+                <a:spcPct val="90000"/>
+              </a:lnSpc>
+              <a:spcBef>
+                <a:spcPts val="0"/>
+              </a:spcBef>
+              <a:spcAft>
+                <a:spcPts val="0"/>
+              </a:spcAft>
+              <a:buClr>
+                <a:schemeClr val="lt1"/>
+              </a:buClr>
+              <a:buSzPts val="4400"/>
+              <a:buFont typeface="Arial"/>
+              <a:buNone/>
+            </a:pPr>
+            <a:r>
+              <a:rPr lang="en-US" sz="6500" b="0">
+                <a:latin typeface="EB Garamond ExtraBold"/>
+                <a:ea typeface="EB Garamond ExtraBold"/>
+                <a:cs typeface="EB Garamond ExtraBold"/>
+                <a:sym typeface="EB Garamond ExtraBold"/>
+              </a:rPr>
+              <a:t>THANK YOU</a:t>
+            </a:r>
+            <a:endParaRPr sz="6500" b="0">
+              <a:latin typeface="EB Garamond ExtraBold"/>
+              <a:ea typeface="EB Garamond ExtraBold"/>
+              <a:cs typeface="EB Garamond ExtraBold"/>
+              <a:sym typeface="EB Garamond ExtraBold"/>
+            </a:endParaRPr>
+          </a:p>
+        </p:txBody>
+      </p:sp>
+    </p:spTree>
+  </p:cSld>
+  <p:clrMapOvr>
+    <a:masterClrMapping/>
+  </p:clrMapOvr>
+</p:sld>
+</file>
+
+<file path=ppt/slides/slide4.xml><?xml version="1.0" encoding="utf-8"?>
+<p:sld xmlns:a="http://schemas.openxmlformats.org/drawingml/2006/main" xmlns:r="http://schemas.openxmlformats.org/officeDocument/2006/relationships" xmlns:p="http://schemas.openxmlformats.org/presentationml/2006/main">
+  <p:cSld>
+    <p:spTree>
+      <p:nvGrpSpPr>
+        <p:cNvPr id="1" name="Shape 193"/>
+        <p:cNvGrpSpPr/>
+        <p:nvPr/>
+      </p:nvGrpSpPr>
+      <p:grpSpPr>
+        <a:xfrm>
+          <a:off x="0" y="0"/>
+          <a:ext cx="0" cy="0"/>
+          <a:chOff x="0" y="0"/>
+          <a:chExt cx="0" cy="0"/>
+        </a:xfrm>
+      </p:grpSpPr>
+      <p:sp>
+        <p:nvSpPr>
+          <p:cNvPr id="194" name="Google Shape;194;p27"/>
+          <p:cNvSpPr txBox="1">
+            <a:spLocks noGrp="1"/>
+          </p:cNvSpPr>
+          <p:nvPr>
+            <p:ph type="ctrTitle"/>
+          </p:nvPr>
+        </p:nvSpPr>
+        <p:spPr>
+          <a:xfrm>
+            <a:off x="716075" y="1687500"/>
+            <a:ext cx="11060400" cy="2140200"/>
+          </a:xfrm>
+          <a:prstGeom prst="rect">
+            <a:avLst/>
+          </a:prstGeom>
+          <a:noFill/>
+          <a:ln>
+            <a:noFill/>
+          </a:ln>
+        </p:spPr>
+        <p:txBody>
+          <a:bodyPr spcFirstLastPara="1" wrap="square" lIns="91425" tIns="45700" rIns="91425" bIns="45700" anchor="b" anchorCtr="0">
+            <a:noAutofit/>
+          </a:bodyPr>
+          <a:lstStyle/>
+          <a:p>
+            <a:pPr marL="0" lvl="0" indent="0" algn="ctr" rtl="0">
+              <a:lnSpc>
+                <a:spcPct val="90000"/>
+              </a:lnSpc>
+              <a:spcBef>
+                <a:spcPts val="0"/>
+              </a:spcBef>
+              <a:spcAft>
+                <a:spcPts val="0"/>
+              </a:spcAft>
+              <a:buClr>
+                <a:schemeClr val="lt1"/>
+              </a:buClr>
+              <a:buSzPts val="4400"/>
+              <a:buFont typeface="Arial"/>
+              <a:buNone/>
+            </a:pPr>
+            <a:r>
+              <a:rPr lang="en-US" sz="6500" b="0" dirty="0">
+                <a:latin typeface="EB Garamond ExtraBold"/>
+                <a:ea typeface="EB Garamond ExtraBold"/>
+                <a:cs typeface="EB Garamond ExtraBold"/>
+                <a:sym typeface="EB Garamond ExtraBold"/>
+              </a:rPr>
+              <a:t>MILESTONE 1</a:t>
+            </a:r>
+            <a:endParaRPr sz="6500" b="0" dirty="0">
+              <a:latin typeface="EB Garamond ExtraBold"/>
+              <a:ea typeface="EB Garamond ExtraBold"/>
+              <a:cs typeface="EB Garamond ExtraBold"/>
+              <a:sym typeface="EB Garamond ExtraBold"/>
+            </a:endParaRPr>
+          </a:p>
+        </p:txBody>
+      </p:sp>
+    </p:spTree>
+  </p:cSld>
+  <p:clrMapOvr>
+    <a:masterClrMapping/>
+  </p:clrMapOvr>
+</p:sld>
+</file>
+
+<file path=ppt/slides/slide5.xml><?xml version="1.0" encoding="utf-8"?>
 <p:sld xmlns:a="http://schemas.openxmlformats.org/drawingml/2006/main" xmlns:r="http://schemas.openxmlformats.org/officeDocument/2006/relationships" xmlns:p="http://schemas.openxmlformats.org/presentationml/2006/main">
   <p:cSld>
     <p:spTree>
@@ -11356,7 +17281,7 @@
         <p:spPr>
           <a:xfrm>
             <a:off x="838200" y="1690687"/>
-            <a:ext cx="10515600" cy="3385542"/>
+            <a:ext cx="10515600" cy="2954655"/>
           </a:xfrm>
           <a:prstGeom prst="rect">
             <a:avLst/>
@@ -11395,7 +17320,7 @@
                 <a:ea typeface="Calibri" panose="020F0502020204030204" pitchFamily="34" charset="0"/>
                 <a:cs typeface="Times New Roman" panose="02020603050405020304" pitchFamily="18" charset="0"/>
               </a:rPr>
-              <a:t>To determine the unemployment rate across the globe, due to COVID-19 pandemic.</a:t>
+              <a:t>To determine the GDP across the globe, due to COVID-19 pandemic.</a:t>
             </a:r>
           </a:p>
           <a:p>
@@ -11410,7 +17335,7 @@
                 <a:ea typeface="Calibri" panose="020F0502020204030204" pitchFamily="34" charset="0"/>
                 <a:cs typeface="Times New Roman" panose="02020603050405020304" pitchFamily="18" charset="0"/>
               </a:rPr>
-              <a:t>We evaluate the spread under the economy’s effect using machine learning algorithms with linear regression models. </a:t>
+              <a:t>We evaluate the spread under the economy’s effect using machine learning algorithms. </a:t>
             </a:r>
             <a:endParaRPr lang="en-US" sz="2800" dirty="0">
               <a:latin typeface="Calibri" panose="020F0502020204030204" pitchFamily="34" charset="0"/>
@@ -11435,473 +17360,7 @@
 </p:sld>
 </file>
 
-<file path=ppt/slides/slide4.xml><?xml version="1.0" encoding="utf-8"?>
-<p:sld xmlns:a="http://schemas.openxmlformats.org/drawingml/2006/main" xmlns:r="http://schemas.openxmlformats.org/officeDocument/2006/relationships" xmlns:p="http://schemas.openxmlformats.org/presentationml/2006/main">
-  <p:cSld>
-    <p:spTree>
-      <p:nvGrpSpPr>
-        <p:cNvPr id="1" name="Shape 77"/>
-        <p:cNvGrpSpPr/>
-        <p:nvPr/>
-      </p:nvGrpSpPr>
-      <p:grpSpPr>
-        <a:xfrm>
-          <a:off x="0" y="0"/>
-          <a:ext cx="0" cy="0"/>
-          <a:chOff x="0" y="0"/>
-          <a:chExt cx="0" cy="0"/>
-        </a:xfrm>
-      </p:grpSpPr>
-      <p:sp>
-        <p:nvSpPr>
-          <p:cNvPr id="78" name="Google Shape;78;p11"/>
-          <p:cNvSpPr txBox="1">
-            <a:spLocks noGrp="1"/>
-          </p:cNvSpPr>
-          <p:nvPr>
-            <p:ph type="title"/>
-          </p:nvPr>
-        </p:nvSpPr>
-        <p:spPr>
-          <a:xfrm>
-            <a:off x="838200" y="365125"/>
-            <a:ext cx="10515600" cy="1325563"/>
-          </a:xfrm>
-          <a:prstGeom prst="rect">
-            <a:avLst/>
-          </a:prstGeom>
-          <a:noFill/>
-          <a:ln>
-            <a:noFill/>
-          </a:ln>
-        </p:spPr>
-        <p:txBody>
-          <a:bodyPr spcFirstLastPara="1" wrap="square" lIns="91425" tIns="45700" rIns="91425" bIns="45700" anchor="ctr" anchorCtr="0">
-            <a:noAutofit/>
-          </a:bodyPr>
-          <a:lstStyle/>
-          <a:p>
-            <a:pPr marL="0" lvl="0" indent="0" algn="l" rtl="0">
-              <a:lnSpc>
-                <a:spcPct val="90000"/>
-              </a:lnSpc>
-              <a:spcBef>
-                <a:spcPts val="0"/>
-              </a:spcBef>
-              <a:spcAft>
-                <a:spcPts val="0"/>
-              </a:spcAft>
-              <a:buClr>
-                <a:srgbClr val="07305D"/>
-              </a:buClr>
-              <a:buSzPts val="3200"/>
-              <a:buFont typeface="Arial"/>
-              <a:buNone/>
-            </a:pPr>
-            <a:r>
-              <a:rPr lang="en-US" sz="4400" b="0" dirty="0">
-                <a:solidFill>
-                  <a:srgbClr val="222222"/>
-                </a:solidFill>
-                <a:latin typeface="EB Garamond ExtraBold"/>
-                <a:ea typeface="EB Garamond ExtraBold"/>
-                <a:cs typeface="EB Garamond ExtraBold"/>
-                <a:sym typeface="EB Garamond ExtraBold"/>
-              </a:rPr>
-              <a:t>Milestone</a:t>
-            </a:r>
-            <a:endParaRPr sz="4400" b="0" dirty="0">
-              <a:solidFill>
-                <a:srgbClr val="222222"/>
-              </a:solidFill>
-              <a:latin typeface="EB Garamond ExtraBold"/>
-              <a:ea typeface="EB Garamond ExtraBold"/>
-              <a:cs typeface="EB Garamond ExtraBold"/>
-              <a:sym typeface="EB Garamond ExtraBold"/>
-            </a:endParaRPr>
-          </a:p>
-        </p:txBody>
-      </p:sp>
-      <p:sp>
-        <p:nvSpPr>
-          <p:cNvPr id="79" name="Google Shape;79;p11"/>
-          <p:cNvSpPr txBox="1">
-            <a:spLocks noGrp="1"/>
-          </p:cNvSpPr>
-          <p:nvPr>
-            <p:ph type="body" idx="1"/>
-          </p:nvPr>
-        </p:nvSpPr>
-        <p:spPr>
-          <a:xfrm>
-            <a:off x="838200" y="1825625"/>
-            <a:ext cx="10515600" cy="4351338"/>
-          </a:xfrm>
-          <a:prstGeom prst="rect">
-            <a:avLst/>
-          </a:prstGeom>
-          <a:noFill/>
-          <a:ln>
-            <a:noFill/>
-          </a:ln>
-        </p:spPr>
-        <p:txBody>
-          <a:bodyPr spcFirstLastPara="1" wrap="square" lIns="91425" tIns="45700" rIns="91425" bIns="45700" anchor="t" anchorCtr="0">
-            <a:noAutofit/>
-          </a:bodyPr>
-          <a:lstStyle/>
-          <a:p>
-            <a:pPr marL="228600" lvl="0" indent="-76200" algn="l" rtl="0">
-              <a:lnSpc>
-                <a:spcPct val="90000"/>
-              </a:lnSpc>
-              <a:spcBef>
-                <a:spcPts val="1000"/>
-              </a:spcBef>
-              <a:spcAft>
-                <a:spcPts val="0"/>
-              </a:spcAft>
-              <a:buClr>
-                <a:srgbClr val="07305D"/>
-              </a:buClr>
-              <a:buSzPts val="2400"/>
-              <a:buNone/>
-            </a:pPr>
-            <a:endParaRPr sz="2600" dirty="0">
-              <a:solidFill>
-                <a:schemeClr val="dk1"/>
-              </a:solidFill>
-              <a:latin typeface="EB Garamond"/>
-              <a:ea typeface="EB Garamond"/>
-              <a:cs typeface="EB Garamond"/>
-              <a:sym typeface="EB Garamond"/>
-            </a:endParaRPr>
-          </a:p>
-          <a:p>
-            <a:pPr marL="228600" lvl="0" indent="-76200" algn="l" rtl="0">
-              <a:lnSpc>
-                <a:spcPct val="90000"/>
-              </a:lnSpc>
-              <a:spcBef>
-                <a:spcPts val="1000"/>
-              </a:spcBef>
-              <a:spcAft>
-                <a:spcPts val="0"/>
-              </a:spcAft>
-              <a:buClr>
-                <a:srgbClr val="07305D"/>
-              </a:buClr>
-              <a:buSzPts val="2400"/>
-              <a:buNone/>
-            </a:pPr>
-            <a:endParaRPr sz="2600" dirty="0">
-              <a:solidFill>
-                <a:schemeClr val="dk1"/>
-              </a:solidFill>
-              <a:latin typeface="EB Garamond"/>
-              <a:ea typeface="EB Garamond"/>
-              <a:cs typeface="EB Garamond"/>
-              <a:sym typeface="EB Garamond"/>
-            </a:endParaRPr>
-          </a:p>
-        </p:txBody>
-      </p:sp>
-      <p:sp>
-        <p:nvSpPr>
-          <p:cNvPr id="80" name="Google Shape;80;p11"/>
-          <p:cNvSpPr txBox="1">
-            <a:spLocks noGrp="1"/>
-          </p:cNvSpPr>
-          <p:nvPr>
-            <p:ph type="dt" idx="10"/>
-          </p:nvPr>
-        </p:nvSpPr>
-        <p:spPr>
-          <a:xfrm>
-            <a:off x="838200" y="6244525"/>
-            <a:ext cx="1221606" cy="365125"/>
-          </a:xfrm>
-          <a:prstGeom prst="rect">
-            <a:avLst/>
-          </a:prstGeom>
-          <a:noFill/>
-          <a:ln>
-            <a:noFill/>
-          </a:ln>
-        </p:spPr>
-        <p:txBody>
-          <a:bodyPr spcFirstLastPara="1" wrap="square" lIns="91425" tIns="45700" rIns="91425" bIns="45700" anchor="ctr" anchorCtr="0">
-            <a:noAutofit/>
-          </a:bodyPr>
-          <a:lstStyle/>
-          <a:p>
-            <a:pPr marL="0" lvl="0" indent="0" algn="ctr" rtl="0">
-              <a:spcBef>
-                <a:spcPts val="0"/>
-              </a:spcBef>
-              <a:spcAft>
-                <a:spcPts val="0"/>
-              </a:spcAft>
-              <a:buNone/>
-            </a:pPr>
-            <a:r>
-              <a:rPr lang="en-US" dirty="0"/>
-              <a:t>2/16/2023</a:t>
-            </a:r>
-            <a:endParaRPr dirty="0"/>
-          </a:p>
-        </p:txBody>
-      </p:sp>
-      <p:sp>
-        <p:nvSpPr>
-          <p:cNvPr id="81" name="Google Shape;81;p11"/>
-          <p:cNvSpPr txBox="1">
-            <a:spLocks noGrp="1"/>
-          </p:cNvSpPr>
-          <p:nvPr>
-            <p:ph type="ftr" idx="11"/>
-          </p:nvPr>
-        </p:nvSpPr>
-        <p:spPr>
-          <a:xfrm>
-            <a:off x="2059805" y="6244525"/>
-            <a:ext cx="7757963" cy="365125"/>
-          </a:xfrm>
-          <a:prstGeom prst="rect">
-            <a:avLst/>
-          </a:prstGeom>
-          <a:noFill/>
-          <a:ln>
-            <a:noFill/>
-          </a:ln>
-        </p:spPr>
-        <p:txBody>
-          <a:bodyPr spcFirstLastPara="1" wrap="square" lIns="91425" tIns="45700" rIns="91425" bIns="45700" anchor="ctr" anchorCtr="0">
-            <a:noAutofit/>
-          </a:bodyPr>
-          <a:lstStyle/>
-          <a:p>
-            <a:pPr marL="0" lvl="0" indent="0" algn="ctr" rtl="0">
-              <a:spcBef>
-                <a:spcPts val="0"/>
-              </a:spcBef>
-              <a:spcAft>
-                <a:spcPts val="0"/>
-              </a:spcAft>
-              <a:buNone/>
-            </a:pPr>
-            <a:endParaRPr/>
-          </a:p>
-        </p:txBody>
-      </p:sp>
-      <p:sp>
-        <p:nvSpPr>
-          <p:cNvPr id="3" name="TextBox 2">
-            <a:extLst>
-              <a:ext uri="{FF2B5EF4-FFF2-40B4-BE49-F238E27FC236}">
-                <a16:creationId xmlns:a16="http://schemas.microsoft.com/office/drawing/2014/main" id="{877703A0-D40F-AA94-FEBF-C8360D25B073}"/>
-              </a:ext>
-            </a:extLst>
-          </p:cNvPr>
-          <p:cNvSpPr txBox="1"/>
-          <p:nvPr/>
-        </p:nvSpPr>
-        <p:spPr>
-          <a:xfrm>
-            <a:off x="838200" y="1690687"/>
-            <a:ext cx="10515600" cy="2777042"/>
-          </a:xfrm>
-          <a:prstGeom prst="rect">
-            <a:avLst/>
-          </a:prstGeom>
-          <a:noFill/>
-        </p:spPr>
-        <p:txBody>
-          <a:bodyPr wrap="square">
-            <a:spAutoFit/>
-          </a:bodyPr>
-          <a:lstStyle/>
-          <a:p>
-            <a:pPr marL="342900" marR="0" lvl="0" indent="-342900">
-              <a:lnSpc>
-                <a:spcPct val="107000"/>
-              </a:lnSpc>
-              <a:spcBef>
-                <a:spcPts val="0"/>
-              </a:spcBef>
-              <a:spcAft>
-                <a:spcPts val="0"/>
-              </a:spcAft>
-              <a:buFont typeface="Wingdings" panose="05000000000000000000" pitchFamily="2" charset="2"/>
-              <a:buChar char="Ø"/>
-            </a:pPr>
-            <a:r>
-              <a:rPr lang="en-US" sz="2800" dirty="0">
-                <a:effectLst/>
-                <a:latin typeface="Calibri" panose="020F0502020204030204" pitchFamily="34" charset="0"/>
-                <a:ea typeface="Calibri" panose="020F0502020204030204" pitchFamily="34" charset="0"/>
-                <a:cs typeface="Times New Roman" panose="02020603050405020304" pitchFamily="18" charset="0"/>
-              </a:rPr>
-              <a:t>Data collection</a:t>
-            </a:r>
-          </a:p>
-          <a:p>
-            <a:pPr marL="342900" marR="0" lvl="0" indent="-342900">
-              <a:lnSpc>
-                <a:spcPct val="107000"/>
-              </a:lnSpc>
-              <a:spcBef>
-                <a:spcPts val="0"/>
-              </a:spcBef>
-              <a:spcAft>
-                <a:spcPts val="0"/>
-              </a:spcAft>
-              <a:buFont typeface="Wingdings" panose="05000000000000000000" pitchFamily="2" charset="2"/>
-              <a:buChar char="Ø"/>
-            </a:pPr>
-            <a:r>
-              <a:rPr lang="en-US" sz="2800" dirty="0">
-                <a:effectLst/>
-                <a:latin typeface="Calibri" panose="020F0502020204030204" pitchFamily="34" charset="0"/>
-                <a:ea typeface="Calibri" panose="020F0502020204030204" pitchFamily="34" charset="0"/>
-                <a:cs typeface="Times New Roman" panose="02020603050405020304" pitchFamily="18" charset="0"/>
-              </a:rPr>
-              <a:t>Data cleaning and integrating the libraries in Jupiter notebook.</a:t>
-            </a:r>
-          </a:p>
-          <a:p>
-            <a:pPr marL="342900" marR="0" lvl="0" indent="-342900">
-              <a:lnSpc>
-                <a:spcPct val="107000"/>
-              </a:lnSpc>
-              <a:spcBef>
-                <a:spcPts val="0"/>
-              </a:spcBef>
-              <a:spcAft>
-                <a:spcPts val="0"/>
-              </a:spcAft>
-              <a:buFont typeface="Wingdings" panose="05000000000000000000" pitchFamily="2" charset="2"/>
-              <a:buChar char="Ø"/>
-            </a:pPr>
-            <a:r>
-              <a:rPr lang="en-US" sz="2800" dirty="0">
-                <a:effectLst/>
-                <a:latin typeface="Calibri" panose="020F0502020204030204" pitchFamily="34" charset="0"/>
-                <a:ea typeface="Calibri" panose="020F0502020204030204" pitchFamily="34" charset="0"/>
-                <a:cs typeface="Times New Roman" panose="02020603050405020304" pitchFamily="18" charset="0"/>
-              </a:rPr>
-              <a:t>Implementing Machine learning algorithms.</a:t>
-            </a:r>
-          </a:p>
-          <a:p>
-            <a:pPr marL="342900" marR="0" lvl="0" indent="-342900">
-              <a:lnSpc>
-                <a:spcPct val="107000"/>
-              </a:lnSpc>
-              <a:spcBef>
-                <a:spcPts val="0"/>
-              </a:spcBef>
-              <a:spcAft>
-                <a:spcPts val="0"/>
-              </a:spcAft>
-              <a:buFont typeface="Wingdings" panose="05000000000000000000" pitchFamily="2" charset="2"/>
-              <a:buChar char="Ø"/>
-            </a:pPr>
-            <a:r>
-              <a:rPr lang="en-US" sz="2800" dirty="0">
-                <a:effectLst/>
-                <a:latin typeface="Calibri" panose="020F0502020204030204" pitchFamily="34" charset="0"/>
-                <a:ea typeface="Calibri" panose="020F0502020204030204" pitchFamily="34" charset="0"/>
-                <a:cs typeface="Times New Roman" panose="02020603050405020304" pitchFamily="18" charset="0"/>
-              </a:rPr>
-              <a:t>Training the algorithms with dataset.</a:t>
-            </a:r>
-          </a:p>
-          <a:p>
-            <a:pPr marL="342900" marR="0" lvl="0" indent="-342900">
-              <a:lnSpc>
-                <a:spcPct val="107000"/>
-              </a:lnSpc>
-              <a:spcBef>
-                <a:spcPts val="0"/>
-              </a:spcBef>
-              <a:spcAft>
-                <a:spcPts val="800"/>
-              </a:spcAft>
-              <a:buFont typeface="Wingdings" panose="05000000000000000000" pitchFamily="2" charset="2"/>
-              <a:buChar char="Ø"/>
-            </a:pPr>
-            <a:r>
-              <a:rPr lang="en-US" sz="2800" dirty="0">
-                <a:effectLst/>
-                <a:latin typeface="Calibri" panose="020F0502020204030204" pitchFamily="34" charset="0"/>
-                <a:ea typeface="Calibri" panose="020F0502020204030204" pitchFamily="34" charset="0"/>
-                <a:cs typeface="Times New Roman" panose="02020603050405020304" pitchFamily="18" charset="0"/>
-              </a:rPr>
-              <a:t>Results.</a:t>
-            </a:r>
-          </a:p>
-          <a:p>
-            <a:pPr marL="285750" indent="-285750">
-              <a:buFont typeface="Wingdings" panose="05000000000000000000" pitchFamily="2" charset="2"/>
-              <a:buChar char="Ø"/>
-            </a:pPr>
-            <a:endParaRPr lang="en-US" dirty="0"/>
-          </a:p>
-        </p:txBody>
-      </p:sp>
-      <p:sp>
-        <p:nvSpPr>
-          <p:cNvPr id="4" name="TextBox 3">
-            <a:extLst>
-              <a:ext uri="{FF2B5EF4-FFF2-40B4-BE49-F238E27FC236}">
-                <a16:creationId xmlns:a16="http://schemas.microsoft.com/office/drawing/2014/main" id="{497D8E5D-C2B3-6E69-3D4B-ED1B08F6EC37}"/>
-              </a:ext>
-            </a:extLst>
-          </p:cNvPr>
-          <p:cNvSpPr txBox="1"/>
-          <p:nvPr/>
-        </p:nvSpPr>
-        <p:spPr>
-          <a:xfrm>
-            <a:off x="3048000" y="3246792"/>
-            <a:ext cx="6096000" cy="369332"/>
-          </a:xfrm>
-          <a:prstGeom prst="rect">
-            <a:avLst/>
-          </a:prstGeom>
-          <a:noFill/>
-        </p:spPr>
-        <p:txBody>
-          <a:bodyPr wrap="square">
-            <a:spAutoFit/>
-          </a:bodyPr>
-          <a:lstStyle/>
-          <a:p>
-            <a:r>
-              <a:rPr lang="en-US" b="0" dirty="0">
-                <a:effectLst/>
-              </a:rPr>
-              <a:t> </a:t>
-            </a:r>
-            <a:endParaRPr lang="en-US" dirty="0"/>
-          </a:p>
-        </p:txBody>
-      </p:sp>
-    </p:spTree>
-    <p:extLst>
-      <p:ext uri="{BB962C8B-B14F-4D97-AF65-F5344CB8AC3E}">
-        <p14:creationId xmlns:p14="http://schemas.microsoft.com/office/powerpoint/2010/main" val="1972200581"/>
-      </p:ext>
-    </p:extLst>
-  </p:cSld>
-  <p:clrMapOvr>
-    <a:masterClrMapping/>
-  </p:clrMapOvr>
-</p:sld>
-</file>
-
-<file path=ppt/slides/slide5.xml><?xml version="1.0" encoding="utf-8"?>
+<file path=ppt/slides/slide6.xml><?xml version="1.0" encoding="utf-8"?>
 <p:sld xmlns:a="http://schemas.openxmlformats.org/drawingml/2006/main" xmlns:r="http://schemas.openxmlformats.org/officeDocument/2006/relationships" xmlns:p="http://schemas.openxmlformats.org/presentationml/2006/main">
   <p:cSld>
     <p:spTree>
@@ -12170,235 +17629,6 @@
         </p:txBody>
       </p:sp>
     </p:spTree>
-  </p:cSld>
-  <p:clrMapOvr>
-    <a:masterClrMapping/>
-  </p:clrMapOvr>
-</p:sld>
-</file>
-
-<file path=ppt/slides/slide6.xml><?xml version="1.0" encoding="utf-8"?>
-<p:sld xmlns:a="http://schemas.openxmlformats.org/drawingml/2006/main" xmlns:r="http://schemas.openxmlformats.org/officeDocument/2006/relationships" xmlns:p="http://schemas.openxmlformats.org/presentationml/2006/main">
-  <p:cSld>
-    <p:spTree>
-      <p:nvGrpSpPr>
-        <p:cNvPr id="1" name=""/>
-        <p:cNvGrpSpPr/>
-        <p:nvPr/>
-      </p:nvGrpSpPr>
-      <p:grpSpPr>
-        <a:xfrm>
-          <a:off x="0" y="0"/>
-          <a:ext cx="0" cy="0"/>
-          <a:chOff x="0" y="0"/>
-          <a:chExt cx="0" cy="0"/>
-        </a:xfrm>
-      </p:grpSpPr>
-      <p:sp>
-        <p:nvSpPr>
-          <p:cNvPr id="2" name="Title 1">
-            <a:extLst>
-              <a:ext uri="{FF2B5EF4-FFF2-40B4-BE49-F238E27FC236}">
-                <a16:creationId xmlns:a16="http://schemas.microsoft.com/office/drawing/2014/main" id="{5C622B41-8676-C412-78D8-7D8D3AC99053}"/>
-              </a:ext>
-            </a:extLst>
-          </p:cNvPr>
-          <p:cNvSpPr>
-            <a:spLocks noGrp="1"/>
-          </p:cNvSpPr>
-          <p:nvPr>
-            <p:ph type="title"/>
-          </p:nvPr>
-        </p:nvSpPr>
-        <p:spPr/>
-        <p:txBody>
-          <a:bodyPr/>
-          <a:lstStyle/>
-          <a:p>
-            <a:r>
-              <a:rPr lang="en-US" dirty="0"/>
-              <a:t>Dataset:</a:t>
-            </a:r>
-          </a:p>
-        </p:txBody>
-      </p:sp>
-      <p:sp>
-        <p:nvSpPr>
-          <p:cNvPr id="3" name="Text Placeholder 2">
-            <a:extLst>
-              <a:ext uri="{FF2B5EF4-FFF2-40B4-BE49-F238E27FC236}">
-                <a16:creationId xmlns:a16="http://schemas.microsoft.com/office/drawing/2014/main" id="{67B025C8-C9D3-5190-7029-9DA5A214297B}"/>
-              </a:ext>
-            </a:extLst>
-          </p:cNvPr>
-          <p:cNvSpPr>
-            <a:spLocks noGrp="1"/>
-          </p:cNvSpPr>
-          <p:nvPr>
-            <p:ph type="body" idx="1"/>
-          </p:nvPr>
-        </p:nvSpPr>
-        <p:spPr/>
-        <p:txBody>
-          <a:bodyPr/>
-          <a:lstStyle/>
-          <a:p>
-            <a:pPr algn="l"/>
-            <a:r>
-              <a:rPr lang="en-US" sz="2000" b="0" i="0" u="none" strike="noStrike" baseline="0" dirty="0">
-                <a:latin typeface="NimbusRomNo9L-Regu"/>
-              </a:rPr>
-              <a:t>We have collected our dataset from the Kaggle </a:t>
-            </a:r>
-            <a:r>
-              <a:rPr lang="en-US" sz="2000" b="0" i="0" u="none" strike="noStrike" baseline="0" dirty="0" err="1">
-                <a:latin typeface="NimbusRomNo9L-Regu"/>
-              </a:rPr>
-              <a:t>source“Impact</a:t>
-            </a:r>
-            <a:r>
-              <a:rPr lang="en-US" sz="2000" b="0" i="0" u="none" strike="noStrike" baseline="0" dirty="0">
-                <a:latin typeface="NimbusRomNo9L-Regu"/>
-              </a:rPr>
-              <a:t> of Covid-19 Pandemic on the global economy”.</a:t>
-            </a:r>
-          </a:p>
-          <a:p>
-            <a:pPr algn="l"/>
-            <a:r>
-              <a:rPr lang="en-US" sz="1500" dirty="0">
-                <a:hlinkClick r:id="rId2"/>
-              </a:rPr>
-              <a:t>https://www.kaggle.com/code/sathianpong/covid19-economic-effect-on-unemployment</a:t>
-            </a:r>
-            <a:endParaRPr lang="en-US" sz="1500" dirty="0"/>
-          </a:p>
-          <a:p>
-            <a:pPr algn="l"/>
-            <a:endParaRPr lang="en-US" sz="1200" dirty="0"/>
-          </a:p>
-          <a:p>
-            <a:pPr algn="l"/>
-            <a:endParaRPr lang="en-US" sz="1200" dirty="0"/>
-          </a:p>
-          <a:p>
-            <a:pPr algn="l"/>
-            <a:endParaRPr lang="en-US" sz="1200" dirty="0"/>
-          </a:p>
-        </p:txBody>
-      </p:sp>
-      <p:sp>
-        <p:nvSpPr>
-          <p:cNvPr id="5" name="TextBox 4">
-            <a:extLst>
-              <a:ext uri="{FF2B5EF4-FFF2-40B4-BE49-F238E27FC236}">
-                <a16:creationId xmlns:a16="http://schemas.microsoft.com/office/drawing/2014/main" id="{1D5A2CE7-898E-F0AD-36D7-6BCE9920827F}"/>
-              </a:ext>
-            </a:extLst>
-          </p:cNvPr>
-          <p:cNvSpPr txBox="1"/>
-          <p:nvPr/>
-        </p:nvSpPr>
-        <p:spPr>
-          <a:xfrm>
-            <a:off x="3048000" y="3246792"/>
-            <a:ext cx="6096000" cy="369332"/>
-          </a:xfrm>
-          <a:prstGeom prst="rect">
-            <a:avLst/>
-          </a:prstGeom>
-          <a:noFill/>
-        </p:spPr>
-        <p:txBody>
-          <a:bodyPr wrap="square">
-            <a:spAutoFit/>
-          </a:bodyPr>
-          <a:lstStyle/>
-          <a:p>
-            <a:r>
-              <a:rPr lang="en-US" b="0" dirty="0">
-                <a:effectLst/>
-              </a:rPr>
-              <a:t> </a:t>
-            </a:r>
-            <a:endParaRPr lang="en-US" dirty="0"/>
-          </a:p>
-        </p:txBody>
-      </p:sp>
-      <p:sp>
-        <p:nvSpPr>
-          <p:cNvPr id="7" name="TextBox 6">
-            <a:extLst>
-              <a:ext uri="{FF2B5EF4-FFF2-40B4-BE49-F238E27FC236}">
-                <a16:creationId xmlns:a16="http://schemas.microsoft.com/office/drawing/2014/main" id="{4A3BF841-40B0-33C1-F0D7-2FB9837657DE}"/>
-              </a:ext>
-            </a:extLst>
-          </p:cNvPr>
-          <p:cNvSpPr txBox="1"/>
-          <p:nvPr/>
-        </p:nvSpPr>
-        <p:spPr>
-          <a:xfrm>
-            <a:off x="3048000" y="3246792"/>
-            <a:ext cx="6096000" cy="369332"/>
-          </a:xfrm>
-          <a:prstGeom prst="rect">
-            <a:avLst/>
-          </a:prstGeom>
-          <a:noFill/>
-        </p:spPr>
-        <p:txBody>
-          <a:bodyPr wrap="square">
-            <a:spAutoFit/>
-          </a:bodyPr>
-          <a:lstStyle/>
-          <a:p>
-            <a:r>
-              <a:rPr lang="en-US" b="0" dirty="0">
-                <a:effectLst/>
-              </a:rPr>
-              <a:t> </a:t>
-            </a:r>
-            <a:endParaRPr lang="en-US" dirty="0"/>
-          </a:p>
-        </p:txBody>
-      </p:sp>
-      <p:pic>
-        <p:nvPicPr>
-          <p:cNvPr id="11" name="Picture 10">
-            <a:extLst>
-              <a:ext uri="{FF2B5EF4-FFF2-40B4-BE49-F238E27FC236}">
-                <a16:creationId xmlns:a16="http://schemas.microsoft.com/office/drawing/2014/main" id="{AF8C0CF2-B3C6-B754-FF81-4CB819240065}"/>
-              </a:ext>
-            </a:extLst>
-          </p:cNvPr>
-          <p:cNvPicPr>
-            <a:picLocks noChangeAspect="1"/>
-          </p:cNvPicPr>
-          <p:nvPr/>
-        </p:nvPicPr>
-        <p:blipFill>
-          <a:blip r:embed="rId3"/>
-          <a:stretch>
-            <a:fillRect/>
-          </a:stretch>
-        </p:blipFill>
-        <p:spPr>
-          <a:xfrm>
-            <a:off x="1248697" y="3329940"/>
-            <a:ext cx="9409471" cy="421121"/>
-          </a:xfrm>
-          <a:prstGeom prst="rect">
-            <a:avLst/>
-          </a:prstGeom>
-        </p:spPr>
-      </p:pic>
-    </p:spTree>
-    <p:extLst>
-      <p:ext uri="{BB962C8B-B14F-4D97-AF65-F5344CB8AC3E}">
-        <p14:creationId xmlns:p14="http://schemas.microsoft.com/office/powerpoint/2010/main" val="2535787541"/>
-      </p:ext>
-    </p:extLst>
   </p:cSld>
   <p:clrMapOvr>
     <a:masterClrMapping/>
@@ -12428,7 +17658,7 @@
           <p:cNvPr id="2" name="Title 1">
             <a:extLst>
               <a:ext uri="{FF2B5EF4-FFF2-40B4-BE49-F238E27FC236}">
-                <a16:creationId xmlns:a16="http://schemas.microsoft.com/office/drawing/2014/main" id="{BC2F65E4-FEE7-4715-B429-478CFFCC7C0C}"/>
+                <a16:creationId xmlns:a16="http://schemas.microsoft.com/office/drawing/2014/main" id="{A75A5506-3DE9-8BBF-56F2-740E4E8087E1}"/>
               </a:ext>
             </a:extLst>
           </p:cNvPr>
@@ -12446,7 +17676,7 @@
           <a:p>
             <a:r>
               <a:rPr lang="en-US" dirty="0"/>
-              <a:t>Literature Review</a:t>
+              <a:t>Tools and Libraries</a:t>
             </a:r>
           </a:p>
         </p:txBody>
@@ -12456,7 +17686,7 @@
           <p:cNvPr id="3" name="Text Placeholder 2">
             <a:extLst>
               <a:ext uri="{FF2B5EF4-FFF2-40B4-BE49-F238E27FC236}">
-                <a16:creationId xmlns:a16="http://schemas.microsoft.com/office/drawing/2014/main" id="{32B88E10-78C1-CD6A-1490-18A8F97665E8}"/>
+                <a16:creationId xmlns:a16="http://schemas.microsoft.com/office/drawing/2014/main" id="{13920A81-4368-57DE-88AD-7DD306AFD69F}"/>
               </a:ext>
             </a:extLst>
           </p:cNvPr>
@@ -12472,210 +17702,78 @@
           <a:bodyPr/>
           <a:lstStyle/>
           <a:p>
-            <a:pPr algn="l"/>
-            <a:r>
-              <a:rPr lang="en-US" sz="2000" b="0" i="0" dirty="0">
-                <a:solidFill>
-                  <a:srgbClr val="222222"/>
-                </a:solidFill>
-                <a:effectLst/>
-                <a:latin typeface="Arial" panose="020B0604020202020204" pitchFamily="34" charset="0"/>
-              </a:rPr>
-              <a:t>Kumari, Rajani, Sandeep Kumar, Ramesh Chandra </a:t>
-            </a:r>
-            <a:r>
-              <a:rPr lang="en-US" sz="2000" b="0" i="0" dirty="0" err="1">
-                <a:solidFill>
-                  <a:srgbClr val="222222"/>
-                </a:solidFill>
-                <a:effectLst/>
-                <a:latin typeface="Arial" panose="020B0604020202020204" pitchFamily="34" charset="0"/>
-              </a:rPr>
-              <a:t>Poonia</a:t>
-            </a:r>
-            <a:r>
-              <a:rPr lang="en-US" sz="2000" b="0" i="0" dirty="0">
-                <a:solidFill>
-                  <a:srgbClr val="222222"/>
-                </a:solidFill>
-                <a:effectLst/>
-                <a:latin typeface="Arial" panose="020B0604020202020204" pitchFamily="34" charset="0"/>
-              </a:rPr>
-              <a:t>, </a:t>
-            </a:r>
-            <a:r>
-              <a:rPr lang="en-US" sz="2000" b="0" i="0" dirty="0" err="1">
-                <a:solidFill>
-                  <a:srgbClr val="222222"/>
-                </a:solidFill>
-                <a:effectLst/>
-                <a:latin typeface="Arial" panose="020B0604020202020204" pitchFamily="34" charset="0"/>
-              </a:rPr>
-              <a:t>Vijander</a:t>
-            </a:r>
-            <a:r>
-              <a:rPr lang="en-US" sz="2000" b="0" i="0" dirty="0">
-                <a:solidFill>
-                  <a:srgbClr val="222222"/>
-                </a:solidFill>
-                <a:effectLst/>
-                <a:latin typeface="Arial" panose="020B0604020202020204" pitchFamily="34" charset="0"/>
-              </a:rPr>
-              <a:t> Singh, </a:t>
-            </a:r>
-            <a:r>
-              <a:rPr lang="en-US" sz="2000" b="0" i="0" dirty="0" err="1">
-                <a:solidFill>
-                  <a:srgbClr val="222222"/>
-                </a:solidFill>
-                <a:effectLst/>
-                <a:latin typeface="Arial" panose="020B0604020202020204" pitchFamily="34" charset="0"/>
-              </a:rPr>
-              <a:t>Linesh</a:t>
-            </a:r>
-            <a:r>
-              <a:rPr lang="en-US" sz="2000" b="0" i="0" dirty="0">
-                <a:solidFill>
-                  <a:srgbClr val="222222"/>
-                </a:solidFill>
-                <a:effectLst/>
-                <a:latin typeface="Arial" panose="020B0604020202020204" pitchFamily="34" charset="0"/>
-              </a:rPr>
-              <a:t> Raja, Vaibhav Bhatnagar, and Pankaj Agarwal. "Analysis and predictions of spread, recovery, and death caused by COVID-19 in India." </a:t>
-            </a:r>
-            <a:r>
-              <a:rPr lang="en-US" sz="2000" b="0" i="1" dirty="0">
-                <a:solidFill>
-                  <a:srgbClr val="222222"/>
-                </a:solidFill>
-                <a:effectLst/>
-                <a:latin typeface="Arial" panose="020B0604020202020204" pitchFamily="34" charset="0"/>
-              </a:rPr>
-              <a:t>Big Data Mining and Analytics</a:t>
-            </a:r>
-            <a:r>
-              <a:rPr lang="en-US" sz="2000" b="0" i="0" dirty="0">
-                <a:solidFill>
-                  <a:srgbClr val="222222"/>
-                </a:solidFill>
-                <a:effectLst/>
-                <a:latin typeface="Arial" panose="020B0604020202020204" pitchFamily="34" charset="0"/>
-              </a:rPr>
-              <a:t> 4, no. 2 (2021): 65-75.</a:t>
-            </a:r>
-          </a:p>
-          <a:p>
-            <a:pPr algn="l"/>
-            <a:endParaRPr lang="en-US" sz="2000" b="0" i="0" dirty="0">
-              <a:solidFill>
-                <a:srgbClr val="222222"/>
-              </a:solidFill>
-              <a:effectLst/>
-              <a:latin typeface="Arial" panose="020B0604020202020204" pitchFamily="34" charset="0"/>
-            </a:endParaRPr>
-          </a:p>
-          <a:p>
-            <a:pPr algn="l"/>
-            <a:r>
-              <a:rPr lang="en-US" sz="2000" b="0" i="0" dirty="0">
-                <a:solidFill>
-                  <a:srgbClr val="222222"/>
-                </a:solidFill>
-                <a:effectLst/>
-                <a:latin typeface="Arial" panose="020B0604020202020204" pitchFamily="34" charset="0"/>
-              </a:rPr>
-              <a:t>Mohan, S., </a:t>
-            </a:r>
-            <a:r>
-              <a:rPr lang="en-US" sz="2000" b="0" i="0" dirty="0" err="1">
-                <a:solidFill>
-                  <a:srgbClr val="222222"/>
-                </a:solidFill>
-                <a:effectLst/>
-                <a:latin typeface="Arial" panose="020B0604020202020204" pitchFamily="34" charset="0"/>
-              </a:rPr>
-              <a:t>Abugabah</a:t>
-            </a:r>
-            <a:r>
-              <a:rPr lang="en-US" sz="2000" b="0" i="0" dirty="0">
-                <a:solidFill>
-                  <a:srgbClr val="222222"/>
-                </a:solidFill>
-                <a:effectLst/>
-                <a:latin typeface="Arial" panose="020B0604020202020204" pitchFamily="34" charset="0"/>
-              </a:rPr>
-              <a:t>, A., Kumar Singh, S., Kashif Bashir, A. and </a:t>
-            </a:r>
-            <a:r>
-              <a:rPr lang="en-US" sz="2000" b="0" i="0" dirty="0" err="1">
-                <a:solidFill>
-                  <a:srgbClr val="222222"/>
-                </a:solidFill>
-                <a:effectLst/>
-                <a:latin typeface="Arial" panose="020B0604020202020204" pitchFamily="34" charset="0"/>
-              </a:rPr>
-              <a:t>Sanzogni</a:t>
-            </a:r>
-            <a:r>
-              <a:rPr lang="en-US" sz="2000" b="0" i="0" dirty="0">
-                <a:solidFill>
-                  <a:srgbClr val="222222"/>
-                </a:solidFill>
-                <a:effectLst/>
-                <a:latin typeface="Arial" panose="020B0604020202020204" pitchFamily="34" charset="0"/>
-              </a:rPr>
-              <a:t>, L., 2022. An approach to forecast impact of Covid‐19 using supervised machine learning model. </a:t>
-            </a:r>
-            <a:r>
-              <a:rPr lang="en-US" sz="2000" b="0" i="1" dirty="0">
-                <a:solidFill>
-                  <a:srgbClr val="222222"/>
-                </a:solidFill>
-                <a:effectLst/>
-                <a:latin typeface="Arial" panose="020B0604020202020204" pitchFamily="34" charset="0"/>
-              </a:rPr>
-              <a:t>Software: Practice and Experience</a:t>
-            </a:r>
-            <a:r>
-              <a:rPr lang="en-US" sz="2000" b="0" i="0" dirty="0">
-                <a:solidFill>
-                  <a:srgbClr val="222222"/>
-                </a:solidFill>
-                <a:effectLst/>
-                <a:latin typeface="Arial" panose="020B0604020202020204" pitchFamily="34" charset="0"/>
-              </a:rPr>
-              <a:t>, </a:t>
-            </a:r>
-            <a:r>
-              <a:rPr lang="en-US" sz="2000" b="0" i="1" dirty="0">
-                <a:solidFill>
-                  <a:srgbClr val="222222"/>
-                </a:solidFill>
-                <a:effectLst/>
-                <a:latin typeface="Arial" panose="020B0604020202020204" pitchFamily="34" charset="0"/>
-              </a:rPr>
-              <a:t>52</a:t>
-            </a:r>
-            <a:r>
-              <a:rPr lang="en-US" sz="2000" b="0" i="0" dirty="0">
-                <a:solidFill>
-                  <a:srgbClr val="222222"/>
-                </a:solidFill>
-                <a:effectLst/>
-                <a:latin typeface="Arial" panose="020B0604020202020204" pitchFamily="34" charset="0"/>
-              </a:rPr>
-              <a:t>(4), pp.824-840.</a:t>
-            </a:r>
-            <a:endParaRPr lang="en-US" sz="2000" b="0" i="0" u="none" strike="noStrike" baseline="0" dirty="0">
-              <a:latin typeface="NimbusRomNo9L-Regu"/>
-            </a:endParaRPr>
+            <a:pPr lvl="1"/>
+            <a:r>
+              <a:rPr lang="en-US" dirty="0"/>
+              <a:t>Python</a:t>
+            </a:r>
+          </a:p>
+          <a:p>
+            <a:pPr lvl="1"/>
+            <a:r>
+              <a:rPr lang="en-US" dirty="0" err="1"/>
+              <a:t>Jupyter</a:t>
+            </a:r>
+            <a:r>
+              <a:rPr lang="en-US" dirty="0"/>
+              <a:t> Notebook</a:t>
+            </a:r>
+          </a:p>
+          <a:p>
+            <a:pPr lvl="1"/>
+            <a:r>
+              <a:rPr lang="en-US" dirty="0" err="1"/>
+              <a:t>Numpy</a:t>
+            </a:r>
+            <a:endParaRPr lang="en-US" dirty="0"/>
+          </a:p>
+          <a:p>
+            <a:pPr lvl="1"/>
+            <a:r>
+              <a:rPr lang="en-US" dirty="0"/>
+              <a:t>Seaborn </a:t>
+            </a:r>
+          </a:p>
+          <a:p>
+            <a:pPr lvl="1"/>
+            <a:r>
+              <a:rPr lang="en-US" dirty="0"/>
+              <a:t>Matplotlib</a:t>
+            </a:r>
+          </a:p>
+          <a:p>
+            <a:pPr lvl="1"/>
+            <a:r>
+              <a:rPr lang="en-US" dirty="0" err="1"/>
+              <a:t>Sklearn</a:t>
+            </a:r>
+            <a:endParaRPr lang="en-US" dirty="0"/>
+          </a:p>
+          <a:p>
+            <a:pPr lvl="1"/>
+            <a:r>
+              <a:rPr lang="en-US" dirty="0" err="1"/>
+              <a:t>plotly</a:t>
+            </a:r>
+            <a:endParaRPr lang="en-US" dirty="0"/>
+          </a:p>
+          <a:p>
+            <a:pPr lvl="1"/>
+            <a:r>
+              <a:rPr lang="en-US" dirty="0"/>
+              <a:t>Excel</a:t>
+            </a:r>
+          </a:p>
+          <a:p>
+            <a:pPr lvl="1"/>
+            <a:endParaRPr lang="en-US" dirty="0"/>
           </a:p>
         </p:txBody>
       </p:sp>
     </p:spTree>
     <p:extLst>
       <p:ext uri="{BB962C8B-B14F-4D97-AF65-F5344CB8AC3E}">
-        <p14:creationId xmlns:p14="http://schemas.microsoft.com/office/powerpoint/2010/main" val="781585694"/>
+        <p14:creationId xmlns:p14="http://schemas.microsoft.com/office/powerpoint/2010/main" val="882994751"/>
       </p:ext>
     </p:extLst>
   </p:cSld>
@@ -12690,7 +17788,7 @@
   <p:cSld>
     <p:spTree>
       <p:nvGrpSpPr>
-        <p:cNvPr id="1" name="Shape 350"/>
+        <p:cNvPr id="1" name=""/>
         <p:cNvGrpSpPr/>
         <p:nvPr/>
       </p:nvGrpSpPr>
@@ -12704,64 +17802,252 @@
       </p:grpSpPr>
       <p:sp>
         <p:nvSpPr>
-          <p:cNvPr id="351" name="Google Shape;351;p48"/>
-          <p:cNvSpPr txBox="1">
+          <p:cNvPr id="2" name="Title 1">
+            <a:extLst>
+              <a:ext uri="{FF2B5EF4-FFF2-40B4-BE49-F238E27FC236}">
+                <a16:creationId xmlns:a16="http://schemas.microsoft.com/office/drawing/2014/main" id="{BC2F65E4-FEE7-4715-B429-478CFFCC7C0C}"/>
+              </a:ext>
+            </a:extLst>
+          </p:cNvPr>
+          <p:cNvSpPr>
             <a:spLocks noGrp="1"/>
           </p:cNvSpPr>
           <p:nvPr>
-            <p:ph type="ctrTitle"/>
+            <p:ph type="title"/>
           </p:nvPr>
         </p:nvSpPr>
-        <p:spPr>
-          <a:xfrm>
-            <a:off x="1562200" y="2374525"/>
-            <a:ext cx="8454900" cy="1187700"/>
-          </a:xfrm>
-          <a:prstGeom prst="rect">
-            <a:avLst/>
-          </a:prstGeom>
-          <a:noFill/>
-          <a:ln>
-            <a:noFill/>
-          </a:ln>
-        </p:spPr>
+        <p:spPr/>
         <p:txBody>
-          <a:bodyPr spcFirstLastPara="1" wrap="square" lIns="91425" tIns="45700" rIns="91425" bIns="45700" anchor="b" anchorCtr="0">
-            <a:noAutofit/>
-          </a:bodyPr>
+          <a:bodyPr/>
           <a:lstStyle/>
           <a:p>
-            <a:pPr marL="0" lvl="0" indent="0" algn="ctr" rtl="0">
-              <a:lnSpc>
-                <a:spcPct val="90000"/>
-              </a:lnSpc>
-              <a:spcBef>
-                <a:spcPts val="0"/>
-              </a:spcBef>
-              <a:spcAft>
-                <a:spcPts val="0"/>
-              </a:spcAft>
-              <a:buClr>
-                <a:schemeClr val="lt1"/>
-              </a:buClr>
-              <a:buSzPts val="4400"/>
-              <a:buFont typeface="Arial"/>
-              <a:buNone/>
-            </a:pPr>
-            <a:r>
-              <a:rPr lang="en-US" sz="6500" b="0" dirty="0">
-                <a:latin typeface="EB Garamond ExtraBold"/>
-                <a:ea typeface="EB Garamond ExtraBold"/>
-                <a:cs typeface="EB Garamond ExtraBold"/>
-                <a:sym typeface="EB Garamond ExtraBold"/>
+            <a:r>
+              <a:rPr lang="en-US" dirty="0"/>
+              <a:t>Literature Review</a:t>
+            </a:r>
+          </a:p>
+        </p:txBody>
+      </p:sp>
+      <p:sp>
+        <p:nvSpPr>
+          <p:cNvPr id="3" name="Text Placeholder 2">
+            <a:extLst>
+              <a:ext uri="{FF2B5EF4-FFF2-40B4-BE49-F238E27FC236}">
+                <a16:creationId xmlns:a16="http://schemas.microsoft.com/office/drawing/2014/main" id="{32B88E10-78C1-CD6A-1490-18A8F97665E8}"/>
+              </a:ext>
+            </a:extLst>
+          </p:cNvPr>
+          <p:cNvSpPr>
+            <a:spLocks noGrp="1"/>
+          </p:cNvSpPr>
+          <p:nvPr>
+            <p:ph type="body" idx="1"/>
+          </p:nvPr>
+        </p:nvSpPr>
+        <p:spPr/>
+        <p:txBody>
+          <a:bodyPr/>
+          <a:lstStyle/>
+          <a:p>
+            <a:pPr algn="l"/>
+            <a:r>
+              <a:rPr lang="en-US" sz="2000" b="0" i="0" dirty="0">
+                <a:solidFill>
+                  <a:srgbClr val="222222"/>
+                </a:solidFill>
+                <a:effectLst/>
+                <a:latin typeface="Arial" panose="020B0604020202020204" pitchFamily="34" charset="0"/>
               </a:rPr>
-              <a:t>Project Background</a:t>
-            </a:r>
-            <a:endParaRPr sz="6500" b="0" dirty="0">
-              <a:latin typeface="EB Garamond ExtraBold"/>
-              <a:ea typeface="EB Garamond ExtraBold"/>
-              <a:cs typeface="EB Garamond ExtraBold"/>
-              <a:sym typeface="EB Garamond ExtraBold"/>
+              <a:t>Kumari, Rajani, Sandeep Kumar, Ramesh Chandra </a:t>
+            </a:r>
+            <a:r>
+              <a:rPr lang="en-US" sz="2000" b="0" i="0" dirty="0" err="1">
+                <a:solidFill>
+                  <a:srgbClr val="222222"/>
+                </a:solidFill>
+                <a:effectLst/>
+                <a:latin typeface="Arial" panose="020B0604020202020204" pitchFamily="34" charset="0"/>
+              </a:rPr>
+              <a:t>Poonia</a:t>
+            </a:r>
+            <a:r>
+              <a:rPr lang="en-US" sz="2000" b="0" i="0" dirty="0">
+                <a:solidFill>
+                  <a:srgbClr val="222222"/>
+                </a:solidFill>
+                <a:effectLst/>
+                <a:latin typeface="Arial" panose="020B0604020202020204" pitchFamily="34" charset="0"/>
+              </a:rPr>
+              <a:t>, </a:t>
+            </a:r>
+            <a:r>
+              <a:rPr lang="en-US" sz="2000" b="0" i="0" dirty="0" err="1">
+                <a:solidFill>
+                  <a:srgbClr val="222222"/>
+                </a:solidFill>
+                <a:effectLst/>
+                <a:latin typeface="Arial" panose="020B0604020202020204" pitchFamily="34" charset="0"/>
+              </a:rPr>
+              <a:t>Vijander</a:t>
+            </a:r>
+            <a:r>
+              <a:rPr lang="en-US" sz="2000" b="0" i="0" dirty="0">
+                <a:solidFill>
+                  <a:srgbClr val="222222"/>
+                </a:solidFill>
+                <a:effectLst/>
+                <a:latin typeface="Arial" panose="020B0604020202020204" pitchFamily="34" charset="0"/>
+              </a:rPr>
+              <a:t> Singh, </a:t>
+            </a:r>
+            <a:r>
+              <a:rPr lang="en-US" sz="2000" b="0" i="0" dirty="0" err="1">
+                <a:solidFill>
+                  <a:srgbClr val="222222"/>
+                </a:solidFill>
+                <a:effectLst/>
+                <a:latin typeface="Arial" panose="020B0604020202020204" pitchFamily="34" charset="0"/>
+              </a:rPr>
+              <a:t>Linesh</a:t>
+            </a:r>
+            <a:r>
+              <a:rPr lang="en-US" sz="2000" b="0" i="0" dirty="0">
+                <a:solidFill>
+                  <a:srgbClr val="222222"/>
+                </a:solidFill>
+                <a:effectLst/>
+                <a:latin typeface="Arial" panose="020B0604020202020204" pitchFamily="34" charset="0"/>
+              </a:rPr>
+              <a:t> Raja, Vaibhav Bhatnagar, and Pankaj Agarwal. "Analysis and predictions of spread, recovery, and death caused by COVID-19 in India." </a:t>
+            </a:r>
+            <a:r>
+              <a:rPr lang="en-US" sz="2000" b="0" i="1" dirty="0">
+                <a:solidFill>
+                  <a:srgbClr val="222222"/>
+                </a:solidFill>
+                <a:effectLst/>
+                <a:latin typeface="Arial" panose="020B0604020202020204" pitchFamily="34" charset="0"/>
+              </a:rPr>
+              <a:t>Big Data Mining and Analytics</a:t>
+            </a:r>
+            <a:r>
+              <a:rPr lang="en-US" sz="2000" b="0" i="0" dirty="0">
+                <a:solidFill>
+                  <a:srgbClr val="222222"/>
+                </a:solidFill>
+                <a:effectLst/>
+                <a:latin typeface="Arial" panose="020B0604020202020204" pitchFamily="34" charset="0"/>
+              </a:rPr>
+              <a:t> 4, no. 2 (2021): 65-75.</a:t>
+            </a:r>
+          </a:p>
+          <a:p>
+            <a:pPr algn="l"/>
+            <a:endParaRPr lang="en-US" sz="2000" b="0" i="0" dirty="0">
+              <a:solidFill>
+                <a:srgbClr val="222222"/>
+              </a:solidFill>
+              <a:effectLst/>
+              <a:latin typeface="Arial" panose="020B0604020202020204" pitchFamily="34" charset="0"/>
+            </a:endParaRPr>
+          </a:p>
+          <a:p>
+            <a:pPr algn="l"/>
+            <a:r>
+              <a:rPr lang="en-US" sz="2000" b="0" i="0" dirty="0">
+                <a:solidFill>
+                  <a:srgbClr val="222222"/>
+                </a:solidFill>
+                <a:effectLst/>
+                <a:latin typeface="Arial" panose="020B0604020202020204" pitchFamily="34" charset="0"/>
+              </a:rPr>
+              <a:t>Mohan, S., </a:t>
+            </a:r>
+            <a:r>
+              <a:rPr lang="en-US" sz="2000" b="0" i="0" dirty="0" err="1">
+                <a:solidFill>
+                  <a:srgbClr val="222222"/>
+                </a:solidFill>
+                <a:effectLst/>
+                <a:latin typeface="Arial" panose="020B0604020202020204" pitchFamily="34" charset="0"/>
+              </a:rPr>
+              <a:t>Abugabah</a:t>
+            </a:r>
+            <a:r>
+              <a:rPr lang="en-US" sz="2000" b="0" i="0" dirty="0">
+                <a:solidFill>
+                  <a:srgbClr val="222222"/>
+                </a:solidFill>
+                <a:effectLst/>
+                <a:latin typeface="Arial" panose="020B0604020202020204" pitchFamily="34" charset="0"/>
+              </a:rPr>
+              <a:t>, A., Kumar Singh, S., Kashif Bashir, A. and </a:t>
+            </a:r>
+            <a:r>
+              <a:rPr lang="en-US" sz="2000" b="0" i="0" dirty="0" err="1">
+                <a:solidFill>
+                  <a:srgbClr val="222222"/>
+                </a:solidFill>
+                <a:effectLst/>
+                <a:latin typeface="Arial" panose="020B0604020202020204" pitchFamily="34" charset="0"/>
+              </a:rPr>
+              <a:t>Sanzogni</a:t>
+            </a:r>
+            <a:r>
+              <a:rPr lang="en-US" sz="2000" b="0" i="0" dirty="0">
+                <a:solidFill>
+                  <a:srgbClr val="222222"/>
+                </a:solidFill>
+                <a:effectLst/>
+                <a:latin typeface="Arial" panose="020B0604020202020204" pitchFamily="34" charset="0"/>
+              </a:rPr>
+              <a:t>, L., 2022. An approach to forecast impact of Covid‐19 using supervised machine learning model. </a:t>
+            </a:r>
+            <a:r>
+              <a:rPr lang="en-US" sz="2000" b="0" i="1" dirty="0">
+                <a:solidFill>
+                  <a:srgbClr val="222222"/>
+                </a:solidFill>
+                <a:effectLst/>
+                <a:latin typeface="Arial" panose="020B0604020202020204" pitchFamily="34" charset="0"/>
+              </a:rPr>
+              <a:t>Software: Practice and Experience</a:t>
+            </a:r>
+            <a:r>
+              <a:rPr lang="en-US" sz="2000" b="0" i="0" dirty="0">
+                <a:solidFill>
+                  <a:srgbClr val="222222"/>
+                </a:solidFill>
+                <a:effectLst/>
+                <a:latin typeface="Arial" panose="020B0604020202020204" pitchFamily="34" charset="0"/>
+              </a:rPr>
+              <a:t>, </a:t>
+            </a:r>
+            <a:r>
+              <a:rPr lang="en-US" sz="2000" b="0" i="1" dirty="0">
+                <a:solidFill>
+                  <a:srgbClr val="222222"/>
+                </a:solidFill>
+                <a:effectLst/>
+                <a:latin typeface="Arial" panose="020B0604020202020204" pitchFamily="34" charset="0"/>
+              </a:rPr>
+              <a:t>52</a:t>
+            </a:r>
+            <a:r>
+              <a:rPr lang="en-US" sz="2000" b="0" i="0" dirty="0">
+                <a:solidFill>
+                  <a:srgbClr val="222222"/>
+                </a:solidFill>
+                <a:effectLst/>
+                <a:latin typeface="Arial" panose="020B0604020202020204" pitchFamily="34" charset="0"/>
+              </a:rPr>
+              <a:t>(4), pp.824-840.</a:t>
+            </a:r>
+          </a:p>
+          <a:p>
+            <a:pPr algn="l"/>
+            <a:endParaRPr lang="en-US" sz="2000" b="0" i="0" u="none" strike="noStrike" baseline="0" dirty="0">
+              <a:latin typeface="NimbusRomNo9L-Regu"/>
             </a:endParaRPr>
           </a:p>
         </p:txBody>
@@ -12769,7 +18055,7 @@
     </p:spTree>
     <p:extLst>
       <p:ext uri="{BB962C8B-B14F-4D97-AF65-F5344CB8AC3E}">
-        <p14:creationId xmlns:p14="http://schemas.microsoft.com/office/powerpoint/2010/main" val="1916592904"/>
+        <p14:creationId xmlns:p14="http://schemas.microsoft.com/office/powerpoint/2010/main" val="781585694"/>
       </p:ext>
     </p:extLst>
   </p:cSld>
@@ -12801,7 +18087,7 @@
           <p:cNvPr id="2" name="Title 1">
             <a:extLst>
               <a:ext uri="{FF2B5EF4-FFF2-40B4-BE49-F238E27FC236}">
-                <a16:creationId xmlns:a16="http://schemas.microsoft.com/office/drawing/2014/main" id="{A75A5506-3DE9-8BBF-56F2-740E4E8087E1}"/>
+                <a16:creationId xmlns:a16="http://schemas.microsoft.com/office/drawing/2014/main" id="{49BA2386-366F-6FCE-68F8-EA9726EBBEDD}"/>
               </a:ext>
             </a:extLst>
           </p:cNvPr>
@@ -12819,100 +18105,45 @@
           <a:p>
             <a:r>
               <a:rPr lang="en-US" dirty="0"/>
-              <a:t>Tools</a:t>
+              <a:t>Flow Chart</a:t>
             </a:r>
           </a:p>
         </p:txBody>
       </p:sp>
-      <p:sp>
-        <p:nvSpPr>
-          <p:cNvPr id="3" name="Text Placeholder 2">
+      <p:pic>
+        <p:nvPicPr>
+          <p:cNvPr id="4" name="Picture 3">
             <a:extLst>
               <a:ext uri="{FF2B5EF4-FFF2-40B4-BE49-F238E27FC236}">
-                <a16:creationId xmlns:a16="http://schemas.microsoft.com/office/drawing/2014/main" id="{13920A81-4368-57DE-88AD-7DD306AFD69F}"/>
+                <a16:creationId xmlns:a16="http://schemas.microsoft.com/office/drawing/2014/main" id="{63FE603D-AD44-1D4F-F406-A5FB7B8CE50E}"/>
               </a:ext>
             </a:extLst>
           </p:cNvPr>
-          <p:cNvSpPr>
-            <a:spLocks noGrp="1"/>
-          </p:cNvSpPr>
-          <p:nvPr>
-            <p:ph type="body" idx="1"/>
-          </p:nvPr>
-        </p:nvSpPr>
-        <p:spPr/>
-        <p:txBody>
-          <a:bodyPr/>
-          <a:lstStyle/>
-          <a:p>
-            <a:pPr lvl="1"/>
-            <a:r>
-              <a:rPr lang="en-US" dirty="0"/>
-              <a:t>Python</a:t>
-            </a:r>
-          </a:p>
-          <a:p>
-            <a:pPr lvl="1"/>
-            <a:r>
-              <a:rPr lang="en-US" dirty="0" err="1"/>
-              <a:t>Jupyter</a:t>
-            </a:r>
-            <a:r>
-              <a:rPr lang="en-US" dirty="0"/>
-              <a:t> Notebook</a:t>
-            </a:r>
-          </a:p>
-          <a:p>
-            <a:pPr lvl="1"/>
-            <a:r>
-              <a:rPr lang="en-US" dirty="0"/>
-              <a:t>Seaborn</a:t>
-            </a:r>
-          </a:p>
-          <a:p>
-            <a:pPr lvl="1"/>
-            <a:r>
-              <a:rPr lang="en-US" dirty="0" err="1"/>
-              <a:t>Numpy</a:t>
-            </a:r>
-            <a:endParaRPr lang="en-US" dirty="0"/>
-          </a:p>
-          <a:p>
-            <a:pPr lvl="1"/>
-            <a:r>
-              <a:rPr lang="en-US" dirty="0"/>
-              <a:t>Matplotlib</a:t>
-            </a:r>
-          </a:p>
-          <a:p>
-            <a:pPr lvl="1"/>
-            <a:r>
-              <a:rPr lang="en-US" dirty="0"/>
-              <a:t>Aws </a:t>
-            </a:r>
-            <a:r>
-              <a:rPr lang="en-US" dirty="0" err="1"/>
-              <a:t>SageMaker</a:t>
-            </a:r>
-            <a:endParaRPr lang="en-US" dirty="0"/>
-          </a:p>
-          <a:p>
-            <a:pPr lvl="1"/>
-            <a:r>
-              <a:rPr lang="en-US" dirty="0"/>
-              <a:t>Excel</a:t>
-            </a:r>
-          </a:p>
-          <a:p>
-            <a:pPr lvl="1"/>
-            <a:endParaRPr lang="en-US" dirty="0"/>
-          </a:p>
-        </p:txBody>
-      </p:sp>
+          <p:cNvPicPr>
+            <a:picLocks noChangeAspect="1"/>
+          </p:cNvPicPr>
+          <p:nvPr/>
+        </p:nvPicPr>
+        <p:blipFill>
+          <a:blip r:embed="rId2"/>
+          <a:stretch>
+            <a:fillRect/>
+          </a:stretch>
+        </p:blipFill>
+        <p:spPr>
+          <a:xfrm>
+            <a:off x="3529781" y="932280"/>
+            <a:ext cx="4650660" cy="5212309"/>
+          </a:xfrm>
+          <a:prstGeom prst="rect">
+            <a:avLst/>
+          </a:prstGeom>
+        </p:spPr>
+      </p:pic>
     </p:spTree>
     <p:extLst>
       <p:ext uri="{BB962C8B-B14F-4D97-AF65-F5344CB8AC3E}">
-        <p14:creationId xmlns:p14="http://schemas.microsoft.com/office/powerpoint/2010/main" val="882994751"/>
+        <p14:creationId xmlns:p14="http://schemas.microsoft.com/office/powerpoint/2010/main" val="2525848926"/>
       </p:ext>
     </p:extLst>
   </p:cSld>

--- a/presentataions/Presentation.pptx
+++ b/presentataions/Presentation.pptx
@@ -6,7 +6,7 @@
     <p:sldMasterId id="2147483661" r:id="rId2"/>
   </p:sldMasterIdLst>
   <p:notesMasterIdLst>
-    <p:notesMasterId r:id="rId34"/>
+    <p:notesMasterId r:id="rId35"/>
   </p:notesMasterIdLst>
   <p:sldIdLst>
     <p:sldId id="257" r:id="rId3"/>
@@ -39,7 +39,8 @@
     <p:sldId id="323" r:id="rId30"/>
     <p:sldId id="324" r:id="rId31"/>
     <p:sldId id="325" r:id="rId32"/>
-    <p:sldId id="287" r:id="rId33"/>
+    <p:sldId id="326" r:id="rId33"/>
+    <p:sldId id="287" r:id="rId34"/>
   </p:sldIdLst>
   <p:sldSz cx="12192000" cy="6858000"/>
   <p:notesSz cx="6858000" cy="9144000"/>
@@ -228,7 +229,7 @@
           <a:p>
             <a:fld id="{AD276A9C-E8FB-4187-B9E8-54A34F7E3A46}" type="datetimeFigureOut">
               <a:rPr lang="en-US" smtClean="0"/>
-              <a:t>4/24/2023</a:t>
+              <a:t>5/2/2023</a:t>
             </a:fld>
             <a:endParaRPr lang="en-US"/>
           </a:p>
@@ -2129,6 +2130,157 @@
   <p:cSld>
     <p:spTree>
       <p:nvGrpSpPr>
+        <p:cNvPr id="1" name="Shape 300"/>
+        <p:cNvGrpSpPr/>
+        <p:nvPr/>
+      </p:nvGrpSpPr>
+      <p:grpSpPr>
+        <a:xfrm>
+          <a:off x="0" y="0"/>
+          <a:ext cx="0" cy="0"/>
+          <a:chOff x="0" y="0"/>
+          <a:chExt cx="0" cy="0"/>
+        </a:xfrm>
+      </p:grpSpPr>
+      <p:sp>
+        <p:nvSpPr>
+          <p:cNvPr id="301" name="Google Shape;301;g1ad9dd80d09_0_1016:notes"/>
+          <p:cNvSpPr>
+            <a:spLocks noGrp="1" noRot="1" noChangeAspect="1"/>
+          </p:cNvSpPr>
+          <p:nvPr>
+            <p:ph type="sldImg" idx="2"/>
+          </p:nvPr>
+        </p:nvSpPr>
+        <p:spPr>
+          <a:xfrm>
+            <a:off x="685800" y="1143000"/>
+            <a:ext cx="5486400" cy="3086100"/>
+          </a:xfrm>
+          <a:custGeom>
+            <a:avLst/>
+            <a:gdLst/>
+            <a:ahLst/>
+            <a:cxnLst/>
+            <a:rect l="l" t="t" r="r" b="b"/>
+            <a:pathLst>
+              <a:path w="120000" h="120000" extrusionOk="0">
+                <a:moveTo>
+                  <a:pt x="0" y="0"/>
+                </a:moveTo>
+                <a:lnTo>
+                  <a:pt x="120000" y="0"/>
+                </a:lnTo>
+                <a:lnTo>
+                  <a:pt x="120000" y="120000"/>
+                </a:lnTo>
+                <a:lnTo>
+                  <a:pt x="0" y="120000"/>
+                </a:lnTo>
+                <a:close/>
+              </a:path>
+            </a:pathLst>
+          </a:custGeom>
+        </p:spPr>
+      </p:sp>
+      <p:sp>
+        <p:nvSpPr>
+          <p:cNvPr id="302" name="Google Shape;302;g1ad9dd80d09_0_1016:notes"/>
+          <p:cNvSpPr txBox="1">
+            <a:spLocks noGrp="1"/>
+          </p:cNvSpPr>
+          <p:nvPr>
+            <p:ph type="body" idx="1"/>
+          </p:nvPr>
+        </p:nvSpPr>
+        <p:spPr>
+          <a:xfrm>
+            <a:off x="685800" y="4400550"/>
+            <a:ext cx="5486400" cy="3600600"/>
+          </a:xfrm>
+          <a:prstGeom prst="rect">
+            <a:avLst/>
+          </a:prstGeom>
+        </p:spPr>
+        <p:txBody>
+          <a:bodyPr spcFirstLastPara="1" wrap="square" lIns="91425" tIns="45700" rIns="91425" bIns="45700" anchor="t" anchorCtr="0">
+            <a:noAutofit/>
+          </a:bodyPr>
+          <a:lstStyle/>
+          <a:p>
+            <a:pPr marL="0" lvl="0" indent="0" algn="l" rtl="0">
+              <a:spcBef>
+                <a:spcPts val="0"/>
+              </a:spcBef>
+              <a:spcAft>
+                <a:spcPts val="0"/>
+              </a:spcAft>
+              <a:buNone/>
+            </a:pPr>
+            <a:endParaRPr/>
+          </a:p>
+        </p:txBody>
+      </p:sp>
+      <p:sp>
+        <p:nvSpPr>
+          <p:cNvPr id="303" name="Google Shape;303;g1ad9dd80d09_0_1016:notes"/>
+          <p:cNvSpPr txBox="1">
+            <a:spLocks noGrp="1"/>
+          </p:cNvSpPr>
+          <p:nvPr>
+            <p:ph type="sldNum" idx="12"/>
+          </p:nvPr>
+        </p:nvSpPr>
+        <p:spPr>
+          <a:xfrm>
+            <a:off x="3884613" y="8685213"/>
+            <a:ext cx="2971800" cy="458700"/>
+          </a:xfrm>
+          <a:prstGeom prst="rect">
+            <a:avLst/>
+          </a:prstGeom>
+        </p:spPr>
+        <p:txBody>
+          <a:bodyPr spcFirstLastPara="1" wrap="square" lIns="91425" tIns="45700" rIns="91425" bIns="45700" anchor="b" anchorCtr="0">
+            <a:noAutofit/>
+          </a:bodyPr>
+          <a:lstStyle/>
+          <a:p>
+            <a:pPr marL="0" lvl="0" indent="0" algn="r" rtl="0">
+              <a:spcBef>
+                <a:spcPts val="0"/>
+              </a:spcBef>
+              <a:spcAft>
+                <a:spcPts val="0"/>
+              </a:spcAft>
+              <a:buNone/>
+            </a:pPr>
+            <a:fld id="{00000000-1234-1234-1234-123412341234}" type="slidenum">
+              <a:rPr lang="en-US"/>
+              <a:t>31</a:t>
+            </a:fld>
+            <a:endParaRPr/>
+          </a:p>
+        </p:txBody>
+      </p:sp>
+    </p:spTree>
+    <p:extLst>
+      <p:ext uri="{BB962C8B-B14F-4D97-AF65-F5344CB8AC3E}">
+        <p14:creationId xmlns:p14="http://schemas.microsoft.com/office/powerpoint/2010/main" val="1876995830"/>
+      </p:ext>
+    </p:extLst>
+  </p:cSld>
+  <p:clrMapOvr>
+    <a:masterClrMapping/>
+  </p:clrMapOvr>
+</p:notes>
+</file>
+
+<file path=ppt/notesSlides/notesSlide21.xml><?xml version="1.0" encoding="utf-8"?>
+<p:notes xmlns:a="http://schemas.openxmlformats.org/drawingml/2006/main" xmlns:r="http://schemas.openxmlformats.org/officeDocument/2006/relationships" xmlns:p="http://schemas.openxmlformats.org/presentationml/2006/main" showMasterSp="0" showMasterPhAnim="0">
+  <p:cSld>
+    <p:spTree>
+      <p:nvGrpSpPr>
         <p:cNvPr id="1" name="Shape 347"/>
         <p:cNvGrpSpPr/>
         <p:nvPr/>
@@ -3287,7 +3439,7 @@
           <a:p>
             <a:fld id="{6BAB3201-8CBA-4DCE-BDB9-4692BAE81E1A}" type="datetimeFigureOut">
               <a:rPr lang="en-US" smtClean="0"/>
-              <a:t>4/24/2023</a:t>
+              <a:t>5/2/2023</a:t>
             </a:fld>
             <a:endParaRPr lang="en-US"/>
           </a:p>
@@ -3485,7 +3637,7 @@
           <a:p>
             <a:fld id="{6BAB3201-8CBA-4DCE-BDB9-4692BAE81E1A}" type="datetimeFigureOut">
               <a:rPr lang="en-US" smtClean="0"/>
-              <a:t>4/24/2023</a:t>
+              <a:t>5/2/2023</a:t>
             </a:fld>
             <a:endParaRPr lang="en-US"/>
           </a:p>
@@ -3693,7 +3845,7 @@
           <a:p>
             <a:fld id="{6BAB3201-8CBA-4DCE-BDB9-4692BAE81E1A}" type="datetimeFigureOut">
               <a:rPr lang="en-US" smtClean="0"/>
-              <a:t>4/24/2023</a:t>
+              <a:t>5/2/2023</a:t>
             </a:fld>
             <a:endParaRPr lang="en-US"/>
           </a:p>
@@ -7850,7 +8002,7 @@
           <a:p>
             <a:fld id="{6BAB3201-8CBA-4DCE-BDB9-4692BAE81E1A}" type="datetimeFigureOut">
               <a:rPr lang="en-US" smtClean="0"/>
-              <a:t>4/24/2023</a:t>
+              <a:t>5/2/2023</a:t>
             </a:fld>
             <a:endParaRPr lang="en-US"/>
           </a:p>
@@ -8125,7 +8277,7 @@
           <a:p>
             <a:fld id="{6BAB3201-8CBA-4DCE-BDB9-4692BAE81E1A}" type="datetimeFigureOut">
               <a:rPr lang="en-US" smtClean="0"/>
-              <a:t>4/24/2023</a:t>
+              <a:t>5/2/2023</a:t>
             </a:fld>
             <a:endParaRPr lang="en-US"/>
           </a:p>
@@ -8390,7 +8542,7 @@
           <a:p>
             <a:fld id="{6BAB3201-8CBA-4DCE-BDB9-4692BAE81E1A}" type="datetimeFigureOut">
               <a:rPr lang="en-US" smtClean="0"/>
-              <a:t>4/24/2023</a:t>
+              <a:t>5/2/2023</a:t>
             </a:fld>
             <a:endParaRPr lang="en-US"/>
           </a:p>
@@ -8802,7 +8954,7 @@
           <a:p>
             <a:fld id="{6BAB3201-8CBA-4DCE-BDB9-4692BAE81E1A}" type="datetimeFigureOut">
               <a:rPr lang="en-US" smtClean="0"/>
-              <a:t>4/24/2023</a:t>
+              <a:t>5/2/2023</a:t>
             </a:fld>
             <a:endParaRPr lang="en-US"/>
           </a:p>
@@ -8943,7 +9095,7 @@
           <a:p>
             <a:fld id="{6BAB3201-8CBA-4DCE-BDB9-4692BAE81E1A}" type="datetimeFigureOut">
               <a:rPr lang="en-US" smtClean="0"/>
-              <a:t>4/24/2023</a:t>
+              <a:t>5/2/2023</a:t>
             </a:fld>
             <a:endParaRPr lang="en-US"/>
           </a:p>
@@ -9056,7 +9208,7 @@
           <a:p>
             <a:fld id="{6BAB3201-8CBA-4DCE-BDB9-4692BAE81E1A}" type="datetimeFigureOut">
               <a:rPr lang="en-US" smtClean="0"/>
-              <a:t>4/24/2023</a:t>
+              <a:t>5/2/2023</a:t>
             </a:fld>
             <a:endParaRPr lang="en-US"/>
           </a:p>
@@ -9367,7 +9519,7 @@
           <a:p>
             <a:fld id="{6BAB3201-8CBA-4DCE-BDB9-4692BAE81E1A}" type="datetimeFigureOut">
               <a:rPr lang="en-US" smtClean="0"/>
-              <a:t>4/24/2023</a:t>
+              <a:t>5/2/2023</a:t>
             </a:fld>
             <a:endParaRPr lang="en-US"/>
           </a:p>
@@ -9655,7 +9807,7 @@
           <a:p>
             <a:fld id="{6BAB3201-8CBA-4DCE-BDB9-4692BAE81E1A}" type="datetimeFigureOut">
               <a:rPr lang="en-US" smtClean="0"/>
-              <a:t>4/24/2023</a:t>
+              <a:t>5/2/2023</a:t>
             </a:fld>
             <a:endParaRPr lang="en-US"/>
           </a:p>
@@ -9896,7 +10048,7 @@
           <a:p>
             <a:fld id="{6BAB3201-8CBA-4DCE-BDB9-4692BAE81E1A}" type="datetimeFigureOut">
               <a:rPr lang="en-US" smtClean="0"/>
-              <a:t>4/24/2023</a:t>
+              <a:t>5/2/2023</a:t>
             </a:fld>
             <a:endParaRPr lang="en-US"/>
           </a:p>
@@ -16830,6 +16982,192 @@
 </file>
 
 <file path=ppt/slides/slide31.xml><?xml version="1.0" encoding="utf-8"?>
+<p:sld xmlns:a="http://schemas.openxmlformats.org/drawingml/2006/main" xmlns:r="http://schemas.openxmlformats.org/officeDocument/2006/relationships" xmlns:p="http://schemas.openxmlformats.org/presentationml/2006/main">
+  <p:cSld>
+    <p:spTree>
+      <p:nvGrpSpPr>
+        <p:cNvPr id="1" name="Shape 304"/>
+        <p:cNvGrpSpPr/>
+        <p:nvPr/>
+      </p:nvGrpSpPr>
+      <p:grpSpPr>
+        <a:xfrm>
+          <a:off x="0" y="0"/>
+          <a:ext cx="0" cy="0"/>
+          <a:chOff x="0" y="0"/>
+          <a:chExt cx="0" cy="0"/>
+        </a:xfrm>
+      </p:grpSpPr>
+      <p:sp>
+        <p:nvSpPr>
+          <p:cNvPr id="305" name="Google Shape;305;p43"/>
+          <p:cNvSpPr txBox="1"/>
+          <p:nvPr/>
+        </p:nvSpPr>
+        <p:spPr>
+          <a:xfrm>
+            <a:off x="479575" y="463600"/>
+            <a:ext cx="10183200" cy="400200"/>
+          </a:xfrm>
+          <a:prstGeom prst="rect">
+            <a:avLst/>
+          </a:prstGeom>
+          <a:noFill/>
+          <a:ln>
+            <a:noFill/>
+          </a:ln>
+        </p:spPr>
+        <p:txBody>
+          <a:bodyPr spcFirstLastPara="1" wrap="square" lIns="91425" tIns="91425" rIns="91425" bIns="91425" anchor="t" anchorCtr="0">
+            <a:spAutoFit/>
+          </a:bodyPr>
+          <a:lstStyle/>
+          <a:p>
+            <a:pPr marL="0" lvl="0" indent="0" algn="l" rtl="0">
+              <a:spcBef>
+                <a:spcPts val="0"/>
+              </a:spcBef>
+              <a:spcAft>
+                <a:spcPts val="0"/>
+              </a:spcAft>
+              <a:buNone/>
+            </a:pPr>
+            <a:endParaRPr/>
+          </a:p>
+        </p:txBody>
+      </p:sp>
+      <p:sp>
+        <p:nvSpPr>
+          <p:cNvPr id="306" name="Google Shape;306;p43"/>
+          <p:cNvSpPr txBox="1"/>
+          <p:nvPr/>
+        </p:nvSpPr>
+        <p:spPr>
+          <a:xfrm>
+            <a:off x="926806" y="584825"/>
+            <a:ext cx="8872200" cy="1292631"/>
+          </a:xfrm>
+          <a:prstGeom prst="rect">
+            <a:avLst/>
+          </a:prstGeom>
+          <a:noFill/>
+          <a:ln>
+            <a:noFill/>
+          </a:ln>
+        </p:spPr>
+        <p:txBody>
+          <a:bodyPr spcFirstLastPara="1" wrap="square" lIns="91425" tIns="91425" rIns="91425" bIns="91425" anchor="t" anchorCtr="0">
+            <a:spAutoFit/>
+          </a:bodyPr>
+          <a:lstStyle/>
+          <a:p>
+            <a:r>
+              <a:rPr lang="en-US" sz="2400" b="1" dirty="0" err="1">
+                <a:latin typeface="EB Garamond"/>
+                <a:ea typeface="EB Garamond"/>
+              </a:rPr>
+              <a:t>XGBoost</a:t>
+            </a:r>
+            <a:r>
+              <a:rPr lang="en-US" sz="2400" b="1" dirty="0">
+                <a:latin typeface="EB Garamond"/>
+                <a:ea typeface="EB Garamond"/>
+              </a:rPr>
+              <a:t> without China Data</a:t>
+            </a:r>
+            <a:endParaRPr lang="en-US" sz="4800" b="1" dirty="0">
+              <a:latin typeface="EB Garamond"/>
+              <a:ea typeface="EB Garamond"/>
+            </a:endParaRPr>
+          </a:p>
+          <a:p>
+            <a:endParaRPr lang="en-US" sz="4800" b="1" dirty="0">
+              <a:latin typeface="EB Garamond"/>
+              <a:ea typeface="EB Garamond"/>
+            </a:endParaRPr>
+          </a:p>
+        </p:txBody>
+      </p:sp>
+      <p:pic>
+        <p:nvPicPr>
+          <p:cNvPr id="4" name="Picture 3">
+            <a:extLst>
+              <a:ext uri="{FF2B5EF4-FFF2-40B4-BE49-F238E27FC236}">
+                <a16:creationId xmlns:a16="http://schemas.microsoft.com/office/drawing/2014/main" id="{0EE5C75D-C5DA-F8DE-E2C7-E458F23D09CC}"/>
+              </a:ext>
+            </a:extLst>
+          </p:cNvPr>
+          <p:cNvPicPr>
+            <a:picLocks noChangeAspect="1"/>
+          </p:cNvPicPr>
+          <p:nvPr/>
+        </p:nvPicPr>
+        <p:blipFill>
+          <a:blip r:embed="rId3"/>
+          <a:stretch>
+            <a:fillRect/>
+          </a:stretch>
+        </p:blipFill>
+        <p:spPr>
+          <a:xfrm>
+            <a:off x="2638927" y="2289125"/>
+            <a:ext cx="6352673" cy="4105275"/>
+          </a:xfrm>
+          <a:prstGeom prst="rect">
+            <a:avLst/>
+          </a:prstGeom>
+        </p:spPr>
+      </p:pic>
+      <p:sp>
+        <p:nvSpPr>
+          <p:cNvPr id="6" name="Text Placeholder 5">
+            <a:extLst>
+              <a:ext uri="{FF2B5EF4-FFF2-40B4-BE49-F238E27FC236}">
+                <a16:creationId xmlns:a16="http://schemas.microsoft.com/office/drawing/2014/main" id="{387E0E1D-0915-C2A4-D999-D50EBCB8AFA6}"/>
+              </a:ext>
+            </a:extLst>
+          </p:cNvPr>
+          <p:cNvSpPr>
+            <a:spLocks noGrp="1"/>
+          </p:cNvSpPr>
+          <p:nvPr>
+            <p:ph type="body" idx="1"/>
+          </p:nvPr>
+        </p:nvSpPr>
+        <p:spPr/>
+        <p:txBody>
+          <a:bodyPr/>
+          <a:lstStyle/>
+          <a:p>
+            <a:r>
+              <a:rPr lang="en-US" sz="1200" dirty="0"/>
+              <a:t>China Covid data is not </a:t>
+            </a:r>
+            <a:r>
+              <a:rPr lang="en-US" sz="1200"/>
+              <a:t>that accurate so </a:t>
+            </a:r>
+            <a:r>
+              <a:rPr lang="en-US" sz="1200" dirty="0"/>
+              <a:t>we are trying to remove China data and try to implement the XG boost model</a:t>
+            </a:r>
+          </a:p>
+        </p:txBody>
+      </p:sp>
+    </p:spTree>
+    <p:extLst>
+      <p:ext uri="{BB962C8B-B14F-4D97-AF65-F5344CB8AC3E}">
+        <p14:creationId xmlns:p14="http://schemas.microsoft.com/office/powerpoint/2010/main" val="3906371468"/>
+      </p:ext>
+    </p:extLst>
+  </p:cSld>
+  <p:clrMapOvr>
+    <a:masterClrMapping/>
+  </p:clrMapOvr>
+</p:sld>
+</file>
+
+<file path=ppt/slides/slide32.xml><?xml version="1.0" encoding="utf-8"?>
 <p:sld xmlns:a="http://schemas.openxmlformats.org/drawingml/2006/main" xmlns:r="http://schemas.openxmlformats.org/officeDocument/2006/relationships" xmlns:p="http://schemas.openxmlformats.org/presentationml/2006/main">
   <p:cSld>
     <p:spTree>
